--- a/lecture-2/presentation-2.pptx
+++ b/lecture-2/presentation-2.pptx
@@ -3199,7 +3199,7 @@
           <a:p>
             <a:fld id="{E758746B-B0EA-CA41-BB8E-A8C6FE44757D}" type="datetimeFigureOut">
               <a:rPr lang="en-US"/>
-              <a:t>10/10/19</a:t>
+              <a:t>10/17/19</a:t>
             </a:fld>
             <a:endParaRPr lang="en-US" dirty="0"/>
           </a:p>
@@ -3614,7 +3614,7 @@
             <a:fld id="{B61BEF0D-F0BB-DE4B-95CE-6DB70DBA9567}" type="datetimeFigureOut">
               <a:rPr lang="en-US"/>
               <a:pPr/>
-              <a:t>10/10/19</a:t>
+              <a:t>10/17/19</a:t>
             </a:fld>
             <a:endParaRPr lang="en-US" dirty="0"/>
           </a:p>
@@ -3826,7 +3826,7 @@
             <a:fld id="{B61BEF0D-F0BB-DE4B-95CE-6DB70DBA9567}" type="datetimeFigureOut">
               <a:rPr lang="en-US"/>
               <a:pPr/>
-              <a:t>10/10/19</a:t>
+              <a:t>10/17/19</a:t>
             </a:fld>
             <a:endParaRPr lang="en-US" dirty="0"/>
           </a:p>
@@ -4048,7 +4048,7 @@
             <a:fld id="{B61BEF0D-F0BB-DE4B-95CE-6DB70DBA9567}" type="datetimeFigureOut">
               <a:rPr lang="en-US"/>
               <a:pPr/>
-              <a:t>10/10/19</a:t>
+              <a:t>10/17/19</a:t>
             </a:fld>
             <a:endParaRPr lang="en-US" dirty="0"/>
           </a:p>
@@ -4260,7 +4260,7 @@
             <a:fld id="{B61BEF0D-F0BB-DE4B-95CE-6DB70DBA9567}" type="datetimeFigureOut">
               <a:rPr lang="en-US"/>
               <a:pPr/>
-              <a:t>10/10/19</a:t>
+              <a:t>10/17/19</a:t>
             </a:fld>
             <a:endParaRPr lang="en-US" dirty="0"/>
           </a:p>
@@ -4549,7 +4549,7 @@
             <a:fld id="{B61BEF0D-F0BB-DE4B-95CE-6DB70DBA9567}" type="datetimeFigureOut">
               <a:rPr lang="en-US"/>
               <a:pPr/>
-              <a:t>10/10/19</a:t>
+              <a:t>10/17/19</a:t>
             </a:fld>
             <a:endParaRPr lang="en-US" dirty="0"/>
           </a:p>
@@ -4828,7 +4828,7 @@
             <a:fld id="{B61BEF0D-F0BB-DE4B-95CE-6DB70DBA9567}" type="datetimeFigureOut">
               <a:rPr lang="en-US"/>
               <a:pPr/>
-              <a:t>10/10/19</a:t>
+              <a:t>10/17/19</a:t>
             </a:fld>
             <a:endParaRPr lang="en-US" dirty="0"/>
           </a:p>
@@ -5254,7 +5254,7 @@
             <a:fld id="{B61BEF0D-F0BB-DE4B-95CE-6DB70DBA9567}" type="datetimeFigureOut">
               <a:rPr lang="en-US"/>
               <a:pPr/>
-              <a:t>10/10/19</a:t>
+              <a:t>10/17/19</a:t>
             </a:fld>
             <a:endParaRPr lang="en-US" dirty="0"/>
           </a:p>
@@ -5397,7 +5397,7 @@
             <a:fld id="{B61BEF0D-F0BB-DE4B-95CE-6DB70DBA9567}" type="datetimeFigureOut">
               <a:rPr lang="en-US"/>
               <a:pPr/>
-              <a:t>10/10/19</a:t>
+              <a:t>10/17/19</a:t>
             </a:fld>
             <a:endParaRPr lang="en-US" dirty="0"/>
           </a:p>
@@ -5524,7 +5524,7 @@
             <a:fld id="{B61BEF0D-F0BB-DE4B-95CE-6DB70DBA9567}" type="datetimeFigureOut">
               <a:rPr lang="en-US"/>
               <a:pPr/>
-              <a:t>10/10/19</a:t>
+              <a:t>10/17/19</a:t>
             </a:fld>
             <a:endParaRPr lang="en-US" dirty="0"/>
           </a:p>
@@ -5849,7 +5849,7 @@
             <a:fld id="{B61BEF0D-F0BB-DE4B-95CE-6DB70DBA9567}" type="datetimeFigureOut">
               <a:rPr lang="en-US"/>
               <a:pPr/>
-              <a:t>10/10/19</a:t>
+              <a:t>10/17/19</a:t>
             </a:fld>
             <a:endParaRPr lang="en-US" dirty="0"/>
           </a:p>
@@ -6151,7 +6151,7 @@
             <a:fld id="{B61BEF0D-F0BB-DE4B-95CE-6DB70DBA9567}" type="datetimeFigureOut">
               <a:rPr lang="en-US"/>
               <a:pPr/>
-              <a:t>10/10/19</a:t>
+              <a:t>10/17/19</a:t>
             </a:fld>
             <a:endParaRPr lang="en-US" dirty="0"/>
           </a:p>
@@ -6406,7 +6406,7 @@
             <a:fld id="{B61BEF0D-F0BB-DE4B-95CE-6DB70DBA9567}" type="datetimeFigureOut">
               <a:rPr lang="en-US"/>
               <a:pPr/>
-              <a:t>10/10/19</a:t>
+              <a:t>10/17/19</a:t>
             </a:fld>
             <a:endParaRPr lang="en-US" dirty="0"/>
           </a:p>
@@ -11642,47 +11642,415 @@
           </a:fontRef>
         </p:style>
       </p:cxnSp>
-      <p:sp>
-        <p:nvSpPr>
-          <p:cNvPr id="3" name="Content Placeholder 2">
-            <a:extLst>
-              <a:ext uri="{FF2B5EF4-FFF2-40B4-BE49-F238E27FC236}">
-                <a16:creationId xmlns:a16="http://schemas.microsoft.com/office/drawing/2014/main" id="{A602302E-CFBE-BA46-A497-5E7A00F2A596}"/>
-              </a:ext>
-            </a:extLst>
-          </p:cNvPr>
-          <p:cNvSpPr>
-            <a:spLocks noGrp="1"/>
-          </p:cNvSpPr>
-          <p:nvPr>
-            <p:ph idx="1"/>
-          </p:nvPr>
-        </p:nvSpPr>
-        <p:spPr>
-          <a:xfrm>
-            <a:off x="4976031" y="963877"/>
-            <a:ext cx="6377769" cy="4930246"/>
-          </a:xfrm>
-        </p:spPr>
-        <p:txBody>
-          <a:bodyPr anchor="ctr">
-            <a:normAutofit/>
-          </a:bodyPr>
-          <a:lstStyle/>
-          <a:p>
-            <a:r>
-              <a:rPr lang="en-US" sz="2400" dirty="0"/>
-              <a:t>Using join to time a child process</a:t>
-            </a:r>
-          </a:p>
-          <a:p>
-            <a:r>
-              <a:rPr lang="en-US" sz="2400" dirty="0"/>
-              <a:t>Compare speedup between sequential and parallel variants</a:t>
-            </a:r>
-          </a:p>
-        </p:txBody>
-      </p:sp>
+      <mc:AlternateContent xmlns:mc="http://schemas.openxmlformats.org/markup-compatibility/2006">
+        <mc:Choice xmlns:a14="http://schemas.microsoft.com/office/drawing/2010/main" Requires="a14">
+          <p:sp>
+            <p:nvSpPr>
+              <p:cNvPr id="3" name="Content Placeholder 2">
+                <a:extLst>
+                  <a:ext uri="{FF2B5EF4-FFF2-40B4-BE49-F238E27FC236}">
+                    <a16:creationId xmlns:a16="http://schemas.microsoft.com/office/drawing/2014/main" id="{A602302E-CFBE-BA46-A497-5E7A00F2A596}"/>
+                  </a:ext>
+                </a:extLst>
+              </p:cNvPr>
+              <p:cNvSpPr>
+                <a:spLocks noGrp="1"/>
+              </p:cNvSpPr>
+              <p:nvPr>
+                <p:ph idx="1"/>
+              </p:nvPr>
+            </p:nvSpPr>
+            <p:spPr>
+              <a:xfrm>
+                <a:off x="4976031" y="963877"/>
+                <a:ext cx="6377769" cy="4930246"/>
+              </a:xfrm>
+            </p:spPr>
+            <p:txBody>
+              <a:bodyPr anchor="ctr">
+                <a:normAutofit/>
+              </a:bodyPr>
+              <a:lstStyle/>
+              <a:p>
+                <a:r>
+                  <a:rPr lang="en-US" sz="2400" dirty="0"/>
+                  <a:t>Using join to time a child process.</a:t>
+                </a:r>
+              </a:p>
+              <a:p>
+                <a:r>
+                  <a:rPr lang="en-US" sz="2400" dirty="0"/>
+                  <a:t>Calculate relative speedup </a:t>
+                </a:r>
+                <a14:m>
+                  <m:oMath xmlns:m="http://schemas.openxmlformats.org/officeDocument/2006/math">
+                    <m:r>
+                      <a:rPr lang="en-US" sz="2400" b="0" i="1">
+                        <a:latin typeface="Cambria Math" panose="02040503050406030204" pitchFamily="18" charset="0"/>
+                      </a:rPr>
+                      <m:t>𝑆</m:t>
+                    </m:r>
+                    <m:r>
+                      <a:rPr lang="en-US" sz="2400" b="0" i="1">
+                        <a:latin typeface="Cambria Math" panose="02040503050406030204" pitchFamily="18" charset="0"/>
+                      </a:rPr>
+                      <m:t>=</m:t>
+                    </m:r>
+                    <m:f>
+                      <m:fPr>
+                        <m:ctrlPr>
+                          <a:rPr lang="en-US" sz="2400" b="0" i="1">
+                            <a:latin typeface="Cambria Math" panose="02040503050406030204" pitchFamily="18" charset="0"/>
+                          </a:rPr>
+                        </m:ctrlPr>
+                      </m:fPr>
+                      <m:num>
+                        <m:sSub>
+                          <m:sSubPr>
+                            <m:ctrlPr>
+                              <a:rPr lang="en-US" sz="2400" b="0" i="1">
+                                <a:latin typeface="Cambria Math" panose="02040503050406030204" pitchFamily="18" charset="0"/>
+                              </a:rPr>
+                            </m:ctrlPr>
+                          </m:sSubPr>
+                          <m:e>
+                            <m:r>
+                              <a:rPr lang="en-US" sz="2400" b="0" i="1">
+                                <a:latin typeface="Cambria Math" panose="02040503050406030204" pitchFamily="18" charset="0"/>
+                              </a:rPr>
+                              <m:t>𝑇</m:t>
+                            </m:r>
+                          </m:e>
+                          <m:sub>
+                            <m:r>
+                              <a:rPr lang="en-US" sz="2400" b="0" i="1">
+                                <a:latin typeface="Cambria Math" panose="02040503050406030204" pitchFamily="18" charset="0"/>
+                              </a:rPr>
+                              <m:t>1</m:t>
+                            </m:r>
+                          </m:sub>
+                        </m:sSub>
+                      </m:num>
+                      <m:den>
+                        <m:sSub>
+                          <m:sSubPr>
+                            <m:ctrlPr>
+                              <a:rPr lang="en-US" sz="2400" b="0" i="1">
+                                <a:latin typeface="Cambria Math" panose="02040503050406030204" pitchFamily="18" charset="0"/>
+                              </a:rPr>
+                            </m:ctrlPr>
+                          </m:sSubPr>
+                          <m:e>
+                            <m:r>
+                              <a:rPr lang="en-US" sz="2400" b="0" i="1">
+                                <a:latin typeface="Cambria Math" panose="02040503050406030204" pitchFamily="18" charset="0"/>
+                              </a:rPr>
+                              <m:t>𝑇</m:t>
+                            </m:r>
+                          </m:e>
+                          <m:sub>
+                            <m:r>
+                              <a:rPr lang="en-US" sz="2400" b="0" i="1">
+                                <a:latin typeface="Cambria Math" panose="02040503050406030204" pitchFamily="18" charset="0"/>
+                              </a:rPr>
+                              <m:t>𝑃</m:t>
+                            </m:r>
+                          </m:sub>
+                        </m:sSub>
+                      </m:den>
+                    </m:f>
+                  </m:oMath>
+                </a14:m>
+                <a:r>
+                  <a:rPr lang="en-US" sz="2400" b="0" dirty="0"/>
+                  <a:t> and absolute speedup </a:t>
+                </a:r>
+                <a14:m>
+                  <m:oMath xmlns:m="http://schemas.openxmlformats.org/officeDocument/2006/math">
+                    <m:sSup>
+                      <m:sSupPr>
+                        <m:ctrlPr>
+                          <a:rPr lang="en-US" sz="2400" b="0" i="1">
+                            <a:latin typeface="Cambria Math" panose="02040503050406030204" pitchFamily="18" charset="0"/>
+                          </a:rPr>
+                        </m:ctrlPr>
+                      </m:sSupPr>
+                      <m:e>
+                        <m:r>
+                          <a:rPr lang="en-US" sz="2400" b="0" i="1">
+                            <a:latin typeface="Cambria Math" panose="02040503050406030204" pitchFamily="18" charset="0"/>
+                          </a:rPr>
+                          <m:t>𝑆</m:t>
+                        </m:r>
+                      </m:e>
+                      <m:sup>
+                        <m:r>
+                          <a:rPr lang="en-US" sz="2400" b="0" i="1">
+                            <a:latin typeface="Cambria Math" panose="02040503050406030204" pitchFamily="18" charset="0"/>
+                          </a:rPr>
+                          <m:t>∗</m:t>
+                        </m:r>
+                      </m:sup>
+                    </m:sSup>
+                    <m:r>
+                      <a:rPr lang="en-US" sz="2400" b="0" i="1">
+                        <a:latin typeface="Cambria Math" panose="02040503050406030204" pitchFamily="18" charset="0"/>
+                      </a:rPr>
+                      <m:t>=</m:t>
+                    </m:r>
+                    <m:f>
+                      <m:fPr>
+                        <m:ctrlPr>
+                          <a:rPr lang="en-US" sz="2400" b="0" i="1">
+                            <a:latin typeface="Cambria Math" panose="02040503050406030204" pitchFamily="18" charset="0"/>
+                          </a:rPr>
+                        </m:ctrlPr>
+                      </m:fPr>
+                      <m:num>
+                        <m:sSubSup>
+                          <m:sSubSupPr>
+                            <m:ctrlPr>
+                              <a:rPr lang="en-US" sz="2400" b="0" i="1">
+                                <a:latin typeface="Cambria Math" panose="02040503050406030204" pitchFamily="18" charset="0"/>
+                              </a:rPr>
+                            </m:ctrlPr>
+                          </m:sSubSupPr>
+                          <m:e>
+                            <m:r>
+                              <a:rPr lang="en-US" sz="2400" b="0" i="1">
+                                <a:latin typeface="Cambria Math" panose="02040503050406030204" pitchFamily="18" charset="0"/>
+                              </a:rPr>
+                              <m:t>𝑇</m:t>
+                            </m:r>
+                          </m:e>
+                          <m:sub>
+                            <m:r>
+                              <a:rPr lang="en-US" sz="2400" b="0" i="1">
+                                <a:latin typeface="Cambria Math" panose="02040503050406030204" pitchFamily="18" charset="0"/>
+                              </a:rPr>
+                              <m:t>1</m:t>
+                            </m:r>
+                          </m:sub>
+                          <m:sup>
+                            <m:r>
+                              <a:rPr lang="en-US" sz="2400" b="0" i="1">
+                                <a:latin typeface="Cambria Math" panose="02040503050406030204" pitchFamily="18" charset="0"/>
+                              </a:rPr>
+                              <m:t>∗</m:t>
+                            </m:r>
+                          </m:sup>
+                        </m:sSubSup>
+                      </m:num>
+                      <m:den>
+                        <m:sSub>
+                          <m:sSubPr>
+                            <m:ctrlPr>
+                              <a:rPr lang="en-US" sz="2400" b="0" i="1">
+                                <a:latin typeface="Cambria Math" panose="02040503050406030204" pitchFamily="18" charset="0"/>
+                              </a:rPr>
+                            </m:ctrlPr>
+                          </m:sSubPr>
+                          <m:e>
+                            <m:r>
+                              <a:rPr lang="en-US" sz="2400" b="0" i="1">
+                                <a:latin typeface="Cambria Math" panose="02040503050406030204" pitchFamily="18" charset="0"/>
+                              </a:rPr>
+                              <m:t>𝑇</m:t>
+                            </m:r>
+                          </m:e>
+                          <m:sub>
+                            <m:r>
+                              <a:rPr lang="en-US" sz="2400" b="0" i="1">
+                                <a:latin typeface="Cambria Math" panose="02040503050406030204" pitchFamily="18" charset="0"/>
+                              </a:rPr>
+                              <m:t>𝑃</m:t>
+                            </m:r>
+                          </m:sub>
+                        </m:sSub>
+                      </m:den>
+                    </m:f>
+                  </m:oMath>
+                </a14:m>
+                <a:r>
+                  <a:rPr lang="en-US" sz="2400" b="0" dirty="0"/>
+                  <a:t>.</a:t>
+                </a:r>
+              </a:p>
+              <a:p>
+                <a:r>
+                  <a:rPr lang="en-US" sz="2400" dirty="0"/>
+                  <a:t>Amdahl’s law </a:t>
+                </a:r>
+                <a14:m>
+                  <m:oMath xmlns:m="http://schemas.openxmlformats.org/officeDocument/2006/math">
+                    <m:r>
+                      <a:rPr lang="en-US" sz="2400" b="0" i="1">
+                        <a:latin typeface="Cambria Math" panose="02040503050406030204" pitchFamily="18" charset="0"/>
+                      </a:rPr>
+                      <m:t>𝑆</m:t>
+                    </m:r>
+                    <m:r>
+                      <a:rPr lang="en-US" sz="2400" b="0" i="1">
+                        <a:latin typeface="Cambria Math" panose="02040503050406030204" pitchFamily="18" charset="0"/>
+                      </a:rPr>
+                      <m:t>=</m:t>
+                    </m:r>
+                    <m:f>
+                      <m:fPr>
+                        <m:ctrlPr>
+                          <a:rPr lang="en-US" sz="2400" b="0" i="1">
+                            <a:latin typeface="Cambria Math" panose="02040503050406030204" pitchFamily="18" charset="0"/>
+                          </a:rPr>
+                        </m:ctrlPr>
+                      </m:fPr>
+                      <m:num>
+                        <m:r>
+                          <a:rPr lang="en-US" sz="2400" b="0" i="1">
+                            <a:latin typeface="Cambria Math" panose="02040503050406030204" pitchFamily="18" charset="0"/>
+                          </a:rPr>
+                          <m:t>1</m:t>
+                        </m:r>
+                      </m:num>
+                      <m:den>
+                        <m:f>
+                          <m:fPr>
+                            <m:ctrlPr>
+                              <a:rPr lang="en-US" sz="2400" b="0" i="1">
+                                <a:latin typeface="Cambria Math" panose="02040503050406030204" pitchFamily="18" charset="0"/>
+                              </a:rPr>
+                            </m:ctrlPr>
+                          </m:fPr>
+                          <m:num>
+                            <m:sSub>
+                              <m:sSubPr>
+                                <m:ctrlPr>
+                                  <a:rPr lang="en-US" sz="2400" b="0" i="1">
+                                    <a:latin typeface="Cambria Math" panose="02040503050406030204" pitchFamily="18" charset="0"/>
+                                  </a:rPr>
+                                </m:ctrlPr>
+                              </m:sSubPr>
+                              <m:e>
+                                <m:r>
+                                  <a:rPr lang="en-US" sz="2400" b="0" i="1">
+                                    <a:latin typeface="Cambria Math" panose="02040503050406030204" pitchFamily="18" charset="0"/>
+                                  </a:rPr>
+                                  <m:t>𝑓</m:t>
+                                </m:r>
+                              </m:e>
+                              <m:sub>
+                                <m:r>
+                                  <a:rPr lang="en-US" sz="2400" b="0" i="1">
+                                    <a:latin typeface="Cambria Math" panose="02040503050406030204" pitchFamily="18" charset="0"/>
+                                  </a:rPr>
+                                  <m:t>𝑝𝑎𝑟</m:t>
+                                </m:r>
+                              </m:sub>
+                            </m:sSub>
+                          </m:num>
+                          <m:den>
+                            <m:r>
+                              <a:rPr lang="en-US" sz="2400" b="0" i="1">
+                                <a:latin typeface="Cambria Math" panose="02040503050406030204" pitchFamily="18" charset="0"/>
+                              </a:rPr>
+                              <m:t>𝑃</m:t>
+                            </m:r>
+                          </m:den>
+                        </m:f>
+                        <m:r>
+                          <a:rPr lang="en-US" sz="2400" b="0" i="1">
+                            <a:latin typeface="Cambria Math" panose="02040503050406030204" pitchFamily="18" charset="0"/>
+                          </a:rPr>
+                          <m:t>+1−</m:t>
+                        </m:r>
+                        <m:sSub>
+                          <m:sSubPr>
+                            <m:ctrlPr>
+                              <a:rPr lang="en-US" sz="2400" b="0" i="1">
+                                <a:latin typeface="Cambria Math" panose="02040503050406030204" pitchFamily="18" charset="0"/>
+                              </a:rPr>
+                            </m:ctrlPr>
+                          </m:sSubPr>
+                          <m:e>
+                            <m:r>
+                              <a:rPr lang="en-US" sz="2400" b="0" i="1">
+                                <a:latin typeface="Cambria Math" panose="02040503050406030204" pitchFamily="18" charset="0"/>
+                              </a:rPr>
+                              <m:t>𝑓</m:t>
+                            </m:r>
+                          </m:e>
+                          <m:sub>
+                            <m:r>
+                              <a:rPr lang="en-US" sz="2400" b="0" i="1">
+                                <a:latin typeface="Cambria Math" panose="02040503050406030204" pitchFamily="18" charset="0"/>
+                              </a:rPr>
+                              <m:t>𝑝𝑎𝑟</m:t>
+                            </m:r>
+                          </m:sub>
+                        </m:sSub>
+                      </m:den>
+                    </m:f>
+                  </m:oMath>
+                </a14:m>
+                <a:r>
+                  <a:rPr lang="en-US" sz="2400" dirty="0"/>
+                  <a:t>, where f</a:t>
+                </a:r>
+                <a:r>
+                  <a:rPr lang="en-US" sz="2400" baseline="-25000" dirty="0"/>
+                  <a:t>par</a:t>
+                </a:r>
+                <a:r>
+                  <a:rPr lang="en-US" sz="2400" dirty="0"/>
+                  <a:t> is the parallel fraction of the code and P is the number of processors.</a:t>
+                </a:r>
+              </a:p>
+            </p:txBody>
+          </p:sp>
+        </mc:Choice>
+        <mc:Fallback>
+          <p:sp>
+            <p:nvSpPr>
+              <p:cNvPr id="3" name="Content Placeholder 2">
+                <a:extLst>
+                  <a:ext uri="{FF2B5EF4-FFF2-40B4-BE49-F238E27FC236}">
+                    <a16:creationId xmlns:a16="http://schemas.microsoft.com/office/drawing/2014/main" id="{A602302E-CFBE-BA46-A497-5E7A00F2A596}"/>
+                  </a:ext>
+                </a:extLst>
+              </p:cNvPr>
+              <p:cNvSpPr>
+                <a:spLocks noGrp="1" noRot="1" noChangeAspect="1" noMove="1" noResize="1" noEditPoints="1" noAdjustHandles="1" noChangeArrowheads="1" noChangeShapeType="1" noTextEdit="1"/>
+              </p:cNvSpPr>
+              <p:nvPr>
+                <p:ph idx="1"/>
+              </p:nvPr>
+            </p:nvSpPr>
+            <p:spPr>
+              <a:xfrm>
+                <a:off x="4976031" y="963877"/>
+                <a:ext cx="6377769" cy="4930246"/>
+              </a:xfrm>
+              <a:blipFill>
+                <a:blip r:embed="rId2"/>
+                <a:stretch>
+                  <a:fillRect l="-1193" r="-398"/>
+                </a:stretch>
+              </a:blipFill>
+            </p:spPr>
+            <p:txBody>
+              <a:bodyPr/>
+              <a:lstStyle/>
+              <a:p>
+                <a:r>
+                  <a:rPr lang="en-US">
+                    <a:noFill/>
+                  </a:rPr>
+                  <a:t> </a:t>
+                </a:r>
+              </a:p>
+            </p:txBody>
+          </p:sp>
+        </mc:Fallback>
+      </mc:AlternateContent>
     </p:spTree>
     <p:extLst>
       <p:ext uri="{BB962C8B-B14F-4D97-AF65-F5344CB8AC3E}">
@@ -11890,6 +12258,109 @@
                                           <p:spTgt spid="3">
                                             <p:txEl>
                                               <p:pRg st="1" end="1"/>
+                                            </p:txEl>
+                                          </p:spTgt>
+                                        </p:tgtEl>
+                                        <p:attrNameLst>
+                                          <p:attrName>ppt_y</p:attrName>
+                                        </p:attrNameLst>
+                                      </p:cBhvr>
+                                      <p:tavLst>
+                                        <p:tav tm="0">
+                                          <p:val>
+                                            <p:strVal val="1+#ppt_h/2"/>
+                                          </p:val>
+                                        </p:tav>
+                                        <p:tav tm="100000">
+                                          <p:val>
+                                            <p:strVal val="#ppt_y"/>
+                                          </p:val>
+                                        </p:tav>
+                                      </p:tavLst>
+                                    </p:anim>
+                                  </p:childTnLst>
+                                </p:cTn>
+                              </p:par>
+                            </p:childTnLst>
+                          </p:cTn>
+                        </p:par>
+                      </p:childTnLst>
+                    </p:cTn>
+                  </p:par>
+                  <p:par>
+                    <p:cTn id="15" fill="hold">
+                      <p:stCondLst>
+                        <p:cond delay="indefinite"/>
+                      </p:stCondLst>
+                      <p:childTnLst>
+                        <p:par>
+                          <p:cTn id="16" fill="hold">
+                            <p:stCondLst>
+                              <p:cond delay="0"/>
+                            </p:stCondLst>
+                            <p:childTnLst>
+                              <p:par>
+                                <p:cTn id="17" presetID="2" presetClass="entr" presetSubtype="4" fill="hold" grpId="0" nodeType="clickEffect">
+                                  <p:stCondLst>
+                                    <p:cond delay="0"/>
+                                  </p:stCondLst>
+                                  <p:childTnLst>
+                                    <p:set>
+                                      <p:cBhvr>
+                                        <p:cTn id="18" dur="1" fill="hold">
+                                          <p:stCondLst>
+                                            <p:cond delay="0"/>
+                                          </p:stCondLst>
+                                        </p:cTn>
+                                        <p:tgtEl>
+                                          <p:spTgt spid="3">
+                                            <p:txEl>
+                                              <p:pRg st="2" end="2"/>
+                                            </p:txEl>
+                                          </p:spTgt>
+                                        </p:tgtEl>
+                                        <p:attrNameLst>
+                                          <p:attrName>style.visibility</p:attrName>
+                                        </p:attrNameLst>
+                                      </p:cBhvr>
+                                      <p:to>
+                                        <p:strVal val="visible"/>
+                                      </p:to>
+                                    </p:set>
+                                    <p:anim calcmode="lin" valueType="num">
+                                      <p:cBhvr additive="base">
+                                        <p:cTn id="19" dur="500" fill="hold"/>
+                                        <p:tgtEl>
+                                          <p:spTgt spid="3">
+                                            <p:txEl>
+                                              <p:pRg st="2" end="2"/>
+                                            </p:txEl>
+                                          </p:spTgt>
+                                        </p:tgtEl>
+                                        <p:attrNameLst>
+                                          <p:attrName>ppt_x</p:attrName>
+                                        </p:attrNameLst>
+                                      </p:cBhvr>
+                                      <p:tavLst>
+                                        <p:tav tm="0">
+                                          <p:val>
+                                            <p:strVal val="#ppt_x"/>
+                                          </p:val>
+                                        </p:tav>
+                                        <p:tav tm="100000">
+                                          <p:val>
+                                            <p:strVal val="#ppt_x"/>
+                                          </p:val>
+                                        </p:tav>
+                                      </p:tavLst>
+                                    </p:anim>
+                                    <p:anim calcmode="lin" valueType="num">
+                                      <p:cBhvr additive="base">
+                                        <p:cTn id="20" dur="500" fill="hold"/>
+                                        <p:tgtEl>
+                                          <p:spTgt spid="3">
+                                            <p:txEl>
+                                              <p:pRg st="2" end="2"/>
                                             </p:txEl>
                                           </p:spTgt>
                                         </p:tgtEl>

--- a/lecture-2/presentation-2.pptx
+++ b/lecture-2/presentation-2.pptx
@@ -11873,6 +11873,78 @@
                 </a14:m>
                 <a:r>
                   <a:rPr lang="en-US" sz="2400" b="0" dirty="0"/>
+                  <a:t>. Parallelism is </a:t>
+                </a:r>
+                <a14:m>
+                  <m:oMath xmlns:m="http://schemas.openxmlformats.org/officeDocument/2006/math">
+                    <m:f>
+                      <m:fPr>
+                        <m:ctrlPr>
+                          <a:rPr lang="en-US" sz="2400" i="1">
+                            <a:latin typeface="Cambria Math" panose="02040503050406030204" pitchFamily="18" charset="0"/>
+                          </a:rPr>
+                        </m:ctrlPr>
+                      </m:fPr>
+                      <m:num>
+                        <m:sSub>
+                          <m:sSubPr>
+                            <m:ctrlPr>
+                              <a:rPr lang="en-US" sz="2400" i="1">
+                                <a:latin typeface="Cambria Math" panose="02040503050406030204" pitchFamily="18" charset="0"/>
+                              </a:rPr>
+                            </m:ctrlPr>
+                          </m:sSubPr>
+                          <m:e>
+                            <m:r>
+                              <a:rPr lang="en-US" sz="2400" i="1">
+                                <a:latin typeface="Cambria Math" panose="02040503050406030204" pitchFamily="18" charset="0"/>
+                              </a:rPr>
+                              <m:t>𝑇</m:t>
+                            </m:r>
+                          </m:e>
+                          <m:sub>
+                            <m:r>
+                              <a:rPr lang="en-US" sz="2400" i="1">
+                                <a:latin typeface="Cambria Math" panose="02040503050406030204" pitchFamily="18" charset="0"/>
+                              </a:rPr>
+                              <m:t>1</m:t>
+                            </m:r>
+                          </m:sub>
+                        </m:sSub>
+                      </m:num>
+                      <m:den>
+                        <m:sSub>
+                          <m:sSubPr>
+                            <m:ctrlPr>
+                              <a:rPr lang="en-US" sz="2400" i="1">
+                                <a:latin typeface="Cambria Math" panose="02040503050406030204" pitchFamily="18" charset="0"/>
+                              </a:rPr>
+                            </m:ctrlPr>
+                          </m:sSubPr>
+                          <m:e>
+                            <m:r>
+                              <a:rPr lang="en-US" sz="2400" i="1">
+                                <a:latin typeface="Cambria Math" panose="02040503050406030204" pitchFamily="18" charset="0"/>
+                              </a:rPr>
+                              <m:t>𝑇</m:t>
+                            </m:r>
+                          </m:e>
+                          <m:sub>
+                            <m:r>
+                              <a:rPr lang="en-US" sz="2400" i="1">
+                                <a:latin typeface="Cambria Math" panose="02040503050406030204" pitchFamily="18" charset="0"/>
+                                <a:ea typeface="Cambria Math" panose="02040503050406030204" pitchFamily="18" charset="0"/>
+                              </a:rPr>
+                              <m:t>∞</m:t>
+                            </m:r>
+                          </m:sub>
+                        </m:sSub>
+                      </m:den>
+                    </m:f>
+                  </m:oMath>
+                </a14:m>
+                <a:r>
+                  <a:rPr lang="en-US" sz="2400" dirty="0"/>
                   <a:t>.</a:t>
                 </a:r>
               </a:p>

--- a/lecture-2/presentation-2.pptx
+++ b/lecture-2/presentation-2.pptx
@@ -5,7 +5,7 @@
     <p:sldMasterId id="2147483764" r:id="rId1"/>
   </p:sldMasterIdLst>
   <p:notesMasterIdLst>
-    <p:notesMasterId r:id="rId11"/>
+    <p:notesMasterId r:id="rId12"/>
   </p:notesMasterIdLst>
   <p:sldIdLst>
     <p:sldId id="256" r:id="rId2"/>
@@ -15,8 +15,9 @@
     <p:sldId id="309" r:id="rId6"/>
     <p:sldId id="310" r:id="rId7"/>
     <p:sldId id="313" r:id="rId8"/>
-    <p:sldId id="314" r:id="rId9"/>
-    <p:sldId id="312" r:id="rId10"/>
+    <p:sldId id="315" r:id="rId9"/>
+    <p:sldId id="314" r:id="rId10"/>
+    <p:sldId id="312" r:id="rId11"/>
   </p:sldIdLst>
   <p:sldSz cx="12192000" cy="6858000"/>
   <p:notesSz cx="6858000" cy="9144000"/>
@@ -3199,7 +3200,7 @@
           <a:p>
             <a:fld id="{E758746B-B0EA-CA41-BB8E-A8C6FE44757D}" type="datetimeFigureOut">
               <a:rPr lang="en-US"/>
-              <a:t>10/17/19</a:t>
+              <a:t>10/21/19</a:t>
             </a:fld>
             <a:endParaRPr lang="en-US" dirty="0"/>
           </a:p>
@@ -3466,6 +3467,90 @@
 </p:notesMaster>
 </file>
 
+<file path=ppt/notesSlides/notesSlide1.xml><?xml version="1.0" encoding="utf-8"?>
+<p:notes xmlns:a="http://schemas.openxmlformats.org/drawingml/2006/main" xmlns:r="http://schemas.openxmlformats.org/officeDocument/2006/relationships" xmlns:p="http://schemas.openxmlformats.org/presentationml/2006/main">
+  <p:cSld>
+    <p:spTree>
+      <p:nvGrpSpPr>
+        <p:cNvPr id="1" name=""/>
+        <p:cNvGrpSpPr/>
+        <p:nvPr/>
+      </p:nvGrpSpPr>
+      <p:grpSpPr>
+        <a:xfrm>
+          <a:off x="0" y="0"/>
+          <a:ext cx="0" cy="0"/>
+          <a:chOff x="0" y="0"/>
+          <a:chExt cx="0" cy="0"/>
+        </a:xfrm>
+      </p:grpSpPr>
+      <p:sp>
+        <p:nvSpPr>
+          <p:cNvPr id="2" name="Slide Image Placeholder 1"/>
+          <p:cNvSpPr>
+            <a:spLocks noGrp="1" noRot="1" noChangeAspect="1"/>
+          </p:cNvSpPr>
+          <p:nvPr>
+            <p:ph type="sldImg"/>
+          </p:nvPr>
+        </p:nvSpPr>
+        <p:spPr/>
+      </p:sp>
+      <p:sp>
+        <p:nvSpPr>
+          <p:cNvPr id="3" name="Notes Placeholder 2"/>
+          <p:cNvSpPr>
+            <a:spLocks noGrp="1"/>
+          </p:cNvSpPr>
+          <p:nvPr>
+            <p:ph type="body" idx="1"/>
+          </p:nvPr>
+        </p:nvSpPr>
+        <p:spPr/>
+        <p:txBody>
+          <a:bodyPr/>
+          <a:lstStyle/>
+          <a:p>
+            <a:endParaRPr lang="en-US"/>
+          </a:p>
+        </p:txBody>
+      </p:sp>
+      <p:sp>
+        <p:nvSpPr>
+          <p:cNvPr id="4" name="Slide Number Placeholder 3"/>
+          <p:cNvSpPr>
+            <a:spLocks noGrp="1"/>
+          </p:cNvSpPr>
+          <p:nvPr>
+            <p:ph type="sldNum" sz="quarter" idx="5"/>
+          </p:nvPr>
+        </p:nvSpPr>
+        <p:spPr/>
+        <p:txBody>
+          <a:bodyPr/>
+          <a:lstStyle/>
+          <a:p>
+            <a:fld id="{488DFEC0-A4ED-6E4A-B0B6-6FC7C158168F}" type="slidenum">
+              <a:rPr lang="en-US"/>
+              <a:t>8</a:t>
+            </a:fld>
+            <a:endParaRPr lang="en-US" dirty="0"/>
+          </a:p>
+        </p:txBody>
+      </p:sp>
+    </p:spTree>
+    <p:extLst>
+      <p:ext uri="{BB962C8B-B14F-4D97-AF65-F5344CB8AC3E}">
+        <p14:creationId xmlns:p14="http://schemas.microsoft.com/office/powerpoint/2010/main" val="2845327195"/>
+      </p:ext>
+    </p:extLst>
+  </p:cSld>
+  <p:clrMapOvr>
+    <a:masterClrMapping/>
+  </p:clrMapOvr>
+</p:notes>
+</file>
+
 <file path=ppt/slideLayouts/slideLayout1.xml><?xml version="1.0" encoding="utf-8"?>
 <p:sldLayout xmlns:a="http://schemas.openxmlformats.org/drawingml/2006/main" xmlns:r="http://schemas.openxmlformats.org/officeDocument/2006/relationships" xmlns:p="http://schemas.openxmlformats.org/presentationml/2006/main" type="title" preserve="1">
   <p:cSld name="Title Slide">
@@ -3614,7 +3699,7 @@
             <a:fld id="{B61BEF0D-F0BB-DE4B-95CE-6DB70DBA9567}" type="datetimeFigureOut">
               <a:rPr lang="en-US"/>
               <a:pPr/>
-              <a:t>10/17/19</a:t>
+              <a:t>10/21/19</a:t>
             </a:fld>
             <a:endParaRPr lang="en-US" dirty="0"/>
           </a:p>
@@ -3826,7 +3911,7 @@
             <a:fld id="{B61BEF0D-F0BB-DE4B-95CE-6DB70DBA9567}" type="datetimeFigureOut">
               <a:rPr lang="en-US"/>
               <a:pPr/>
-              <a:t>10/17/19</a:t>
+              <a:t>10/21/19</a:t>
             </a:fld>
             <a:endParaRPr lang="en-US" dirty="0"/>
           </a:p>
@@ -4048,7 +4133,7 @@
             <a:fld id="{B61BEF0D-F0BB-DE4B-95CE-6DB70DBA9567}" type="datetimeFigureOut">
               <a:rPr lang="en-US"/>
               <a:pPr/>
-              <a:t>10/17/19</a:t>
+              <a:t>10/21/19</a:t>
             </a:fld>
             <a:endParaRPr lang="en-US" dirty="0"/>
           </a:p>
@@ -4260,7 +4345,7 @@
             <a:fld id="{B61BEF0D-F0BB-DE4B-95CE-6DB70DBA9567}" type="datetimeFigureOut">
               <a:rPr lang="en-US"/>
               <a:pPr/>
-              <a:t>10/17/19</a:t>
+              <a:t>10/21/19</a:t>
             </a:fld>
             <a:endParaRPr lang="en-US" dirty="0"/>
           </a:p>
@@ -4549,7 +4634,7 @@
             <a:fld id="{B61BEF0D-F0BB-DE4B-95CE-6DB70DBA9567}" type="datetimeFigureOut">
               <a:rPr lang="en-US"/>
               <a:pPr/>
-              <a:t>10/17/19</a:t>
+              <a:t>10/21/19</a:t>
             </a:fld>
             <a:endParaRPr lang="en-US" dirty="0"/>
           </a:p>
@@ -4828,7 +4913,7 @@
             <a:fld id="{B61BEF0D-F0BB-DE4B-95CE-6DB70DBA9567}" type="datetimeFigureOut">
               <a:rPr lang="en-US"/>
               <a:pPr/>
-              <a:t>10/17/19</a:t>
+              <a:t>10/21/19</a:t>
             </a:fld>
             <a:endParaRPr lang="en-US" dirty="0"/>
           </a:p>
@@ -5254,7 +5339,7 @@
             <a:fld id="{B61BEF0D-F0BB-DE4B-95CE-6DB70DBA9567}" type="datetimeFigureOut">
               <a:rPr lang="en-US"/>
               <a:pPr/>
-              <a:t>10/17/19</a:t>
+              <a:t>10/21/19</a:t>
             </a:fld>
             <a:endParaRPr lang="en-US" dirty="0"/>
           </a:p>
@@ -5397,7 +5482,7 @@
             <a:fld id="{B61BEF0D-F0BB-DE4B-95CE-6DB70DBA9567}" type="datetimeFigureOut">
               <a:rPr lang="en-US"/>
               <a:pPr/>
-              <a:t>10/17/19</a:t>
+              <a:t>10/21/19</a:t>
             </a:fld>
             <a:endParaRPr lang="en-US" dirty="0"/>
           </a:p>
@@ -5524,7 +5609,7 @@
             <a:fld id="{B61BEF0D-F0BB-DE4B-95CE-6DB70DBA9567}" type="datetimeFigureOut">
               <a:rPr lang="en-US"/>
               <a:pPr/>
-              <a:t>10/17/19</a:t>
+              <a:t>10/21/19</a:t>
             </a:fld>
             <a:endParaRPr lang="en-US" dirty="0"/>
           </a:p>
@@ -5849,7 +5934,7 @@
             <a:fld id="{B61BEF0D-F0BB-DE4B-95CE-6DB70DBA9567}" type="datetimeFigureOut">
               <a:rPr lang="en-US"/>
               <a:pPr/>
-              <a:t>10/17/19</a:t>
+              <a:t>10/21/19</a:t>
             </a:fld>
             <a:endParaRPr lang="en-US" dirty="0"/>
           </a:p>
@@ -6151,7 +6236,7 @@
             <a:fld id="{B61BEF0D-F0BB-DE4B-95CE-6DB70DBA9567}" type="datetimeFigureOut">
               <a:rPr lang="en-US"/>
               <a:pPr/>
-              <a:t>10/17/19</a:t>
+              <a:t>10/21/19</a:t>
             </a:fld>
             <a:endParaRPr lang="en-US" dirty="0"/>
           </a:p>
@@ -6406,7 +6491,7 @@
             <a:fld id="{B61BEF0D-F0BB-DE4B-95CE-6DB70DBA9567}" type="datetimeFigureOut">
               <a:rPr lang="en-US"/>
               <a:pPr/>
-              <a:t>10/17/19</a:t>
+              <a:t>10/21/19</a:t>
             </a:fld>
             <a:endParaRPr lang="en-US" dirty="0"/>
           </a:p>
@@ -6914,6 +6999,704 @@
       </p:transition>
     </mc:Fallback>
   </mc:AlternateContent>
+</p:sld>
+</file>
+
+<file path=ppt/slides/slide10.xml><?xml version="1.0" encoding="utf-8"?>
+<p:sld xmlns:a="http://schemas.openxmlformats.org/drawingml/2006/main" xmlns:r="http://schemas.openxmlformats.org/officeDocument/2006/relationships" xmlns:p="http://schemas.openxmlformats.org/presentationml/2006/main">
+  <p:cSld>
+    <p:bg>
+      <p:bgPr>
+        <a:solidFill>
+          <a:schemeClr val="bg1"/>
+        </a:solidFill>
+        <a:effectLst/>
+      </p:bgPr>
+    </p:bg>
+    <p:spTree>
+      <p:nvGrpSpPr>
+        <p:cNvPr id="1" name=""/>
+        <p:cNvGrpSpPr/>
+        <p:nvPr/>
+      </p:nvGrpSpPr>
+      <p:grpSpPr>
+        <a:xfrm>
+          <a:off x="0" y="0"/>
+          <a:ext cx="0" cy="0"/>
+          <a:chOff x="0" y="0"/>
+          <a:chExt cx="0" cy="0"/>
+        </a:xfrm>
+      </p:grpSpPr>
+      <p:sp useBgFill="1">
+        <p:nvSpPr>
+          <p:cNvPr id="8" name="Rectangle 7">
+            <a:extLst>
+              <a:ext uri="{FF2B5EF4-FFF2-40B4-BE49-F238E27FC236}">
+                <a16:creationId xmlns:a16="http://schemas.microsoft.com/office/drawing/2014/main" id="{3B854194-185D-494D-905C-7C7CB2E30F6E}"/>
+              </a:ext>
+              <a:ext uri="{C183D7F6-B498-43B3-948B-1728B52AA6E4}">
+                <adec:decorative xmlns:adec="http://schemas.microsoft.com/office/drawing/2017/decorative" val="1"/>
+              </a:ext>
+            </a:extLst>
+          </p:cNvPr>
+          <p:cNvSpPr>
+            <a:spLocks noGrp="1" noRot="1" noChangeAspect="1" noMove="1" noResize="1" noEditPoints="1" noAdjustHandles="1" noChangeArrowheads="1" noChangeShapeType="1" noTextEdit="1"/>
+          </p:cNvSpPr>
+          <p:nvPr>
+            <p:extLst>
+              <p:ext uri="{386F3935-93C4-4BCD-93E2-E3B085C9AB24}">
+                <p16:designElem xmlns:p16="http://schemas.microsoft.com/office/powerpoint/2015/main" val="1"/>
+              </p:ext>
+            </p:extLst>
+          </p:nvPr>
+        </p:nvSpPr>
+        <p:spPr>
+          <a:xfrm>
+            <a:off x="1" y="0"/>
+            <a:ext cx="6082110" cy="6858000"/>
+          </a:xfrm>
+          <a:prstGeom prst="rect">
+            <a:avLst/>
+          </a:prstGeom>
+          <a:ln>
+            <a:noFill/>
+          </a:ln>
+        </p:spPr>
+        <p:style>
+          <a:lnRef idx="2">
+            <a:schemeClr val="accent1">
+              <a:shade val="50000"/>
+            </a:schemeClr>
+          </a:lnRef>
+          <a:fillRef idx="1">
+            <a:schemeClr val="accent1"/>
+          </a:fillRef>
+          <a:effectRef idx="0">
+            <a:schemeClr val="accent1"/>
+          </a:effectRef>
+          <a:fontRef idx="minor">
+            <a:schemeClr val="lt1"/>
+          </a:fontRef>
+        </p:style>
+        <p:txBody>
+          <a:bodyPr rtlCol="0" anchor="ctr"/>
+          <a:lstStyle/>
+          <a:p>
+            <a:pPr algn="ctr"/>
+            <a:endParaRPr lang="en-US" dirty="0"/>
+          </a:p>
+        </p:txBody>
+      </p:sp>
+      <p:sp>
+        <p:nvSpPr>
+          <p:cNvPr id="10" name="Rectangle 9">
+            <a:extLst>
+              <a:ext uri="{FF2B5EF4-FFF2-40B4-BE49-F238E27FC236}">
+                <a16:creationId xmlns:a16="http://schemas.microsoft.com/office/drawing/2014/main" id="{B4F5FA0D-0104-4987-8241-EFF7C85B88DE}"/>
+              </a:ext>
+              <a:ext uri="{C183D7F6-B498-43B3-948B-1728B52AA6E4}">
+                <adec:decorative xmlns:adec="http://schemas.microsoft.com/office/drawing/2017/decorative" val="1"/>
+              </a:ext>
+            </a:extLst>
+          </p:cNvPr>
+          <p:cNvSpPr>
+            <a:spLocks noGrp="1" noRot="1" noChangeAspect="1" noMove="1" noResize="1" noEditPoints="1" noAdjustHandles="1" noChangeArrowheads="1" noChangeShapeType="1" noTextEdit="1"/>
+          </p:cNvSpPr>
+          <p:nvPr>
+            <p:extLst>
+              <p:ext uri="{386F3935-93C4-4BCD-93E2-E3B085C9AB24}">
+                <p16:designElem xmlns:p16="http://schemas.microsoft.com/office/powerpoint/2015/main" val="1"/>
+              </p:ext>
+            </p:extLst>
+          </p:nvPr>
+        </p:nvSpPr>
+        <p:spPr>
+          <a:xfrm>
+            <a:off x="1" y="0"/>
+            <a:ext cx="12191998" cy="6858000"/>
+          </a:xfrm>
+          <a:prstGeom prst="rect">
+            <a:avLst/>
+          </a:prstGeom>
+          <a:gradFill>
+            <a:gsLst>
+              <a:gs pos="0">
+                <a:schemeClr val="accent1">
+                  <a:lumMod val="90000"/>
+                </a:schemeClr>
+              </a:gs>
+              <a:gs pos="25000">
+                <a:schemeClr val="accent1">
+                  <a:lumMod val="90000"/>
+                </a:schemeClr>
+              </a:gs>
+              <a:gs pos="94000">
+                <a:schemeClr val="bg2">
+                  <a:lumMod val="25000"/>
+                </a:schemeClr>
+              </a:gs>
+              <a:gs pos="100000">
+                <a:schemeClr val="bg2">
+                  <a:lumMod val="25000"/>
+                </a:schemeClr>
+              </a:gs>
+            </a:gsLst>
+            <a:lin ang="4200000" scaled="0"/>
+          </a:gradFill>
+          <a:ln>
+            <a:noFill/>
+          </a:ln>
+        </p:spPr>
+        <p:style>
+          <a:lnRef idx="2">
+            <a:schemeClr val="accent1">
+              <a:shade val="50000"/>
+            </a:schemeClr>
+          </a:lnRef>
+          <a:fillRef idx="1">
+            <a:schemeClr val="accent1"/>
+          </a:fillRef>
+          <a:effectRef idx="0">
+            <a:schemeClr val="accent1"/>
+          </a:effectRef>
+          <a:fontRef idx="minor">
+            <a:schemeClr val="lt1"/>
+          </a:fontRef>
+        </p:style>
+        <p:txBody>
+          <a:bodyPr rtlCol="0" anchor="ctr"/>
+          <a:lstStyle/>
+          <a:p>
+            <a:pPr algn="ctr"/>
+            <a:endParaRPr lang="en-US" dirty="0"/>
+          </a:p>
+        </p:txBody>
+      </p:sp>
+      <p:pic>
+        <p:nvPicPr>
+          <p:cNvPr id="12" name="Picture 11">
+            <a:extLst>
+              <a:ext uri="{FF2B5EF4-FFF2-40B4-BE49-F238E27FC236}">
+                <a16:creationId xmlns:a16="http://schemas.microsoft.com/office/drawing/2014/main" id="{2897127E-6CEF-446C-BE87-93B7C46E49D1}"/>
+              </a:ext>
+              <a:ext uri="{C183D7F6-B498-43B3-948B-1728B52AA6E4}">
+                <adec:decorative xmlns:adec="http://schemas.microsoft.com/office/drawing/2017/decorative" val="1"/>
+              </a:ext>
+            </a:extLst>
+          </p:cNvPr>
+          <p:cNvPicPr>
+            <a:picLocks noGrp="1" noRot="1" noChangeAspect="1" noMove="1" noResize="1" noEditPoints="1" noAdjustHandles="1" noChangeArrowheads="1" noChangeShapeType="1" noCrop="1"/>
+          </p:cNvPicPr>
+          <p:nvPr>
+            <p:extLst>
+              <p:ext uri="{386F3935-93C4-4BCD-93E2-E3B085C9AB24}">
+                <p16:designElem xmlns:p16="http://schemas.microsoft.com/office/powerpoint/2015/main" val="1"/>
+              </p:ext>
+            </p:extLst>
+          </p:nvPr>
+        </p:nvPicPr>
+        <p:blipFill>
+          <a:blip r:embed="rId2">
+            <a:extLst>
+              <a:ext uri="{28A0092B-C50C-407E-A947-70E740481C1C}">
+                <a14:useLocalDpi xmlns:a14="http://schemas.microsoft.com/office/drawing/2010/main" val="0"/>
+              </a:ext>
+            </a:extLst>
+          </a:blip>
+          <a:stretch>
+            <a:fillRect/>
+          </a:stretch>
+        </p:blipFill>
+        <p:spPr>
+          <a:xfrm>
+            <a:off x="0" y="0"/>
+            <a:ext cx="12192000" cy="6858000"/>
+          </a:xfrm>
+          <a:prstGeom prst="rect">
+            <a:avLst/>
+          </a:prstGeom>
+        </p:spPr>
+      </p:pic>
+      <p:sp>
+        <p:nvSpPr>
+          <p:cNvPr id="2" name="Title 1">
+            <a:extLst>
+              <a:ext uri="{FF2B5EF4-FFF2-40B4-BE49-F238E27FC236}">
+                <a16:creationId xmlns:a16="http://schemas.microsoft.com/office/drawing/2014/main" id="{8C601C3B-4D47-8348-BC4A-FD48875EDBAC}"/>
+              </a:ext>
+            </a:extLst>
+          </p:cNvPr>
+          <p:cNvSpPr>
+            <a:spLocks noGrp="1"/>
+          </p:cNvSpPr>
+          <p:nvPr>
+            <p:ph type="title"/>
+          </p:nvPr>
+        </p:nvSpPr>
+        <p:spPr>
+          <a:xfrm>
+            <a:off x="640079" y="2053641"/>
+            <a:ext cx="3669161" cy="2760098"/>
+          </a:xfrm>
+        </p:spPr>
+        <p:txBody>
+          <a:bodyPr>
+            <a:normAutofit/>
+          </a:bodyPr>
+          <a:lstStyle/>
+          <a:p>
+            <a:r>
+              <a:rPr lang="en-US" dirty="0">
+                <a:solidFill>
+                  <a:srgbClr val="FFFFFF"/>
+                </a:solidFill>
+              </a:rPr>
+              <a:t>Conclusion</a:t>
+            </a:r>
+          </a:p>
+        </p:txBody>
+      </p:sp>
+      <p:sp>
+        <p:nvSpPr>
+          <p:cNvPr id="3" name="Content Placeholder 2">
+            <a:extLst>
+              <a:ext uri="{FF2B5EF4-FFF2-40B4-BE49-F238E27FC236}">
+                <a16:creationId xmlns:a16="http://schemas.microsoft.com/office/drawing/2014/main" id="{4E96CE26-75BF-634E-9173-A86837E71C55}"/>
+              </a:ext>
+            </a:extLst>
+          </p:cNvPr>
+          <p:cNvSpPr>
+            <a:spLocks noGrp="1"/>
+          </p:cNvSpPr>
+          <p:nvPr>
+            <p:ph idx="1"/>
+          </p:nvPr>
+        </p:nvSpPr>
+        <p:spPr>
+          <a:xfrm>
+            <a:off x="6090574" y="801866"/>
+            <a:ext cx="5306084" cy="5230634"/>
+          </a:xfrm>
+        </p:spPr>
+        <p:txBody>
+          <a:bodyPr anchor="ctr">
+            <a:normAutofit/>
+          </a:bodyPr>
+          <a:lstStyle/>
+          <a:p>
+            <a:r>
+              <a:rPr lang="en-US" sz="2400" dirty="0">
+                <a:solidFill>
+                  <a:srgbClr val="000000"/>
+                </a:solidFill>
+              </a:rPr>
+              <a:t>Python is shipped with a powerful library called </a:t>
+            </a:r>
+            <a:r>
+              <a:rPr lang="en-US" sz="2400" dirty="0">
+                <a:solidFill>
+                  <a:srgbClr val="000000"/>
+                </a:solidFill>
+                <a:latin typeface="Courier New" panose="02070309020205020404" pitchFamily="49" charset="0"/>
+                <a:cs typeface="Courier New" panose="02070309020205020404" pitchFamily="49" charset="0"/>
+              </a:rPr>
+              <a:t>multiprocessing</a:t>
+            </a:r>
+            <a:r>
+              <a:rPr lang="en-US" sz="2400" dirty="0">
+                <a:solidFill>
+                  <a:srgbClr val="000000"/>
+                </a:solidFill>
+              </a:rPr>
+              <a:t> for working with processes.</a:t>
+            </a:r>
+          </a:p>
+          <a:p>
+            <a:r>
+              <a:rPr lang="en-US" sz="2400" dirty="0">
+                <a:solidFill>
+                  <a:srgbClr val="000000"/>
+                </a:solidFill>
+              </a:rPr>
+              <a:t>Processes need to communicate and exchange data. Most often this can be accomplished via queues.</a:t>
+            </a:r>
+          </a:p>
+          <a:p>
+            <a:r>
+              <a:rPr lang="en-US" sz="2400" dirty="0">
+                <a:solidFill>
+                  <a:srgbClr val="000000"/>
+                </a:solidFill>
+              </a:rPr>
+              <a:t>Pool/map paradigm is based upon the 3 steps general parallel problem solving procedure: distribute work, execute tasks in parallel, and combine partial results. Very reminiscent to the MapReduce paradigm.</a:t>
+            </a:r>
+          </a:p>
+        </p:txBody>
+      </p:sp>
+    </p:spTree>
+    <p:extLst>
+      <p:ext uri="{BB962C8B-B14F-4D97-AF65-F5344CB8AC3E}">
+        <p14:creationId xmlns:p14="http://schemas.microsoft.com/office/powerpoint/2010/main" val="2157392188"/>
+      </p:ext>
+    </p:extLst>
+  </p:cSld>
+  <p:clrMapOvr>
+    <a:masterClrMapping/>
+  </p:clrMapOvr>
+  <mc:AlternateContent xmlns:mc="http://schemas.openxmlformats.org/markup-compatibility/2006" xmlns:p15="http://schemas.microsoft.com/office/powerpoint/2012/main">
+    <mc:Choice Requires="p15">
+      <p:transition xmlns:p14="http://schemas.microsoft.com/office/powerpoint/2010/main" spd="slow" p14:dur="2000">
+        <p15:prstTrans prst="drape"/>
+      </p:transition>
+    </mc:Choice>
+    <mc:Fallback xmlns="">
+      <p:transition spd="slow">
+        <p:fade/>
+      </p:transition>
+    </mc:Fallback>
+  </mc:AlternateContent>
+  <p:timing>
+    <p:tnLst>
+      <p:par>
+        <p:cTn id="1" dur="indefinite" restart="never" nodeType="tmRoot">
+          <p:childTnLst>
+            <p:seq concurrent="1" nextAc="seek">
+              <p:cTn id="2" dur="indefinite" nodeType="mainSeq">
+                <p:childTnLst>
+                  <p:par>
+                    <p:cTn id="3" fill="hold">
+                      <p:stCondLst>
+                        <p:cond delay="indefinite"/>
+                      </p:stCondLst>
+                      <p:childTnLst>
+                        <p:par>
+                          <p:cTn id="4" fill="hold">
+                            <p:stCondLst>
+                              <p:cond delay="0"/>
+                            </p:stCondLst>
+                            <p:childTnLst>
+                              <p:par>
+                                <p:cTn id="5" presetID="2" presetClass="entr" presetSubtype="4" fill="hold" grpId="0" nodeType="clickEffect">
+                                  <p:stCondLst>
+                                    <p:cond delay="0"/>
+                                  </p:stCondLst>
+                                  <p:childTnLst>
+                                    <p:set>
+                                      <p:cBhvr>
+                                        <p:cTn id="6" dur="1" fill="hold">
+                                          <p:stCondLst>
+                                            <p:cond delay="0"/>
+                                          </p:stCondLst>
+                                        </p:cTn>
+                                        <p:tgtEl>
+                                          <p:spTgt spid="3">
+                                            <p:txEl>
+                                              <p:pRg st="0" end="0"/>
+                                            </p:txEl>
+                                          </p:spTgt>
+                                        </p:tgtEl>
+                                        <p:attrNameLst>
+                                          <p:attrName>style.visibility</p:attrName>
+                                        </p:attrNameLst>
+                                      </p:cBhvr>
+                                      <p:to>
+                                        <p:strVal val="visible"/>
+                                      </p:to>
+                                    </p:set>
+                                    <p:anim calcmode="lin" valueType="num">
+                                      <p:cBhvr additive="base">
+                                        <p:cTn id="7" dur="500" fill="hold"/>
+                                        <p:tgtEl>
+                                          <p:spTgt spid="3">
+                                            <p:txEl>
+                                              <p:pRg st="0" end="0"/>
+                                            </p:txEl>
+                                          </p:spTgt>
+                                        </p:tgtEl>
+                                        <p:attrNameLst>
+                                          <p:attrName>ppt_x</p:attrName>
+                                        </p:attrNameLst>
+                                      </p:cBhvr>
+                                      <p:tavLst>
+                                        <p:tav tm="0">
+                                          <p:val>
+                                            <p:strVal val="#ppt_x"/>
+                                          </p:val>
+                                        </p:tav>
+                                        <p:tav tm="100000">
+                                          <p:val>
+                                            <p:strVal val="#ppt_x"/>
+                                          </p:val>
+                                        </p:tav>
+                                      </p:tavLst>
+                                    </p:anim>
+                                    <p:anim calcmode="lin" valueType="num">
+                                      <p:cBhvr additive="base">
+                                        <p:cTn id="8" dur="500" fill="hold"/>
+                                        <p:tgtEl>
+                                          <p:spTgt spid="3">
+                                            <p:txEl>
+                                              <p:pRg st="0" end="0"/>
+                                            </p:txEl>
+                                          </p:spTgt>
+                                        </p:tgtEl>
+                                        <p:attrNameLst>
+                                          <p:attrName>ppt_y</p:attrName>
+                                        </p:attrNameLst>
+                                      </p:cBhvr>
+                                      <p:tavLst>
+                                        <p:tav tm="0">
+                                          <p:val>
+                                            <p:strVal val="1+#ppt_h/2"/>
+                                          </p:val>
+                                        </p:tav>
+                                        <p:tav tm="100000">
+                                          <p:val>
+                                            <p:strVal val="#ppt_y"/>
+                                          </p:val>
+                                        </p:tav>
+                                      </p:tavLst>
+                                    </p:anim>
+                                  </p:childTnLst>
+                                </p:cTn>
+                              </p:par>
+                            </p:childTnLst>
+                          </p:cTn>
+                        </p:par>
+                      </p:childTnLst>
+                    </p:cTn>
+                  </p:par>
+                  <p:par>
+                    <p:cTn id="9" fill="hold">
+                      <p:stCondLst>
+                        <p:cond delay="indefinite"/>
+                      </p:stCondLst>
+                      <p:childTnLst>
+                        <p:par>
+                          <p:cTn id="10" fill="hold">
+                            <p:stCondLst>
+                              <p:cond delay="0"/>
+                            </p:stCondLst>
+                            <p:childTnLst>
+                              <p:par>
+                                <p:cTn id="11" presetID="2" presetClass="entr" presetSubtype="4" fill="hold" grpId="0" nodeType="clickEffect">
+                                  <p:stCondLst>
+                                    <p:cond delay="0"/>
+                                  </p:stCondLst>
+                                  <p:childTnLst>
+                                    <p:set>
+                                      <p:cBhvr>
+                                        <p:cTn id="12" dur="1" fill="hold">
+                                          <p:stCondLst>
+                                            <p:cond delay="0"/>
+                                          </p:stCondLst>
+                                        </p:cTn>
+                                        <p:tgtEl>
+                                          <p:spTgt spid="3">
+                                            <p:txEl>
+                                              <p:pRg st="1" end="1"/>
+                                            </p:txEl>
+                                          </p:spTgt>
+                                        </p:tgtEl>
+                                        <p:attrNameLst>
+                                          <p:attrName>style.visibility</p:attrName>
+                                        </p:attrNameLst>
+                                      </p:cBhvr>
+                                      <p:to>
+                                        <p:strVal val="visible"/>
+                                      </p:to>
+                                    </p:set>
+                                    <p:anim calcmode="lin" valueType="num">
+                                      <p:cBhvr additive="base">
+                                        <p:cTn id="13" dur="500" fill="hold"/>
+                                        <p:tgtEl>
+                                          <p:spTgt spid="3">
+                                            <p:txEl>
+                                              <p:pRg st="1" end="1"/>
+                                            </p:txEl>
+                                          </p:spTgt>
+                                        </p:tgtEl>
+                                        <p:attrNameLst>
+                                          <p:attrName>ppt_x</p:attrName>
+                                        </p:attrNameLst>
+                                      </p:cBhvr>
+                                      <p:tavLst>
+                                        <p:tav tm="0">
+                                          <p:val>
+                                            <p:strVal val="#ppt_x"/>
+                                          </p:val>
+                                        </p:tav>
+                                        <p:tav tm="100000">
+                                          <p:val>
+                                            <p:strVal val="#ppt_x"/>
+                                          </p:val>
+                                        </p:tav>
+                                      </p:tavLst>
+                                    </p:anim>
+                                    <p:anim calcmode="lin" valueType="num">
+                                      <p:cBhvr additive="base">
+                                        <p:cTn id="14" dur="500" fill="hold"/>
+                                        <p:tgtEl>
+                                          <p:spTgt spid="3">
+                                            <p:txEl>
+                                              <p:pRg st="1" end="1"/>
+                                            </p:txEl>
+                                          </p:spTgt>
+                                        </p:tgtEl>
+                                        <p:attrNameLst>
+                                          <p:attrName>ppt_y</p:attrName>
+                                        </p:attrNameLst>
+                                      </p:cBhvr>
+                                      <p:tavLst>
+                                        <p:tav tm="0">
+                                          <p:val>
+                                            <p:strVal val="1+#ppt_h/2"/>
+                                          </p:val>
+                                        </p:tav>
+                                        <p:tav tm="100000">
+                                          <p:val>
+                                            <p:strVal val="#ppt_y"/>
+                                          </p:val>
+                                        </p:tav>
+                                      </p:tavLst>
+                                    </p:anim>
+                                  </p:childTnLst>
+                                </p:cTn>
+                              </p:par>
+                            </p:childTnLst>
+                          </p:cTn>
+                        </p:par>
+                      </p:childTnLst>
+                    </p:cTn>
+                  </p:par>
+                  <p:par>
+                    <p:cTn id="15" fill="hold">
+                      <p:stCondLst>
+                        <p:cond delay="indefinite"/>
+                      </p:stCondLst>
+                      <p:childTnLst>
+                        <p:par>
+                          <p:cTn id="16" fill="hold">
+                            <p:stCondLst>
+                              <p:cond delay="0"/>
+                            </p:stCondLst>
+                            <p:childTnLst>
+                              <p:par>
+                                <p:cTn id="17" presetID="2" presetClass="entr" presetSubtype="4" fill="hold" grpId="0" nodeType="clickEffect">
+                                  <p:stCondLst>
+                                    <p:cond delay="0"/>
+                                  </p:stCondLst>
+                                  <p:childTnLst>
+                                    <p:set>
+                                      <p:cBhvr>
+                                        <p:cTn id="18" dur="1" fill="hold">
+                                          <p:stCondLst>
+                                            <p:cond delay="0"/>
+                                          </p:stCondLst>
+                                        </p:cTn>
+                                        <p:tgtEl>
+                                          <p:spTgt spid="3">
+                                            <p:txEl>
+                                              <p:pRg st="2" end="2"/>
+                                            </p:txEl>
+                                          </p:spTgt>
+                                        </p:tgtEl>
+                                        <p:attrNameLst>
+                                          <p:attrName>style.visibility</p:attrName>
+                                        </p:attrNameLst>
+                                      </p:cBhvr>
+                                      <p:to>
+                                        <p:strVal val="visible"/>
+                                      </p:to>
+                                    </p:set>
+                                    <p:anim calcmode="lin" valueType="num">
+                                      <p:cBhvr additive="base">
+                                        <p:cTn id="19" dur="500" fill="hold"/>
+                                        <p:tgtEl>
+                                          <p:spTgt spid="3">
+                                            <p:txEl>
+                                              <p:pRg st="2" end="2"/>
+                                            </p:txEl>
+                                          </p:spTgt>
+                                        </p:tgtEl>
+                                        <p:attrNameLst>
+                                          <p:attrName>ppt_x</p:attrName>
+                                        </p:attrNameLst>
+                                      </p:cBhvr>
+                                      <p:tavLst>
+                                        <p:tav tm="0">
+                                          <p:val>
+                                            <p:strVal val="#ppt_x"/>
+                                          </p:val>
+                                        </p:tav>
+                                        <p:tav tm="100000">
+                                          <p:val>
+                                            <p:strVal val="#ppt_x"/>
+                                          </p:val>
+                                        </p:tav>
+                                      </p:tavLst>
+                                    </p:anim>
+                                    <p:anim calcmode="lin" valueType="num">
+                                      <p:cBhvr additive="base">
+                                        <p:cTn id="20" dur="500" fill="hold"/>
+                                        <p:tgtEl>
+                                          <p:spTgt spid="3">
+                                            <p:txEl>
+                                              <p:pRg st="2" end="2"/>
+                                            </p:txEl>
+                                          </p:spTgt>
+                                        </p:tgtEl>
+                                        <p:attrNameLst>
+                                          <p:attrName>ppt_y</p:attrName>
+                                        </p:attrNameLst>
+                                      </p:cBhvr>
+                                      <p:tavLst>
+                                        <p:tav tm="0">
+                                          <p:val>
+                                            <p:strVal val="1+#ppt_h/2"/>
+                                          </p:val>
+                                        </p:tav>
+                                        <p:tav tm="100000">
+                                          <p:val>
+                                            <p:strVal val="#ppt_y"/>
+                                          </p:val>
+                                        </p:tav>
+                                      </p:tavLst>
+                                    </p:anim>
+                                  </p:childTnLst>
+                                </p:cTn>
+                              </p:par>
+                            </p:childTnLst>
+                          </p:cTn>
+                        </p:par>
+                      </p:childTnLst>
+                    </p:cTn>
+                  </p:par>
+                </p:childTnLst>
+              </p:cTn>
+              <p:prevCondLst>
+                <p:cond evt="onPrev" delay="0">
+                  <p:tgtEl>
+                    <p:sldTgt/>
+                  </p:tgtEl>
+                </p:cond>
+              </p:prevCondLst>
+              <p:nextCondLst>
+                <p:cond evt="onNext" delay="0">
+                  <p:tgtEl>
+                    <p:sldTgt/>
+                  </p:tgtEl>
+                </p:cond>
+              </p:nextCondLst>
+            </p:seq>
+          </p:childTnLst>
+        </p:cTn>
+      </p:par>
+    </p:tnLst>
+    <p:bldLst>
+      <p:bldP spid="3" grpId="0" build="p"/>
+    </p:bldLst>
+  </p:timing>
 </p:sld>
 </file>
 
@@ -11642,8 +12425,8 @@
           </a:fontRef>
         </p:style>
       </p:cxnSp>
-      <mc:AlternateContent xmlns:mc="http://schemas.openxmlformats.org/markup-compatibility/2006">
-        <mc:Choice xmlns:a14="http://schemas.microsoft.com/office/drawing/2010/main" Requires="a14">
+      <mc:AlternateContent xmlns:mc="http://schemas.openxmlformats.org/markup-compatibility/2006" xmlns:a14="http://schemas.microsoft.com/office/drawing/2010/main">
+        <mc:Choice Requires="a14">
           <p:sp>
             <p:nvSpPr>
               <p:cNvPr id="3" name="Content Placeholder 2">
@@ -12079,7 +12862,7 @@
             </p:txBody>
           </p:sp>
         </mc:Choice>
-        <mc:Fallback>
+        <mc:Fallback xmlns="">
           <p:sp>
             <p:nvSpPr>
               <p:cNvPr id="3" name="Content Placeholder 2">
@@ -12496,6 +13279,283 @@
     <p:bg>
       <p:bgPr>
         <a:solidFill>
+          <a:schemeClr val="bg1"/>
+        </a:solidFill>
+        <a:effectLst/>
+      </p:bgPr>
+    </p:bg>
+    <p:spTree>
+      <p:nvGrpSpPr>
+        <p:cNvPr id="1" name=""/>
+        <p:cNvGrpSpPr/>
+        <p:nvPr/>
+      </p:nvGrpSpPr>
+      <p:grpSpPr>
+        <a:xfrm>
+          <a:off x="0" y="0"/>
+          <a:ext cx="0" cy="0"/>
+          <a:chOff x="0" y="0"/>
+          <a:chExt cx="0" cy="0"/>
+        </a:xfrm>
+      </p:grpSpPr>
+      <p:sp>
+        <p:nvSpPr>
+          <p:cNvPr id="17" name="Down Arrow 7">
+            <a:extLst>
+              <a:ext uri="{FF2B5EF4-FFF2-40B4-BE49-F238E27FC236}">
+                <a16:creationId xmlns:a16="http://schemas.microsoft.com/office/drawing/2014/main" id="{73DE2CFE-42F2-48F0-8706-5264E012B10C}"/>
+              </a:ext>
+              <a:ext uri="{C183D7F6-B498-43B3-948B-1728B52AA6E4}">
+                <adec:decorative xmlns:adec="http://schemas.microsoft.com/office/drawing/2017/decorative" val="1"/>
+              </a:ext>
+            </a:extLst>
+          </p:cNvPr>
+          <p:cNvSpPr>
+            <a:spLocks noGrp="1" noRot="1" noChangeAspect="1" noMove="1" noResize="1" noEditPoints="1" noAdjustHandles="1" noChangeArrowheads="1" noChangeShapeType="1" noTextEdit="1"/>
+          </p:cNvSpPr>
+          <p:nvPr>
+            <p:extLst>
+              <p:ext uri="{386F3935-93C4-4BCD-93E2-E3B085C9AB24}">
+                <p16:designElem xmlns:p16="http://schemas.microsoft.com/office/powerpoint/2015/main" val="1"/>
+              </p:ext>
+            </p:extLst>
+          </p:nvPr>
+        </p:nvSpPr>
+        <p:spPr>
+          <a:xfrm rot="16200000">
+            <a:off x="1288521" y="381403"/>
+            <a:ext cx="2200313" cy="3342508"/>
+          </a:xfrm>
+          <a:prstGeom prst="downArrow">
+            <a:avLst>
+              <a:gd name="adj1" fmla="val 100000"/>
+              <a:gd name="adj2" fmla="val 15788"/>
+            </a:avLst>
+          </a:prstGeom>
+          <a:solidFill>
+            <a:srgbClr val="404040"/>
+          </a:solidFill>
+          <a:ln w="53975">
+            <a:noFill/>
+          </a:ln>
+        </p:spPr>
+        <p:style>
+          <a:lnRef idx="2">
+            <a:schemeClr val="accent1">
+              <a:shade val="50000"/>
+            </a:schemeClr>
+          </a:lnRef>
+          <a:fillRef idx="1">
+            <a:schemeClr val="accent1"/>
+          </a:fillRef>
+          <a:effectRef idx="0">
+            <a:schemeClr val="accent1"/>
+          </a:effectRef>
+          <a:fontRef idx="minor">
+            <a:schemeClr val="lt1"/>
+          </a:fontRef>
+        </p:style>
+        <p:txBody>
+          <a:bodyPr rtlCol="0" anchor="ctr"/>
+          <a:lstStyle/>
+          <a:p>
+            <a:pPr marL="0" marR="0" lvl="0" indent="0" algn="ctr" defTabSz="914400" rtl="0" eaLnBrk="1" fontAlgn="auto" latinLnBrk="0" hangingPunct="1">
+              <a:lnSpc>
+                <a:spcPct val="100000"/>
+              </a:lnSpc>
+              <a:spcBef>
+                <a:spcPts val="0"/>
+              </a:spcBef>
+              <a:spcAft>
+                <a:spcPts val="0"/>
+              </a:spcAft>
+              <a:buClrTx/>
+              <a:buSzTx/>
+              <a:buFontTx/>
+              <a:buNone/>
+              <a:tabLst/>
+              <a:defRPr/>
+            </a:pPr>
+            <a:endParaRPr kumimoji="0" lang="en-US" sz="1800" b="0" i="0" u="none" strike="noStrike" kern="1200" cap="none" spc="0" normalizeH="0" baseline="0" noProof="0">
+              <a:ln>
+                <a:noFill/>
+              </a:ln>
+              <a:solidFill>
+                <a:prstClr val="white"/>
+              </a:solidFill>
+              <a:effectLst/>
+              <a:uLnTx/>
+              <a:uFillTx/>
+              <a:latin typeface="Calibri" panose="020F0502020204030204"/>
+              <a:ea typeface="+mn-ea"/>
+              <a:cs typeface="+mn-cs"/>
+            </a:endParaRPr>
+          </a:p>
+        </p:txBody>
+      </p:sp>
+      <p:sp>
+        <p:nvSpPr>
+          <p:cNvPr id="2" name="Title 1">
+            <a:extLst>
+              <a:ext uri="{FF2B5EF4-FFF2-40B4-BE49-F238E27FC236}">
+                <a16:creationId xmlns:a16="http://schemas.microsoft.com/office/drawing/2014/main" id="{3B357B2C-2F78-FA4C-8406-722390C3108F}"/>
+              </a:ext>
+            </a:extLst>
+          </p:cNvPr>
+          <p:cNvSpPr>
+            <a:spLocks noGrp="1"/>
+          </p:cNvSpPr>
+          <p:nvPr>
+            <p:ph type="title"/>
+          </p:nvPr>
+        </p:nvSpPr>
+        <p:spPr>
+          <a:xfrm>
+            <a:off x="966952" y="1204108"/>
+            <a:ext cx="2669406" cy="1781175"/>
+          </a:xfrm>
+          <a:prstGeom prst="ellipse">
+            <a:avLst/>
+          </a:prstGeom>
+        </p:spPr>
+        <p:txBody>
+          <a:bodyPr vert="horz" lIns="91440" tIns="45720" rIns="91440" bIns="45720" rtlCol="0" anchor="ctr">
+            <a:normAutofit/>
+          </a:bodyPr>
+          <a:lstStyle/>
+          <a:p>
+            <a:r>
+              <a:rPr lang="en-US" sz="2200" kern="1200">
+                <a:solidFill>
+                  <a:srgbClr val="FFFFFF"/>
+                </a:solidFill>
+                <a:latin typeface="+mj-lt"/>
+                <a:ea typeface="+mj-ea"/>
+                <a:cs typeface="+mj-cs"/>
+              </a:rPr>
+              <a:t>Parallel Scalability by Amdahl’s Law</a:t>
+            </a:r>
+          </a:p>
+        </p:txBody>
+      </p:sp>
+      <p:sp>
+        <p:nvSpPr>
+          <p:cNvPr id="6" name="TextBox 5">
+            <a:extLst>
+              <a:ext uri="{FF2B5EF4-FFF2-40B4-BE49-F238E27FC236}">
+                <a16:creationId xmlns:a16="http://schemas.microsoft.com/office/drawing/2014/main" id="{85585E1C-3E5A-904D-A762-8135B47EC283}"/>
+              </a:ext>
+            </a:extLst>
+          </p:cNvPr>
+          <p:cNvSpPr txBox="1"/>
+          <p:nvPr/>
+        </p:nvSpPr>
+        <p:spPr>
+          <a:xfrm>
+            <a:off x="625982" y="3355131"/>
+            <a:ext cx="4305364" cy="576790"/>
+          </a:xfrm>
+          <a:prstGeom prst="rect">
+            <a:avLst/>
+          </a:prstGeom>
+        </p:spPr>
+        <p:txBody>
+          <a:bodyPr vert="horz" lIns="91440" tIns="45720" rIns="91440" bIns="45720" rtlCol="0">
+            <a:normAutofit/>
+          </a:bodyPr>
+          <a:lstStyle/>
+          <a:p>
+            <a:pPr>
+              <a:lnSpc>
+                <a:spcPct val="90000"/>
+              </a:lnSpc>
+              <a:spcAft>
+                <a:spcPts val="600"/>
+              </a:spcAft>
+            </a:pPr>
+            <a:r>
+              <a:rPr lang="en-US" sz="1600"/>
+              <a:t>Source: </a:t>
+            </a:r>
+            <a:r>
+              <a:rPr lang="en-US" sz="1600">
+                <a:hlinkClick r:id="rId3"/>
+              </a:rPr>
+              <a:t>https://en.wikipedia.org/wiki/Amdahl%27s_law</a:t>
+            </a:r>
+            <a:endParaRPr lang="en-US" sz="1600"/>
+          </a:p>
+        </p:txBody>
+      </p:sp>
+      <p:pic>
+        <p:nvPicPr>
+          <p:cNvPr id="5" name="Content Placeholder 4">
+            <a:extLst>
+              <a:ext uri="{FF2B5EF4-FFF2-40B4-BE49-F238E27FC236}">
+                <a16:creationId xmlns:a16="http://schemas.microsoft.com/office/drawing/2014/main" id="{4723796D-F52B-524C-B1E9-3077A1BC4161}"/>
+              </a:ext>
+            </a:extLst>
+          </p:cNvPr>
+          <p:cNvPicPr>
+            <a:picLocks noGrp="1" noChangeAspect="1"/>
+          </p:cNvPicPr>
+          <p:nvPr>
+            <p:ph idx="1"/>
+          </p:nvPr>
+        </p:nvPicPr>
+        <p:blipFill>
+          <a:blip r:embed="rId4">
+            <a:extLst>
+              <a:ext uri="{96DAC541-7B7A-43D3-8B79-37D633B846F1}">
+                <asvg:svgBlip xmlns:asvg="http://schemas.microsoft.com/office/drawing/2016/SVG/main" r:embed="rId5"/>
+              </a:ext>
+            </a:extLst>
+          </a:blip>
+          <a:stretch>
+            <a:fillRect/>
+          </a:stretch>
+        </p:blipFill>
+        <p:spPr>
+          <a:xfrm>
+            <a:off x="4738540" y="287384"/>
+            <a:ext cx="7440601" cy="5812970"/>
+          </a:xfrm>
+          <a:prstGeom prst="rect">
+            <a:avLst/>
+          </a:prstGeom>
+        </p:spPr>
+      </p:pic>
+    </p:spTree>
+    <p:extLst>
+      <p:ext uri="{BB962C8B-B14F-4D97-AF65-F5344CB8AC3E}">
+        <p14:creationId xmlns:p14="http://schemas.microsoft.com/office/powerpoint/2010/main" val="2162965245"/>
+      </p:ext>
+    </p:extLst>
+  </p:cSld>
+  <p:clrMapOvr>
+    <a:masterClrMapping/>
+  </p:clrMapOvr>
+  <mc:AlternateContent xmlns:mc="http://schemas.openxmlformats.org/markup-compatibility/2006" xmlns:p15="http://schemas.microsoft.com/office/powerpoint/2012/main">
+    <mc:Choice Requires="p15">
+      <p:transition xmlns:p14="http://schemas.microsoft.com/office/powerpoint/2010/main" spd="slow" p14:dur="2000">
+        <p15:prstTrans prst="drape"/>
+      </p:transition>
+    </mc:Choice>
+    <mc:Fallback xmlns="">
+      <p:transition spd="slow">
+        <p:fade/>
+      </p:transition>
+    </mc:Fallback>
+  </mc:AlternateContent>
+</p:sld>
+</file>
+
+<file path=ppt/slides/slide9.xml><?xml version="1.0" encoding="utf-8"?>
+<p:sld xmlns:a="http://schemas.openxmlformats.org/drawingml/2006/main" xmlns:r="http://schemas.openxmlformats.org/officeDocument/2006/relationships" xmlns:p="http://schemas.openxmlformats.org/presentationml/2006/main">
+  <p:cSld>
+    <p:bg>
+      <p:bgPr>
+        <a:solidFill>
           <a:srgbClr val="FFFFFF"/>
         </a:solidFill>
         <a:effectLst/>
@@ -12734,704 +13794,6 @@
       </p:transition>
     </mc:Fallback>
   </mc:AlternateContent>
-</p:sld>
-</file>
-
-<file path=ppt/slides/slide9.xml><?xml version="1.0" encoding="utf-8"?>
-<p:sld xmlns:a="http://schemas.openxmlformats.org/drawingml/2006/main" xmlns:r="http://schemas.openxmlformats.org/officeDocument/2006/relationships" xmlns:p="http://schemas.openxmlformats.org/presentationml/2006/main">
-  <p:cSld>
-    <p:bg>
-      <p:bgPr>
-        <a:solidFill>
-          <a:schemeClr val="bg1"/>
-        </a:solidFill>
-        <a:effectLst/>
-      </p:bgPr>
-    </p:bg>
-    <p:spTree>
-      <p:nvGrpSpPr>
-        <p:cNvPr id="1" name=""/>
-        <p:cNvGrpSpPr/>
-        <p:nvPr/>
-      </p:nvGrpSpPr>
-      <p:grpSpPr>
-        <a:xfrm>
-          <a:off x="0" y="0"/>
-          <a:ext cx="0" cy="0"/>
-          <a:chOff x="0" y="0"/>
-          <a:chExt cx="0" cy="0"/>
-        </a:xfrm>
-      </p:grpSpPr>
-      <p:sp useBgFill="1">
-        <p:nvSpPr>
-          <p:cNvPr id="8" name="Rectangle 7">
-            <a:extLst>
-              <a:ext uri="{FF2B5EF4-FFF2-40B4-BE49-F238E27FC236}">
-                <a16:creationId xmlns:a16="http://schemas.microsoft.com/office/drawing/2014/main" id="{3B854194-185D-494D-905C-7C7CB2E30F6E}"/>
-              </a:ext>
-              <a:ext uri="{C183D7F6-B498-43B3-948B-1728B52AA6E4}">
-                <adec:decorative xmlns:adec="http://schemas.microsoft.com/office/drawing/2017/decorative" val="1"/>
-              </a:ext>
-            </a:extLst>
-          </p:cNvPr>
-          <p:cNvSpPr>
-            <a:spLocks noGrp="1" noRot="1" noChangeAspect="1" noMove="1" noResize="1" noEditPoints="1" noAdjustHandles="1" noChangeArrowheads="1" noChangeShapeType="1" noTextEdit="1"/>
-          </p:cNvSpPr>
-          <p:nvPr>
-            <p:extLst>
-              <p:ext uri="{386F3935-93C4-4BCD-93E2-E3B085C9AB24}">
-                <p16:designElem xmlns:p16="http://schemas.microsoft.com/office/powerpoint/2015/main" val="1"/>
-              </p:ext>
-            </p:extLst>
-          </p:nvPr>
-        </p:nvSpPr>
-        <p:spPr>
-          <a:xfrm>
-            <a:off x="1" y="0"/>
-            <a:ext cx="6082110" cy="6858000"/>
-          </a:xfrm>
-          <a:prstGeom prst="rect">
-            <a:avLst/>
-          </a:prstGeom>
-          <a:ln>
-            <a:noFill/>
-          </a:ln>
-        </p:spPr>
-        <p:style>
-          <a:lnRef idx="2">
-            <a:schemeClr val="accent1">
-              <a:shade val="50000"/>
-            </a:schemeClr>
-          </a:lnRef>
-          <a:fillRef idx="1">
-            <a:schemeClr val="accent1"/>
-          </a:fillRef>
-          <a:effectRef idx="0">
-            <a:schemeClr val="accent1"/>
-          </a:effectRef>
-          <a:fontRef idx="minor">
-            <a:schemeClr val="lt1"/>
-          </a:fontRef>
-        </p:style>
-        <p:txBody>
-          <a:bodyPr rtlCol="0" anchor="ctr"/>
-          <a:lstStyle/>
-          <a:p>
-            <a:pPr algn="ctr"/>
-            <a:endParaRPr lang="en-US" dirty="0"/>
-          </a:p>
-        </p:txBody>
-      </p:sp>
-      <p:sp>
-        <p:nvSpPr>
-          <p:cNvPr id="10" name="Rectangle 9">
-            <a:extLst>
-              <a:ext uri="{FF2B5EF4-FFF2-40B4-BE49-F238E27FC236}">
-                <a16:creationId xmlns:a16="http://schemas.microsoft.com/office/drawing/2014/main" id="{B4F5FA0D-0104-4987-8241-EFF7C85B88DE}"/>
-              </a:ext>
-              <a:ext uri="{C183D7F6-B498-43B3-948B-1728B52AA6E4}">
-                <adec:decorative xmlns:adec="http://schemas.microsoft.com/office/drawing/2017/decorative" val="1"/>
-              </a:ext>
-            </a:extLst>
-          </p:cNvPr>
-          <p:cNvSpPr>
-            <a:spLocks noGrp="1" noRot="1" noChangeAspect="1" noMove="1" noResize="1" noEditPoints="1" noAdjustHandles="1" noChangeArrowheads="1" noChangeShapeType="1" noTextEdit="1"/>
-          </p:cNvSpPr>
-          <p:nvPr>
-            <p:extLst>
-              <p:ext uri="{386F3935-93C4-4BCD-93E2-E3B085C9AB24}">
-                <p16:designElem xmlns:p16="http://schemas.microsoft.com/office/powerpoint/2015/main" val="1"/>
-              </p:ext>
-            </p:extLst>
-          </p:nvPr>
-        </p:nvSpPr>
-        <p:spPr>
-          <a:xfrm>
-            <a:off x="1" y="0"/>
-            <a:ext cx="12191998" cy="6858000"/>
-          </a:xfrm>
-          <a:prstGeom prst="rect">
-            <a:avLst/>
-          </a:prstGeom>
-          <a:gradFill>
-            <a:gsLst>
-              <a:gs pos="0">
-                <a:schemeClr val="accent1">
-                  <a:lumMod val="90000"/>
-                </a:schemeClr>
-              </a:gs>
-              <a:gs pos="25000">
-                <a:schemeClr val="accent1">
-                  <a:lumMod val="90000"/>
-                </a:schemeClr>
-              </a:gs>
-              <a:gs pos="94000">
-                <a:schemeClr val="bg2">
-                  <a:lumMod val="25000"/>
-                </a:schemeClr>
-              </a:gs>
-              <a:gs pos="100000">
-                <a:schemeClr val="bg2">
-                  <a:lumMod val="25000"/>
-                </a:schemeClr>
-              </a:gs>
-            </a:gsLst>
-            <a:lin ang="4200000" scaled="0"/>
-          </a:gradFill>
-          <a:ln>
-            <a:noFill/>
-          </a:ln>
-        </p:spPr>
-        <p:style>
-          <a:lnRef idx="2">
-            <a:schemeClr val="accent1">
-              <a:shade val="50000"/>
-            </a:schemeClr>
-          </a:lnRef>
-          <a:fillRef idx="1">
-            <a:schemeClr val="accent1"/>
-          </a:fillRef>
-          <a:effectRef idx="0">
-            <a:schemeClr val="accent1"/>
-          </a:effectRef>
-          <a:fontRef idx="minor">
-            <a:schemeClr val="lt1"/>
-          </a:fontRef>
-        </p:style>
-        <p:txBody>
-          <a:bodyPr rtlCol="0" anchor="ctr"/>
-          <a:lstStyle/>
-          <a:p>
-            <a:pPr algn="ctr"/>
-            <a:endParaRPr lang="en-US" dirty="0"/>
-          </a:p>
-        </p:txBody>
-      </p:sp>
-      <p:pic>
-        <p:nvPicPr>
-          <p:cNvPr id="12" name="Picture 11">
-            <a:extLst>
-              <a:ext uri="{FF2B5EF4-FFF2-40B4-BE49-F238E27FC236}">
-                <a16:creationId xmlns:a16="http://schemas.microsoft.com/office/drawing/2014/main" id="{2897127E-6CEF-446C-BE87-93B7C46E49D1}"/>
-              </a:ext>
-              <a:ext uri="{C183D7F6-B498-43B3-948B-1728B52AA6E4}">
-                <adec:decorative xmlns:adec="http://schemas.microsoft.com/office/drawing/2017/decorative" val="1"/>
-              </a:ext>
-            </a:extLst>
-          </p:cNvPr>
-          <p:cNvPicPr>
-            <a:picLocks noGrp="1" noRot="1" noChangeAspect="1" noMove="1" noResize="1" noEditPoints="1" noAdjustHandles="1" noChangeArrowheads="1" noChangeShapeType="1" noCrop="1"/>
-          </p:cNvPicPr>
-          <p:nvPr>
-            <p:extLst>
-              <p:ext uri="{386F3935-93C4-4BCD-93E2-E3B085C9AB24}">
-                <p16:designElem xmlns:p16="http://schemas.microsoft.com/office/powerpoint/2015/main" val="1"/>
-              </p:ext>
-            </p:extLst>
-          </p:nvPr>
-        </p:nvPicPr>
-        <p:blipFill>
-          <a:blip r:embed="rId2">
-            <a:extLst>
-              <a:ext uri="{28A0092B-C50C-407E-A947-70E740481C1C}">
-                <a14:useLocalDpi xmlns:a14="http://schemas.microsoft.com/office/drawing/2010/main" val="0"/>
-              </a:ext>
-            </a:extLst>
-          </a:blip>
-          <a:stretch>
-            <a:fillRect/>
-          </a:stretch>
-        </p:blipFill>
-        <p:spPr>
-          <a:xfrm>
-            <a:off x="0" y="0"/>
-            <a:ext cx="12192000" cy="6858000"/>
-          </a:xfrm>
-          <a:prstGeom prst="rect">
-            <a:avLst/>
-          </a:prstGeom>
-        </p:spPr>
-      </p:pic>
-      <p:sp>
-        <p:nvSpPr>
-          <p:cNvPr id="2" name="Title 1">
-            <a:extLst>
-              <a:ext uri="{FF2B5EF4-FFF2-40B4-BE49-F238E27FC236}">
-                <a16:creationId xmlns:a16="http://schemas.microsoft.com/office/drawing/2014/main" id="{8C601C3B-4D47-8348-BC4A-FD48875EDBAC}"/>
-              </a:ext>
-            </a:extLst>
-          </p:cNvPr>
-          <p:cNvSpPr>
-            <a:spLocks noGrp="1"/>
-          </p:cNvSpPr>
-          <p:nvPr>
-            <p:ph type="title"/>
-          </p:nvPr>
-        </p:nvSpPr>
-        <p:spPr>
-          <a:xfrm>
-            <a:off x="640079" y="2053641"/>
-            <a:ext cx="3669161" cy="2760098"/>
-          </a:xfrm>
-        </p:spPr>
-        <p:txBody>
-          <a:bodyPr>
-            <a:normAutofit/>
-          </a:bodyPr>
-          <a:lstStyle/>
-          <a:p>
-            <a:r>
-              <a:rPr lang="en-US" dirty="0">
-                <a:solidFill>
-                  <a:srgbClr val="FFFFFF"/>
-                </a:solidFill>
-              </a:rPr>
-              <a:t>Conclusion</a:t>
-            </a:r>
-          </a:p>
-        </p:txBody>
-      </p:sp>
-      <p:sp>
-        <p:nvSpPr>
-          <p:cNvPr id="3" name="Content Placeholder 2">
-            <a:extLst>
-              <a:ext uri="{FF2B5EF4-FFF2-40B4-BE49-F238E27FC236}">
-                <a16:creationId xmlns:a16="http://schemas.microsoft.com/office/drawing/2014/main" id="{4E96CE26-75BF-634E-9173-A86837E71C55}"/>
-              </a:ext>
-            </a:extLst>
-          </p:cNvPr>
-          <p:cNvSpPr>
-            <a:spLocks noGrp="1"/>
-          </p:cNvSpPr>
-          <p:nvPr>
-            <p:ph idx="1"/>
-          </p:nvPr>
-        </p:nvSpPr>
-        <p:spPr>
-          <a:xfrm>
-            <a:off x="6090574" y="801866"/>
-            <a:ext cx="5306084" cy="5230634"/>
-          </a:xfrm>
-        </p:spPr>
-        <p:txBody>
-          <a:bodyPr anchor="ctr">
-            <a:normAutofit/>
-          </a:bodyPr>
-          <a:lstStyle/>
-          <a:p>
-            <a:r>
-              <a:rPr lang="en-US" sz="2400" dirty="0">
-                <a:solidFill>
-                  <a:srgbClr val="000000"/>
-                </a:solidFill>
-              </a:rPr>
-              <a:t>Python is shipped with a powerful library called </a:t>
-            </a:r>
-            <a:r>
-              <a:rPr lang="en-US" sz="2400" dirty="0">
-                <a:solidFill>
-                  <a:srgbClr val="000000"/>
-                </a:solidFill>
-                <a:latin typeface="Courier New" panose="02070309020205020404" pitchFamily="49" charset="0"/>
-                <a:cs typeface="Courier New" panose="02070309020205020404" pitchFamily="49" charset="0"/>
-              </a:rPr>
-              <a:t>multiprocessing</a:t>
-            </a:r>
-            <a:r>
-              <a:rPr lang="en-US" sz="2400" dirty="0">
-                <a:solidFill>
-                  <a:srgbClr val="000000"/>
-                </a:solidFill>
-              </a:rPr>
-              <a:t> for working with processes.</a:t>
-            </a:r>
-          </a:p>
-          <a:p>
-            <a:r>
-              <a:rPr lang="en-US" sz="2400" dirty="0">
-                <a:solidFill>
-                  <a:srgbClr val="000000"/>
-                </a:solidFill>
-              </a:rPr>
-              <a:t>Processes need to communicate and exchange data. Most often this can be accomplished via queues.</a:t>
-            </a:r>
-          </a:p>
-          <a:p>
-            <a:r>
-              <a:rPr lang="en-US" sz="2400" dirty="0">
-                <a:solidFill>
-                  <a:srgbClr val="000000"/>
-                </a:solidFill>
-              </a:rPr>
-              <a:t>Pool/map paradigm is based upon the 3 steps general parallel problem solving procedure: distribute work, execute tasks in parallel, and combine partial results. Very reminiscent to the MapReduce paradigm.</a:t>
-            </a:r>
-          </a:p>
-        </p:txBody>
-      </p:sp>
-    </p:spTree>
-    <p:extLst>
-      <p:ext uri="{BB962C8B-B14F-4D97-AF65-F5344CB8AC3E}">
-        <p14:creationId xmlns:p14="http://schemas.microsoft.com/office/powerpoint/2010/main" val="2157392188"/>
-      </p:ext>
-    </p:extLst>
-  </p:cSld>
-  <p:clrMapOvr>
-    <a:masterClrMapping/>
-  </p:clrMapOvr>
-  <mc:AlternateContent xmlns:mc="http://schemas.openxmlformats.org/markup-compatibility/2006" xmlns:p15="http://schemas.microsoft.com/office/powerpoint/2012/main">
-    <mc:Choice Requires="p15">
-      <p:transition xmlns:p14="http://schemas.microsoft.com/office/powerpoint/2010/main" spd="slow" p14:dur="2000">
-        <p15:prstTrans prst="drape"/>
-      </p:transition>
-    </mc:Choice>
-    <mc:Fallback xmlns="">
-      <p:transition spd="slow">
-        <p:fade/>
-      </p:transition>
-    </mc:Fallback>
-  </mc:AlternateContent>
-  <p:timing>
-    <p:tnLst>
-      <p:par>
-        <p:cTn id="1" dur="indefinite" restart="never" nodeType="tmRoot">
-          <p:childTnLst>
-            <p:seq concurrent="1" nextAc="seek">
-              <p:cTn id="2" dur="indefinite" nodeType="mainSeq">
-                <p:childTnLst>
-                  <p:par>
-                    <p:cTn id="3" fill="hold">
-                      <p:stCondLst>
-                        <p:cond delay="indefinite"/>
-                      </p:stCondLst>
-                      <p:childTnLst>
-                        <p:par>
-                          <p:cTn id="4" fill="hold">
-                            <p:stCondLst>
-                              <p:cond delay="0"/>
-                            </p:stCondLst>
-                            <p:childTnLst>
-                              <p:par>
-                                <p:cTn id="5" presetID="2" presetClass="entr" presetSubtype="4" fill="hold" grpId="0" nodeType="clickEffect">
-                                  <p:stCondLst>
-                                    <p:cond delay="0"/>
-                                  </p:stCondLst>
-                                  <p:childTnLst>
-                                    <p:set>
-                                      <p:cBhvr>
-                                        <p:cTn id="6" dur="1" fill="hold">
-                                          <p:stCondLst>
-                                            <p:cond delay="0"/>
-                                          </p:stCondLst>
-                                        </p:cTn>
-                                        <p:tgtEl>
-                                          <p:spTgt spid="3">
-                                            <p:txEl>
-                                              <p:pRg st="0" end="0"/>
-                                            </p:txEl>
-                                          </p:spTgt>
-                                        </p:tgtEl>
-                                        <p:attrNameLst>
-                                          <p:attrName>style.visibility</p:attrName>
-                                        </p:attrNameLst>
-                                      </p:cBhvr>
-                                      <p:to>
-                                        <p:strVal val="visible"/>
-                                      </p:to>
-                                    </p:set>
-                                    <p:anim calcmode="lin" valueType="num">
-                                      <p:cBhvr additive="base">
-                                        <p:cTn id="7" dur="500" fill="hold"/>
-                                        <p:tgtEl>
-                                          <p:spTgt spid="3">
-                                            <p:txEl>
-                                              <p:pRg st="0" end="0"/>
-                                            </p:txEl>
-                                          </p:spTgt>
-                                        </p:tgtEl>
-                                        <p:attrNameLst>
-                                          <p:attrName>ppt_x</p:attrName>
-                                        </p:attrNameLst>
-                                      </p:cBhvr>
-                                      <p:tavLst>
-                                        <p:tav tm="0">
-                                          <p:val>
-                                            <p:strVal val="#ppt_x"/>
-                                          </p:val>
-                                        </p:tav>
-                                        <p:tav tm="100000">
-                                          <p:val>
-                                            <p:strVal val="#ppt_x"/>
-                                          </p:val>
-                                        </p:tav>
-                                      </p:tavLst>
-                                    </p:anim>
-                                    <p:anim calcmode="lin" valueType="num">
-                                      <p:cBhvr additive="base">
-                                        <p:cTn id="8" dur="500" fill="hold"/>
-                                        <p:tgtEl>
-                                          <p:spTgt spid="3">
-                                            <p:txEl>
-                                              <p:pRg st="0" end="0"/>
-                                            </p:txEl>
-                                          </p:spTgt>
-                                        </p:tgtEl>
-                                        <p:attrNameLst>
-                                          <p:attrName>ppt_y</p:attrName>
-                                        </p:attrNameLst>
-                                      </p:cBhvr>
-                                      <p:tavLst>
-                                        <p:tav tm="0">
-                                          <p:val>
-                                            <p:strVal val="1+#ppt_h/2"/>
-                                          </p:val>
-                                        </p:tav>
-                                        <p:tav tm="100000">
-                                          <p:val>
-                                            <p:strVal val="#ppt_y"/>
-                                          </p:val>
-                                        </p:tav>
-                                      </p:tavLst>
-                                    </p:anim>
-                                  </p:childTnLst>
-                                </p:cTn>
-                              </p:par>
-                            </p:childTnLst>
-                          </p:cTn>
-                        </p:par>
-                      </p:childTnLst>
-                    </p:cTn>
-                  </p:par>
-                  <p:par>
-                    <p:cTn id="9" fill="hold">
-                      <p:stCondLst>
-                        <p:cond delay="indefinite"/>
-                      </p:stCondLst>
-                      <p:childTnLst>
-                        <p:par>
-                          <p:cTn id="10" fill="hold">
-                            <p:stCondLst>
-                              <p:cond delay="0"/>
-                            </p:stCondLst>
-                            <p:childTnLst>
-                              <p:par>
-                                <p:cTn id="11" presetID="2" presetClass="entr" presetSubtype="4" fill="hold" grpId="0" nodeType="clickEffect">
-                                  <p:stCondLst>
-                                    <p:cond delay="0"/>
-                                  </p:stCondLst>
-                                  <p:childTnLst>
-                                    <p:set>
-                                      <p:cBhvr>
-                                        <p:cTn id="12" dur="1" fill="hold">
-                                          <p:stCondLst>
-                                            <p:cond delay="0"/>
-                                          </p:stCondLst>
-                                        </p:cTn>
-                                        <p:tgtEl>
-                                          <p:spTgt spid="3">
-                                            <p:txEl>
-                                              <p:pRg st="1" end="1"/>
-                                            </p:txEl>
-                                          </p:spTgt>
-                                        </p:tgtEl>
-                                        <p:attrNameLst>
-                                          <p:attrName>style.visibility</p:attrName>
-                                        </p:attrNameLst>
-                                      </p:cBhvr>
-                                      <p:to>
-                                        <p:strVal val="visible"/>
-                                      </p:to>
-                                    </p:set>
-                                    <p:anim calcmode="lin" valueType="num">
-                                      <p:cBhvr additive="base">
-                                        <p:cTn id="13" dur="500" fill="hold"/>
-                                        <p:tgtEl>
-                                          <p:spTgt spid="3">
-                                            <p:txEl>
-                                              <p:pRg st="1" end="1"/>
-                                            </p:txEl>
-                                          </p:spTgt>
-                                        </p:tgtEl>
-                                        <p:attrNameLst>
-                                          <p:attrName>ppt_x</p:attrName>
-                                        </p:attrNameLst>
-                                      </p:cBhvr>
-                                      <p:tavLst>
-                                        <p:tav tm="0">
-                                          <p:val>
-                                            <p:strVal val="#ppt_x"/>
-                                          </p:val>
-                                        </p:tav>
-                                        <p:tav tm="100000">
-                                          <p:val>
-                                            <p:strVal val="#ppt_x"/>
-                                          </p:val>
-                                        </p:tav>
-                                      </p:tavLst>
-                                    </p:anim>
-                                    <p:anim calcmode="lin" valueType="num">
-                                      <p:cBhvr additive="base">
-                                        <p:cTn id="14" dur="500" fill="hold"/>
-                                        <p:tgtEl>
-                                          <p:spTgt spid="3">
-                                            <p:txEl>
-                                              <p:pRg st="1" end="1"/>
-                                            </p:txEl>
-                                          </p:spTgt>
-                                        </p:tgtEl>
-                                        <p:attrNameLst>
-                                          <p:attrName>ppt_y</p:attrName>
-                                        </p:attrNameLst>
-                                      </p:cBhvr>
-                                      <p:tavLst>
-                                        <p:tav tm="0">
-                                          <p:val>
-                                            <p:strVal val="1+#ppt_h/2"/>
-                                          </p:val>
-                                        </p:tav>
-                                        <p:tav tm="100000">
-                                          <p:val>
-                                            <p:strVal val="#ppt_y"/>
-                                          </p:val>
-                                        </p:tav>
-                                      </p:tavLst>
-                                    </p:anim>
-                                  </p:childTnLst>
-                                </p:cTn>
-                              </p:par>
-                            </p:childTnLst>
-                          </p:cTn>
-                        </p:par>
-                      </p:childTnLst>
-                    </p:cTn>
-                  </p:par>
-                  <p:par>
-                    <p:cTn id="15" fill="hold">
-                      <p:stCondLst>
-                        <p:cond delay="indefinite"/>
-                      </p:stCondLst>
-                      <p:childTnLst>
-                        <p:par>
-                          <p:cTn id="16" fill="hold">
-                            <p:stCondLst>
-                              <p:cond delay="0"/>
-                            </p:stCondLst>
-                            <p:childTnLst>
-                              <p:par>
-                                <p:cTn id="17" presetID="2" presetClass="entr" presetSubtype="4" fill="hold" grpId="0" nodeType="clickEffect">
-                                  <p:stCondLst>
-                                    <p:cond delay="0"/>
-                                  </p:stCondLst>
-                                  <p:childTnLst>
-                                    <p:set>
-                                      <p:cBhvr>
-                                        <p:cTn id="18" dur="1" fill="hold">
-                                          <p:stCondLst>
-                                            <p:cond delay="0"/>
-                                          </p:stCondLst>
-                                        </p:cTn>
-                                        <p:tgtEl>
-                                          <p:spTgt spid="3">
-                                            <p:txEl>
-                                              <p:pRg st="2" end="2"/>
-                                            </p:txEl>
-                                          </p:spTgt>
-                                        </p:tgtEl>
-                                        <p:attrNameLst>
-                                          <p:attrName>style.visibility</p:attrName>
-                                        </p:attrNameLst>
-                                      </p:cBhvr>
-                                      <p:to>
-                                        <p:strVal val="visible"/>
-                                      </p:to>
-                                    </p:set>
-                                    <p:anim calcmode="lin" valueType="num">
-                                      <p:cBhvr additive="base">
-                                        <p:cTn id="19" dur="500" fill="hold"/>
-                                        <p:tgtEl>
-                                          <p:spTgt spid="3">
-                                            <p:txEl>
-                                              <p:pRg st="2" end="2"/>
-                                            </p:txEl>
-                                          </p:spTgt>
-                                        </p:tgtEl>
-                                        <p:attrNameLst>
-                                          <p:attrName>ppt_x</p:attrName>
-                                        </p:attrNameLst>
-                                      </p:cBhvr>
-                                      <p:tavLst>
-                                        <p:tav tm="0">
-                                          <p:val>
-                                            <p:strVal val="#ppt_x"/>
-                                          </p:val>
-                                        </p:tav>
-                                        <p:tav tm="100000">
-                                          <p:val>
-                                            <p:strVal val="#ppt_x"/>
-                                          </p:val>
-                                        </p:tav>
-                                      </p:tavLst>
-                                    </p:anim>
-                                    <p:anim calcmode="lin" valueType="num">
-                                      <p:cBhvr additive="base">
-                                        <p:cTn id="20" dur="500" fill="hold"/>
-                                        <p:tgtEl>
-                                          <p:spTgt spid="3">
-                                            <p:txEl>
-                                              <p:pRg st="2" end="2"/>
-                                            </p:txEl>
-                                          </p:spTgt>
-                                        </p:tgtEl>
-                                        <p:attrNameLst>
-                                          <p:attrName>ppt_y</p:attrName>
-                                        </p:attrNameLst>
-                                      </p:cBhvr>
-                                      <p:tavLst>
-                                        <p:tav tm="0">
-                                          <p:val>
-                                            <p:strVal val="1+#ppt_h/2"/>
-                                          </p:val>
-                                        </p:tav>
-                                        <p:tav tm="100000">
-                                          <p:val>
-                                            <p:strVal val="#ppt_y"/>
-                                          </p:val>
-                                        </p:tav>
-                                      </p:tavLst>
-                                    </p:anim>
-                                  </p:childTnLst>
-                                </p:cTn>
-                              </p:par>
-                            </p:childTnLst>
-                          </p:cTn>
-                        </p:par>
-                      </p:childTnLst>
-                    </p:cTn>
-                  </p:par>
-                </p:childTnLst>
-              </p:cTn>
-              <p:prevCondLst>
-                <p:cond evt="onPrev" delay="0">
-                  <p:tgtEl>
-                    <p:sldTgt/>
-                  </p:tgtEl>
-                </p:cond>
-              </p:prevCondLst>
-              <p:nextCondLst>
-                <p:cond evt="onNext" delay="0">
-                  <p:tgtEl>
-                    <p:sldTgt/>
-                  </p:tgtEl>
-                </p:cond>
-              </p:nextCondLst>
-            </p:seq>
-          </p:childTnLst>
-        </p:cTn>
-      </p:par>
-    </p:tnLst>
-    <p:bldLst>
-      <p:bldP spid="3" grpId="0" build="p"/>
-    </p:bldLst>
-  </p:timing>
 </p:sld>
 </file>
 

--- a/lecture-2/presentation-2.pptx
+++ b/lecture-2/presentation-2.pptx
@@ -3200,7 +3200,7 @@
           <a:p>
             <a:fld id="{E758746B-B0EA-CA41-BB8E-A8C6FE44757D}" type="datetimeFigureOut">
               <a:rPr lang="en-US"/>
-              <a:t>10/21/19</a:t>
+              <a:t>11/6/19</a:t>
             </a:fld>
             <a:endParaRPr lang="en-US" dirty="0"/>
           </a:p>
@@ -3511,7 +3511,7 @@
           <a:bodyPr/>
           <a:lstStyle/>
           <a:p>
-            <a:endParaRPr lang="en-US"/>
+            <a:endParaRPr lang="en-US" dirty="0"/>
           </a:p>
         </p:txBody>
       </p:sp>
@@ -3699,7 +3699,7 @@
             <a:fld id="{B61BEF0D-F0BB-DE4B-95CE-6DB70DBA9567}" type="datetimeFigureOut">
               <a:rPr lang="en-US"/>
               <a:pPr/>
-              <a:t>10/21/19</a:t>
+              <a:t>11/6/19</a:t>
             </a:fld>
             <a:endParaRPr lang="en-US" dirty="0"/>
           </a:p>
@@ -3911,7 +3911,7 @@
             <a:fld id="{B61BEF0D-F0BB-DE4B-95CE-6DB70DBA9567}" type="datetimeFigureOut">
               <a:rPr lang="en-US"/>
               <a:pPr/>
-              <a:t>10/21/19</a:t>
+              <a:t>11/6/19</a:t>
             </a:fld>
             <a:endParaRPr lang="en-US" dirty="0"/>
           </a:p>
@@ -4133,7 +4133,7 @@
             <a:fld id="{B61BEF0D-F0BB-DE4B-95CE-6DB70DBA9567}" type="datetimeFigureOut">
               <a:rPr lang="en-US"/>
               <a:pPr/>
-              <a:t>10/21/19</a:t>
+              <a:t>11/6/19</a:t>
             </a:fld>
             <a:endParaRPr lang="en-US" dirty="0"/>
           </a:p>
@@ -4345,7 +4345,7 @@
             <a:fld id="{B61BEF0D-F0BB-DE4B-95CE-6DB70DBA9567}" type="datetimeFigureOut">
               <a:rPr lang="en-US"/>
               <a:pPr/>
-              <a:t>10/21/19</a:t>
+              <a:t>11/6/19</a:t>
             </a:fld>
             <a:endParaRPr lang="en-US" dirty="0"/>
           </a:p>
@@ -4634,7 +4634,7 @@
             <a:fld id="{B61BEF0D-F0BB-DE4B-95CE-6DB70DBA9567}" type="datetimeFigureOut">
               <a:rPr lang="en-US"/>
               <a:pPr/>
-              <a:t>10/21/19</a:t>
+              <a:t>11/6/19</a:t>
             </a:fld>
             <a:endParaRPr lang="en-US" dirty="0"/>
           </a:p>
@@ -4913,7 +4913,7 @@
             <a:fld id="{B61BEF0D-F0BB-DE4B-95CE-6DB70DBA9567}" type="datetimeFigureOut">
               <a:rPr lang="en-US"/>
               <a:pPr/>
-              <a:t>10/21/19</a:t>
+              <a:t>11/6/19</a:t>
             </a:fld>
             <a:endParaRPr lang="en-US" dirty="0"/>
           </a:p>
@@ -5339,7 +5339,7 @@
             <a:fld id="{B61BEF0D-F0BB-DE4B-95CE-6DB70DBA9567}" type="datetimeFigureOut">
               <a:rPr lang="en-US"/>
               <a:pPr/>
-              <a:t>10/21/19</a:t>
+              <a:t>11/6/19</a:t>
             </a:fld>
             <a:endParaRPr lang="en-US" dirty="0"/>
           </a:p>
@@ -5482,7 +5482,7 @@
             <a:fld id="{B61BEF0D-F0BB-DE4B-95CE-6DB70DBA9567}" type="datetimeFigureOut">
               <a:rPr lang="en-US"/>
               <a:pPr/>
-              <a:t>10/21/19</a:t>
+              <a:t>11/6/19</a:t>
             </a:fld>
             <a:endParaRPr lang="en-US" dirty="0"/>
           </a:p>
@@ -5609,7 +5609,7 @@
             <a:fld id="{B61BEF0D-F0BB-DE4B-95CE-6DB70DBA9567}" type="datetimeFigureOut">
               <a:rPr lang="en-US"/>
               <a:pPr/>
-              <a:t>10/21/19</a:t>
+              <a:t>11/6/19</a:t>
             </a:fld>
             <a:endParaRPr lang="en-US" dirty="0"/>
           </a:p>
@@ -5934,7 +5934,7 @@
             <a:fld id="{B61BEF0D-F0BB-DE4B-95CE-6DB70DBA9567}" type="datetimeFigureOut">
               <a:rPr lang="en-US"/>
               <a:pPr/>
-              <a:t>10/21/19</a:t>
+              <a:t>11/6/19</a:t>
             </a:fld>
             <a:endParaRPr lang="en-US" dirty="0"/>
           </a:p>
@@ -6236,7 +6236,7 @@
             <a:fld id="{B61BEF0D-F0BB-DE4B-95CE-6DB70DBA9567}" type="datetimeFigureOut">
               <a:rPr lang="en-US"/>
               <a:pPr/>
-              <a:t>10/21/19</a:t>
+              <a:t>11/6/19</a:t>
             </a:fld>
             <a:endParaRPr lang="en-US" dirty="0"/>
           </a:p>
@@ -6491,7 +6491,7 @@
             <a:fld id="{B61BEF0D-F0BB-DE4B-95CE-6DB70DBA9567}" type="datetimeFigureOut">
               <a:rPr lang="en-US"/>
               <a:pPr/>
-              <a:t>10/21/19</a:t>
+              <a:t>11/6/19</a:t>
             </a:fld>
             <a:endParaRPr lang="en-US" dirty="0"/>
           </a:p>
@@ -12425,8 +12425,8 @@
           </a:fontRef>
         </p:style>
       </p:cxnSp>
-      <mc:AlternateContent xmlns:mc="http://schemas.openxmlformats.org/markup-compatibility/2006" xmlns:a14="http://schemas.microsoft.com/office/drawing/2010/main">
-        <mc:Choice Requires="a14">
+      <mc:AlternateContent xmlns:mc="http://schemas.openxmlformats.org/markup-compatibility/2006">
+        <mc:Choice xmlns:a14="http://schemas.microsoft.com/office/drawing/2010/main" Requires="a14">
           <p:sp>
             <p:nvSpPr>
               <p:cNvPr id="3" name="Content Placeholder 2">
@@ -12862,7 +12862,7 @@
             </p:txBody>
           </p:sp>
         </mc:Choice>
-        <mc:Fallback xmlns="">
+        <mc:Fallback>
           <p:sp>
             <p:nvSpPr>
               <p:cNvPr id="3" name="Content Placeholder 2">
@@ -13376,7 +13376,7 @@
               <a:tabLst/>
               <a:defRPr/>
             </a:pPr>
-            <a:endParaRPr kumimoji="0" lang="en-US" sz="1800" b="0" i="0" u="none" strike="noStrike" kern="1200" cap="none" spc="0" normalizeH="0" baseline="0" noProof="0">
+            <a:endParaRPr kumimoji="0" lang="en-US" sz="1800" b="0" i="0" u="none" strike="noStrike" kern="1200" cap="none" spc="0" normalizeH="0" baseline="0" noProof="0" dirty="0">
               <a:ln>
                 <a:noFill/>
               </a:ln>
@@ -13425,7 +13425,7 @@
           <a:lstStyle/>
           <a:p>
             <a:r>
-              <a:rPr lang="en-US" sz="2200" kern="1200">
+              <a:rPr lang="en-US" sz="2200" kern="1200" dirty="0">
                 <a:solidFill>
                   <a:srgbClr val="FFFFFF"/>
                 </a:solidFill>
@@ -13474,16 +13474,16 @@
               </a:spcAft>
             </a:pPr>
             <a:r>
-              <a:rPr lang="en-US" sz="1600"/>
+              <a:rPr lang="en-US" sz="1600" dirty="0"/>
               <a:t>Source: </a:t>
             </a:r>
             <a:r>
-              <a:rPr lang="en-US" sz="1600">
+              <a:rPr lang="en-US" sz="1600" dirty="0">
                 <a:hlinkClick r:id="rId3"/>
               </a:rPr>
               <a:t>https://en.wikipedia.org/wiki/Amdahl%27s_law</a:t>
             </a:r>
-            <a:endParaRPr lang="en-US" sz="1600"/>
+            <a:endParaRPr lang="en-US" sz="1600" dirty="0"/>
           </a:p>
         </p:txBody>
       </p:sp>

--- a/lecture-2/presentation-2.pptx
+++ b/lecture-2/presentation-2.pptx
@@ -3200,7 +3200,7 @@
           <a:p>
             <a:fld id="{E758746B-B0EA-CA41-BB8E-A8C6FE44757D}" type="datetimeFigureOut">
               <a:rPr lang="en-US"/>
-              <a:t>11/6/19</a:t>
+              <a:t>2/25/20</a:t>
             </a:fld>
             <a:endParaRPr lang="en-US" dirty="0"/>
           </a:p>
@@ -3699,7 +3699,7 @@
             <a:fld id="{B61BEF0D-F0BB-DE4B-95CE-6DB70DBA9567}" type="datetimeFigureOut">
               <a:rPr lang="en-US"/>
               <a:pPr/>
-              <a:t>11/6/19</a:t>
+              <a:t>2/25/20</a:t>
             </a:fld>
             <a:endParaRPr lang="en-US" dirty="0"/>
           </a:p>
@@ -3911,7 +3911,7 @@
             <a:fld id="{B61BEF0D-F0BB-DE4B-95CE-6DB70DBA9567}" type="datetimeFigureOut">
               <a:rPr lang="en-US"/>
               <a:pPr/>
-              <a:t>11/6/19</a:t>
+              <a:t>2/25/20</a:t>
             </a:fld>
             <a:endParaRPr lang="en-US" dirty="0"/>
           </a:p>
@@ -4133,7 +4133,7 @@
             <a:fld id="{B61BEF0D-F0BB-DE4B-95CE-6DB70DBA9567}" type="datetimeFigureOut">
               <a:rPr lang="en-US"/>
               <a:pPr/>
-              <a:t>11/6/19</a:t>
+              <a:t>2/25/20</a:t>
             </a:fld>
             <a:endParaRPr lang="en-US" dirty="0"/>
           </a:p>
@@ -4345,7 +4345,7 @@
             <a:fld id="{B61BEF0D-F0BB-DE4B-95CE-6DB70DBA9567}" type="datetimeFigureOut">
               <a:rPr lang="en-US"/>
               <a:pPr/>
-              <a:t>11/6/19</a:t>
+              <a:t>2/25/20</a:t>
             </a:fld>
             <a:endParaRPr lang="en-US" dirty="0"/>
           </a:p>
@@ -4634,7 +4634,7 @@
             <a:fld id="{B61BEF0D-F0BB-DE4B-95CE-6DB70DBA9567}" type="datetimeFigureOut">
               <a:rPr lang="en-US"/>
               <a:pPr/>
-              <a:t>11/6/19</a:t>
+              <a:t>2/25/20</a:t>
             </a:fld>
             <a:endParaRPr lang="en-US" dirty="0"/>
           </a:p>
@@ -4913,7 +4913,7 @@
             <a:fld id="{B61BEF0D-F0BB-DE4B-95CE-6DB70DBA9567}" type="datetimeFigureOut">
               <a:rPr lang="en-US"/>
               <a:pPr/>
-              <a:t>11/6/19</a:t>
+              <a:t>2/25/20</a:t>
             </a:fld>
             <a:endParaRPr lang="en-US" dirty="0"/>
           </a:p>
@@ -5339,7 +5339,7 @@
             <a:fld id="{B61BEF0D-F0BB-DE4B-95CE-6DB70DBA9567}" type="datetimeFigureOut">
               <a:rPr lang="en-US"/>
               <a:pPr/>
-              <a:t>11/6/19</a:t>
+              <a:t>2/25/20</a:t>
             </a:fld>
             <a:endParaRPr lang="en-US" dirty="0"/>
           </a:p>
@@ -5482,7 +5482,7 @@
             <a:fld id="{B61BEF0D-F0BB-DE4B-95CE-6DB70DBA9567}" type="datetimeFigureOut">
               <a:rPr lang="en-US"/>
               <a:pPr/>
-              <a:t>11/6/19</a:t>
+              <a:t>2/25/20</a:t>
             </a:fld>
             <a:endParaRPr lang="en-US" dirty="0"/>
           </a:p>
@@ -5609,7 +5609,7 @@
             <a:fld id="{B61BEF0D-F0BB-DE4B-95CE-6DB70DBA9567}" type="datetimeFigureOut">
               <a:rPr lang="en-US"/>
               <a:pPr/>
-              <a:t>11/6/19</a:t>
+              <a:t>2/25/20</a:t>
             </a:fld>
             <a:endParaRPr lang="en-US" dirty="0"/>
           </a:p>
@@ -5934,7 +5934,7 @@
             <a:fld id="{B61BEF0D-F0BB-DE4B-95CE-6DB70DBA9567}" type="datetimeFigureOut">
               <a:rPr lang="en-US"/>
               <a:pPr/>
-              <a:t>11/6/19</a:t>
+              <a:t>2/25/20</a:t>
             </a:fld>
             <a:endParaRPr lang="en-US" dirty="0"/>
           </a:p>
@@ -6236,7 +6236,7 @@
             <a:fld id="{B61BEF0D-F0BB-DE4B-95CE-6DB70DBA9567}" type="datetimeFigureOut">
               <a:rPr lang="en-US"/>
               <a:pPr/>
-              <a:t>11/6/19</a:t>
+              <a:t>2/25/20</a:t>
             </a:fld>
             <a:endParaRPr lang="en-US" dirty="0"/>
           </a:p>
@@ -6491,7 +6491,7 @@
             <a:fld id="{B61BEF0D-F0BB-DE4B-95CE-6DB70DBA9567}" type="datetimeFigureOut">
               <a:rPr lang="en-US"/>
               <a:pPr/>
-              <a:t>11/6/19</a:t>
+              <a:t>2/25/20</a:t>
             </a:fld>
             <a:endParaRPr lang="en-US" dirty="0"/>
           </a:p>
@@ -11817,7 +11817,7 @@
                   <a:srgbClr val="FFFFFF"/>
                 </a:solidFill>
               </a:rPr>
-              <a:t>Communicating via a Queue</a:t>
+              <a:t>Communicating via Queue and Manager</a:t>
             </a:r>
           </a:p>
         </p:txBody>
@@ -12425,8 +12425,8 @@
           </a:fontRef>
         </p:style>
       </p:cxnSp>
-      <mc:AlternateContent xmlns:mc="http://schemas.openxmlformats.org/markup-compatibility/2006">
-        <mc:Choice xmlns:a14="http://schemas.microsoft.com/office/drawing/2010/main" Requires="a14">
+      <mc:AlternateContent xmlns:mc="http://schemas.openxmlformats.org/markup-compatibility/2006" xmlns:a14="http://schemas.microsoft.com/office/drawing/2010/main">
+        <mc:Choice Requires="a14">
           <p:sp>
             <p:nvSpPr>
               <p:cNvPr id="3" name="Content Placeholder 2">
@@ -12862,7 +12862,7 @@
             </p:txBody>
           </p:sp>
         </mc:Choice>
-        <mc:Fallback>
+        <mc:Fallback xmlns="">
           <p:sp>
             <p:nvSpPr>
               <p:cNvPr id="3" name="Content Placeholder 2">

--- a/lecture-2/presentation-2.pptx
+++ b/lecture-2/presentation-2.pptx
@@ -5,7 +5,7 @@
     <p:sldMasterId id="2147483764" r:id="rId1"/>
   </p:sldMasterIdLst>
   <p:notesMasterIdLst>
-    <p:notesMasterId r:id="rId12"/>
+    <p:notesMasterId r:id="rId13"/>
   </p:notesMasterIdLst>
   <p:sldIdLst>
     <p:sldId id="256" r:id="rId2"/>
@@ -16,8 +16,9 @@
     <p:sldId id="310" r:id="rId7"/>
     <p:sldId id="313" r:id="rId8"/>
     <p:sldId id="315" r:id="rId9"/>
-    <p:sldId id="314" r:id="rId10"/>
-    <p:sldId id="312" r:id="rId11"/>
+    <p:sldId id="316" r:id="rId10"/>
+    <p:sldId id="314" r:id="rId11"/>
+    <p:sldId id="312" r:id="rId12"/>
   </p:sldIdLst>
   <p:sldSz cx="12192000" cy="6858000"/>
   <p:notesSz cx="6858000" cy="9144000"/>
@@ -3200,7 +3201,7 @@
           <a:p>
             <a:fld id="{E758746B-B0EA-CA41-BB8E-A8C6FE44757D}" type="datetimeFigureOut">
               <a:rPr lang="en-US"/>
-              <a:t>2/25/20</a:t>
+              <a:t>10/22/20</a:t>
             </a:fld>
             <a:endParaRPr lang="en-US" dirty="0"/>
           </a:p>
@@ -3551,6 +3552,90 @@
 </p:notes>
 </file>
 
+<file path=ppt/notesSlides/notesSlide2.xml><?xml version="1.0" encoding="utf-8"?>
+<p:notes xmlns:a="http://schemas.openxmlformats.org/drawingml/2006/main" xmlns:r="http://schemas.openxmlformats.org/officeDocument/2006/relationships" xmlns:p="http://schemas.openxmlformats.org/presentationml/2006/main">
+  <p:cSld>
+    <p:spTree>
+      <p:nvGrpSpPr>
+        <p:cNvPr id="1" name=""/>
+        <p:cNvGrpSpPr/>
+        <p:nvPr/>
+      </p:nvGrpSpPr>
+      <p:grpSpPr>
+        <a:xfrm>
+          <a:off x="0" y="0"/>
+          <a:ext cx="0" cy="0"/>
+          <a:chOff x="0" y="0"/>
+          <a:chExt cx="0" cy="0"/>
+        </a:xfrm>
+      </p:grpSpPr>
+      <p:sp>
+        <p:nvSpPr>
+          <p:cNvPr id="2" name="Slide Image Placeholder 1"/>
+          <p:cNvSpPr>
+            <a:spLocks noGrp="1" noRot="1" noChangeAspect="1"/>
+          </p:cNvSpPr>
+          <p:nvPr>
+            <p:ph type="sldImg"/>
+          </p:nvPr>
+        </p:nvSpPr>
+        <p:spPr/>
+      </p:sp>
+      <p:sp>
+        <p:nvSpPr>
+          <p:cNvPr id="3" name="Notes Placeholder 2"/>
+          <p:cNvSpPr>
+            <a:spLocks noGrp="1"/>
+          </p:cNvSpPr>
+          <p:nvPr>
+            <p:ph type="body" idx="1"/>
+          </p:nvPr>
+        </p:nvSpPr>
+        <p:spPr/>
+        <p:txBody>
+          <a:bodyPr/>
+          <a:lstStyle/>
+          <a:p>
+            <a:endParaRPr lang="en-US" dirty="0"/>
+          </a:p>
+        </p:txBody>
+      </p:sp>
+      <p:sp>
+        <p:nvSpPr>
+          <p:cNvPr id="4" name="Slide Number Placeholder 3"/>
+          <p:cNvSpPr>
+            <a:spLocks noGrp="1"/>
+          </p:cNvSpPr>
+          <p:nvPr>
+            <p:ph type="sldNum" sz="quarter" idx="5"/>
+          </p:nvPr>
+        </p:nvSpPr>
+        <p:spPr/>
+        <p:txBody>
+          <a:bodyPr/>
+          <a:lstStyle/>
+          <a:p>
+            <a:fld id="{488DFEC0-A4ED-6E4A-B0B6-6FC7C158168F}" type="slidenum">
+              <a:rPr lang="en-US"/>
+              <a:t>9</a:t>
+            </a:fld>
+            <a:endParaRPr lang="en-US" dirty="0"/>
+          </a:p>
+        </p:txBody>
+      </p:sp>
+    </p:spTree>
+    <p:extLst>
+      <p:ext uri="{BB962C8B-B14F-4D97-AF65-F5344CB8AC3E}">
+        <p14:creationId xmlns:p14="http://schemas.microsoft.com/office/powerpoint/2010/main" val="4164528203"/>
+      </p:ext>
+    </p:extLst>
+  </p:cSld>
+  <p:clrMapOvr>
+    <a:masterClrMapping/>
+  </p:clrMapOvr>
+</p:notes>
+</file>
+
 <file path=ppt/slideLayouts/slideLayout1.xml><?xml version="1.0" encoding="utf-8"?>
 <p:sldLayout xmlns:a="http://schemas.openxmlformats.org/drawingml/2006/main" xmlns:r="http://schemas.openxmlformats.org/officeDocument/2006/relationships" xmlns:p="http://schemas.openxmlformats.org/presentationml/2006/main" type="title" preserve="1">
   <p:cSld name="Title Slide">
@@ -3699,7 +3784,7 @@
             <a:fld id="{B61BEF0D-F0BB-DE4B-95CE-6DB70DBA9567}" type="datetimeFigureOut">
               <a:rPr lang="en-US"/>
               <a:pPr/>
-              <a:t>2/25/20</a:t>
+              <a:t>10/22/20</a:t>
             </a:fld>
             <a:endParaRPr lang="en-US" dirty="0"/>
           </a:p>
@@ -3911,7 +3996,7 @@
             <a:fld id="{B61BEF0D-F0BB-DE4B-95CE-6DB70DBA9567}" type="datetimeFigureOut">
               <a:rPr lang="en-US"/>
               <a:pPr/>
-              <a:t>2/25/20</a:t>
+              <a:t>10/22/20</a:t>
             </a:fld>
             <a:endParaRPr lang="en-US" dirty="0"/>
           </a:p>
@@ -4133,7 +4218,7 @@
             <a:fld id="{B61BEF0D-F0BB-DE4B-95CE-6DB70DBA9567}" type="datetimeFigureOut">
               <a:rPr lang="en-US"/>
               <a:pPr/>
-              <a:t>2/25/20</a:t>
+              <a:t>10/22/20</a:t>
             </a:fld>
             <a:endParaRPr lang="en-US" dirty="0"/>
           </a:p>
@@ -4345,7 +4430,7 @@
             <a:fld id="{B61BEF0D-F0BB-DE4B-95CE-6DB70DBA9567}" type="datetimeFigureOut">
               <a:rPr lang="en-US"/>
               <a:pPr/>
-              <a:t>2/25/20</a:t>
+              <a:t>10/22/20</a:t>
             </a:fld>
             <a:endParaRPr lang="en-US" dirty="0"/>
           </a:p>
@@ -4634,7 +4719,7 @@
             <a:fld id="{B61BEF0D-F0BB-DE4B-95CE-6DB70DBA9567}" type="datetimeFigureOut">
               <a:rPr lang="en-US"/>
               <a:pPr/>
-              <a:t>2/25/20</a:t>
+              <a:t>10/22/20</a:t>
             </a:fld>
             <a:endParaRPr lang="en-US" dirty="0"/>
           </a:p>
@@ -4913,7 +4998,7 @@
             <a:fld id="{B61BEF0D-F0BB-DE4B-95CE-6DB70DBA9567}" type="datetimeFigureOut">
               <a:rPr lang="en-US"/>
               <a:pPr/>
-              <a:t>2/25/20</a:t>
+              <a:t>10/22/20</a:t>
             </a:fld>
             <a:endParaRPr lang="en-US" dirty="0"/>
           </a:p>
@@ -5339,7 +5424,7 @@
             <a:fld id="{B61BEF0D-F0BB-DE4B-95CE-6DB70DBA9567}" type="datetimeFigureOut">
               <a:rPr lang="en-US"/>
               <a:pPr/>
-              <a:t>2/25/20</a:t>
+              <a:t>10/22/20</a:t>
             </a:fld>
             <a:endParaRPr lang="en-US" dirty="0"/>
           </a:p>
@@ -5482,7 +5567,7 @@
             <a:fld id="{B61BEF0D-F0BB-DE4B-95CE-6DB70DBA9567}" type="datetimeFigureOut">
               <a:rPr lang="en-US"/>
               <a:pPr/>
-              <a:t>2/25/20</a:t>
+              <a:t>10/22/20</a:t>
             </a:fld>
             <a:endParaRPr lang="en-US" dirty="0"/>
           </a:p>
@@ -5609,7 +5694,7 @@
             <a:fld id="{B61BEF0D-F0BB-DE4B-95CE-6DB70DBA9567}" type="datetimeFigureOut">
               <a:rPr lang="en-US"/>
               <a:pPr/>
-              <a:t>2/25/20</a:t>
+              <a:t>10/22/20</a:t>
             </a:fld>
             <a:endParaRPr lang="en-US" dirty="0"/>
           </a:p>
@@ -5934,7 +6019,7 @@
             <a:fld id="{B61BEF0D-F0BB-DE4B-95CE-6DB70DBA9567}" type="datetimeFigureOut">
               <a:rPr lang="en-US"/>
               <a:pPr/>
-              <a:t>2/25/20</a:t>
+              <a:t>10/22/20</a:t>
             </a:fld>
             <a:endParaRPr lang="en-US" dirty="0"/>
           </a:p>
@@ -6236,7 +6321,7 @@
             <a:fld id="{B61BEF0D-F0BB-DE4B-95CE-6DB70DBA9567}" type="datetimeFigureOut">
               <a:rPr lang="en-US"/>
               <a:pPr/>
-              <a:t>2/25/20</a:t>
+              <a:t>10/22/20</a:t>
             </a:fld>
             <a:endParaRPr lang="en-US" dirty="0"/>
           </a:p>
@@ -6491,7 +6576,7 @@
             <a:fld id="{B61BEF0D-F0BB-DE4B-95CE-6DB70DBA9567}" type="datetimeFigureOut">
               <a:rPr lang="en-US"/>
               <a:pPr/>
-              <a:t>2/25/20</a:t>
+              <a:t>10/22/20</a:t>
             </a:fld>
             <a:endParaRPr lang="en-US" dirty="0"/>
           </a:p>
@@ -7003,6 +7088,253 @@
 </file>
 
 <file path=ppt/slides/slide10.xml><?xml version="1.0" encoding="utf-8"?>
+<p:sld xmlns:a="http://schemas.openxmlformats.org/drawingml/2006/main" xmlns:r="http://schemas.openxmlformats.org/officeDocument/2006/relationships" xmlns:p="http://schemas.openxmlformats.org/presentationml/2006/main">
+  <p:cSld>
+    <p:bg>
+      <p:bgPr>
+        <a:solidFill>
+          <a:srgbClr val="FFFFFF"/>
+        </a:solidFill>
+        <a:effectLst/>
+      </p:bgPr>
+    </p:bg>
+    <p:spTree>
+      <p:nvGrpSpPr>
+        <p:cNvPr id="1" name=""/>
+        <p:cNvGrpSpPr/>
+        <p:nvPr/>
+      </p:nvGrpSpPr>
+      <p:grpSpPr>
+        <a:xfrm>
+          <a:off x="0" y="0"/>
+          <a:ext cx="0" cy="0"/>
+          <a:chOff x="0" y="0"/>
+          <a:chExt cx="0" cy="0"/>
+        </a:xfrm>
+      </p:grpSpPr>
+      <p:sp>
+        <p:nvSpPr>
+          <p:cNvPr id="10" name="Rectangle 9">
+            <a:extLst>
+              <a:ext uri="{FF2B5EF4-FFF2-40B4-BE49-F238E27FC236}">
+                <a16:creationId xmlns:a16="http://schemas.microsoft.com/office/drawing/2014/main" id="{4351DFE5-F63D-4BE0-BDA9-E3EB88F01AA5}"/>
+              </a:ext>
+              <a:ext uri="{C183D7F6-B498-43B3-948B-1728B52AA6E4}">
+                <adec:decorative xmlns:adec="http://schemas.microsoft.com/office/drawing/2017/decorative" val="1"/>
+              </a:ext>
+            </a:extLst>
+          </p:cNvPr>
+          <p:cNvSpPr>
+            <a:spLocks noGrp="1" noRot="1" noChangeAspect="1" noMove="1" noResize="1" noEditPoints="1" noAdjustHandles="1" noChangeArrowheads="1" noChangeShapeType="1" noTextEdit="1"/>
+          </p:cNvSpPr>
+          <p:nvPr>
+            <p:extLst>
+              <p:ext uri="{386F3935-93C4-4BCD-93E2-E3B085C9AB24}">
+                <p16:designElem xmlns:p16="http://schemas.microsoft.com/office/powerpoint/2015/main" val="1"/>
+              </p:ext>
+            </p:extLst>
+          </p:nvPr>
+        </p:nvSpPr>
+        <p:spPr>
+          <a:xfrm>
+            <a:off x="355601" y="0"/>
+            <a:ext cx="11480494" cy="2753936"/>
+          </a:xfrm>
+          <a:prstGeom prst="rect">
+            <a:avLst/>
+          </a:prstGeom>
+          <a:gradFill>
+            <a:gsLst>
+              <a:gs pos="0">
+                <a:schemeClr val="accent5"/>
+              </a:gs>
+              <a:gs pos="25000">
+                <a:schemeClr val="accent5"/>
+              </a:gs>
+              <a:gs pos="94000">
+                <a:schemeClr val="bg2">
+                  <a:lumMod val="25000"/>
+                </a:schemeClr>
+              </a:gs>
+              <a:gs pos="100000">
+                <a:schemeClr val="bg2">
+                  <a:lumMod val="25000"/>
+                </a:schemeClr>
+              </a:gs>
+            </a:gsLst>
+            <a:lin ang="4200000" scaled="0"/>
+          </a:gradFill>
+          <a:ln>
+            <a:noFill/>
+          </a:ln>
+        </p:spPr>
+        <p:style>
+          <a:lnRef idx="2">
+            <a:schemeClr val="accent1">
+              <a:shade val="50000"/>
+            </a:schemeClr>
+          </a:lnRef>
+          <a:fillRef idx="1">
+            <a:schemeClr val="accent1"/>
+          </a:fillRef>
+          <a:effectRef idx="0">
+            <a:schemeClr val="accent1"/>
+          </a:effectRef>
+          <a:fontRef idx="minor">
+            <a:schemeClr val="lt1"/>
+          </a:fontRef>
+        </p:style>
+        <p:txBody>
+          <a:bodyPr rtlCol="0" anchor="ctr"/>
+          <a:lstStyle/>
+          <a:p>
+            <a:pPr algn="ctr"/>
+            <a:endParaRPr lang="en-US" dirty="0"/>
+          </a:p>
+        </p:txBody>
+      </p:sp>
+      <p:pic>
+        <p:nvPicPr>
+          <p:cNvPr id="12" name="Picture 11">
+            <a:extLst>
+              <a:ext uri="{FF2B5EF4-FFF2-40B4-BE49-F238E27FC236}">
+                <a16:creationId xmlns:a16="http://schemas.microsoft.com/office/drawing/2014/main" id="{02DD2BC0-6F29-4B4F-8D61-2DCF6D2E8E73}"/>
+              </a:ext>
+              <a:ext uri="{C183D7F6-B498-43B3-948B-1728B52AA6E4}">
+                <adec:decorative xmlns:adec="http://schemas.microsoft.com/office/drawing/2017/decorative" val="1"/>
+              </a:ext>
+            </a:extLst>
+          </p:cNvPr>
+          <p:cNvPicPr>
+            <a:picLocks noGrp="1" noRot="1" noChangeAspect="1" noMove="1" noResize="1" noEditPoints="1" noAdjustHandles="1" noChangeArrowheads="1" noChangeShapeType="1" noCrop="1"/>
+          </p:cNvPicPr>
+          <p:nvPr>
+            <p:extLst>
+              <p:ext uri="{386F3935-93C4-4BCD-93E2-E3B085C9AB24}">
+                <p16:designElem xmlns:p16="http://schemas.microsoft.com/office/powerpoint/2015/main" val="1"/>
+              </p:ext>
+            </p:extLst>
+          </p:nvPr>
+        </p:nvPicPr>
+        <p:blipFill>
+          <a:blip r:embed="rId2">
+            <a:extLst>
+              <a:ext uri="{28A0092B-C50C-407E-A947-70E740481C1C}">
+                <a14:useLocalDpi xmlns:a14="http://schemas.microsoft.com/office/drawing/2010/main" val="0"/>
+              </a:ext>
+            </a:extLst>
+          </a:blip>
+          <a:stretch>
+            <a:fillRect/>
+          </a:stretch>
+        </p:blipFill>
+        <p:spPr>
+          <a:xfrm>
+            <a:off x="0" y="0"/>
+            <a:ext cx="12192000" cy="6858000"/>
+          </a:xfrm>
+          <a:prstGeom prst="rect">
+            <a:avLst/>
+          </a:prstGeom>
+        </p:spPr>
+      </p:pic>
+      <p:sp>
+        <p:nvSpPr>
+          <p:cNvPr id="2" name="Title 1">
+            <a:extLst>
+              <a:ext uri="{FF2B5EF4-FFF2-40B4-BE49-F238E27FC236}">
+                <a16:creationId xmlns:a16="http://schemas.microsoft.com/office/drawing/2014/main" id="{E0CB8617-FCA3-234D-B332-6CC977819A92}"/>
+              </a:ext>
+            </a:extLst>
+          </p:cNvPr>
+          <p:cNvSpPr>
+            <a:spLocks noGrp="1"/>
+          </p:cNvSpPr>
+          <p:nvPr>
+            <p:ph type="title"/>
+          </p:nvPr>
+        </p:nvSpPr>
+        <p:spPr>
+          <a:xfrm>
+            <a:off x="1179226" y="826680"/>
+            <a:ext cx="9833548" cy="1325563"/>
+          </a:xfrm>
+        </p:spPr>
+        <p:txBody>
+          <a:bodyPr>
+            <a:normAutofit/>
+          </a:bodyPr>
+          <a:lstStyle/>
+          <a:p>
+            <a:pPr algn="ctr"/>
+            <a:r>
+              <a:rPr lang="en-US" sz="4000" dirty="0">
+                <a:solidFill>
+                  <a:srgbClr val="FFFFFF"/>
+                </a:solidFill>
+              </a:rPr>
+              <a:t>Pool/map paradigm</a:t>
+            </a:r>
+          </a:p>
+        </p:txBody>
+      </p:sp>
+      <p:graphicFrame>
+        <p:nvGraphicFramePr>
+          <p:cNvPr id="5" name="Content Placeholder 2">
+            <a:extLst>
+              <a:ext uri="{FF2B5EF4-FFF2-40B4-BE49-F238E27FC236}">
+                <a16:creationId xmlns:a16="http://schemas.microsoft.com/office/drawing/2014/main" id="{9841EF06-6423-489A-9E9E-435ADB9776B1}"/>
+              </a:ext>
+            </a:extLst>
+          </p:cNvPr>
+          <p:cNvGraphicFramePr>
+            <a:graphicFrameLocks noGrp="1"/>
+          </p:cNvGraphicFramePr>
+          <p:nvPr>
+            <p:ph idx="1"/>
+            <p:extLst>
+              <p:ext uri="{D42A27DB-BD31-4B8C-83A1-F6EECF244321}">
+                <p14:modId xmlns:p14="http://schemas.microsoft.com/office/powerpoint/2010/main" val="3370177380"/>
+              </p:ext>
+            </p:extLst>
+          </p:nvPr>
+        </p:nvGraphicFramePr>
+        <p:xfrm>
+          <a:off x="1036320" y="2899956"/>
+          <a:ext cx="10119360" cy="3131364"/>
+        </p:xfrm>
+        <a:graphic>
+          <a:graphicData uri="http://schemas.openxmlformats.org/drawingml/2006/diagram">
+            <dgm:relIds xmlns:dgm="http://schemas.openxmlformats.org/drawingml/2006/diagram" xmlns:r="http://schemas.openxmlformats.org/officeDocument/2006/relationships" r:dm="rId3" r:lo="rId4" r:qs="rId5" r:cs="rId6"/>
+          </a:graphicData>
+        </a:graphic>
+      </p:graphicFrame>
+    </p:spTree>
+    <p:extLst>
+      <p:ext uri="{BB962C8B-B14F-4D97-AF65-F5344CB8AC3E}">
+        <p14:creationId xmlns:p14="http://schemas.microsoft.com/office/powerpoint/2010/main" val="3063423437"/>
+      </p:ext>
+    </p:extLst>
+  </p:cSld>
+  <p:clrMapOvr>
+    <a:masterClrMapping/>
+  </p:clrMapOvr>
+  <mc:AlternateContent xmlns:mc="http://schemas.openxmlformats.org/markup-compatibility/2006" xmlns:p15="http://schemas.microsoft.com/office/powerpoint/2012/main">
+    <mc:Choice Requires="p15">
+      <p:transition xmlns:p14="http://schemas.microsoft.com/office/powerpoint/2010/main" spd="slow" p14:dur="2000">
+        <p15:prstTrans prst="drape"/>
+      </p:transition>
+    </mc:Choice>
+    <mc:Fallback xmlns="">
+      <p:transition spd="slow">
+        <p:fade/>
+      </p:transition>
+    </mc:Fallback>
+  </mc:AlternateContent>
+</p:sld>
+</file>
+
+<file path=ppt/slides/slide11.xml><?xml version="1.0" encoding="utf-8"?>
 <p:sld xmlns:a="http://schemas.openxmlformats.org/drawingml/2006/main" xmlns:r="http://schemas.openxmlformats.org/officeDocument/2006/relationships" xmlns:p="http://schemas.openxmlformats.org/presentationml/2006/main">
   <p:cSld>
     <p:bg>
@@ -12425,8 +12757,8 @@
           </a:fontRef>
         </p:style>
       </p:cxnSp>
-      <mc:AlternateContent xmlns:mc="http://schemas.openxmlformats.org/markup-compatibility/2006" xmlns:a14="http://schemas.microsoft.com/office/drawing/2010/main">
-        <mc:Choice Requires="a14">
+      <mc:AlternateContent xmlns:mc="http://schemas.openxmlformats.org/markup-compatibility/2006">
+        <mc:Choice xmlns:a14="http://schemas.microsoft.com/office/drawing/2010/main" Requires="a14">
           <p:sp>
             <p:nvSpPr>
               <p:cNvPr id="3" name="Content Placeholder 2">
@@ -12859,10 +13191,32 @@
                   <a:t> is the parallel fraction of the code and P is the number of processors.</a:t>
                 </a:r>
               </a:p>
+              <a:p>
+                <a:r>
+                  <a:rPr lang="en-US" sz="2400" dirty="0"/>
+                  <a:t>Gustafson’s law S = P + (1 - P) * f</a:t>
+                </a:r>
+                <a:r>
+                  <a:rPr lang="en-US" sz="2400" baseline="-25000" dirty="0"/>
+                  <a:t>ser</a:t>
+                </a:r>
+                <a:r>
+                  <a:rPr lang="en-US" sz="2400" dirty="0"/>
+                  <a:t>, where f</a:t>
+                </a:r>
+                <a:r>
+                  <a:rPr lang="en-US" sz="2400" baseline="-25000" dirty="0"/>
+                  <a:t>ser</a:t>
+                </a:r>
+                <a:r>
+                  <a:rPr lang="en-US" sz="2400" dirty="0"/>
+                  <a:t> is the serial fraction of the code.</a:t>
+                </a:r>
+              </a:p>
             </p:txBody>
           </p:sp>
         </mc:Choice>
-        <mc:Fallback xmlns="">
+        <mc:Fallback>
           <p:sp>
             <p:nvSpPr>
               <p:cNvPr id="3" name="Content Placeholder 2">
@@ -12887,7 +13241,7 @@
               <a:blipFill>
                 <a:blip r:embed="rId2"/>
                 <a:stretch>
-                  <a:fillRect l="-1193" r="-398"/>
+                  <a:fillRect l="-1190" r="-397"/>
                 </a:stretch>
               </a:blipFill>
             </p:spPr>
@@ -13245,6 +13599,109 @@
                       </p:childTnLst>
                     </p:cTn>
                   </p:par>
+                  <p:par>
+                    <p:cTn id="21" fill="hold">
+                      <p:stCondLst>
+                        <p:cond delay="indefinite"/>
+                      </p:stCondLst>
+                      <p:childTnLst>
+                        <p:par>
+                          <p:cTn id="22" fill="hold">
+                            <p:stCondLst>
+                              <p:cond delay="0"/>
+                            </p:stCondLst>
+                            <p:childTnLst>
+                              <p:par>
+                                <p:cTn id="23" presetID="2" presetClass="entr" presetSubtype="4" fill="hold" grpId="0" nodeType="clickEffect">
+                                  <p:stCondLst>
+                                    <p:cond delay="0"/>
+                                  </p:stCondLst>
+                                  <p:childTnLst>
+                                    <p:set>
+                                      <p:cBhvr>
+                                        <p:cTn id="24" dur="1" fill="hold">
+                                          <p:stCondLst>
+                                            <p:cond delay="0"/>
+                                          </p:stCondLst>
+                                        </p:cTn>
+                                        <p:tgtEl>
+                                          <p:spTgt spid="3">
+                                            <p:txEl>
+                                              <p:pRg st="3" end="3"/>
+                                            </p:txEl>
+                                          </p:spTgt>
+                                        </p:tgtEl>
+                                        <p:attrNameLst>
+                                          <p:attrName>style.visibility</p:attrName>
+                                        </p:attrNameLst>
+                                      </p:cBhvr>
+                                      <p:to>
+                                        <p:strVal val="visible"/>
+                                      </p:to>
+                                    </p:set>
+                                    <p:anim calcmode="lin" valueType="num">
+                                      <p:cBhvr additive="base">
+                                        <p:cTn id="25" dur="500" fill="hold"/>
+                                        <p:tgtEl>
+                                          <p:spTgt spid="3">
+                                            <p:txEl>
+                                              <p:pRg st="3" end="3"/>
+                                            </p:txEl>
+                                          </p:spTgt>
+                                        </p:tgtEl>
+                                        <p:attrNameLst>
+                                          <p:attrName>ppt_x</p:attrName>
+                                        </p:attrNameLst>
+                                      </p:cBhvr>
+                                      <p:tavLst>
+                                        <p:tav tm="0">
+                                          <p:val>
+                                            <p:strVal val="#ppt_x"/>
+                                          </p:val>
+                                        </p:tav>
+                                        <p:tav tm="100000">
+                                          <p:val>
+                                            <p:strVal val="#ppt_x"/>
+                                          </p:val>
+                                        </p:tav>
+                                      </p:tavLst>
+                                    </p:anim>
+                                    <p:anim calcmode="lin" valueType="num">
+                                      <p:cBhvr additive="base">
+                                        <p:cTn id="26" dur="500" fill="hold"/>
+                                        <p:tgtEl>
+                                          <p:spTgt spid="3">
+                                            <p:txEl>
+                                              <p:pRg st="3" end="3"/>
+                                            </p:txEl>
+                                          </p:spTgt>
+                                        </p:tgtEl>
+                                        <p:attrNameLst>
+                                          <p:attrName>ppt_y</p:attrName>
+                                        </p:attrNameLst>
+                                      </p:cBhvr>
+                                      <p:tavLst>
+                                        <p:tav tm="0">
+                                          <p:val>
+                                            <p:strVal val="1+#ppt_h/2"/>
+                                          </p:val>
+                                        </p:tav>
+                                        <p:tav tm="100000">
+                                          <p:val>
+                                            <p:strVal val="#ppt_y"/>
+                                          </p:val>
+                                        </p:tav>
+                                      </p:tavLst>
+                                    </p:anim>
+                                  </p:childTnLst>
+                                </p:cTn>
+                              </p:par>
+                            </p:childTnLst>
+                          </p:cTn>
+                        </p:par>
+                      </p:childTnLst>
+                    </p:cTn>
+                  </p:par>
                 </p:childTnLst>
               </p:cTn>
               <p:prevCondLst>
@@ -13556,7 +14013,7 @@
     <p:bg>
       <p:bgPr>
         <a:solidFill>
-          <a:srgbClr val="FFFFFF"/>
+          <a:schemeClr val="bg1"/>
         </a:solidFill>
         <a:effectLst/>
       </p:bgPr>
@@ -13577,10 +14034,10 @@
       </p:grpSpPr>
       <p:sp>
         <p:nvSpPr>
-          <p:cNvPr id="10" name="Rectangle 9">
+          <p:cNvPr id="17" name="Down Arrow 7">
             <a:extLst>
               <a:ext uri="{FF2B5EF4-FFF2-40B4-BE49-F238E27FC236}">
-                <a16:creationId xmlns:a16="http://schemas.microsoft.com/office/drawing/2014/main" id="{4351DFE5-F63D-4BE0-BDA9-E3EB88F01AA5}"/>
+                <a16:creationId xmlns:a16="http://schemas.microsoft.com/office/drawing/2014/main" id="{73DE2CFE-42F2-48F0-8706-5264E012B10C}"/>
               </a:ext>
               <a:ext uri="{C183D7F6-B498-43B3-948B-1728B52AA6E4}">
                 <adec:decorative xmlns:adec="http://schemas.microsoft.com/office/drawing/2017/decorative" val="1"/>
@@ -13599,35 +14056,20 @@
           </p:nvPr>
         </p:nvSpPr>
         <p:spPr>
-          <a:xfrm>
-            <a:off x="355601" y="0"/>
-            <a:ext cx="11480494" cy="2753936"/>
+          <a:xfrm rot="16200000">
+            <a:off x="1288521" y="381403"/>
+            <a:ext cx="2200313" cy="3342508"/>
           </a:xfrm>
-          <a:prstGeom prst="rect">
-            <a:avLst/>
+          <a:prstGeom prst="downArrow">
+            <a:avLst>
+              <a:gd name="adj1" fmla="val 100000"/>
+              <a:gd name="adj2" fmla="val 15788"/>
+            </a:avLst>
           </a:prstGeom>
-          <a:gradFill>
-            <a:gsLst>
-              <a:gs pos="0">
-                <a:schemeClr val="accent5"/>
-              </a:gs>
-              <a:gs pos="25000">
-                <a:schemeClr val="accent5"/>
-              </a:gs>
-              <a:gs pos="94000">
-                <a:schemeClr val="bg2">
-                  <a:lumMod val="25000"/>
-                </a:schemeClr>
-              </a:gs>
-              <a:gs pos="100000">
-                <a:schemeClr val="bg2">
-                  <a:lumMod val="25000"/>
-                </a:schemeClr>
-              </a:gs>
-            </a:gsLst>
-            <a:lin ang="4200000" scaled="0"/>
-          </a:gradFill>
-          <a:ln>
+          <a:solidFill>
+            <a:srgbClr val="404040"/>
+          </a:solidFill>
+          <a:ln w="53975">
             <a:noFill/>
           </a:ln>
         </p:spPr>
@@ -13651,62 +14093,46 @@
           <a:bodyPr rtlCol="0" anchor="ctr"/>
           <a:lstStyle/>
           <a:p>
-            <a:pPr algn="ctr"/>
-            <a:endParaRPr lang="en-US" dirty="0"/>
+            <a:pPr marL="0" marR="0" lvl="0" indent="0" algn="ctr" defTabSz="914400" rtl="0" eaLnBrk="1" fontAlgn="auto" latinLnBrk="0" hangingPunct="1">
+              <a:lnSpc>
+                <a:spcPct val="100000"/>
+              </a:lnSpc>
+              <a:spcBef>
+                <a:spcPts val="0"/>
+              </a:spcBef>
+              <a:spcAft>
+                <a:spcPts val="0"/>
+              </a:spcAft>
+              <a:buClrTx/>
+              <a:buSzTx/>
+              <a:buFontTx/>
+              <a:buNone/>
+              <a:tabLst/>
+              <a:defRPr/>
+            </a:pPr>
+            <a:endParaRPr kumimoji="0" lang="en-US" sz="1800" b="0" i="0" u="none" strike="noStrike" kern="1200" cap="none" spc="0" normalizeH="0" baseline="0" noProof="0" dirty="0">
+              <a:ln>
+                <a:noFill/>
+              </a:ln>
+              <a:solidFill>
+                <a:prstClr val="white"/>
+              </a:solidFill>
+              <a:effectLst/>
+              <a:uLnTx/>
+              <a:uFillTx/>
+              <a:latin typeface="Calibri" panose="020F0502020204030204"/>
+              <a:ea typeface="+mn-ea"/>
+              <a:cs typeface="+mn-cs"/>
+            </a:endParaRPr>
           </a:p>
         </p:txBody>
       </p:sp>
-      <p:pic>
-        <p:nvPicPr>
-          <p:cNvPr id="12" name="Picture 11">
-            <a:extLst>
-              <a:ext uri="{FF2B5EF4-FFF2-40B4-BE49-F238E27FC236}">
-                <a16:creationId xmlns:a16="http://schemas.microsoft.com/office/drawing/2014/main" id="{02DD2BC0-6F29-4B4F-8D61-2DCF6D2E8E73}"/>
-              </a:ext>
-              <a:ext uri="{C183D7F6-B498-43B3-948B-1728B52AA6E4}">
-                <adec:decorative xmlns:adec="http://schemas.microsoft.com/office/drawing/2017/decorative" val="1"/>
-              </a:ext>
-            </a:extLst>
-          </p:cNvPr>
-          <p:cNvPicPr>
-            <a:picLocks noGrp="1" noRot="1" noChangeAspect="1" noMove="1" noResize="1" noEditPoints="1" noAdjustHandles="1" noChangeArrowheads="1" noChangeShapeType="1" noCrop="1"/>
-          </p:cNvPicPr>
-          <p:nvPr>
-            <p:extLst>
-              <p:ext uri="{386F3935-93C4-4BCD-93E2-E3B085C9AB24}">
-                <p16:designElem xmlns:p16="http://schemas.microsoft.com/office/powerpoint/2015/main" val="1"/>
-              </p:ext>
-            </p:extLst>
-          </p:nvPr>
-        </p:nvPicPr>
-        <p:blipFill>
-          <a:blip r:embed="rId2">
-            <a:extLst>
-              <a:ext uri="{28A0092B-C50C-407E-A947-70E740481C1C}">
-                <a14:useLocalDpi xmlns:a14="http://schemas.microsoft.com/office/drawing/2010/main" val="0"/>
-              </a:ext>
-            </a:extLst>
-          </a:blip>
-          <a:stretch>
-            <a:fillRect/>
-          </a:stretch>
-        </p:blipFill>
-        <p:spPr>
-          <a:xfrm>
-            <a:off x="0" y="0"/>
-            <a:ext cx="12192000" cy="6858000"/>
-          </a:xfrm>
-          <a:prstGeom prst="rect">
-            <a:avLst/>
-          </a:prstGeom>
-        </p:spPr>
-      </p:pic>
       <p:sp>
         <p:nvSpPr>
           <p:cNvPr id="2" name="Title 1">
             <a:extLst>
               <a:ext uri="{FF2B5EF4-FFF2-40B4-BE49-F238E27FC236}">
-                <a16:creationId xmlns:a16="http://schemas.microsoft.com/office/drawing/2014/main" id="{E0CB8617-FCA3-234D-B332-6CC977819A92}"/>
+                <a16:creationId xmlns:a16="http://schemas.microsoft.com/office/drawing/2014/main" id="{3B357B2C-2F78-FA4C-8406-722390C3108F}"/>
               </a:ext>
             </a:extLst>
           </p:cNvPr>
@@ -13719,76 +14145,128 @@
         </p:nvSpPr>
         <p:spPr>
           <a:xfrm>
-            <a:off x="1179226" y="826680"/>
-            <a:ext cx="9833548" cy="1325563"/>
+            <a:off x="717423" y="1204108"/>
+            <a:ext cx="2918935" cy="1781175"/>
           </a:xfrm>
+          <a:prstGeom prst="ellipse">
+            <a:avLst/>
+          </a:prstGeom>
         </p:spPr>
         <p:txBody>
-          <a:bodyPr>
+          <a:bodyPr vert="horz" lIns="91440" tIns="45720" rIns="91440" bIns="45720" rtlCol="0" anchor="ctr">
             <a:normAutofit/>
           </a:bodyPr>
           <a:lstStyle/>
           <a:p>
-            <a:pPr algn="ctr"/>
             <a:r>
-              <a:rPr lang="en-US" sz="4000" dirty="0">
+              <a:rPr lang="en-US" sz="2200" kern="1200" dirty="0">
                 <a:solidFill>
                   <a:srgbClr val="FFFFFF"/>
                 </a:solidFill>
+                <a:latin typeface="+mj-lt"/>
+                <a:ea typeface="+mj-ea"/>
+                <a:cs typeface="+mj-cs"/>
               </a:rPr>
-              <a:t>Pool/map paradigm</a:t>
+              <a:t>Parallel Scalability by Gustafson’s Law</a:t>
             </a:r>
           </a:p>
         </p:txBody>
       </p:sp>
-      <p:graphicFrame>
-        <p:nvGraphicFramePr>
-          <p:cNvPr id="5" name="Content Placeholder 2">
+      <p:sp>
+        <p:nvSpPr>
+          <p:cNvPr id="6" name="TextBox 5">
             <a:extLst>
               <a:ext uri="{FF2B5EF4-FFF2-40B4-BE49-F238E27FC236}">
-                <a16:creationId xmlns:a16="http://schemas.microsoft.com/office/drawing/2014/main" id="{9841EF06-6423-489A-9E9E-435ADB9776B1}"/>
+                <a16:creationId xmlns:a16="http://schemas.microsoft.com/office/drawing/2014/main" id="{85585E1C-3E5A-904D-A762-8135B47EC283}"/>
               </a:ext>
             </a:extLst>
           </p:cNvPr>
-          <p:cNvGraphicFramePr>
-            <a:graphicFrameLocks noGrp="1"/>
-          </p:cNvGraphicFramePr>
+          <p:cNvSpPr txBox="1"/>
+          <p:nvPr/>
+        </p:nvSpPr>
+        <p:spPr>
+          <a:xfrm>
+            <a:off x="717423" y="5842510"/>
+            <a:ext cx="4625286" cy="576790"/>
+          </a:xfrm>
+          <a:prstGeom prst="rect">
+            <a:avLst/>
+          </a:prstGeom>
+        </p:spPr>
+        <p:txBody>
+          <a:bodyPr vert="horz" lIns="91440" tIns="45720" rIns="91440" bIns="45720" rtlCol="0">
+            <a:normAutofit/>
+          </a:bodyPr>
+          <a:lstStyle/>
+          <a:p>
+            <a:pPr>
+              <a:lnSpc>
+                <a:spcPct val="90000"/>
+              </a:lnSpc>
+              <a:spcAft>
+                <a:spcPts val="600"/>
+              </a:spcAft>
+            </a:pPr>
+            <a:r>
+              <a:rPr lang="en-US" sz="1600" dirty="0"/>
+              <a:t>Source: </a:t>
+            </a:r>
+            <a:r>
+              <a:rPr lang="en-US" sz="1600" dirty="0">
+                <a:hlinkClick r:id="rId3"/>
+              </a:rPr>
+              <a:t>https://en.wikipedia.org/wiki/Gustafson%27s_law</a:t>
+            </a:r>
+            <a:endParaRPr lang="en-US" sz="1600" dirty="0"/>
+          </a:p>
+        </p:txBody>
+      </p:sp>
+      <p:pic>
+        <p:nvPicPr>
+          <p:cNvPr id="8" name="Content Placeholder 7" descr="Chart&#10;&#10;Description automatically generated">
+            <a:extLst>
+              <a:ext uri="{FF2B5EF4-FFF2-40B4-BE49-F238E27FC236}">
+                <a16:creationId xmlns:a16="http://schemas.microsoft.com/office/drawing/2014/main" id="{0013FCCF-C5C7-6840-9AF2-0066EC5AFAAC}"/>
+              </a:ext>
+            </a:extLst>
+          </p:cNvPr>
+          <p:cNvPicPr>
+            <a:picLocks noGrp="1" noChangeAspect="1"/>
+          </p:cNvPicPr>
           <p:nvPr>
             <p:ph idx="1"/>
-            <p:extLst>
-              <p:ext uri="{D42A27DB-BD31-4B8C-83A1-F6EECF244321}">
-                <p14:modId xmlns:p14="http://schemas.microsoft.com/office/powerpoint/2010/main" val="3370177380"/>
-              </p:ext>
-            </p:extLst>
           </p:nvPr>
-        </p:nvGraphicFramePr>
-        <p:xfrm>
-          <a:off x="1036320" y="2899956"/>
-          <a:ext cx="10119360" cy="3131364"/>
-        </p:xfrm>
-        <a:graphic>
-          <a:graphicData uri="http://schemas.openxmlformats.org/drawingml/2006/diagram">
-            <dgm:relIds xmlns:dgm="http://schemas.openxmlformats.org/drawingml/2006/diagram" xmlns:r="http://schemas.openxmlformats.org/officeDocument/2006/relationships" r:dm="rId3" r:lo="rId4" r:qs="rId5" r:cs="rId6"/>
-          </a:graphicData>
-        </a:graphic>
-      </p:graphicFrame>
+        </p:nvPicPr>
+        <p:blipFill>
+          <a:blip r:embed="rId4"/>
+          <a:stretch>
+            <a:fillRect/>
+          </a:stretch>
+        </p:blipFill>
+        <p:spPr>
+          <a:xfrm>
+            <a:off x="4103880" y="-1"/>
+            <a:ext cx="7977264" cy="5590903"/>
+          </a:xfrm>
+        </p:spPr>
+      </p:pic>
     </p:spTree>
     <p:extLst>
       <p:ext uri="{BB962C8B-B14F-4D97-AF65-F5344CB8AC3E}">
-        <p14:creationId xmlns:p14="http://schemas.microsoft.com/office/powerpoint/2010/main" val="3063423437"/>
+        <p14:creationId xmlns:p14="http://schemas.microsoft.com/office/powerpoint/2010/main" val="1054207718"/>
       </p:ext>
     </p:extLst>
   </p:cSld>
   <p:clrMapOvr>
     <a:masterClrMapping/>
   </p:clrMapOvr>
-  <mc:AlternateContent xmlns:mc="http://schemas.openxmlformats.org/markup-compatibility/2006" xmlns:p15="http://schemas.microsoft.com/office/powerpoint/2012/main">
-    <mc:Choice Requires="p15">
+  <mc:AlternateContent xmlns:mc="http://schemas.openxmlformats.org/markup-compatibility/2006">
+    <mc:Choice xmlns:p15="http://schemas.microsoft.com/office/powerpoint/2012/main" Requires="p15">
       <p:transition xmlns:p14="http://schemas.microsoft.com/office/powerpoint/2010/main" spd="slow" p14:dur="2000">
         <p15:prstTrans prst="drape"/>
       </p:transition>
     </mc:Choice>
-    <mc:Fallback xmlns="">
+    <mc:Fallback>
       <p:transition spd="slow">
         <p:fade/>
       </p:transition>

--- a/lecture-2/presentation-2.pptx
+++ b/lecture-2/presentation-2.pptx
@@ -5,7 +5,7 @@
     <p:sldMasterId id="2147483764" r:id="rId1"/>
   </p:sldMasterIdLst>
   <p:notesMasterIdLst>
-    <p:notesMasterId r:id="rId13"/>
+    <p:notesMasterId r:id="rId19"/>
   </p:notesMasterIdLst>
   <p:sldIdLst>
     <p:sldId id="256" r:id="rId2"/>
@@ -17,8 +17,14 @@
     <p:sldId id="313" r:id="rId8"/>
     <p:sldId id="315" r:id="rId9"/>
     <p:sldId id="316" r:id="rId10"/>
-    <p:sldId id="314" r:id="rId11"/>
-    <p:sldId id="312" r:id="rId12"/>
+    <p:sldId id="317" r:id="rId11"/>
+    <p:sldId id="318" r:id="rId12"/>
+    <p:sldId id="319" r:id="rId13"/>
+    <p:sldId id="320" r:id="rId14"/>
+    <p:sldId id="321" r:id="rId15"/>
+    <p:sldId id="322" r:id="rId16"/>
+    <p:sldId id="314" r:id="rId17"/>
+    <p:sldId id="312" r:id="rId18"/>
   </p:sldIdLst>
   <p:sldSz cx="12192000" cy="6858000"/>
   <p:notesSz cx="6858000" cy="9144000"/>
@@ -126,6 +132,753 @@
 </file>
 
 <file path=ppt/diagrams/colors1.xml><?xml version="1.0" encoding="utf-8"?>
+<dgm:colorsDef xmlns:dgm="http://schemas.openxmlformats.org/drawingml/2006/diagram" xmlns:a="http://schemas.openxmlformats.org/drawingml/2006/main" uniqueId="urn:microsoft.com/office/officeart/2005/8/colors/accent5_2">
+  <dgm:title val=""/>
+  <dgm:desc val=""/>
+  <dgm:catLst>
+    <dgm:cat type="accent5" pri="11200"/>
+  </dgm:catLst>
+  <dgm:styleLbl name="node0">
+    <dgm:fillClrLst meth="repeat">
+      <a:schemeClr val="accent5"/>
+    </dgm:fillClrLst>
+    <dgm:linClrLst meth="repeat">
+      <a:schemeClr val="lt1"/>
+    </dgm:linClrLst>
+    <dgm:effectClrLst/>
+    <dgm:txLinClrLst/>
+    <dgm:txFillClrLst/>
+    <dgm:txEffectClrLst/>
+  </dgm:styleLbl>
+  <dgm:styleLbl name="node1">
+    <dgm:fillClrLst meth="repeat">
+      <a:schemeClr val="accent5"/>
+    </dgm:fillClrLst>
+    <dgm:linClrLst meth="repeat">
+      <a:schemeClr val="lt1"/>
+    </dgm:linClrLst>
+    <dgm:effectClrLst/>
+    <dgm:txLinClrLst/>
+    <dgm:txFillClrLst/>
+    <dgm:txEffectClrLst/>
+  </dgm:styleLbl>
+  <dgm:styleLbl name="alignNode1">
+    <dgm:fillClrLst meth="repeat">
+      <a:schemeClr val="accent5"/>
+    </dgm:fillClrLst>
+    <dgm:linClrLst meth="repeat">
+      <a:schemeClr val="accent5"/>
+    </dgm:linClrLst>
+    <dgm:effectClrLst/>
+    <dgm:txLinClrLst/>
+    <dgm:txFillClrLst/>
+    <dgm:txEffectClrLst/>
+  </dgm:styleLbl>
+  <dgm:styleLbl name="lnNode1">
+    <dgm:fillClrLst meth="repeat">
+      <a:schemeClr val="accent5"/>
+    </dgm:fillClrLst>
+    <dgm:linClrLst meth="repeat">
+      <a:schemeClr val="lt1"/>
+    </dgm:linClrLst>
+    <dgm:effectClrLst/>
+    <dgm:txLinClrLst/>
+    <dgm:txFillClrLst/>
+    <dgm:txEffectClrLst/>
+  </dgm:styleLbl>
+  <dgm:styleLbl name="vennNode1">
+    <dgm:fillClrLst meth="repeat">
+      <a:schemeClr val="accent5">
+        <a:alpha val="50000"/>
+      </a:schemeClr>
+    </dgm:fillClrLst>
+    <dgm:linClrLst meth="repeat">
+      <a:schemeClr val="lt1"/>
+    </dgm:linClrLst>
+    <dgm:effectClrLst/>
+    <dgm:txLinClrLst/>
+    <dgm:txFillClrLst/>
+    <dgm:txEffectClrLst/>
+  </dgm:styleLbl>
+  <dgm:styleLbl name="node2">
+    <dgm:fillClrLst meth="repeat">
+      <a:schemeClr val="accent5"/>
+    </dgm:fillClrLst>
+    <dgm:linClrLst meth="repeat">
+      <a:schemeClr val="lt1"/>
+    </dgm:linClrLst>
+    <dgm:effectClrLst/>
+    <dgm:txLinClrLst/>
+    <dgm:txFillClrLst/>
+    <dgm:txEffectClrLst/>
+  </dgm:styleLbl>
+  <dgm:styleLbl name="node3">
+    <dgm:fillClrLst meth="repeat">
+      <a:schemeClr val="accent5"/>
+    </dgm:fillClrLst>
+    <dgm:linClrLst meth="repeat">
+      <a:schemeClr val="lt1"/>
+    </dgm:linClrLst>
+    <dgm:effectClrLst/>
+    <dgm:txLinClrLst/>
+    <dgm:txFillClrLst/>
+    <dgm:txEffectClrLst/>
+  </dgm:styleLbl>
+  <dgm:styleLbl name="node4">
+    <dgm:fillClrLst meth="repeat">
+      <a:schemeClr val="accent5"/>
+    </dgm:fillClrLst>
+    <dgm:linClrLst meth="repeat">
+      <a:schemeClr val="lt1"/>
+    </dgm:linClrLst>
+    <dgm:effectClrLst/>
+    <dgm:txLinClrLst/>
+    <dgm:txFillClrLst/>
+    <dgm:txEffectClrLst/>
+  </dgm:styleLbl>
+  <dgm:styleLbl name="fgImgPlace1">
+    <dgm:fillClrLst meth="repeat">
+      <a:schemeClr val="accent5">
+        <a:tint val="50000"/>
+      </a:schemeClr>
+    </dgm:fillClrLst>
+    <dgm:linClrLst meth="repeat">
+      <a:schemeClr val="lt1"/>
+    </dgm:linClrLst>
+    <dgm:effectClrLst/>
+    <dgm:txLinClrLst/>
+    <dgm:txFillClrLst meth="repeat">
+      <a:schemeClr val="lt1"/>
+    </dgm:txFillClrLst>
+    <dgm:txEffectClrLst/>
+  </dgm:styleLbl>
+  <dgm:styleLbl name="alignImgPlace1">
+    <dgm:fillClrLst meth="repeat">
+      <a:schemeClr val="accent5">
+        <a:tint val="50000"/>
+      </a:schemeClr>
+    </dgm:fillClrLst>
+    <dgm:linClrLst meth="repeat">
+      <a:schemeClr val="lt1"/>
+    </dgm:linClrLst>
+    <dgm:effectClrLst/>
+    <dgm:txLinClrLst/>
+    <dgm:txFillClrLst meth="repeat">
+      <a:schemeClr val="lt1"/>
+    </dgm:txFillClrLst>
+    <dgm:txEffectClrLst/>
+  </dgm:styleLbl>
+  <dgm:styleLbl name="bgImgPlace1">
+    <dgm:fillClrLst meth="repeat">
+      <a:schemeClr val="accent5">
+        <a:tint val="50000"/>
+      </a:schemeClr>
+    </dgm:fillClrLst>
+    <dgm:linClrLst meth="repeat">
+      <a:schemeClr val="lt1"/>
+    </dgm:linClrLst>
+    <dgm:effectClrLst/>
+    <dgm:txLinClrLst/>
+    <dgm:txFillClrLst meth="repeat">
+      <a:schemeClr val="lt1"/>
+    </dgm:txFillClrLst>
+    <dgm:txEffectClrLst/>
+  </dgm:styleLbl>
+  <dgm:styleLbl name="sibTrans2D1">
+    <dgm:fillClrLst meth="repeat">
+      <a:schemeClr val="accent5">
+        <a:tint val="60000"/>
+      </a:schemeClr>
+    </dgm:fillClrLst>
+    <dgm:linClrLst meth="repeat">
+      <a:schemeClr val="accent5">
+        <a:tint val="60000"/>
+      </a:schemeClr>
+    </dgm:linClrLst>
+    <dgm:effectClrLst/>
+    <dgm:txLinClrLst/>
+    <dgm:txFillClrLst/>
+    <dgm:txEffectClrLst/>
+  </dgm:styleLbl>
+  <dgm:styleLbl name="fgSibTrans2D1">
+    <dgm:fillClrLst meth="repeat">
+      <a:schemeClr val="accent5">
+        <a:tint val="60000"/>
+      </a:schemeClr>
+    </dgm:fillClrLst>
+    <dgm:linClrLst meth="repeat">
+      <a:schemeClr val="accent5">
+        <a:tint val="60000"/>
+      </a:schemeClr>
+    </dgm:linClrLst>
+    <dgm:effectClrLst/>
+    <dgm:txLinClrLst/>
+    <dgm:txFillClrLst/>
+    <dgm:txEffectClrLst/>
+  </dgm:styleLbl>
+  <dgm:styleLbl name="bgSibTrans2D1">
+    <dgm:fillClrLst meth="repeat">
+      <a:schemeClr val="accent5">
+        <a:tint val="60000"/>
+      </a:schemeClr>
+    </dgm:fillClrLst>
+    <dgm:linClrLst meth="repeat">
+      <a:schemeClr val="accent5">
+        <a:tint val="60000"/>
+      </a:schemeClr>
+    </dgm:linClrLst>
+    <dgm:effectClrLst/>
+    <dgm:txLinClrLst/>
+    <dgm:txFillClrLst/>
+    <dgm:txEffectClrLst/>
+  </dgm:styleLbl>
+  <dgm:styleLbl name="sibTrans1D1">
+    <dgm:fillClrLst meth="repeat">
+      <a:schemeClr val="accent5"/>
+    </dgm:fillClrLst>
+    <dgm:linClrLst meth="repeat">
+      <a:schemeClr val="accent5"/>
+    </dgm:linClrLst>
+    <dgm:effectClrLst/>
+    <dgm:txLinClrLst/>
+    <dgm:txFillClrLst meth="repeat">
+      <a:schemeClr val="tx1"/>
+    </dgm:txFillClrLst>
+    <dgm:txEffectClrLst/>
+  </dgm:styleLbl>
+  <dgm:styleLbl name="callout">
+    <dgm:fillClrLst meth="repeat">
+      <a:schemeClr val="accent5"/>
+    </dgm:fillClrLst>
+    <dgm:linClrLst meth="repeat">
+      <a:schemeClr val="accent5">
+        <a:tint val="50000"/>
+      </a:schemeClr>
+    </dgm:linClrLst>
+    <dgm:effectClrLst/>
+    <dgm:txLinClrLst/>
+    <dgm:txFillClrLst meth="repeat">
+      <a:schemeClr val="tx1"/>
+    </dgm:txFillClrLst>
+    <dgm:txEffectClrLst/>
+  </dgm:styleLbl>
+  <dgm:styleLbl name="asst0">
+    <dgm:fillClrLst meth="repeat">
+      <a:schemeClr val="accent5"/>
+    </dgm:fillClrLst>
+    <dgm:linClrLst meth="repeat">
+      <a:schemeClr val="lt1"/>
+    </dgm:linClrLst>
+    <dgm:effectClrLst/>
+    <dgm:txLinClrLst/>
+    <dgm:txFillClrLst/>
+    <dgm:txEffectClrLst/>
+  </dgm:styleLbl>
+  <dgm:styleLbl name="asst1">
+    <dgm:fillClrLst meth="repeat">
+      <a:schemeClr val="accent5"/>
+    </dgm:fillClrLst>
+    <dgm:linClrLst meth="repeat">
+      <a:schemeClr val="lt1"/>
+    </dgm:linClrLst>
+    <dgm:effectClrLst/>
+    <dgm:txLinClrLst/>
+    <dgm:txFillClrLst/>
+    <dgm:txEffectClrLst/>
+  </dgm:styleLbl>
+  <dgm:styleLbl name="asst2">
+    <dgm:fillClrLst meth="repeat">
+      <a:schemeClr val="accent5"/>
+    </dgm:fillClrLst>
+    <dgm:linClrLst meth="repeat">
+      <a:schemeClr val="lt1"/>
+    </dgm:linClrLst>
+    <dgm:effectClrLst/>
+    <dgm:txLinClrLst/>
+    <dgm:txFillClrLst/>
+    <dgm:txEffectClrLst/>
+  </dgm:styleLbl>
+  <dgm:styleLbl name="asst3">
+    <dgm:fillClrLst meth="repeat">
+      <a:schemeClr val="accent5"/>
+    </dgm:fillClrLst>
+    <dgm:linClrLst meth="repeat">
+      <a:schemeClr val="lt1"/>
+    </dgm:linClrLst>
+    <dgm:effectClrLst/>
+    <dgm:txLinClrLst/>
+    <dgm:txFillClrLst/>
+    <dgm:txEffectClrLst/>
+  </dgm:styleLbl>
+  <dgm:styleLbl name="asst4">
+    <dgm:fillClrLst meth="repeat">
+      <a:schemeClr val="accent5"/>
+    </dgm:fillClrLst>
+    <dgm:linClrLst meth="repeat">
+      <a:schemeClr val="lt1"/>
+    </dgm:linClrLst>
+    <dgm:effectClrLst/>
+    <dgm:txLinClrLst/>
+    <dgm:txFillClrLst/>
+    <dgm:txEffectClrLst/>
+  </dgm:styleLbl>
+  <dgm:styleLbl name="parChTrans2D1">
+    <dgm:fillClrLst meth="repeat">
+      <a:schemeClr val="accent5">
+        <a:tint val="60000"/>
+      </a:schemeClr>
+    </dgm:fillClrLst>
+    <dgm:linClrLst meth="repeat">
+      <a:schemeClr val="accent5">
+        <a:tint val="60000"/>
+      </a:schemeClr>
+    </dgm:linClrLst>
+    <dgm:effectClrLst/>
+    <dgm:txLinClrLst/>
+    <dgm:txFillClrLst meth="repeat">
+      <a:schemeClr val="lt1"/>
+    </dgm:txFillClrLst>
+    <dgm:txEffectClrLst/>
+  </dgm:styleLbl>
+  <dgm:styleLbl name="parChTrans2D2">
+    <dgm:fillClrLst meth="repeat">
+      <a:schemeClr val="accent5"/>
+    </dgm:fillClrLst>
+    <dgm:linClrLst meth="repeat">
+      <a:schemeClr val="accent5"/>
+    </dgm:linClrLst>
+    <dgm:effectClrLst/>
+    <dgm:txLinClrLst/>
+    <dgm:txFillClrLst meth="repeat">
+      <a:schemeClr val="lt1"/>
+    </dgm:txFillClrLst>
+    <dgm:txEffectClrLst/>
+  </dgm:styleLbl>
+  <dgm:styleLbl name="parChTrans2D3">
+    <dgm:fillClrLst meth="repeat">
+      <a:schemeClr val="accent5"/>
+    </dgm:fillClrLst>
+    <dgm:linClrLst meth="repeat">
+      <a:schemeClr val="accent5"/>
+    </dgm:linClrLst>
+    <dgm:effectClrLst/>
+    <dgm:txLinClrLst/>
+    <dgm:txFillClrLst meth="repeat">
+      <a:schemeClr val="lt1"/>
+    </dgm:txFillClrLst>
+    <dgm:txEffectClrLst/>
+  </dgm:styleLbl>
+  <dgm:styleLbl name="parChTrans2D4">
+    <dgm:fillClrLst meth="repeat">
+      <a:schemeClr val="accent5"/>
+    </dgm:fillClrLst>
+    <dgm:linClrLst meth="repeat">
+      <a:schemeClr val="accent5"/>
+    </dgm:linClrLst>
+    <dgm:effectClrLst/>
+    <dgm:txLinClrLst/>
+    <dgm:txFillClrLst meth="repeat">
+      <a:schemeClr val="lt1"/>
+    </dgm:txFillClrLst>
+    <dgm:txEffectClrLst/>
+  </dgm:styleLbl>
+  <dgm:styleLbl name="parChTrans1D1">
+    <dgm:fillClrLst meth="repeat">
+      <a:schemeClr val="accent5"/>
+    </dgm:fillClrLst>
+    <dgm:linClrLst meth="repeat">
+      <a:schemeClr val="accent5">
+        <a:shade val="60000"/>
+      </a:schemeClr>
+    </dgm:linClrLst>
+    <dgm:effectClrLst/>
+    <dgm:txLinClrLst/>
+    <dgm:txFillClrLst meth="repeat">
+      <a:schemeClr val="tx1"/>
+    </dgm:txFillClrLst>
+    <dgm:txEffectClrLst/>
+  </dgm:styleLbl>
+  <dgm:styleLbl name="parChTrans1D2">
+    <dgm:fillClrLst meth="repeat">
+      <a:schemeClr val="accent5"/>
+    </dgm:fillClrLst>
+    <dgm:linClrLst meth="repeat">
+      <a:schemeClr val="accent5">
+        <a:shade val="60000"/>
+      </a:schemeClr>
+    </dgm:linClrLst>
+    <dgm:effectClrLst/>
+    <dgm:txLinClrLst/>
+    <dgm:txFillClrLst meth="repeat">
+      <a:schemeClr val="tx1"/>
+    </dgm:txFillClrLst>
+    <dgm:txEffectClrLst/>
+  </dgm:styleLbl>
+  <dgm:styleLbl name="parChTrans1D3">
+    <dgm:fillClrLst meth="repeat">
+      <a:schemeClr val="accent5"/>
+    </dgm:fillClrLst>
+    <dgm:linClrLst meth="repeat">
+      <a:schemeClr val="accent5">
+        <a:shade val="80000"/>
+      </a:schemeClr>
+    </dgm:linClrLst>
+    <dgm:effectClrLst/>
+    <dgm:txLinClrLst/>
+    <dgm:txFillClrLst meth="repeat">
+      <a:schemeClr val="tx1"/>
+    </dgm:txFillClrLst>
+    <dgm:txEffectClrLst/>
+  </dgm:styleLbl>
+  <dgm:styleLbl name="parChTrans1D4">
+    <dgm:fillClrLst meth="repeat">
+      <a:schemeClr val="accent5"/>
+    </dgm:fillClrLst>
+    <dgm:linClrLst meth="repeat">
+      <a:schemeClr val="accent5">
+        <a:shade val="80000"/>
+      </a:schemeClr>
+    </dgm:linClrLst>
+    <dgm:effectClrLst/>
+    <dgm:txLinClrLst/>
+    <dgm:txFillClrLst meth="repeat">
+      <a:schemeClr val="tx1"/>
+    </dgm:txFillClrLst>
+    <dgm:txEffectClrLst/>
+  </dgm:styleLbl>
+  <dgm:styleLbl name="fgAcc1">
+    <dgm:fillClrLst meth="repeat">
+      <a:schemeClr val="lt1">
+        <a:alpha val="90000"/>
+      </a:schemeClr>
+    </dgm:fillClrLst>
+    <dgm:linClrLst meth="repeat">
+      <a:schemeClr val="accent5"/>
+    </dgm:linClrLst>
+    <dgm:effectClrLst/>
+    <dgm:txLinClrLst/>
+    <dgm:txFillClrLst meth="repeat">
+      <a:schemeClr val="dk1"/>
+    </dgm:txFillClrLst>
+    <dgm:txEffectClrLst/>
+  </dgm:styleLbl>
+  <dgm:styleLbl name="conFgAcc1">
+    <dgm:fillClrLst meth="repeat">
+      <a:schemeClr val="lt1">
+        <a:alpha val="90000"/>
+      </a:schemeClr>
+    </dgm:fillClrLst>
+    <dgm:linClrLst meth="repeat">
+      <a:schemeClr val="accent5"/>
+    </dgm:linClrLst>
+    <dgm:effectClrLst/>
+    <dgm:txLinClrLst/>
+    <dgm:txFillClrLst meth="repeat">
+      <a:schemeClr val="dk1"/>
+    </dgm:txFillClrLst>
+    <dgm:txEffectClrLst/>
+  </dgm:styleLbl>
+  <dgm:styleLbl name="alignAcc1">
+    <dgm:fillClrLst meth="repeat">
+      <a:schemeClr val="lt1">
+        <a:alpha val="90000"/>
+      </a:schemeClr>
+    </dgm:fillClrLst>
+    <dgm:linClrLst meth="repeat">
+      <a:schemeClr val="accent5"/>
+    </dgm:linClrLst>
+    <dgm:effectClrLst/>
+    <dgm:txLinClrLst/>
+    <dgm:txFillClrLst meth="repeat">
+      <a:schemeClr val="dk1"/>
+    </dgm:txFillClrLst>
+    <dgm:txEffectClrLst/>
+  </dgm:styleLbl>
+  <dgm:styleLbl name="trAlignAcc1">
+    <dgm:fillClrLst meth="repeat">
+      <a:schemeClr val="lt1">
+        <a:alpha val="40000"/>
+      </a:schemeClr>
+    </dgm:fillClrLst>
+    <dgm:linClrLst meth="repeat">
+      <a:schemeClr val="accent5"/>
+    </dgm:linClrLst>
+    <dgm:effectClrLst/>
+    <dgm:txLinClrLst/>
+    <dgm:txFillClrLst meth="repeat">
+      <a:schemeClr val="dk1"/>
+    </dgm:txFillClrLst>
+    <dgm:txEffectClrLst/>
+  </dgm:styleLbl>
+  <dgm:styleLbl name="bgAcc1">
+    <dgm:fillClrLst meth="repeat">
+      <a:schemeClr val="lt1">
+        <a:alpha val="90000"/>
+      </a:schemeClr>
+    </dgm:fillClrLst>
+    <dgm:linClrLst meth="repeat">
+      <a:schemeClr val="accent5"/>
+    </dgm:linClrLst>
+    <dgm:effectClrLst/>
+    <dgm:txLinClrLst/>
+    <dgm:txFillClrLst meth="repeat">
+      <a:schemeClr val="dk1"/>
+    </dgm:txFillClrLst>
+    <dgm:txEffectClrLst/>
+  </dgm:styleLbl>
+  <dgm:styleLbl name="solidFgAcc1">
+    <dgm:fillClrLst meth="repeat">
+      <a:schemeClr val="lt1"/>
+    </dgm:fillClrLst>
+    <dgm:linClrLst meth="repeat">
+      <a:schemeClr val="accent5"/>
+    </dgm:linClrLst>
+    <dgm:effectClrLst/>
+    <dgm:txLinClrLst/>
+    <dgm:txFillClrLst meth="repeat">
+      <a:schemeClr val="dk1"/>
+    </dgm:txFillClrLst>
+    <dgm:txEffectClrLst/>
+  </dgm:styleLbl>
+  <dgm:styleLbl name="solidAlignAcc1">
+    <dgm:fillClrLst meth="repeat">
+      <a:schemeClr val="lt1"/>
+    </dgm:fillClrLst>
+    <dgm:linClrLst meth="repeat">
+      <a:schemeClr val="accent5"/>
+    </dgm:linClrLst>
+    <dgm:effectClrLst/>
+    <dgm:txLinClrLst/>
+    <dgm:txFillClrLst meth="repeat">
+      <a:schemeClr val="dk1"/>
+    </dgm:txFillClrLst>
+    <dgm:txEffectClrLst/>
+  </dgm:styleLbl>
+  <dgm:styleLbl name="solidBgAcc1">
+    <dgm:fillClrLst meth="repeat">
+      <a:schemeClr val="lt1"/>
+    </dgm:fillClrLst>
+    <dgm:linClrLst meth="repeat">
+      <a:schemeClr val="accent5"/>
+    </dgm:linClrLst>
+    <dgm:effectClrLst/>
+    <dgm:txLinClrLst/>
+    <dgm:txFillClrLst meth="repeat">
+      <a:schemeClr val="dk1"/>
+    </dgm:txFillClrLst>
+    <dgm:txEffectClrLst/>
+  </dgm:styleLbl>
+  <dgm:styleLbl name="fgAccFollowNode1">
+    <dgm:fillClrLst meth="repeat">
+      <a:schemeClr val="accent5">
+        <a:alpha val="90000"/>
+        <a:tint val="40000"/>
+      </a:schemeClr>
+    </dgm:fillClrLst>
+    <dgm:linClrLst meth="repeat">
+      <a:schemeClr val="accent5">
+        <a:alpha val="90000"/>
+        <a:tint val="40000"/>
+      </a:schemeClr>
+    </dgm:linClrLst>
+    <dgm:effectClrLst/>
+    <dgm:txLinClrLst/>
+    <dgm:txFillClrLst meth="repeat">
+      <a:schemeClr val="dk1"/>
+    </dgm:txFillClrLst>
+    <dgm:txEffectClrLst/>
+  </dgm:styleLbl>
+  <dgm:styleLbl name="alignAccFollowNode1">
+    <dgm:fillClrLst meth="repeat">
+      <a:schemeClr val="accent5">
+        <a:alpha val="90000"/>
+        <a:tint val="40000"/>
+      </a:schemeClr>
+    </dgm:fillClrLst>
+    <dgm:linClrLst meth="repeat">
+      <a:schemeClr val="accent5">
+        <a:alpha val="90000"/>
+        <a:tint val="40000"/>
+      </a:schemeClr>
+    </dgm:linClrLst>
+    <dgm:effectClrLst/>
+    <dgm:txLinClrLst/>
+    <dgm:txFillClrLst meth="repeat">
+      <a:schemeClr val="dk1"/>
+    </dgm:txFillClrLst>
+    <dgm:txEffectClrLst/>
+  </dgm:styleLbl>
+  <dgm:styleLbl name="bgAccFollowNode1">
+    <dgm:fillClrLst meth="repeat">
+      <a:schemeClr val="accent5">
+        <a:alpha val="90000"/>
+        <a:tint val="40000"/>
+      </a:schemeClr>
+    </dgm:fillClrLst>
+    <dgm:linClrLst meth="repeat">
+      <a:schemeClr val="accent5">
+        <a:alpha val="90000"/>
+        <a:tint val="40000"/>
+      </a:schemeClr>
+    </dgm:linClrLst>
+    <dgm:effectClrLst/>
+    <dgm:txLinClrLst/>
+    <dgm:txFillClrLst meth="repeat">
+      <a:schemeClr val="dk1"/>
+    </dgm:txFillClrLst>
+    <dgm:txEffectClrLst/>
+  </dgm:styleLbl>
+  <dgm:styleLbl name="fgAcc0">
+    <dgm:fillClrLst meth="repeat">
+      <a:schemeClr val="lt1">
+        <a:alpha val="90000"/>
+      </a:schemeClr>
+    </dgm:fillClrLst>
+    <dgm:linClrLst meth="repeat">
+      <a:schemeClr val="accent5"/>
+    </dgm:linClrLst>
+    <dgm:effectClrLst/>
+    <dgm:txLinClrLst/>
+    <dgm:txFillClrLst meth="repeat">
+      <a:schemeClr val="dk1"/>
+    </dgm:txFillClrLst>
+    <dgm:txEffectClrLst/>
+  </dgm:styleLbl>
+  <dgm:styleLbl name="fgAcc2">
+    <dgm:fillClrLst meth="repeat">
+      <a:schemeClr val="lt1">
+        <a:alpha val="90000"/>
+      </a:schemeClr>
+    </dgm:fillClrLst>
+    <dgm:linClrLst meth="repeat">
+      <a:schemeClr val="accent5"/>
+    </dgm:linClrLst>
+    <dgm:effectClrLst/>
+    <dgm:txLinClrLst/>
+    <dgm:txFillClrLst meth="repeat">
+      <a:schemeClr val="dk1"/>
+    </dgm:txFillClrLst>
+    <dgm:txEffectClrLst/>
+  </dgm:styleLbl>
+  <dgm:styleLbl name="fgAcc3">
+    <dgm:fillClrLst meth="repeat">
+      <a:schemeClr val="lt1">
+        <a:alpha val="90000"/>
+      </a:schemeClr>
+    </dgm:fillClrLst>
+    <dgm:linClrLst meth="repeat">
+      <a:schemeClr val="accent5"/>
+    </dgm:linClrLst>
+    <dgm:effectClrLst/>
+    <dgm:txLinClrLst/>
+    <dgm:txFillClrLst meth="repeat">
+      <a:schemeClr val="dk1"/>
+    </dgm:txFillClrLst>
+    <dgm:txEffectClrLst/>
+  </dgm:styleLbl>
+  <dgm:styleLbl name="fgAcc4">
+    <dgm:fillClrLst meth="repeat">
+      <a:schemeClr val="lt1">
+        <a:alpha val="90000"/>
+      </a:schemeClr>
+    </dgm:fillClrLst>
+    <dgm:linClrLst meth="repeat">
+      <a:schemeClr val="accent5"/>
+    </dgm:linClrLst>
+    <dgm:effectClrLst/>
+    <dgm:txLinClrLst/>
+    <dgm:txFillClrLst meth="repeat">
+      <a:schemeClr val="dk1"/>
+    </dgm:txFillClrLst>
+    <dgm:txEffectClrLst/>
+  </dgm:styleLbl>
+  <dgm:styleLbl name="bgShp">
+    <dgm:fillClrLst meth="repeat">
+      <a:schemeClr val="accent5">
+        <a:tint val="40000"/>
+      </a:schemeClr>
+    </dgm:fillClrLst>
+    <dgm:linClrLst meth="repeat">
+      <a:schemeClr val="accent5"/>
+    </dgm:linClrLst>
+    <dgm:effectClrLst/>
+    <dgm:txLinClrLst/>
+    <dgm:txFillClrLst meth="repeat">
+      <a:schemeClr val="dk1"/>
+    </dgm:txFillClrLst>
+    <dgm:txEffectClrLst/>
+  </dgm:styleLbl>
+  <dgm:styleLbl name="dkBgShp">
+    <dgm:fillClrLst meth="repeat">
+      <a:schemeClr val="accent5">
+        <a:shade val="80000"/>
+      </a:schemeClr>
+    </dgm:fillClrLst>
+    <dgm:linClrLst meth="repeat">
+      <a:schemeClr val="accent5"/>
+    </dgm:linClrLst>
+    <dgm:effectClrLst/>
+    <dgm:txLinClrLst/>
+    <dgm:txFillClrLst meth="repeat">
+      <a:schemeClr val="lt1"/>
+    </dgm:txFillClrLst>
+    <dgm:txEffectClrLst/>
+  </dgm:styleLbl>
+  <dgm:styleLbl name="trBgShp">
+    <dgm:fillClrLst meth="repeat">
+      <a:schemeClr val="accent5">
+        <a:tint val="50000"/>
+        <a:alpha val="40000"/>
+      </a:schemeClr>
+    </dgm:fillClrLst>
+    <dgm:linClrLst meth="repeat">
+      <a:schemeClr val="accent5"/>
+    </dgm:linClrLst>
+    <dgm:effectClrLst/>
+    <dgm:txLinClrLst/>
+    <dgm:txFillClrLst meth="repeat">
+      <a:schemeClr val="lt1"/>
+    </dgm:txFillClrLst>
+    <dgm:txEffectClrLst/>
+  </dgm:styleLbl>
+  <dgm:styleLbl name="fgShp">
+    <dgm:fillClrLst meth="repeat">
+      <a:schemeClr val="accent5">
+        <a:tint val="60000"/>
+      </a:schemeClr>
+    </dgm:fillClrLst>
+    <dgm:linClrLst meth="repeat">
+      <a:schemeClr val="lt1"/>
+    </dgm:linClrLst>
+    <dgm:effectClrLst/>
+    <dgm:txLinClrLst/>
+    <dgm:txFillClrLst meth="repeat">
+      <a:schemeClr val="dk1"/>
+    </dgm:txFillClrLst>
+    <dgm:txEffectClrLst/>
+  </dgm:styleLbl>
+  <dgm:styleLbl name="revTx">
+    <dgm:fillClrLst meth="repeat">
+      <a:schemeClr val="lt1">
+        <a:alpha val="0"/>
+      </a:schemeClr>
+    </dgm:fillClrLst>
+    <dgm:linClrLst meth="repeat">
+      <a:schemeClr val="dk1">
+        <a:alpha val="0"/>
+      </a:schemeClr>
+    </dgm:linClrLst>
+    <dgm:effectClrLst/>
+    <dgm:txLinClrLst/>
+    <dgm:txFillClrLst meth="repeat">
+      <a:schemeClr val="tx1"/>
+    </dgm:txFillClrLst>
+    <dgm:txEffectClrLst/>
+  </dgm:styleLbl>
+</dgm:colorsDef>
+</file>
+
+<file path=ppt/diagrams/colors2.xml><?xml version="1.0" encoding="utf-8"?>
 <dgm:colorsDef xmlns:dgm="http://schemas.openxmlformats.org/drawingml/2006/diagram" xmlns:a="http://schemas.openxmlformats.org/drawingml/2006/main" uniqueId="urn:microsoft.com/office/officeart/2005/8/colors/accent0_3">
   <dgm:title val=""/>
   <dgm:desc val=""/>
@@ -879,6 +1632,962 @@
 <file path=ppt/diagrams/data1.xml><?xml version="1.0" encoding="utf-8"?>
 <dgm:dataModel xmlns:dgm="http://schemas.openxmlformats.org/drawingml/2006/diagram" xmlns:a="http://schemas.openxmlformats.org/drawingml/2006/main">
   <dgm:ptLst>
+    <dgm:pt modelId="{E64CBC36-A748-1D4A-AB00-3C347A8B90FC}" type="doc">
+      <dgm:prSet loTypeId="urn:microsoft.com/office/officeart/2005/8/layout/bProcess2" loCatId="" qsTypeId="urn:microsoft.com/office/officeart/2005/8/quickstyle/simple1" qsCatId="simple" csTypeId="urn:microsoft.com/office/officeart/2005/8/colors/accent5_2" csCatId="accent5" phldr="1"/>
+      <dgm:spPr/>
+      <dgm:t>
+        <a:bodyPr/>
+        <a:lstStyle/>
+        <a:p>
+          <a:endParaRPr lang="en-US"/>
+        </a:p>
+      </dgm:t>
+    </dgm:pt>
+    <dgm:pt modelId="{84F5F68B-30D2-1D40-BABB-506FF5AF2A7A}">
+      <dgm:prSet phldrT="[Text]"/>
+      <dgm:spPr/>
+      <dgm:t>
+        <a:bodyPr/>
+        <a:lstStyle/>
+        <a:p>
+          <a:r>
+            <a:rPr lang="en-US"/>
+            <a:t>18.01</a:t>
+          </a:r>
+        </a:p>
+      </dgm:t>
+    </dgm:pt>
+    <dgm:pt modelId="{3120E170-E45E-4644-88D4-A1A29D431334}" type="parTrans" cxnId="{F86368A7-F466-694E-8522-5F7A2D56C1B2}">
+      <dgm:prSet/>
+      <dgm:spPr/>
+      <dgm:t>
+        <a:bodyPr/>
+        <a:lstStyle/>
+        <a:p>
+          <a:endParaRPr lang="en-US"/>
+        </a:p>
+      </dgm:t>
+    </dgm:pt>
+    <dgm:pt modelId="{153F4BF1-F6C9-0245-A0C1-0998BB2911E5}" type="sibTrans" cxnId="{F86368A7-F466-694E-8522-5F7A2D56C1B2}">
+      <dgm:prSet/>
+      <dgm:spPr/>
+      <dgm:t>
+        <a:bodyPr/>
+        <a:lstStyle/>
+        <a:p>
+          <a:endParaRPr lang="en-US"/>
+        </a:p>
+      </dgm:t>
+    </dgm:pt>
+    <dgm:pt modelId="{4E8FAA6C-44A0-734E-ACC0-C31593948299}">
+      <dgm:prSet phldrT="[Text]"/>
+      <dgm:spPr/>
+      <dgm:t>
+        <a:bodyPr/>
+        <a:lstStyle/>
+        <a:p>
+          <a:r>
+            <a:rPr lang="en-US"/>
+            <a:t>8.01</a:t>
+          </a:r>
+        </a:p>
+      </dgm:t>
+    </dgm:pt>
+    <dgm:pt modelId="{66F2BBA9-0EE6-7C48-84D9-B2A220CCD4E4}" type="parTrans" cxnId="{47387819-B53D-D54A-8C12-0470078D31B6}">
+      <dgm:prSet/>
+      <dgm:spPr/>
+      <dgm:t>
+        <a:bodyPr/>
+        <a:lstStyle/>
+        <a:p>
+          <a:endParaRPr lang="en-US"/>
+        </a:p>
+      </dgm:t>
+    </dgm:pt>
+    <dgm:pt modelId="{0618C927-66A3-0343-BC95-790A08A19A8B}" type="sibTrans" cxnId="{47387819-B53D-D54A-8C12-0470078D31B6}">
+      <dgm:prSet/>
+      <dgm:spPr/>
+      <dgm:t>
+        <a:bodyPr/>
+        <a:lstStyle/>
+        <a:p>
+          <a:endParaRPr lang="en-US"/>
+        </a:p>
+      </dgm:t>
+    </dgm:pt>
+    <dgm:pt modelId="{354E316E-BD72-F440-8FDB-7F43B931E205}">
+      <dgm:prSet phldrT="[Text]"/>
+      <dgm:spPr/>
+      <dgm:t>
+        <a:bodyPr/>
+        <a:lstStyle/>
+        <a:p>
+          <a:r>
+            <a:rPr lang="en-US"/>
+            <a:t>6.001</a:t>
+          </a:r>
+        </a:p>
+      </dgm:t>
+    </dgm:pt>
+    <dgm:pt modelId="{82ACF542-E3E1-0844-B6E1-70D98208BA4A}" type="parTrans" cxnId="{F2BD3F51-43F7-3A40-9678-E661122A4D9A}">
+      <dgm:prSet/>
+      <dgm:spPr/>
+      <dgm:t>
+        <a:bodyPr/>
+        <a:lstStyle/>
+        <a:p>
+          <a:endParaRPr lang="en-US"/>
+        </a:p>
+      </dgm:t>
+    </dgm:pt>
+    <dgm:pt modelId="{A756A141-A048-624C-B1F4-29F773F70F4C}" type="sibTrans" cxnId="{F2BD3F51-43F7-3A40-9678-E661122A4D9A}">
+      <dgm:prSet/>
+      <dgm:spPr/>
+      <dgm:t>
+        <a:bodyPr/>
+        <a:lstStyle/>
+        <a:p>
+          <a:endParaRPr lang="en-US"/>
+        </a:p>
+      </dgm:t>
+    </dgm:pt>
+    <dgm:pt modelId="{0C3EB5A3-0FEA-8348-8852-2EFDFCEC923D}">
+      <dgm:prSet phldrT="[Text]"/>
+      <dgm:spPr/>
+      <dgm:t>
+        <a:bodyPr/>
+        <a:lstStyle/>
+        <a:p>
+          <a:r>
+            <a:rPr lang="en-US"/>
+            <a:t>18.02</a:t>
+          </a:r>
+        </a:p>
+      </dgm:t>
+    </dgm:pt>
+    <dgm:pt modelId="{A35A12B0-4A80-B547-A0AF-34BE46B65667}" type="parTrans" cxnId="{854814F5-D341-5E43-84EE-2E713A1868EA}">
+      <dgm:prSet/>
+      <dgm:spPr/>
+      <dgm:t>
+        <a:bodyPr/>
+        <a:lstStyle/>
+        <a:p>
+          <a:endParaRPr lang="en-US"/>
+        </a:p>
+      </dgm:t>
+    </dgm:pt>
+    <dgm:pt modelId="{904F94E6-A804-7A40-9575-0701D0451270}" type="sibTrans" cxnId="{854814F5-D341-5E43-84EE-2E713A1868EA}">
+      <dgm:prSet/>
+      <dgm:spPr/>
+      <dgm:t>
+        <a:bodyPr/>
+        <a:lstStyle/>
+        <a:p>
+          <a:endParaRPr lang="en-US"/>
+        </a:p>
+      </dgm:t>
+    </dgm:pt>
+    <dgm:pt modelId="{83C56712-FB4F-2A44-AEED-F93BDBC82ADB}">
+      <dgm:prSet phldrT="[Text]"/>
+      <dgm:spPr/>
+      <dgm:t>
+        <a:bodyPr/>
+        <a:lstStyle/>
+        <a:p>
+          <a:r>
+            <a:rPr lang="en-US"/>
+            <a:t>18.03</a:t>
+          </a:r>
+        </a:p>
+      </dgm:t>
+    </dgm:pt>
+    <dgm:pt modelId="{FA5C0381-3EA4-584F-B860-2663CA722B56}" type="parTrans" cxnId="{51B8C928-9E69-AC42-A6D4-4C1C28662C3B}">
+      <dgm:prSet/>
+      <dgm:spPr/>
+      <dgm:t>
+        <a:bodyPr/>
+        <a:lstStyle/>
+        <a:p>
+          <a:endParaRPr lang="en-US"/>
+        </a:p>
+      </dgm:t>
+    </dgm:pt>
+    <dgm:pt modelId="{FCFE33FD-0687-9342-8713-FE61F2AC9A89}" type="sibTrans" cxnId="{51B8C928-9E69-AC42-A6D4-4C1C28662C3B}">
+      <dgm:prSet/>
+      <dgm:spPr/>
+      <dgm:t>
+        <a:bodyPr/>
+        <a:lstStyle/>
+        <a:p>
+          <a:endParaRPr lang="en-US"/>
+        </a:p>
+      </dgm:t>
+    </dgm:pt>
+    <dgm:pt modelId="{699DF992-A41F-0B46-BDBA-D1652842126E}">
+      <dgm:prSet phldrT="[Text]"/>
+      <dgm:spPr/>
+      <dgm:t>
+        <a:bodyPr/>
+        <a:lstStyle/>
+        <a:p>
+          <a:r>
+            <a:rPr lang="en-US"/>
+            <a:t>6.042</a:t>
+          </a:r>
+        </a:p>
+      </dgm:t>
+    </dgm:pt>
+    <dgm:pt modelId="{0B637BB4-3686-4440-A048-A28149B8DF86}" type="parTrans" cxnId="{47562A69-552E-8C41-8038-65672F31E988}">
+      <dgm:prSet/>
+      <dgm:spPr/>
+      <dgm:t>
+        <a:bodyPr/>
+        <a:lstStyle/>
+        <a:p>
+          <a:endParaRPr lang="en-US"/>
+        </a:p>
+      </dgm:t>
+    </dgm:pt>
+    <dgm:pt modelId="{D8F256FF-98BD-3F48-859A-45AF772F376E}" type="sibTrans" cxnId="{47562A69-552E-8C41-8038-65672F31E988}">
+      <dgm:prSet/>
+      <dgm:spPr/>
+      <dgm:t>
+        <a:bodyPr/>
+        <a:lstStyle/>
+        <a:p>
+          <a:endParaRPr lang="en-US"/>
+        </a:p>
+      </dgm:t>
+    </dgm:pt>
+    <dgm:pt modelId="{7050BB62-71F3-6B4B-A6C7-DA69BE1D1B81}">
+      <dgm:prSet phldrT="[Text]"/>
+      <dgm:spPr/>
+      <dgm:t>
+        <a:bodyPr/>
+        <a:lstStyle/>
+        <a:p>
+          <a:r>
+            <a:rPr lang="en-US"/>
+            <a:t>8.02</a:t>
+          </a:r>
+        </a:p>
+      </dgm:t>
+    </dgm:pt>
+    <dgm:pt modelId="{E85B225F-D939-BA43-AA8C-1EA23A826987}" type="parTrans" cxnId="{BFA7F77A-A1C6-2247-A4FB-7E50270F5862}">
+      <dgm:prSet/>
+      <dgm:spPr/>
+      <dgm:t>
+        <a:bodyPr/>
+        <a:lstStyle/>
+        <a:p>
+          <a:endParaRPr lang="en-US"/>
+        </a:p>
+      </dgm:t>
+    </dgm:pt>
+    <dgm:pt modelId="{4A31187B-A889-DC4E-B3F1-94C3B9CBCCDB}" type="sibTrans" cxnId="{BFA7F77A-A1C6-2247-A4FB-7E50270F5862}">
+      <dgm:prSet/>
+      <dgm:spPr/>
+      <dgm:t>
+        <a:bodyPr/>
+        <a:lstStyle/>
+        <a:p>
+          <a:endParaRPr lang="en-US"/>
+        </a:p>
+      </dgm:t>
+    </dgm:pt>
+    <dgm:pt modelId="{90DE95A8-B768-594C-B556-97B87FEF51DE}">
+      <dgm:prSet phldrT="[Text]"/>
+      <dgm:spPr/>
+      <dgm:t>
+        <a:bodyPr/>
+        <a:lstStyle/>
+        <a:p>
+          <a:r>
+            <a:rPr lang="en-US"/>
+            <a:t>6.034</a:t>
+          </a:r>
+        </a:p>
+      </dgm:t>
+    </dgm:pt>
+    <dgm:pt modelId="{7D24D256-C25C-E740-AB19-659370A20FC4}" type="parTrans" cxnId="{372EE888-76C6-4142-ADB6-22C634D888BE}">
+      <dgm:prSet/>
+      <dgm:spPr/>
+      <dgm:t>
+        <a:bodyPr/>
+        <a:lstStyle/>
+        <a:p>
+          <a:endParaRPr lang="en-US"/>
+        </a:p>
+      </dgm:t>
+    </dgm:pt>
+    <dgm:pt modelId="{03786C7A-4972-624B-B9B8-1EA9B8FFB762}" type="sibTrans" cxnId="{372EE888-76C6-4142-ADB6-22C634D888BE}">
+      <dgm:prSet/>
+      <dgm:spPr/>
+      <dgm:t>
+        <a:bodyPr/>
+        <a:lstStyle/>
+        <a:p>
+          <a:endParaRPr lang="en-US"/>
+        </a:p>
+      </dgm:t>
+    </dgm:pt>
+    <dgm:pt modelId="{ED447CD0-714A-A043-BEC1-59903245EB07}">
+      <dgm:prSet phldrT="[Text]"/>
+      <dgm:spPr/>
+      <dgm:t>
+        <a:bodyPr/>
+        <a:lstStyle/>
+        <a:p>
+          <a:r>
+            <a:rPr lang="en-US"/>
+            <a:t>6.002</a:t>
+          </a:r>
+        </a:p>
+      </dgm:t>
+    </dgm:pt>
+    <dgm:pt modelId="{93B0497D-30A2-684B-A8C6-70A84AEB3024}" type="parTrans" cxnId="{92F0FA03-7C7A-C346-925E-75494707894F}">
+      <dgm:prSet/>
+      <dgm:spPr/>
+      <dgm:t>
+        <a:bodyPr/>
+        <a:lstStyle/>
+        <a:p>
+          <a:endParaRPr lang="en-US"/>
+        </a:p>
+      </dgm:t>
+    </dgm:pt>
+    <dgm:pt modelId="{C6FF79F5-95B1-3B44-82BF-F83D94DEB6E6}" type="sibTrans" cxnId="{92F0FA03-7C7A-C346-925E-75494707894F}">
+      <dgm:prSet/>
+      <dgm:spPr/>
+      <dgm:t>
+        <a:bodyPr/>
+        <a:lstStyle/>
+        <a:p>
+          <a:endParaRPr lang="en-US"/>
+        </a:p>
+      </dgm:t>
+    </dgm:pt>
+    <dgm:pt modelId="{DAB55FF6-BC2D-ED49-809B-3005E67ED775}">
+      <dgm:prSet phldrT="[Text]"/>
+      <dgm:spPr/>
+      <dgm:t>
+        <a:bodyPr/>
+        <a:lstStyle/>
+        <a:p>
+          <a:r>
+            <a:rPr lang="en-US"/>
+            <a:t>6.046</a:t>
+          </a:r>
+        </a:p>
+      </dgm:t>
+    </dgm:pt>
+    <dgm:pt modelId="{3A4EDB2F-0181-7742-900C-8008BFE517EB}" type="parTrans" cxnId="{17AB83C3-957E-8A42-86DE-EAB789DFD295}">
+      <dgm:prSet/>
+      <dgm:spPr/>
+      <dgm:t>
+        <a:bodyPr/>
+        <a:lstStyle/>
+        <a:p>
+          <a:endParaRPr lang="en-US"/>
+        </a:p>
+      </dgm:t>
+    </dgm:pt>
+    <dgm:pt modelId="{856006E5-BEED-FA48-98E3-74BBE105A6D6}" type="sibTrans" cxnId="{17AB83C3-957E-8A42-86DE-EAB789DFD295}">
+      <dgm:prSet/>
+      <dgm:spPr/>
+      <dgm:t>
+        <a:bodyPr/>
+        <a:lstStyle/>
+        <a:p>
+          <a:endParaRPr lang="en-US"/>
+        </a:p>
+      </dgm:t>
+    </dgm:pt>
+    <dgm:pt modelId="{B3D0781F-82B8-F644-BBCA-06E73F84FFEC}">
+      <dgm:prSet phldrT="[Text]"/>
+      <dgm:spPr/>
+      <dgm:t>
+        <a:bodyPr/>
+        <a:lstStyle/>
+        <a:p>
+          <a:r>
+            <a:rPr lang="en-US"/>
+            <a:t>6.003</a:t>
+          </a:r>
+        </a:p>
+      </dgm:t>
+    </dgm:pt>
+    <dgm:pt modelId="{4E489FFE-2A33-6A47-A00F-F7128B0D2101}" type="parTrans" cxnId="{7A2CFB6C-21D0-314B-B867-5A6CBE9BA5A3}">
+      <dgm:prSet/>
+      <dgm:spPr/>
+      <dgm:t>
+        <a:bodyPr/>
+        <a:lstStyle/>
+        <a:p>
+          <a:endParaRPr lang="en-US"/>
+        </a:p>
+      </dgm:t>
+    </dgm:pt>
+    <dgm:pt modelId="{E12ECB79-E12C-964C-A408-614241D8FAE9}" type="sibTrans" cxnId="{7A2CFB6C-21D0-314B-B867-5A6CBE9BA5A3}">
+      <dgm:prSet/>
+      <dgm:spPr/>
+      <dgm:t>
+        <a:bodyPr/>
+        <a:lstStyle/>
+        <a:p>
+          <a:endParaRPr lang="en-US"/>
+        </a:p>
+      </dgm:t>
+    </dgm:pt>
+    <dgm:pt modelId="{DF496127-24E2-4145-8F5F-519C41A35736}">
+      <dgm:prSet phldrT="[Text]"/>
+      <dgm:spPr/>
+      <dgm:t>
+        <a:bodyPr/>
+        <a:lstStyle/>
+        <a:p>
+          <a:r>
+            <a:rPr lang="en-US"/>
+            <a:t>6.004</a:t>
+          </a:r>
+        </a:p>
+      </dgm:t>
+    </dgm:pt>
+    <dgm:pt modelId="{06CA56FC-D6C0-6F48-AEFD-77221CAB4815}" type="parTrans" cxnId="{39A0780A-7991-A941-8BC9-3AA0EE4AF75B}">
+      <dgm:prSet/>
+      <dgm:spPr/>
+      <dgm:t>
+        <a:bodyPr/>
+        <a:lstStyle/>
+        <a:p>
+          <a:endParaRPr lang="en-US"/>
+        </a:p>
+      </dgm:t>
+    </dgm:pt>
+    <dgm:pt modelId="{347BE846-D0A7-9F4D-9D61-3B3A7B553F08}" type="sibTrans" cxnId="{39A0780A-7991-A941-8BC9-3AA0EE4AF75B}">
+      <dgm:prSet/>
+      <dgm:spPr/>
+      <dgm:t>
+        <a:bodyPr/>
+        <a:lstStyle/>
+        <a:p>
+          <a:endParaRPr lang="en-US"/>
+        </a:p>
+      </dgm:t>
+    </dgm:pt>
+    <dgm:pt modelId="{5BD263BE-9F71-7C49-85C7-015093FD853A}">
+      <dgm:prSet phldrT="[Text]"/>
+      <dgm:spPr/>
+      <dgm:t>
+        <a:bodyPr/>
+        <a:lstStyle/>
+        <a:p>
+          <a:r>
+            <a:rPr lang="en-US"/>
+            <a:t>6.840</a:t>
+          </a:r>
+        </a:p>
+      </dgm:t>
+    </dgm:pt>
+    <dgm:pt modelId="{06C646A0-66D9-1D46-9883-C486A3650B40}" type="parTrans" cxnId="{F9F2ED8F-E811-8E45-966E-F5BD1B4228B5}">
+      <dgm:prSet/>
+      <dgm:spPr/>
+      <dgm:t>
+        <a:bodyPr/>
+        <a:lstStyle/>
+        <a:p>
+          <a:endParaRPr lang="en-US"/>
+        </a:p>
+      </dgm:t>
+    </dgm:pt>
+    <dgm:pt modelId="{CCD77479-DEBD-9A42-9825-23A64D60551C}" type="sibTrans" cxnId="{F9F2ED8F-E811-8E45-966E-F5BD1B4228B5}">
+      <dgm:prSet/>
+      <dgm:spPr/>
+      <dgm:t>
+        <a:bodyPr/>
+        <a:lstStyle/>
+        <a:p>
+          <a:endParaRPr lang="en-US"/>
+        </a:p>
+      </dgm:t>
+    </dgm:pt>
+    <dgm:pt modelId="{453161CF-683B-7842-ACC4-BEB117C69FA3}">
+      <dgm:prSet phldrT="[Text]"/>
+      <dgm:spPr/>
+      <dgm:t>
+        <a:bodyPr/>
+        <a:lstStyle/>
+        <a:p>
+          <a:r>
+            <a:rPr lang="en-US"/>
+            <a:t>6.033</a:t>
+          </a:r>
+        </a:p>
+      </dgm:t>
+    </dgm:pt>
+    <dgm:pt modelId="{457C7B01-9171-9146-B17E-07BF7D32C26F}" type="parTrans" cxnId="{B630AB80-B3E1-104F-BCBD-A450177E4F9A}">
+      <dgm:prSet/>
+      <dgm:spPr/>
+      <dgm:t>
+        <a:bodyPr/>
+        <a:lstStyle/>
+        <a:p>
+          <a:endParaRPr lang="en-US"/>
+        </a:p>
+      </dgm:t>
+    </dgm:pt>
+    <dgm:pt modelId="{0BF5297B-F7D2-7A42-B4F9-1C16755F127A}" type="sibTrans" cxnId="{B630AB80-B3E1-104F-BCBD-A450177E4F9A}">
+      <dgm:prSet/>
+      <dgm:spPr/>
+      <dgm:t>
+        <a:bodyPr/>
+        <a:lstStyle/>
+        <a:p>
+          <a:endParaRPr lang="en-US"/>
+        </a:p>
+      </dgm:t>
+    </dgm:pt>
+    <dgm:pt modelId="{D38858BE-8111-0E47-852C-D3EA1B324780}">
+      <dgm:prSet phldrT="[Text]"/>
+      <dgm:spPr/>
+      <dgm:t>
+        <a:bodyPr/>
+        <a:lstStyle/>
+        <a:p>
+          <a:r>
+            <a:rPr lang="en-US"/>
+            <a:t>6.857</a:t>
+          </a:r>
+        </a:p>
+      </dgm:t>
+    </dgm:pt>
+    <dgm:pt modelId="{F51B91FA-0B25-0A44-B951-C95FD9C3357F}" type="parTrans" cxnId="{90D7073A-EB5B-6141-9AAB-60FB23CD24D9}">
+      <dgm:prSet/>
+      <dgm:spPr/>
+      <dgm:t>
+        <a:bodyPr/>
+        <a:lstStyle/>
+        <a:p>
+          <a:endParaRPr lang="en-US"/>
+        </a:p>
+      </dgm:t>
+    </dgm:pt>
+    <dgm:pt modelId="{793EB9CB-3631-1147-8692-CC3D0D86E0A8}" type="sibTrans" cxnId="{90D7073A-EB5B-6141-9AAB-60FB23CD24D9}">
+      <dgm:prSet/>
+      <dgm:spPr/>
+      <dgm:t>
+        <a:bodyPr/>
+        <a:lstStyle/>
+        <a:p>
+          <a:endParaRPr lang="en-US"/>
+        </a:p>
+      </dgm:t>
+    </dgm:pt>
+    <dgm:pt modelId="{957557EA-0AB2-034C-AF1B-4DE2CA54CBD1}" type="pres">
+      <dgm:prSet presAssocID="{E64CBC36-A748-1D4A-AB00-3C347A8B90FC}" presName="diagram" presStyleCnt="0">
+        <dgm:presLayoutVars>
+          <dgm:dir/>
+          <dgm:resizeHandles/>
+        </dgm:presLayoutVars>
+      </dgm:prSet>
+      <dgm:spPr/>
+    </dgm:pt>
+    <dgm:pt modelId="{EED4AF09-0889-814D-9945-9B41E257E340}" type="pres">
+      <dgm:prSet presAssocID="{84F5F68B-30D2-1D40-BABB-506FF5AF2A7A}" presName="firstNode" presStyleLbl="node1" presStyleIdx="0" presStyleCnt="15">
+        <dgm:presLayoutVars>
+          <dgm:bulletEnabled val="1"/>
+        </dgm:presLayoutVars>
+      </dgm:prSet>
+      <dgm:spPr/>
+    </dgm:pt>
+    <dgm:pt modelId="{BE81893B-DB07-8545-9952-D405322A787D}" type="pres">
+      <dgm:prSet presAssocID="{153F4BF1-F6C9-0245-A0C1-0998BB2911E5}" presName="sibTrans" presStyleLbl="sibTrans2D1" presStyleIdx="0" presStyleCnt="14"/>
+      <dgm:spPr/>
+    </dgm:pt>
+    <dgm:pt modelId="{2144EFFD-C17A-4B43-BF93-82A8C42AC0C0}" type="pres">
+      <dgm:prSet presAssocID="{4E8FAA6C-44A0-734E-ACC0-C31593948299}" presName="middleNode" presStyleCnt="0"/>
+      <dgm:spPr/>
+    </dgm:pt>
+    <dgm:pt modelId="{1FE4D937-7CCF-534E-A2D9-DAEEA83E98A3}" type="pres">
+      <dgm:prSet presAssocID="{4E8FAA6C-44A0-734E-ACC0-C31593948299}" presName="padding" presStyleLbl="node1" presStyleIdx="0" presStyleCnt="15"/>
+      <dgm:spPr/>
+    </dgm:pt>
+    <dgm:pt modelId="{8F584190-4FF5-054C-9F2F-19C0A1F577DA}" type="pres">
+      <dgm:prSet presAssocID="{4E8FAA6C-44A0-734E-ACC0-C31593948299}" presName="shape" presStyleLbl="node1" presStyleIdx="1" presStyleCnt="15">
+        <dgm:presLayoutVars>
+          <dgm:bulletEnabled val="1"/>
+        </dgm:presLayoutVars>
+      </dgm:prSet>
+      <dgm:spPr/>
+    </dgm:pt>
+    <dgm:pt modelId="{F17E98F8-E2D4-D64A-97B5-2AAAB7398788}" type="pres">
+      <dgm:prSet presAssocID="{0618C927-66A3-0343-BC95-790A08A19A8B}" presName="sibTrans" presStyleLbl="sibTrans2D1" presStyleIdx="1" presStyleCnt="14"/>
+      <dgm:spPr/>
+    </dgm:pt>
+    <dgm:pt modelId="{FAE2ECC2-E36A-1A41-B3F0-F5DBFF5958FE}" type="pres">
+      <dgm:prSet presAssocID="{354E316E-BD72-F440-8FDB-7F43B931E205}" presName="middleNode" presStyleCnt="0"/>
+      <dgm:spPr/>
+    </dgm:pt>
+    <dgm:pt modelId="{1E35AE9F-1CBA-8346-A007-720CB2217CF3}" type="pres">
+      <dgm:prSet presAssocID="{354E316E-BD72-F440-8FDB-7F43B931E205}" presName="padding" presStyleLbl="node1" presStyleIdx="1" presStyleCnt="15"/>
+      <dgm:spPr/>
+    </dgm:pt>
+    <dgm:pt modelId="{C0E8417A-617F-B549-8E8F-9C41A4068632}" type="pres">
+      <dgm:prSet presAssocID="{354E316E-BD72-F440-8FDB-7F43B931E205}" presName="shape" presStyleLbl="node1" presStyleIdx="2" presStyleCnt="15">
+        <dgm:presLayoutVars>
+          <dgm:bulletEnabled val="1"/>
+        </dgm:presLayoutVars>
+      </dgm:prSet>
+      <dgm:spPr/>
+    </dgm:pt>
+    <dgm:pt modelId="{0D59C881-A515-7C4B-8CF7-6F1C0FC9FD3A}" type="pres">
+      <dgm:prSet presAssocID="{A756A141-A048-624C-B1F4-29F773F70F4C}" presName="sibTrans" presStyleLbl="sibTrans2D1" presStyleIdx="2" presStyleCnt="14"/>
+      <dgm:spPr/>
+    </dgm:pt>
+    <dgm:pt modelId="{8F546C38-16F4-0D4F-BD92-FAB8E4F2017B}" type="pres">
+      <dgm:prSet presAssocID="{0C3EB5A3-0FEA-8348-8852-2EFDFCEC923D}" presName="middleNode" presStyleCnt="0"/>
+      <dgm:spPr/>
+    </dgm:pt>
+    <dgm:pt modelId="{A980F561-9060-4F40-9D8B-B2C004E1B618}" type="pres">
+      <dgm:prSet presAssocID="{0C3EB5A3-0FEA-8348-8852-2EFDFCEC923D}" presName="padding" presStyleLbl="node1" presStyleIdx="2" presStyleCnt="15"/>
+      <dgm:spPr/>
+    </dgm:pt>
+    <dgm:pt modelId="{0692DC1E-0103-7640-A647-1EDAC07DC971}" type="pres">
+      <dgm:prSet presAssocID="{0C3EB5A3-0FEA-8348-8852-2EFDFCEC923D}" presName="shape" presStyleLbl="node1" presStyleIdx="3" presStyleCnt="15">
+        <dgm:presLayoutVars>
+          <dgm:bulletEnabled val="1"/>
+        </dgm:presLayoutVars>
+      </dgm:prSet>
+      <dgm:spPr/>
+    </dgm:pt>
+    <dgm:pt modelId="{F7ADB171-0982-6F42-8412-C16732E6AE16}" type="pres">
+      <dgm:prSet presAssocID="{904F94E6-A804-7A40-9575-0701D0451270}" presName="sibTrans" presStyleLbl="sibTrans2D1" presStyleIdx="3" presStyleCnt="14"/>
+      <dgm:spPr/>
+    </dgm:pt>
+    <dgm:pt modelId="{4436CDD2-0316-0841-84CF-E1334BC0022C}" type="pres">
+      <dgm:prSet presAssocID="{83C56712-FB4F-2A44-AEED-F93BDBC82ADB}" presName="middleNode" presStyleCnt="0"/>
+      <dgm:spPr/>
+    </dgm:pt>
+    <dgm:pt modelId="{67C0C77C-BD76-A140-ACCD-57246076AE1C}" type="pres">
+      <dgm:prSet presAssocID="{83C56712-FB4F-2A44-AEED-F93BDBC82ADB}" presName="padding" presStyleLbl="node1" presStyleIdx="3" presStyleCnt="15"/>
+      <dgm:spPr/>
+    </dgm:pt>
+    <dgm:pt modelId="{3AEF10C0-2332-544B-866B-2DD9DE71EAB2}" type="pres">
+      <dgm:prSet presAssocID="{83C56712-FB4F-2A44-AEED-F93BDBC82ADB}" presName="shape" presStyleLbl="node1" presStyleIdx="4" presStyleCnt="15">
+        <dgm:presLayoutVars>
+          <dgm:bulletEnabled val="1"/>
+        </dgm:presLayoutVars>
+      </dgm:prSet>
+      <dgm:spPr/>
+    </dgm:pt>
+    <dgm:pt modelId="{5B1A20FB-6FB8-5840-A388-4ED3B333C0BE}" type="pres">
+      <dgm:prSet presAssocID="{FCFE33FD-0687-9342-8713-FE61F2AC9A89}" presName="sibTrans" presStyleLbl="sibTrans2D1" presStyleIdx="4" presStyleCnt="14"/>
+      <dgm:spPr/>
+    </dgm:pt>
+    <dgm:pt modelId="{CCFA3BBD-32AC-CA4E-93FB-8759703416E2}" type="pres">
+      <dgm:prSet presAssocID="{699DF992-A41F-0B46-BDBA-D1652842126E}" presName="middleNode" presStyleCnt="0"/>
+      <dgm:spPr/>
+    </dgm:pt>
+    <dgm:pt modelId="{85E24FA5-465F-364C-A834-8419FD817D71}" type="pres">
+      <dgm:prSet presAssocID="{699DF992-A41F-0B46-BDBA-D1652842126E}" presName="padding" presStyleLbl="node1" presStyleIdx="4" presStyleCnt="15"/>
+      <dgm:spPr/>
+    </dgm:pt>
+    <dgm:pt modelId="{6CCDC606-390C-4C41-B8F1-4FAE3DB27D86}" type="pres">
+      <dgm:prSet presAssocID="{699DF992-A41F-0B46-BDBA-D1652842126E}" presName="shape" presStyleLbl="node1" presStyleIdx="5" presStyleCnt="15">
+        <dgm:presLayoutVars>
+          <dgm:bulletEnabled val="1"/>
+        </dgm:presLayoutVars>
+      </dgm:prSet>
+      <dgm:spPr/>
+    </dgm:pt>
+    <dgm:pt modelId="{A0C9F9B9-61A2-134C-97CD-A95385262755}" type="pres">
+      <dgm:prSet presAssocID="{D8F256FF-98BD-3F48-859A-45AF772F376E}" presName="sibTrans" presStyleLbl="sibTrans2D1" presStyleIdx="5" presStyleCnt="14"/>
+      <dgm:spPr/>
+    </dgm:pt>
+    <dgm:pt modelId="{8E120514-5FCC-064C-A6BF-705087C78C38}" type="pres">
+      <dgm:prSet presAssocID="{7050BB62-71F3-6B4B-A6C7-DA69BE1D1B81}" presName="middleNode" presStyleCnt="0"/>
+      <dgm:spPr/>
+    </dgm:pt>
+    <dgm:pt modelId="{04637285-E7AC-5B43-A136-1966CFCE5690}" type="pres">
+      <dgm:prSet presAssocID="{7050BB62-71F3-6B4B-A6C7-DA69BE1D1B81}" presName="padding" presStyleLbl="node1" presStyleIdx="5" presStyleCnt="15"/>
+      <dgm:spPr/>
+    </dgm:pt>
+    <dgm:pt modelId="{0F16C035-9730-E241-A000-E19A881E3513}" type="pres">
+      <dgm:prSet presAssocID="{7050BB62-71F3-6B4B-A6C7-DA69BE1D1B81}" presName="shape" presStyleLbl="node1" presStyleIdx="6" presStyleCnt="15">
+        <dgm:presLayoutVars>
+          <dgm:bulletEnabled val="1"/>
+        </dgm:presLayoutVars>
+      </dgm:prSet>
+      <dgm:spPr/>
+    </dgm:pt>
+    <dgm:pt modelId="{E19446D3-9B6C-4347-845C-359C558CDC10}" type="pres">
+      <dgm:prSet presAssocID="{4A31187B-A889-DC4E-B3F1-94C3B9CBCCDB}" presName="sibTrans" presStyleLbl="sibTrans2D1" presStyleIdx="6" presStyleCnt="14"/>
+      <dgm:spPr/>
+    </dgm:pt>
+    <dgm:pt modelId="{641D1FFA-4ED4-0147-984E-3A9CE6021629}" type="pres">
+      <dgm:prSet presAssocID="{90DE95A8-B768-594C-B556-97B87FEF51DE}" presName="middleNode" presStyleCnt="0"/>
+      <dgm:spPr/>
+    </dgm:pt>
+    <dgm:pt modelId="{8DF3C38A-F942-6B40-A1C9-CA26461EEC3D}" type="pres">
+      <dgm:prSet presAssocID="{90DE95A8-B768-594C-B556-97B87FEF51DE}" presName="padding" presStyleLbl="node1" presStyleIdx="6" presStyleCnt="15"/>
+      <dgm:spPr/>
+    </dgm:pt>
+    <dgm:pt modelId="{52E33E3B-FB73-6840-8C6D-B4E10687EF90}" type="pres">
+      <dgm:prSet presAssocID="{90DE95A8-B768-594C-B556-97B87FEF51DE}" presName="shape" presStyleLbl="node1" presStyleIdx="7" presStyleCnt="15">
+        <dgm:presLayoutVars>
+          <dgm:bulletEnabled val="1"/>
+        </dgm:presLayoutVars>
+      </dgm:prSet>
+      <dgm:spPr/>
+    </dgm:pt>
+    <dgm:pt modelId="{E18A4A3E-392F-B748-ABD5-CEC091F4C598}" type="pres">
+      <dgm:prSet presAssocID="{03786C7A-4972-624B-B9B8-1EA9B8FFB762}" presName="sibTrans" presStyleLbl="sibTrans2D1" presStyleIdx="7" presStyleCnt="14"/>
+      <dgm:spPr/>
+    </dgm:pt>
+    <dgm:pt modelId="{817A82D7-B265-9847-9730-91B345A266E6}" type="pres">
+      <dgm:prSet presAssocID="{ED447CD0-714A-A043-BEC1-59903245EB07}" presName="middleNode" presStyleCnt="0"/>
+      <dgm:spPr/>
+    </dgm:pt>
+    <dgm:pt modelId="{CF125F32-442B-B740-AF56-F41D55EDF5C3}" type="pres">
+      <dgm:prSet presAssocID="{ED447CD0-714A-A043-BEC1-59903245EB07}" presName="padding" presStyleLbl="node1" presStyleIdx="7" presStyleCnt="15"/>
+      <dgm:spPr/>
+    </dgm:pt>
+    <dgm:pt modelId="{788F318C-DE45-DE40-B69B-E5C0AB838765}" type="pres">
+      <dgm:prSet presAssocID="{ED447CD0-714A-A043-BEC1-59903245EB07}" presName="shape" presStyleLbl="node1" presStyleIdx="8" presStyleCnt="15">
+        <dgm:presLayoutVars>
+          <dgm:bulletEnabled val="1"/>
+        </dgm:presLayoutVars>
+      </dgm:prSet>
+      <dgm:spPr/>
+    </dgm:pt>
+    <dgm:pt modelId="{43EF2DE2-20DE-8041-BBB1-02955CFF0C8A}" type="pres">
+      <dgm:prSet presAssocID="{C6FF79F5-95B1-3B44-82BF-F83D94DEB6E6}" presName="sibTrans" presStyleLbl="sibTrans2D1" presStyleIdx="8" presStyleCnt="14"/>
+      <dgm:spPr/>
+    </dgm:pt>
+    <dgm:pt modelId="{79B38CE9-BBB4-7146-B877-FEBF54030FA9}" type="pres">
+      <dgm:prSet presAssocID="{DAB55FF6-BC2D-ED49-809B-3005E67ED775}" presName="middleNode" presStyleCnt="0"/>
+      <dgm:spPr/>
+    </dgm:pt>
+    <dgm:pt modelId="{1C0A7027-C08E-894A-81D5-DB80DEB86B03}" type="pres">
+      <dgm:prSet presAssocID="{DAB55FF6-BC2D-ED49-809B-3005E67ED775}" presName="padding" presStyleLbl="node1" presStyleIdx="8" presStyleCnt="15"/>
+      <dgm:spPr/>
+    </dgm:pt>
+    <dgm:pt modelId="{2C81E286-4CBF-2040-81A5-6A68A575DD0D}" type="pres">
+      <dgm:prSet presAssocID="{DAB55FF6-BC2D-ED49-809B-3005E67ED775}" presName="shape" presStyleLbl="node1" presStyleIdx="9" presStyleCnt="15">
+        <dgm:presLayoutVars>
+          <dgm:bulletEnabled val="1"/>
+        </dgm:presLayoutVars>
+      </dgm:prSet>
+      <dgm:spPr/>
+    </dgm:pt>
+    <dgm:pt modelId="{D7302AC5-F75C-AA43-B3CA-4F31869794A8}" type="pres">
+      <dgm:prSet presAssocID="{856006E5-BEED-FA48-98E3-74BBE105A6D6}" presName="sibTrans" presStyleLbl="sibTrans2D1" presStyleIdx="9" presStyleCnt="14"/>
+      <dgm:spPr/>
+    </dgm:pt>
+    <dgm:pt modelId="{376DFF26-8350-E34F-807E-188E69B54837}" type="pres">
+      <dgm:prSet presAssocID="{B3D0781F-82B8-F644-BBCA-06E73F84FFEC}" presName="middleNode" presStyleCnt="0"/>
+      <dgm:spPr/>
+    </dgm:pt>
+    <dgm:pt modelId="{32504501-40A5-6742-84BD-08D4E06377E7}" type="pres">
+      <dgm:prSet presAssocID="{B3D0781F-82B8-F644-BBCA-06E73F84FFEC}" presName="padding" presStyleLbl="node1" presStyleIdx="9" presStyleCnt="15"/>
+      <dgm:spPr/>
+    </dgm:pt>
+    <dgm:pt modelId="{10BD425F-95ED-F349-9E8D-D84D9624C04C}" type="pres">
+      <dgm:prSet presAssocID="{B3D0781F-82B8-F644-BBCA-06E73F84FFEC}" presName="shape" presStyleLbl="node1" presStyleIdx="10" presStyleCnt="15">
+        <dgm:presLayoutVars>
+          <dgm:bulletEnabled val="1"/>
+        </dgm:presLayoutVars>
+      </dgm:prSet>
+      <dgm:spPr/>
+    </dgm:pt>
+    <dgm:pt modelId="{DC38B96A-619D-9348-B93F-262947984BFF}" type="pres">
+      <dgm:prSet presAssocID="{E12ECB79-E12C-964C-A408-614241D8FAE9}" presName="sibTrans" presStyleLbl="sibTrans2D1" presStyleIdx="10" presStyleCnt="14"/>
+      <dgm:spPr/>
+    </dgm:pt>
+    <dgm:pt modelId="{244BCCAD-2527-1543-85AE-083C940FCE7C}" type="pres">
+      <dgm:prSet presAssocID="{DF496127-24E2-4145-8F5F-519C41A35736}" presName="middleNode" presStyleCnt="0"/>
+      <dgm:spPr/>
+    </dgm:pt>
+    <dgm:pt modelId="{91408651-5DB3-DC41-833D-BB5A06EC08C7}" type="pres">
+      <dgm:prSet presAssocID="{DF496127-24E2-4145-8F5F-519C41A35736}" presName="padding" presStyleLbl="node1" presStyleIdx="10" presStyleCnt="15"/>
+      <dgm:spPr/>
+    </dgm:pt>
+    <dgm:pt modelId="{368183E1-E667-5749-A4E8-F24144C826D5}" type="pres">
+      <dgm:prSet presAssocID="{DF496127-24E2-4145-8F5F-519C41A35736}" presName="shape" presStyleLbl="node1" presStyleIdx="11" presStyleCnt="15">
+        <dgm:presLayoutVars>
+          <dgm:bulletEnabled val="1"/>
+        </dgm:presLayoutVars>
+      </dgm:prSet>
+      <dgm:spPr/>
+    </dgm:pt>
+    <dgm:pt modelId="{C1B47595-8B21-C54B-AA11-5A779003E056}" type="pres">
+      <dgm:prSet presAssocID="{347BE846-D0A7-9F4D-9D61-3B3A7B553F08}" presName="sibTrans" presStyleLbl="sibTrans2D1" presStyleIdx="11" presStyleCnt="14"/>
+      <dgm:spPr/>
+    </dgm:pt>
+    <dgm:pt modelId="{D0C97832-6A08-E74D-AEF4-95D086896C27}" type="pres">
+      <dgm:prSet presAssocID="{5BD263BE-9F71-7C49-85C7-015093FD853A}" presName="middleNode" presStyleCnt="0"/>
+      <dgm:spPr/>
+    </dgm:pt>
+    <dgm:pt modelId="{9E88E6A1-F719-CD4C-AD64-B3C857D00A5E}" type="pres">
+      <dgm:prSet presAssocID="{5BD263BE-9F71-7C49-85C7-015093FD853A}" presName="padding" presStyleLbl="node1" presStyleIdx="11" presStyleCnt="15"/>
+      <dgm:spPr/>
+    </dgm:pt>
+    <dgm:pt modelId="{95C29363-8B96-584F-A45C-93A609CE0B41}" type="pres">
+      <dgm:prSet presAssocID="{5BD263BE-9F71-7C49-85C7-015093FD853A}" presName="shape" presStyleLbl="node1" presStyleIdx="12" presStyleCnt="15">
+        <dgm:presLayoutVars>
+          <dgm:bulletEnabled val="1"/>
+        </dgm:presLayoutVars>
+      </dgm:prSet>
+      <dgm:spPr/>
+    </dgm:pt>
+    <dgm:pt modelId="{4434C88F-D7A5-C64A-86FC-2221E77AC373}" type="pres">
+      <dgm:prSet presAssocID="{CCD77479-DEBD-9A42-9825-23A64D60551C}" presName="sibTrans" presStyleLbl="sibTrans2D1" presStyleIdx="12" presStyleCnt="14"/>
+      <dgm:spPr/>
+    </dgm:pt>
+    <dgm:pt modelId="{9E5098BB-8E15-0046-B0FC-B031220CE3CB}" type="pres">
+      <dgm:prSet presAssocID="{453161CF-683B-7842-ACC4-BEB117C69FA3}" presName="middleNode" presStyleCnt="0"/>
+      <dgm:spPr/>
+    </dgm:pt>
+    <dgm:pt modelId="{A6EC7E10-98C5-094B-9E55-0565EAF15E57}" type="pres">
+      <dgm:prSet presAssocID="{453161CF-683B-7842-ACC4-BEB117C69FA3}" presName="padding" presStyleLbl="node1" presStyleIdx="12" presStyleCnt="15"/>
+      <dgm:spPr/>
+    </dgm:pt>
+    <dgm:pt modelId="{6DEE8ECE-CE02-134A-8916-723EC664AA81}" type="pres">
+      <dgm:prSet presAssocID="{453161CF-683B-7842-ACC4-BEB117C69FA3}" presName="shape" presStyleLbl="node1" presStyleIdx="13" presStyleCnt="15">
+        <dgm:presLayoutVars>
+          <dgm:bulletEnabled val="1"/>
+        </dgm:presLayoutVars>
+      </dgm:prSet>
+      <dgm:spPr/>
+    </dgm:pt>
+    <dgm:pt modelId="{3A1C1397-A97D-3641-9494-BFB2A72AAD67}" type="pres">
+      <dgm:prSet presAssocID="{0BF5297B-F7D2-7A42-B4F9-1C16755F127A}" presName="sibTrans" presStyleLbl="sibTrans2D1" presStyleIdx="13" presStyleCnt="14"/>
+      <dgm:spPr/>
+    </dgm:pt>
+    <dgm:pt modelId="{C152572B-D491-5144-BC68-CCE9FD9519D2}" type="pres">
+      <dgm:prSet presAssocID="{D38858BE-8111-0E47-852C-D3EA1B324780}" presName="lastNode" presStyleLbl="node1" presStyleIdx="14" presStyleCnt="15">
+        <dgm:presLayoutVars>
+          <dgm:bulletEnabled val="1"/>
+        </dgm:presLayoutVars>
+      </dgm:prSet>
+      <dgm:spPr/>
+    </dgm:pt>
+  </dgm:ptLst>
+  <dgm:cxnLst>
+    <dgm:cxn modelId="{3AED8A00-741D-9D47-9349-6BC07CF516CD}" type="presOf" srcId="{CCD77479-DEBD-9A42-9825-23A64D60551C}" destId="{4434C88F-D7A5-C64A-86FC-2221E77AC373}" srcOrd="0" destOrd="0" presId="urn:microsoft.com/office/officeart/2005/8/layout/bProcess2"/>
+    <dgm:cxn modelId="{92F0FA03-7C7A-C346-925E-75494707894F}" srcId="{E64CBC36-A748-1D4A-AB00-3C347A8B90FC}" destId="{ED447CD0-714A-A043-BEC1-59903245EB07}" srcOrd="8" destOrd="0" parTransId="{93B0497D-30A2-684B-A8C6-70A84AEB3024}" sibTransId="{C6FF79F5-95B1-3B44-82BF-F83D94DEB6E6}"/>
+    <dgm:cxn modelId="{209D6507-FA3D-694A-AF31-EFF4B984000C}" type="presOf" srcId="{C6FF79F5-95B1-3B44-82BF-F83D94DEB6E6}" destId="{43EF2DE2-20DE-8041-BBB1-02955CFF0C8A}" srcOrd="0" destOrd="0" presId="urn:microsoft.com/office/officeart/2005/8/layout/bProcess2"/>
+    <dgm:cxn modelId="{39A0780A-7991-A941-8BC9-3AA0EE4AF75B}" srcId="{E64CBC36-A748-1D4A-AB00-3C347A8B90FC}" destId="{DF496127-24E2-4145-8F5F-519C41A35736}" srcOrd="11" destOrd="0" parTransId="{06CA56FC-D6C0-6F48-AEFD-77221CAB4815}" sibTransId="{347BE846-D0A7-9F4D-9D61-3B3A7B553F08}"/>
+    <dgm:cxn modelId="{3D7AFF0B-3A55-A249-805F-F71368D6339E}" type="presOf" srcId="{A756A141-A048-624C-B1F4-29F773F70F4C}" destId="{0D59C881-A515-7C4B-8CF7-6F1C0FC9FD3A}" srcOrd="0" destOrd="0" presId="urn:microsoft.com/office/officeart/2005/8/layout/bProcess2"/>
+    <dgm:cxn modelId="{668F8E14-1338-FF49-9863-66B2386AB1B5}" type="presOf" srcId="{83C56712-FB4F-2A44-AEED-F93BDBC82ADB}" destId="{3AEF10C0-2332-544B-866B-2DD9DE71EAB2}" srcOrd="0" destOrd="0" presId="urn:microsoft.com/office/officeart/2005/8/layout/bProcess2"/>
+    <dgm:cxn modelId="{7AF93E18-DBF3-7F47-9943-CBFF7C48C1A4}" type="presOf" srcId="{7050BB62-71F3-6B4B-A6C7-DA69BE1D1B81}" destId="{0F16C035-9730-E241-A000-E19A881E3513}" srcOrd="0" destOrd="0" presId="urn:microsoft.com/office/officeart/2005/8/layout/bProcess2"/>
+    <dgm:cxn modelId="{47387819-B53D-D54A-8C12-0470078D31B6}" srcId="{E64CBC36-A748-1D4A-AB00-3C347A8B90FC}" destId="{4E8FAA6C-44A0-734E-ACC0-C31593948299}" srcOrd="1" destOrd="0" parTransId="{66F2BBA9-0EE6-7C48-84D9-B2A220CCD4E4}" sibTransId="{0618C927-66A3-0343-BC95-790A08A19A8B}"/>
+    <dgm:cxn modelId="{51B8C928-9E69-AC42-A6D4-4C1C28662C3B}" srcId="{E64CBC36-A748-1D4A-AB00-3C347A8B90FC}" destId="{83C56712-FB4F-2A44-AEED-F93BDBC82ADB}" srcOrd="4" destOrd="0" parTransId="{FA5C0381-3EA4-584F-B860-2663CA722B56}" sibTransId="{FCFE33FD-0687-9342-8713-FE61F2AC9A89}"/>
+    <dgm:cxn modelId="{20516E2B-1F07-AE42-9AB3-DE934EF37078}" type="presOf" srcId="{DAB55FF6-BC2D-ED49-809B-3005E67ED775}" destId="{2C81E286-4CBF-2040-81A5-6A68A575DD0D}" srcOrd="0" destOrd="0" presId="urn:microsoft.com/office/officeart/2005/8/layout/bProcess2"/>
+    <dgm:cxn modelId="{04E5882C-7426-BA46-BE18-B515DCFC7EBD}" type="presOf" srcId="{E12ECB79-E12C-964C-A408-614241D8FAE9}" destId="{DC38B96A-619D-9348-B93F-262947984BFF}" srcOrd="0" destOrd="0" presId="urn:microsoft.com/office/officeart/2005/8/layout/bProcess2"/>
+    <dgm:cxn modelId="{23B74A31-48D8-2E48-B265-D4F0BB37D662}" type="presOf" srcId="{ED447CD0-714A-A043-BEC1-59903245EB07}" destId="{788F318C-DE45-DE40-B69B-E5C0AB838765}" srcOrd="0" destOrd="0" presId="urn:microsoft.com/office/officeart/2005/8/layout/bProcess2"/>
+    <dgm:cxn modelId="{90D7073A-EB5B-6141-9AAB-60FB23CD24D9}" srcId="{E64CBC36-A748-1D4A-AB00-3C347A8B90FC}" destId="{D38858BE-8111-0E47-852C-D3EA1B324780}" srcOrd="14" destOrd="0" parTransId="{F51B91FA-0B25-0A44-B951-C95FD9C3357F}" sibTransId="{793EB9CB-3631-1147-8692-CC3D0D86E0A8}"/>
+    <dgm:cxn modelId="{EF0E5F40-03AD-5C47-9310-D9F54A72CAFA}" type="presOf" srcId="{699DF992-A41F-0B46-BDBA-D1652842126E}" destId="{6CCDC606-390C-4C41-B8F1-4FAE3DB27D86}" srcOrd="0" destOrd="0" presId="urn:microsoft.com/office/officeart/2005/8/layout/bProcess2"/>
+    <dgm:cxn modelId="{C766A341-3C23-0F40-A199-688726DAAEE8}" type="presOf" srcId="{0618C927-66A3-0343-BC95-790A08A19A8B}" destId="{F17E98F8-E2D4-D64A-97B5-2AAAB7398788}" srcOrd="0" destOrd="0" presId="urn:microsoft.com/office/officeart/2005/8/layout/bProcess2"/>
+    <dgm:cxn modelId="{68C5DB4F-3FDA-F544-8EA4-56E17A17DF9F}" type="presOf" srcId="{4A31187B-A889-DC4E-B3F1-94C3B9CBCCDB}" destId="{E19446D3-9B6C-4347-845C-359C558CDC10}" srcOrd="0" destOrd="0" presId="urn:microsoft.com/office/officeart/2005/8/layout/bProcess2"/>
+    <dgm:cxn modelId="{F2BD3F51-43F7-3A40-9678-E661122A4D9A}" srcId="{E64CBC36-A748-1D4A-AB00-3C347A8B90FC}" destId="{354E316E-BD72-F440-8FDB-7F43B931E205}" srcOrd="2" destOrd="0" parTransId="{82ACF542-E3E1-0844-B6E1-70D98208BA4A}" sibTransId="{A756A141-A048-624C-B1F4-29F773F70F4C}"/>
+    <dgm:cxn modelId="{55FE8A56-22E5-DF4E-A3CD-2ED148B8AFD2}" type="presOf" srcId="{5BD263BE-9F71-7C49-85C7-015093FD853A}" destId="{95C29363-8B96-584F-A45C-93A609CE0B41}" srcOrd="0" destOrd="0" presId="urn:microsoft.com/office/officeart/2005/8/layout/bProcess2"/>
+    <dgm:cxn modelId="{7A037757-6C0D-374C-82B8-EEFBB9927A33}" type="presOf" srcId="{354E316E-BD72-F440-8FDB-7F43B931E205}" destId="{C0E8417A-617F-B549-8E8F-9C41A4068632}" srcOrd="0" destOrd="0" presId="urn:microsoft.com/office/officeart/2005/8/layout/bProcess2"/>
+    <dgm:cxn modelId="{47562A69-552E-8C41-8038-65672F31E988}" srcId="{E64CBC36-A748-1D4A-AB00-3C347A8B90FC}" destId="{699DF992-A41F-0B46-BDBA-D1652842126E}" srcOrd="5" destOrd="0" parTransId="{0B637BB4-3686-4440-A048-A28149B8DF86}" sibTransId="{D8F256FF-98BD-3F48-859A-45AF772F376E}"/>
+    <dgm:cxn modelId="{7A2CFB6C-21D0-314B-B867-5A6CBE9BA5A3}" srcId="{E64CBC36-A748-1D4A-AB00-3C347A8B90FC}" destId="{B3D0781F-82B8-F644-BBCA-06E73F84FFEC}" srcOrd="10" destOrd="0" parTransId="{4E489FFE-2A33-6A47-A00F-F7128B0D2101}" sibTransId="{E12ECB79-E12C-964C-A408-614241D8FAE9}"/>
+    <dgm:cxn modelId="{E4A4196E-C37B-F84B-A2B8-146D2AD7C431}" type="presOf" srcId="{03786C7A-4972-624B-B9B8-1EA9B8FFB762}" destId="{E18A4A3E-392F-B748-ABD5-CEC091F4C598}" srcOrd="0" destOrd="0" presId="urn:microsoft.com/office/officeart/2005/8/layout/bProcess2"/>
+    <dgm:cxn modelId="{2E2EFF6E-6F8F-F04D-88CD-6D1CEA2A4BAE}" type="presOf" srcId="{904F94E6-A804-7A40-9575-0701D0451270}" destId="{F7ADB171-0982-6F42-8412-C16732E6AE16}" srcOrd="0" destOrd="0" presId="urn:microsoft.com/office/officeart/2005/8/layout/bProcess2"/>
+    <dgm:cxn modelId="{1AD3EE74-9E55-5E44-A859-DADB5219932E}" type="presOf" srcId="{84F5F68B-30D2-1D40-BABB-506FF5AF2A7A}" destId="{EED4AF09-0889-814D-9945-9B41E257E340}" srcOrd="0" destOrd="0" presId="urn:microsoft.com/office/officeart/2005/8/layout/bProcess2"/>
+    <dgm:cxn modelId="{3380DB76-71B0-5D49-8E5F-B3D8FFF1E37A}" type="presOf" srcId="{90DE95A8-B768-594C-B556-97B87FEF51DE}" destId="{52E33E3B-FB73-6840-8C6D-B4E10687EF90}" srcOrd="0" destOrd="0" presId="urn:microsoft.com/office/officeart/2005/8/layout/bProcess2"/>
+    <dgm:cxn modelId="{BFA7F77A-A1C6-2247-A4FB-7E50270F5862}" srcId="{E64CBC36-A748-1D4A-AB00-3C347A8B90FC}" destId="{7050BB62-71F3-6B4B-A6C7-DA69BE1D1B81}" srcOrd="6" destOrd="0" parTransId="{E85B225F-D939-BA43-AA8C-1EA23A826987}" sibTransId="{4A31187B-A889-DC4E-B3F1-94C3B9CBCCDB}"/>
+    <dgm:cxn modelId="{C615117F-8303-FE4A-BC53-383C786734BE}" type="presOf" srcId="{D8F256FF-98BD-3F48-859A-45AF772F376E}" destId="{A0C9F9B9-61A2-134C-97CD-A95385262755}" srcOrd="0" destOrd="0" presId="urn:microsoft.com/office/officeart/2005/8/layout/bProcess2"/>
+    <dgm:cxn modelId="{B630AB80-B3E1-104F-BCBD-A450177E4F9A}" srcId="{E64CBC36-A748-1D4A-AB00-3C347A8B90FC}" destId="{453161CF-683B-7842-ACC4-BEB117C69FA3}" srcOrd="13" destOrd="0" parTransId="{457C7B01-9171-9146-B17E-07BF7D32C26F}" sibTransId="{0BF5297B-F7D2-7A42-B4F9-1C16755F127A}"/>
+    <dgm:cxn modelId="{69B2D888-F822-AE40-BFB6-C9B94E476E17}" type="presOf" srcId="{347BE846-D0A7-9F4D-9D61-3B3A7B553F08}" destId="{C1B47595-8B21-C54B-AA11-5A779003E056}" srcOrd="0" destOrd="0" presId="urn:microsoft.com/office/officeart/2005/8/layout/bProcess2"/>
+    <dgm:cxn modelId="{372EE888-76C6-4142-ADB6-22C634D888BE}" srcId="{E64CBC36-A748-1D4A-AB00-3C347A8B90FC}" destId="{90DE95A8-B768-594C-B556-97B87FEF51DE}" srcOrd="7" destOrd="0" parTransId="{7D24D256-C25C-E740-AB19-659370A20FC4}" sibTransId="{03786C7A-4972-624B-B9B8-1EA9B8FFB762}"/>
+    <dgm:cxn modelId="{F9F2ED8F-E811-8E45-966E-F5BD1B4228B5}" srcId="{E64CBC36-A748-1D4A-AB00-3C347A8B90FC}" destId="{5BD263BE-9F71-7C49-85C7-015093FD853A}" srcOrd="12" destOrd="0" parTransId="{06C646A0-66D9-1D46-9883-C486A3650B40}" sibTransId="{CCD77479-DEBD-9A42-9825-23A64D60551C}"/>
+    <dgm:cxn modelId="{902C8D91-4E23-C842-A73A-28B2B30763FB}" type="presOf" srcId="{0BF5297B-F7D2-7A42-B4F9-1C16755F127A}" destId="{3A1C1397-A97D-3641-9494-BFB2A72AAD67}" srcOrd="0" destOrd="0" presId="urn:microsoft.com/office/officeart/2005/8/layout/bProcess2"/>
+    <dgm:cxn modelId="{2237D4A6-1D8A-C747-AA5F-45833E471C0A}" type="presOf" srcId="{D38858BE-8111-0E47-852C-D3EA1B324780}" destId="{C152572B-D491-5144-BC68-CCE9FD9519D2}" srcOrd="0" destOrd="0" presId="urn:microsoft.com/office/officeart/2005/8/layout/bProcess2"/>
+    <dgm:cxn modelId="{F86368A7-F466-694E-8522-5F7A2D56C1B2}" srcId="{E64CBC36-A748-1D4A-AB00-3C347A8B90FC}" destId="{84F5F68B-30D2-1D40-BABB-506FF5AF2A7A}" srcOrd="0" destOrd="0" parTransId="{3120E170-E45E-4644-88D4-A1A29D431334}" sibTransId="{153F4BF1-F6C9-0245-A0C1-0998BB2911E5}"/>
+    <dgm:cxn modelId="{D64C5BC1-6782-B84E-B0E6-13AACD9FBCF2}" type="presOf" srcId="{B3D0781F-82B8-F644-BBCA-06E73F84FFEC}" destId="{10BD425F-95ED-F349-9E8D-D84D9624C04C}" srcOrd="0" destOrd="0" presId="urn:microsoft.com/office/officeart/2005/8/layout/bProcess2"/>
+    <dgm:cxn modelId="{17AB83C3-957E-8A42-86DE-EAB789DFD295}" srcId="{E64CBC36-A748-1D4A-AB00-3C347A8B90FC}" destId="{DAB55FF6-BC2D-ED49-809B-3005E67ED775}" srcOrd="9" destOrd="0" parTransId="{3A4EDB2F-0181-7742-900C-8008BFE517EB}" sibTransId="{856006E5-BEED-FA48-98E3-74BBE105A6D6}"/>
+    <dgm:cxn modelId="{D6EE6BC4-14F7-A54D-8895-8608A920E917}" type="presOf" srcId="{DF496127-24E2-4145-8F5F-519C41A35736}" destId="{368183E1-E667-5749-A4E8-F24144C826D5}" srcOrd="0" destOrd="0" presId="urn:microsoft.com/office/officeart/2005/8/layout/bProcess2"/>
+    <dgm:cxn modelId="{8D7C1AC9-F5D1-0F42-B421-A2C1B42DD692}" type="presOf" srcId="{E64CBC36-A748-1D4A-AB00-3C347A8B90FC}" destId="{957557EA-0AB2-034C-AF1B-4DE2CA54CBD1}" srcOrd="0" destOrd="0" presId="urn:microsoft.com/office/officeart/2005/8/layout/bProcess2"/>
+    <dgm:cxn modelId="{2BF36ECA-DD9C-B047-8B98-48D4432BEC3F}" type="presOf" srcId="{856006E5-BEED-FA48-98E3-74BBE105A6D6}" destId="{D7302AC5-F75C-AA43-B3CA-4F31869794A8}" srcOrd="0" destOrd="0" presId="urn:microsoft.com/office/officeart/2005/8/layout/bProcess2"/>
+    <dgm:cxn modelId="{7DDBFADB-082B-784C-8156-89E815E0A6E2}" type="presOf" srcId="{4E8FAA6C-44A0-734E-ACC0-C31593948299}" destId="{8F584190-4FF5-054C-9F2F-19C0A1F577DA}" srcOrd="0" destOrd="0" presId="urn:microsoft.com/office/officeart/2005/8/layout/bProcess2"/>
+    <dgm:cxn modelId="{DA575BEB-A333-1041-8B5B-0528C664FF6E}" type="presOf" srcId="{0C3EB5A3-0FEA-8348-8852-2EFDFCEC923D}" destId="{0692DC1E-0103-7640-A647-1EDAC07DC971}" srcOrd="0" destOrd="0" presId="urn:microsoft.com/office/officeart/2005/8/layout/bProcess2"/>
+    <dgm:cxn modelId="{854814F5-D341-5E43-84EE-2E713A1868EA}" srcId="{E64CBC36-A748-1D4A-AB00-3C347A8B90FC}" destId="{0C3EB5A3-0FEA-8348-8852-2EFDFCEC923D}" srcOrd="3" destOrd="0" parTransId="{A35A12B0-4A80-B547-A0AF-34BE46B65667}" sibTransId="{904F94E6-A804-7A40-9575-0701D0451270}"/>
+    <dgm:cxn modelId="{5A1848F9-8A9D-0543-A7EA-992B6358C6B2}" type="presOf" srcId="{153F4BF1-F6C9-0245-A0C1-0998BB2911E5}" destId="{BE81893B-DB07-8545-9952-D405322A787D}" srcOrd="0" destOrd="0" presId="urn:microsoft.com/office/officeart/2005/8/layout/bProcess2"/>
+    <dgm:cxn modelId="{ED2C56FB-7F38-B84F-9834-02CB035FF728}" type="presOf" srcId="{FCFE33FD-0687-9342-8713-FE61F2AC9A89}" destId="{5B1A20FB-6FB8-5840-A388-4ED3B333C0BE}" srcOrd="0" destOrd="0" presId="urn:microsoft.com/office/officeart/2005/8/layout/bProcess2"/>
+    <dgm:cxn modelId="{5669A2FC-A72A-424F-BCFA-51DE1AB48D2B}" type="presOf" srcId="{453161CF-683B-7842-ACC4-BEB117C69FA3}" destId="{6DEE8ECE-CE02-134A-8916-723EC664AA81}" srcOrd="0" destOrd="0" presId="urn:microsoft.com/office/officeart/2005/8/layout/bProcess2"/>
+    <dgm:cxn modelId="{03F8C5FB-756D-F247-A30B-92BD889E7FD7}" type="presParOf" srcId="{957557EA-0AB2-034C-AF1B-4DE2CA54CBD1}" destId="{EED4AF09-0889-814D-9945-9B41E257E340}" srcOrd="0" destOrd="0" presId="urn:microsoft.com/office/officeart/2005/8/layout/bProcess2"/>
+    <dgm:cxn modelId="{5060A5C8-79F2-6146-82CE-5A864D669BD9}" type="presParOf" srcId="{957557EA-0AB2-034C-AF1B-4DE2CA54CBD1}" destId="{BE81893B-DB07-8545-9952-D405322A787D}" srcOrd="1" destOrd="0" presId="urn:microsoft.com/office/officeart/2005/8/layout/bProcess2"/>
+    <dgm:cxn modelId="{922C3768-16A4-F742-BC32-CA52F7DE7FF7}" type="presParOf" srcId="{957557EA-0AB2-034C-AF1B-4DE2CA54CBD1}" destId="{2144EFFD-C17A-4B43-BF93-82A8C42AC0C0}" srcOrd="2" destOrd="0" presId="urn:microsoft.com/office/officeart/2005/8/layout/bProcess2"/>
+    <dgm:cxn modelId="{04ED2F99-779A-7940-BE07-5303B0117684}" type="presParOf" srcId="{2144EFFD-C17A-4B43-BF93-82A8C42AC0C0}" destId="{1FE4D937-7CCF-534E-A2D9-DAEEA83E98A3}" srcOrd="0" destOrd="0" presId="urn:microsoft.com/office/officeart/2005/8/layout/bProcess2"/>
+    <dgm:cxn modelId="{9B13B067-E2B5-B44B-81B5-A96EC66D2B8D}" type="presParOf" srcId="{2144EFFD-C17A-4B43-BF93-82A8C42AC0C0}" destId="{8F584190-4FF5-054C-9F2F-19C0A1F577DA}" srcOrd="1" destOrd="0" presId="urn:microsoft.com/office/officeart/2005/8/layout/bProcess2"/>
+    <dgm:cxn modelId="{AD960423-BC78-7141-8BBF-817D6F9879EE}" type="presParOf" srcId="{957557EA-0AB2-034C-AF1B-4DE2CA54CBD1}" destId="{F17E98F8-E2D4-D64A-97B5-2AAAB7398788}" srcOrd="3" destOrd="0" presId="urn:microsoft.com/office/officeart/2005/8/layout/bProcess2"/>
+    <dgm:cxn modelId="{D7787E7E-9CD0-D34D-AC59-779EAF4CFE52}" type="presParOf" srcId="{957557EA-0AB2-034C-AF1B-4DE2CA54CBD1}" destId="{FAE2ECC2-E36A-1A41-B3F0-F5DBFF5958FE}" srcOrd="4" destOrd="0" presId="urn:microsoft.com/office/officeart/2005/8/layout/bProcess2"/>
+    <dgm:cxn modelId="{3F8BA2C2-445E-E44F-BB76-57DD96102532}" type="presParOf" srcId="{FAE2ECC2-E36A-1A41-B3F0-F5DBFF5958FE}" destId="{1E35AE9F-1CBA-8346-A007-720CB2217CF3}" srcOrd="0" destOrd="0" presId="urn:microsoft.com/office/officeart/2005/8/layout/bProcess2"/>
+    <dgm:cxn modelId="{0DA26605-73D7-8D4D-967E-9874BCC3CEBF}" type="presParOf" srcId="{FAE2ECC2-E36A-1A41-B3F0-F5DBFF5958FE}" destId="{C0E8417A-617F-B549-8E8F-9C41A4068632}" srcOrd="1" destOrd="0" presId="urn:microsoft.com/office/officeart/2005/8/layout/bProcess2"/>
+    <dgm:cxn modelId="{1662122C-B32E-5E4A-942C-D5731529918B}" type="presParOf" srcId="{957557EA-0AB2-034C-AF1B-4DE2CA54CBD1}" destId="{0D59C881-A515-7C4B-8CF7-6F1C0FC9FD3A}" srcOrd="5" destOrd="0" presId="urn:microsoft.com/office/officeart/2005/8/layout/bProcess2"/>
+    <dgm:cxn modelId="{7193831B-CA78-1D41-A68B-ADF1135085F0}" type="presParOf" srcId="{957557EA-0AB2-034C-AF1B-4DE2CA54CBD1}" destId="{8F546C38-16F4-0D4F-BD92-FAB8E4F2017B}" srcOrd="6" destOrd="0" presId="urn:microsoft.com/office/officeart/2005/8/layout/bProcess2"/>
+    <dgm:cxn modelId="{622C08A6-9788-854A-ADFD-BB2892656578}" type="presParOf" srcId="{8F546C38-16F4-0D4F-BD92-FAB8E4F2017B}" destId="{A980F561-9060-4F40-9D8B-B2C004E1B618}" srcOrd="0" destOrd="0" presId="urn:microsoft.com/office/officeart/2005/8/layout/bProcess2"/>
+    <dgm:cxn modelId="{0D97C8A5-B283-A240-A775-14FB147136A3}" type="presParOf" srcId="{8F546C38-16F4-0D4F-BD92-FAB8E4F2017B}" destId="{0692DC1E-0103-7640-A647-1EDAC07DC971}" srcOrd="1" destOrd="0" presId="urn:microsoft.com/office/officeart/2005/8/layout/bProcess2"/>
+    <dgm:cxn modelId="{BC5382CC-4D30-1842-A0CA-C4D65B4CC201}" type="presParOf" srcId="{957557EA-0AB2-034C-AF1B-4DE2CA54CBD1}" destId="{F7ADB171-0982-6F42-8412-C16732E6AE16}" srcOrd="7" destOrd="0" presId="urn:microsoft.com/office/officeart/2005/8/layout/bProcess2"/>
+    <dgm:cxn modelId="{2BDF1371-F95A-134C-BBB9-9C12AF34317D}" type="presParOf" srcId="{957557EA-0AB2-034C-AF1B-4DE2CA54CBD1}" destId="{4436CDD2-0316-0841-84CF-E1334BC0022C}" srcOrd="8" destOrd="0" presId="urn:microsoft.com/office/officeart/2005/8/layout/bProcess2"/>
+    <dgm:cxn modelId="{CA911D1F-23AC-6C48-BBEB-4DA86D4D8898}" type="presParOf" srcId="{4436CDD2-0316-0841-84CF-E1334BC0022C}" destId="{67C0C77C-BD76-A140-ACCD-57246076AE1C}" srcOrd="0" destOrd="0" presId="urn:microsoft.com/office/officeart/2005/8/layout/bProcess2"/>
+    <dgm:cxn modelId="{480540B1-8F68-1B47-B114-A73B0AC4A77E}" type="presParOf" srcId="{4436CDD2-0316-0841-84CF-E1334BC0022C}" destId="{3AEF10C0-2332-544B-866B-2DD9DE71EAB2}" srcOrd="1" destOrd="0" presId="urn:microsoft.com/office/officeart/2005/8/layout/bProcess2"/>
+    <dgm:cxn modelId="{1160A3D2-FCC1-A54B-89F0-691D4BDBB062}" type="presParOf" srcId="{957557EA-0AB2-034C-AF1B-4DE2CA54CBD1}" destId="{5B1A20FB-6FB8-5840-A388-4ED3B333C0BE}" srcOrd="9" destOrd="0" presId="urn:microsoft.com/office/officeart/2005/8/layout/bProcess2"/>
+    <dgm:cxn modelId="{17DF5060-6925-8341-8BA0-AC0C368CAD31}" type="presParOf" srcId="{957557EA-0AB2-034C-AF1B-4DE2CA54CBD1}" destId="{CCFA3BBD-32AC-CA4E-93FB-8759703416E2}" srcOrd="10" destOrd="0" presId="urn:microsoft.com/office/officeart/2005/8/layout/bProcess2"/>
+    <dgm:cxn modelId="{A94AED55-761F-3444-ADCE-A9BC86676A11}" type="presParOf" srcId="{CCFA3BBD-32AC-CA4E-93FB-8759703416E2}" destId="{85E24FA5-465F-364C-A834-8419FD817D71}" srcOrd="0" destOrd="0" presId="urn:microsoft.com/office/officeart/2005/8/layout/bProcess2"/>
+    <dgm:cxn modelId="{532BCC74-091D-2948-8510-7640C8E8A4F1}" type="presParOf" srcId="{CCFA3BBD-32AC-CA4E-93FB-8759703416E2}" destId="{6CCDC606-390C-4C41-B8F1-4FAE3DB27D86}" srcOrd="1" destOrd="0" presId="urn:microsoft.com/office/officeart/2005/8/layout/bProcess2"/>
+    <dgm:cxn modelId="{460E363A-44D0-014E-8AAB-4553F8CA5F79}" type="presParOf" srcId="{957557EA-0AB2-034C-AF1B-4DE2CA54CBD1}" destId="{A0C9F9B9-61A2-134C-97CD-A95385262755}" srcOrd="11" destOrd="0" presId="urn:microsoft.com/office/officeart/2005/8/layout/bProcess2"/>
+    <dgm:cxn modelId="{DBB825C4-001E-AF42-AF03-8A83ED8C7931}" type="presParOf" srcId="{957557EA-0AB2-034C-AF1B-4DE2CA54CBD1}" destId="{8E120514-5FCC-064C-A6BF-705087C78C38}" srcOrd="12" destOrd="0" presId="urn:microsoft.com/office/officeart/2005/8/layout/bProcess2"/>
+    <dgm:cxn modelId="{C86C7966-BEFB-674F-84F2-EAA87A72B3C0}" type="presParOf" srcId="{8E120514-5FCC-064C-A6BF-705087C78C38}" destId="{04637285-E7AC-5B43-A136-1966CFCE5690}" srcOrd="0" destOrd="0" presId="urn:microsoft.com/office/officeart/2005/8/layout/bProcess2"/>
+    <dgm:cxn modelId="{1A9EE761-B3E2-7B4C-8EB1-91233820708A}" type="presParOf" srcId="{8E120514-5FCC-064C-A6BF-705087C78C38}" destId="{0F16C035-9730-E241-A000-E19A881E3513}" srcOrd="1" destOrd="0" presId="urn:microsoft.com/office/officeart/2005/8/layout/bProcess2"/>
+    <dgm:cxn modelId="{4F80406D-B13D-1744-9F29-B2D1C801EDC5}" type="presParOf" srcId="{957557EA-0AB2-034C-AF1B-4DE2CA54CBD1}" destId="{E19446D3-9B6C-4347-845C-359C558CDC10}" srcOrd="13" destOrd="0" presId="urn:microsoft.com/office/officeart/2005/8/layout/bProcess2"/>
+    <dgm:cxn modelId="{6E115787-4FA7-AE44-9149-02D402454FEE}" type="presParOf" srcId="{957557EA-0AB2-034C-AF1B-4DE2CA54CBD1}" destId="{641D1FFA-4ED4-0147-984E-3A9CE6021629}" srcOrd="14" destOrd="0" presId="urn:microsoft.com/office/officeart/2005/8/layout/bProcess2"/>
+    <dgm:cxn modelId="{4E75B201-9133-094B-8435-63CAB99E242F}" type="presParOf" srcId="{641D1FFA-4ED4-0147-984E-3A9CE6021629}" destId="{8DF3C38A-F942-6B40-A1C9-CA26461EEC3D}" srcOrd="0" destOrd="0" presId="urn:microsoft.com/office/officeart/2005/8/layout/bProcess2"/>
+    <dgm:cxn modelId="{961343BD-8E41-9F45-8172-E286C514D722}" type="presParOf" srcId="{641D1FFA-4ED4-0147-984E-3A9CE6021629}" destId="{52E33E3B-FB73-6840-8C6D-B4E10687EF90}" srcOrd="1" destOrd="0" presId="urn:microsoft.com/office/officeart/2005/8/layout/bProcess2"/>
+    <dgm:cxn modelId="{EA454DAA-66C5-234C-890D-4634E781746E}" type="presParOf" srcId="{957557EA-0AB2-034C-AF1B-4DE2CA54CBD1}" destId="{E18A4A3E-392F-B748-ABD5-CEC091F4C598}" srcOrd="15" destOrd="0" presId="urn:microsoft.com/office/officeart/2005/8/layout/bProcess2"/>
+    <dgm:cxn modelId="{3D650EC8-4B71-D740-90B3-38EACD872F4C}" type="presParOf" srcId="{957557EA-0AB2-034C-AF1B-4DE2CA54CBD1}" destId="{817A82D7-B265-9847-9730-91B345A266E6}" srcOrd="16" destOrd="0" presId="urn:microsoft.com/office/officeart/2005/8/layout/bProcess2"/>
+    <dgm:cxn modelId="{7F6819A7-548A-984A-95C7-6770EF223841}" type="presParOf" srcId="{817A82D7-B265-9847-9730-91B345A266E6}" destId="{CF125F32-442B-B740-AF56-F41D55EDF5C3}" srcOrd="0" destOrd="0" presId="urn:microsoft.com/office/officeart/2005/8/layout/bProcess2"/>
+    <dgm:cxn modelId="{AEE85EF5-CE3D-094B-8738-8F7E9BB96AE6}" type="presParOf" srcId="{817A82D7-B265-9847-9730-91B345A266E6}" destId="{788F318C-DE45-DE40-B69B-E5C0AB838765}" srcOrd="1" destOrd="0" presId="urn:microsoft.com/office/officeart/2005/8/layout/bProcess2"/>
+    <dgm:cxn modelId="{91F01F38-FE42-1F4F-AF4F-AEB47C8A4939}" type="presParOf" srcId="{957557EA-0AB2-034C-AF1B-4DE2CA54CBD1}" destId="{43EF2DE2-20DE-8041-BBB1-02955CFF0C8A}" srcOrd="17" destOrd="0" presId="urn:microsoft.com/office/officeart/2005/8/layout/bProcess2"/>
+    <dgm:cxn modelId="{6FF329C2-ED5E-554C-82E1-A4AE1FFB51E7}" type="presParOf" srcId="{957557EA-0AB2-034C-AF1B-4DE2CA54CBD1}" destId="{79B38CE9-BBB4-7146-B877-FEBF54030FA9}" srcOrd="18" destOrd="0" presId="urn:microsoft.com/office/officeart/2005/8/layout/bProcess2"/>
+    <dgm:cxn modelId="{A0E6EA39-82EA-EC40-8EE8-C1C8FE5AA597}" type="presParOf" srcId="{79B38CE9-BBB4-7146-B877-FEBF54030FA9}" destId="{1C0A7027-C08E-894A-81D5-DB80DEB86B03}" srcOrd="0" destOrd="0" presId="urn:microsoft.com/office/officeart/2005/8/layout/bProcess2"/>
+    <dgm:cxn modelId="{3C094842-7438-2D4C-81A7-1C8E94BE1D51}" type="presParOf" srcId="{79B38CE9-BBB4-7146-B877-FEBF54030FA9}" destId="{2C81E286-4CBF-2040-81A5-6A68A575DD0D}" srcOrd="1" destOrd="0" presId="urn:microsoft.com/office/officeart/2005/8/layout/bProcess2"/>
+    <dgm:cxn modelId="{2243CF93-706B-A744-8A80-929E6D96431E}" type="presParOf" srcId="{957557EA-0AB2-034C-AF1B-4DE2CA54CBD1}" destId="{D7302AC5-F75C-AA43-B3CA-4F31869794A8}" srcOrd="19" destOrd="0" presId="urn:microsoft.com/office/officeart/2005/8/layout/bProcess2"/>
+    <dgm:cxn modelId="{55B77FA7-9339-7942-B59C-76A2D223650D}" type="presParOf" srcId="{957557EA-0AB2-034C-AF1B-4DE2CA54CBD1}" destId="{376DFF26-8350-E34F-807E-188E69B54837}" srcOrd="20" destOrd="0" presId="urn:microsoft.com/office/officeart/2005/8/layout/bProcess2"/>
+    <dgm:cxn modelId="{62DA0E28-A80F-0D46-8134-4D47FE45CEEB}" type="presParOf" srcId="{376DFF26-8350-E34F-807E-188E69B54837}" destId="{32504501-40A5-6742-84BD-08D4E06377E7}" srcOrd="0" destOrd="0" presId="urn:microsoft.com/office/officeart/2005/8/layout/bProcess2"/>
+    <dgm:cxn modelId="{0442E676-32BF-8741-8979-4C1033F432D3}" type="presParOf" srcId="{376DFF26-8350-E34F-807E-188E69B54837}" destId="{10BD425F-95ED-F349-9E8D-D84D9624C04C}" srcOrd="1" destOrd="0" presId="urn:microsoft.com/office/officeart/2005/8/layout/bProcess2"/>
+    <dgm:cxn modelId="{B6B1A9D1-0D8F-0C45-8270-6163BA93C571}" type="presParOf" srcId="{957557EA-0AB2-034C-AF1B-4DE2CA54CBD1}" destId="{DC38B96A-619D-9348-B93F-262947984BFF}" srcOrd="21" destOrd="0" presId="urn:microsoft.com/office/officeart/2005/8/layout/bProcess2"/>
+    <dgm:cxn modelId="{3D70D559-95BF-9A4A-BAEE-014901DF7529}" type="presParOf" srcId="{957557EA-0AB2-034C-AF1B-4DE2CA54CBD1}" destId="{244BCCAD-2527-1543-85AE-083C940FCE7C}" srcOrd="22" destOrd="0" presId="urn:microsoft.com/office/officeart/2005/8/layout/bProcess2"/>
+    <dgm:cxn modelId="{FDB828BE-2EA9-2040-92DD-2B899E84EC2E}" type="presParOf" srcId="{244BCCAD-2527-1543-85AE-083C940FCE7C}" destId="{91408651-5DB3-DC41-833D-BB5A06EC08C7}" srcOrd="0" destOrd="0" presId="urn:microsoft.com/office/officeart/2005/8/layout/bProcess2"/>
+    <dgm:cxn modelId="{51B2FDA4-40FD-9745-B1F2-D6F17CBD218E}" type="presParOf" srcId="{244BCCAD-2527-1543-85AE-083C940FCE7C}" destId="{368183E1-E667-5749-A4E8-F24144C826D5}" srcOrd="1" destOrd="0" presId="urn:microsoft.com/office/officeart/2005/8/layout/bProcess2"/>
+    <dgm:cxn modelId="{7256A72B-71E5-2D4D-8730-C312A7778DD9}" type="presParOf" srcId="{957557EA-0AB2-034C-AF1B-4DE2CA54CBD1}" destId="{C1B47595-8B21-C54B-AA11-5A779003E056}" srcOrd="23" destOrd="0" presId="urn:microsoft.com/office/officeart/2005/8/layout/bProcess2"/>
+    <dgm:cxn modelId="{1DB7BC40-E45C-EA4C-B985-1847817C6832}" type="presParOf" srcId="{957557EA-0AB2-034C-AF1B-4DE2CA54CBD1}" destId="{D0C97832-6A08-E74D-AEF4-95D086896C27}" srcOrd="24" destOrd="0" presId="urn:microsoft.com/office/officeart/2005/8/layout/bProcess2"/>
+    <dgm:cxn modelId="{7635FCB3-6DB5-164B-AE1C-86EC511724CA}" type="presParOf" srcId="{D0C97832-6A08-E74D-AEF4-95D086896C27}" destId="{9E88E6A1-F719-CD4C-AD64-B3C857D00A5E}" srcOrd="0" destOrd="0" presId="urn:microsoft.com/office/officeart/2005/8/layout/bProcess2"/>
+    <dgm:cxn modelId="{495FC096-BC7A-BE49-8D69-A540D075B31B}" type="presParOf" srcId="{D0C97832-6A08-E74D-AEF4-95D086896C27}" destId="{95C29363-8B96-584F-A45C-93A609CE0B41}" srcOrd="1" destOrd="0" presId="urn:microsoft.com/office/officeart/2005/8/layout/bProcess2"/>
+    <dgm:cxn modelId="{AFE1C861-57E4-F748-957C-2A4F42E0C2A1}" type="presParOf" srcId="{957557EA-0AB2-034C-AF1B-4DE2CA54CBD1}" destId="{4434C88F-D7A5-C64A-86FC-2221E77AC373}" srcOrd="25" destOrd="0" presId="urn:microsoft.com/office/officeart/2005/8/layout/bProcess2"/>
+    <dgm:cxn modelId="{F97709EA-60E5-1A47-A1F0-57CF25AFEF3D}" type="presParOf" srcId="{957557EA-0AB2-034C-AF1B-4DE2CA54CBD1}" destId="{9E5098BB-8E15-0046-B0FC-B031220CE3CB}" srcOrd="26" destOrd="0" presId="urn:microsoft.com/office/officeart/2005/8/layout/bProcess2"/>
+    <dgm:cxn modelId="{A3958D9A-665F-7146-96C5-E62BA9E3AA22}" type="presParOf" srcId="{9E5098BB-8E15-0046-B0FC-B031220CE3CB}" destId="{A6EC7E10-98C5-094B-9E55-0565EAF15E57}" srcOrd="0" destOrd="0" presId="urn:microsoft.com/office/officeart/2005/8/layout/bProcess2"/>
+    <dgm:cxn modelId="{4816ED95-51EC-BD4C-A40A-C2F890A8CE7A}" type="presParOf" srcId="{9E5098BB-8E15-0046-B0FC-B031220CE3CB}" destId="{6DEE8ECE-CE02-134A-8916-723EC664AA81}" srcOrd="1" destOrd="0" presId="urn:microsoft.com/office/officeart/2005/8/layout/bProcess2"/>
+    <dgm:cxn modelId="{44FC9A9F-1FF4-5548-9872-113405A62CAA}" type="presParOf" srcId="{957557EA-0AB2-034C-AF1B-4DE2CA54CBD1}" destId="{3A1C1397-A97D-3641-9494-BFB2A72AAD67}" srcOrd="27" destOrd="0" presId="urn:microsoft.com/office/officeart/2005/8/layout/bProcess2"/>
+    <dgm:cxn modelId="{144E8D41-D94B-C742-876F-59407C726A1C}" type="presParOf" srcId="{957557EA-0AB2-034C-AF1B-4DE2CA54CBD1}" destId="{C152572B-D491-5144-BC68-CCE9FD9519D2}" srcOrd="28" destOrd="0" presId="urn:microsoft.com/office/officeart/2005/8/layout/bProcess2"/>
+  </dgm:cxnLst>
+  <dgm:bg/>
+  <dgm:whole/>
+  <dgm:extLst>
+    <a:ext uri="http://schemas.microsoft.com/office/drawing/2008/diagram">
+      <dsp:dataModelExt xmlns:dsp="http://schemas.microsoft.com/office/drawing/2008/diagram" relId="rId6" minVer="http://schemas.openxmlformats.org/drawingml/2006/diagram"/>
+    </a:ext>
+  </dgm:extLst>
+</dgm:dataModel>
+</file>
+
+<file path=ppt/diagrams/data2.xml><?xml version="1.0" encoding="utf-8"?>
+<dgm:dataModel xmlns:dgm="http://schemas.openxmlformats.org/drawingml/2006/diagram" xmlns:a="http://schemas.openxmlformats.org/drawingml/2006/main">
+  <dgm:ptLst>
     <dgm:pt modelId="{9A9D3045-68D5-4A5A-BA62-35569C5C5EF5}" type="doc">
       <dgm:prSet loTypeId="urn:microsoft.com/office/officeart/2005/8/layout/hierarchy1" loCatId="hierarchy" qsTypeId="urn:microsoft.com/office/officeart/2005/8/quickstyle/simple1" qsCatId="simple" csTypeId="urn:microsoft.com/office/officeart/2005/8/colors/accent0_3" csCatId="mainScheme"/>
       <dgm:spPr/>
@@ -1118,6 +2827,1776 @@
 </file>
 
 <file path=ppt/diagrams/drawing1.xml><?xml version="1.0" encoding="utf-8"?>
+<dsp:drawing xmlns:dgm="http://schemas.openxmlformats.org/drawingml/2006/diagram" xmlns:dsp="http://schemas.microsoft.com/office/drawing/2008/diagram" xmlns:a="http://schemas.openxmlformats.org/drawingml/2006/main">
+  <dsp:spTree>
+    <dsp:nvGrpSpPr>
+      <dsp:cNvPr id="0" name=""/>
+      <dsp:cNvGrpSpPr/>
+    </dsp:nvGrpSpPr>
+    <dsp:grpSpPr/>
+    <dsp:sp modelId="{EED4AF09-0889-814D-9945-9B41E257E340}">
+      <dsp:nvSpPr>
+        <dsp:cNvPr id="0" name=""/>
+        <dsp:cNvSpPr/>
+      </dsp:nvSpPr>
+      <dsp:spPr>
+        <a:xfrm>
+          <a:off x="1142441" y="1011"/>
+          <a:ext cx="1175816" cy="1175816"/>
+        </a:xfrm>
+        <a:prstGeom prst="ellipse">
+          <a:avLst/>
+        </a:prstGeom>
+        <a:solidFill>
+          <a:schemeClr val="accent5">
+            <a:hueOff val="0"/>
+            <a:satOff val="0"/>
+            <a:lumOff val="0"/>
+            <a:alphaOff val="0"/>
+          </a:schemeClr>
+        </a:solidFill>
+        <a:ln w="12700" cap="flat" cmpd="sng" algn="ctr">
+          <a:solidFill>
+            <a:schemeClr val="lt1">
+              <a:hueOff val="0"/>
+              <a:satOff val="0"/>
+              <a:lumOff val="0"/>
+              <a:alphaOff val="0"/>
+            </a:schemeClr>
+          </a:solidFill>
+          <a:prstDash val="solid"/>
+          <a:miter lim="800000"/>
+        </a:ln>
+        <a:effectLst/>
+      </dsp:spPr>
+      <dsp:style>
+        <a:lnRef idx="2">
+          <a:scrgbClr r="0" g="0" b="0"/>
+        </a:lnRef>
+        <a:fillRef idx="1">
+          <a:scrgbClr r="0" g="0" b="0"/>
+        </a:fillRef>
+        <a:effectRef idx="0">
+          <a:scrgbClr r="0" g="0" b="0"/>
+        </a:effectRef>
+        <a:fontRef idx="minor">
+          <a:schemeClr val="lt1"/>
+        </a:fontRef>
+      </dsp:style>
+      <dsp:txBody>
+        <a:bodyPr spcFirstLastPara="0" vert="horz" wrap="square" lIns="33020" tIns="33020" rIns="33020" bIns="33020" numCol="1" spcCol="1270" anchor="ctr" anchorCtr="0">
+          <a:noAutofit/>
+        </a:bodyPr>
+        <a:lstStyle/>
+        <a:p>
+          <a:pPr marL="0" lvl="0" indent="0" algn="ctr" defTabSz="1155700">
+            <a:lnSpc>
+              <a:spcPct val="90000"/>
+            </a:lnSpc>
+            <a:spcBef>
+              <a:spcPct val="0"/>
+            </a:spcBef>
+            <a:spcAft>
+              <a:spcPct val="35000"/>
+            </a:spcAft>
+            <a:buNone/>
+          </a:pPr>
+          <a:r>
+            <a:rPr lang="en-US" sz="2600" kern="1200"/>
+            <a:t>18.01</a:t>
+          </a:r>
+        </a:p>
+      </dsp:txBody>
+      <dsp:txXfrm>
+        <a:off x="1314635" y="173205"/>
+        <a:ext cx="831428" cy="831428"/>
+      </dsp:txXfrm>
+    </dsp:sp>
+    <dsp:sp modelId="{BE81893B-DB07-8545-9952-D405322A787D}">
+      <dsp:nvSpPr>
+        <dsp:cNvPr id="0" name=""/>
+        <dsp:cNvSpPr/>
+      </dsp:nvSpPr>
+      <dsp:spPr>
+        <a:xfrm rot="10800000">
+          <a:off x="1524582" y="1328655"/>
+          <a:ext cx="411535" cy="321873"/>
+        </a:xfrm>
+        <a:prstGeom prst="triangle">
+          <a:avLst/>
+        </a:prstGeom>
+        <a:solidFill>
+          <a:schemeClr val="accent5">
+            <a:tint val="60000"/>
+            <a:hueOff val="0"/>
+            <a:satOff val="0"/>
+            <a:lumOff val="0"/>
+            <a:alphaOff val="0"/>
+          </a:schemeClr>
+        </a:solidFill>
+        <a:ln>
+          <a:noFill/>
+        </a:ln>
+        <a:effectLst/>
+      </dsp:spPr>
+      <dsp:style>
+        <a:lnRef idx="0">
+          <a:scrgbClr r="0" g="0" b="0"/>
+        </a:lnRef>
+        <a:fillRef idx="1">
+          <a:scrgbClr r="0" g="0" b="0"/>
+        </a:fillRef>
+        <a:effectRef idx="0">
+          <a:scrgbClr r="0" g="0" b="0"/>
+        </a:effectRef>
+        <a:fontRef idx="minor">
+          <a:schemeClr val="lt1"/>
+        </a:fontRef>
+      </dsp:style>
+    </dsp:sp>
+    <dsp:sp modelId="{8F584190-4FF5-054C-9F2F-19C0A1F577DA}">
+      <dsp:nvSpPr>
+        <dsp:cNvPr id="0" name=""/>
+        <dsp:cNvSpPr/>
+      </dsp:nvSpPr>
+      <dsp:spPr>
+        <a:xfrm>
+          <a:off x="1338215" y="1784137"/>
+          <a:ext cx="784269" cy="784269"/>
+        </a:xfrm>
+        <a:prstGeom prst="ellipse">
+          <a:avLst/>
+        </a:prstGeom>
+        <a:solidFill>
+          <a:schemeClr val="accent5">
+            <a:hueOff val="0"/>
+            <a:satOff val="0"/>
+            <a:lumOff val="0"/>
+            <a:alphaOff val="0"/>
+          </a:schemeClr>
+        </a:solidFill>
+        <a:ln w="12700" cap="flat" cmpd="sng" algn="ctr">
+          <a:solidFill>
+            <a:schemeClr val="lt1">
+              <a:hueOff val="0"/>
+              <a:satOff val="0"/>
+              <a:lumOff val="0"/>
+              <a:alphaOff val="0"/>
+            </a:schemeClr>
+          </a:solidFill>
+          <a:prstDash val="solid"/>
+          <a:miter lim="800000"/>
+        </a:ln>
+        <a:effectLst/>
+      </dsp:spPr>
+      <dsp:style>
+        <a:lnRef idx="2">
+          <a:scrgbClr r="0" g="0" b="0"/>
+        </a:lnRef>
+        <a:fillRef idx="1">
+          <a:scrgbClr r="0" g="0" b="0"/>
+        </a:fillRef>
+        <a:effectRef idx="0">
+          <a:scrgbClr r="0" g="0" b="0"/>
+        </a:effectRef>
+        <a:fontRef idx="minor">
+          <a:schemeClr val="lt1"/>
+        </a:fontRef>
+      </dsp:style>
+      <dsp:txBody>
+        <a:bodyPr spcFirstLastPara="0" vert="horz" wrap="square" lIns="21590" tIns="21590" rIns="21590" bIns="21590" numCol="1" spcCol="1270" anchor="ctr" anchorCtr="0">
+          <a:noAutofit/>
+        </a:bodyPr>
+        <a:lstStyle/>
+        <a:p>
+          <a:pPr marL="0" lvl="0" indent="0" algn="ctr" defTabSz="755650">
+            <a:lnSpc>
+              <a:spcPct val="90000"/>
+            </a:lnSpc>
+            <a:spcBef>
+              <a:spcPct val="0"/>
+            </a:spcBef>
+            <a:spcAft>
+              <a:spcPct val="35000"/>
+            </a:spcAft>
+            <a:buNone/>
+          </a:pPr>
+          <a:r>
+            <a:rPr lang="en-US" sz="1700" kern="1200"/>
+            <a:t>8.01</a:t>
+          </a:r>
+        </a:p>
+      </dsp:txBody>
+      <dsp:txXfrm>
+        <a:off x="1453069" y="1898991"/>
+        <a:ext cx="554561" cy="554561"/>
+      </dsp:txXfrm>
+    </dsp:sp>
+    <dsp:sp modelId="{F17E98F8-E2D4-D64A-97B5-2AAAB7398788}">
+      <dsp:nvSpPr>
+        <dsp:cNvPr id="0" name=""/>
+        <dsp:cNvSpPr/>
+      </dsp:nvSpPr>
+      <dsp:spPr>
+        <a:xfrm rot="10800000">
+          <a:off x="1524582" y="2818120"/>
+          <a:ext cx="411535" cy="321873"/>
+        </a:xfrm>
+        <a:prstGeom prst="triangle">
+          <a:avLst/>
+        </a:prstGeom>
+        <a:solidFill>
+          <a:schemeClr val="accent5">
+            <a:tint val="60000"/>
+            <a:hueOff val="0"/>
+            <a:satOff val="0"/>
+            <a:lumOff val="0"/>
+            <a:alphaOff val="0"/>
+          </a:schemeClr>
+        </a:solidFill>
+        <a:ln>
+          <a:noFill/>
+        </a:ln>
+        <a:effectLst/>
+      </dsp:spPr>
+      <dsp:style>
+        <a:lnRef idx="0">
+          <a:scrgbClr r="0" g="0" b="0"/>
+        </a:lnRef>
+        <a:fillRef idx="1">
+          <a:scrgbClr r="0" g="0" b="0"/>
+        </a:fillRef>
+        <a:effectRef idx="0">
+          <a:scrgbClr r="0" g="0" b="0"/>
+        </a:effectRef>
+        <a:fontRef idx="minor">
+          <a:schemeClr val="lt1"/>
+        </a:fontRef>
+      </dsp:style>
+    </dsp:sp>
+    <dsp:sp modelId="{C0E8417A-617F-B549-8E8F-9C41A4068632}">
+      <dsp:nvSpPr>
+        <dsp:cNvPr id="0" name=""/>
+        <dsp:cNvSpPr/>
+      </dsp:nvSpPr>
+      <dsp:spPr>
+        <a:xfrm>
+          <a:off x="1338215" y="3371489"/>
+          <a:ext cx="784269" cy="784269"/>
+        </a:xfrm>
+        <a:prstGeom prst="ellipse">
+          <a:avLst/>
+        </a:prstGeom>
+        <a:solidFill>
+          <a:schemeClr val="accent5">
+            <a:hueOff val="0"/>
+            <a:satOff val="0"/>
+            <a:lumOff val="0"/>
+            <a:alphaOff val="0"/>
+          </a:schemeClr>
+        </a:solidFill>
+        <a:ln w="12700" cap="flat" cmpd="sng" algn="ctr">
+          <a:solidFill>
+            <a:schemeClr val="lt1">
+              <a:hueOff val="0"/>
+              <a:satOff val="0"/>
+              <a:lumOff val="0"/>
+              <a:alphaOff val="0"/>
+            </a:schemeClr>
+          </a:solidFill>
+          <a:prstDash val="solid"/>
+          <a:miter lim="800000"/>
+        </a:ln>
+        <a:effectLst/>
+      </dsp:spPr>
+      <dsp:style>
+        <a:lnRef idx="2">
+          <a:scrgbClr r="0" g="0" b="0"/>
+        </a:lnRef>
+        <a:fillRef idx="1">
+          <a:scrgbClr r="0" g="0" b="0"/>
+        </a:fillRef>
+        <a:effectRef idx="0">
+          <a:scrgbClr r="0" g="0" b="0"/>
+        </a:effectRef>
+        <a:fontRef idx="minor">
+          <a:schemeClr val="lt1"/>
+        </a:fontRef>
+      </dsp:style>
+      <dsp:txBody>
+        <a:bodyPr spcFirstLastPara="0" vert="horz" wrap="square" lIns="21590" tIns="21590" rIns="21590" bIns="21590" numCol="1" spcCol="1270" anchor="ctr" anchorCtr="0">
+          <a:noAutofit/>
+        </a:bodyPr>
+        <a:lstStyle/>
+        <a:p>
+          <a:pPr marL="0" lvl="0" indent="0" algn="ctr" defTabSz="755650">
+            <a:lnSpc>
+              <a:spcPct val="90000"/>
+            </a:lnSpc>
+            <a:spcBef>
+              <a:spcPct val="0"/>
+            </a:spcBef>
+            <a:spcAft>
+              <a:spcPct val="35000"/>
+            </a:spcAft>
+            <a:buNone/>
+          </a:pPr>
+          <a:r>
+            <a:rPr lang="en-US" sz="1700" kern="1200"/>
+            <a:t>6.001</a:t>
+          </a:r>
+        </a:p>
+      </dsp:txBody>
+      <dsp:txXfrm>
+        <a:off x="1453069" y="3486343"/>
+        <a:ext cx="554561" cy="554561"/>
+      </dsp:txXfrm>
+    </dsp:sp>
+    <dsp:sp modelId="{0D59C881-A515-7C4B-8CF7-6F1C0FC9FD3A}">
+      <dsp:nvSpPr>
+        <dsp:cNvPr id="0" name=""/>
+        <dsp:cNvSpPr/>
+      </dsp:nvSpPr>
+      <dsp:spPr>
+        <a:xfrm rot="5400000">
+          <a:off x="2415554" y="3602687"/>
+          <a:ext cx="411535" cy="321873"/>
+        </a:xfrm>
+        <a:prstGeom prst="triangle">
+          <a:avLst/>
+        </a:prstGeom>
+        <a:solidFill>
+          <a:schemeClr val="accent5">
+            <a:tint val="60000"/>
+            <a:hueOff val="0"/>
+            <a:satOff val="0"/>
+            <a:lumOff val="0"/>
+            <a:alphaOff val="0"/>
+          </a:schemeClr>
+        </a:solidFill>
+        <a:ln>
+          <a:noFill/>
+        </a:ln>
+        <a:effectLst/>
+      </dsp:spPr>
+      <dsp:style>
+        <a:lnRef idx="0">
+          <a:scrgbClr r="0" g="0" b="0"/>
+        </a:lnRef>
+        <a:fillRef idx="1">
+          <a:scrgbClr r="0" g="0" b="0"/>
+        </a:fillRef>
+        <a:effectRef idx="0">
+          <a:scrgbClr r="0" g="0" b="0"/>
+        </a:effectRef>
+        <a:fontRef idx="minor">
+          <a:schemeClr val="lt1"/>
+        </a:fontRef>
+      </dsp:style>
+    </dsp:sp>
+    <dsp:sp modelId="{0692DC1E-0103-7640-A647-1EDAC07DC971}">
+      <dsp:nvSpPr>
+        <dsp:cNvPr id="0" name=""/>
+        <dsp:cNvSpPr/>
+      </dsp:nvSpPr>
+      <dsp:spPr>
+        <a:xfrm>
+          <a:off x="3101940" y="3371489"/>
+          <a:ext cx="784269" cy="784269"/>
+        </a:xfrm>
+        <a:prstGeom prst="ellipse">
+          <a:avLst/>
+        </a:prstGeom>
+        <a:solidFill>
+          <a:schemeClr val="accent5">
+            <a:hueOff val="0"/>
+            <a:satOff val="0"/>
+            <a:lumOff val="0"/>
+            <a:alphaOff val="0"/>
+          </a:schemeClr>
+        </a:solidFill>
+        <a:ln w="12700" cap="flat" cmpd="sng" algn="ctr">
+          <a:solidFill>
+            <a:schemeClr val="lt1">
+              <a:hueOff val="0"/>
+              <a:satOff val="0"/>
+              <a:lumOff val="0"/>
+              <a:alphaOff val="0"/>
+            </a:schemeClr>
+          </a:solidFill>
+          <a:prstDash val="solid"/>
+          <a:miter lim="800000"/>
+        </a:ln>
+        <a:effectLst/>
+      </dsp:spPr>
+      <dsp:style>
+        <a:lnRef idx="2">
+          <a:scrgbClr r="0" g="0" b="0"/>
+        </a:lnRef>
+        <a:fillRef idx="1">
+          <a:scrgbClr r="0" g="0" b="0"/>
+        </a:fillRef>
+        <a:effectRef idx="0">
+          <a:scrgbClr r="0" g="0" b="0"/>
+        </a:effectRef>
+        <a:fontRef idx="minor">
+          <a:schemeClr val="lt1"/>
+        </a:fontRef>
+      </dsp:style>
+      <dsp:txBody>
+        <a:bodyPr spcFirstLastPara="0" vert="horz" wrap="square" lIns="21590" tIns="21590" rIns="21590" bIns="21590" numCol="1" spcCol="1270" anchor="ctr" anchorCtr="0">
+          <a:noAutofit/>
+        </a:bodyPr>
+        <a:lstStyle/>
+        <a:p>
+          <a:pPr marL="0" lvl="0" indent="0" algn="ctr" defTabSz="755650">
+            <a:lnSpc>
+              <a:spcPct val="90000"/>
+            </a:lnSpc>
+            <a:spcBef>
+              <a:spcPct val="0"/>
+            </a:spcBef>
+            <a:spcAft>
+              <a:spcPct val="35000"/>
+            </a:spcAft>
+            <a:buNone/>
+          </a:pPr>
+          <a:r>
+            <a:rPr lang="en-US" sz="1700" kern="1200"/>
+            <a:t>18.02</a:t>
+          </a:r>
+        </a:p>
+      </dsp:txBody>
+      <dsp:txXfrm>
+        <a:off x="3216794" y="3486343"/>
+        <a:ext cx="554561" cy="554561"/>
+      </dsp:txXfrm>
+    </dsp:sp>
+    <dsp:sp modelId="{F7ADB171-0982-6F42-8412-C16732E6AE16}">
+      <dsp:nvSpPr>
+        <dsp:cNvPr id="0" name=""/>
+        <dsp:cNvSpPr/>
+      </dsp:nvSpPr>
+      <dsp:spPr>
+        <a:xfrm>
+          <a:off x="3288307" y="2799901"/>
+          <a:ext cx="411535" cy="321873"/>
+        </a:xfrm>
+        <a:prstGeom prst="triangle">
+          <a:avLst/>
+        </a:prstGeom>
+        <a:solidFill>
+          <a:schemeClr val="accent5">
+            <a:tint val="60000"/>
+            <a:hueOff val="0"/>
+            <a:satOff val="0"/>
+            <a:lumOff val="0"/>
+            <a:alphaOff val="0"/>
+          </a:schemeClr>
+        </a:solidFill>
+        <a:ln>
+          <a:noFill/>
+        </a:ln>
+        <a:effectLst/>
+      </dsp:spPr>
+      <dsp:style>
+        <a:lnRef idx="0">
+          <a:scrgbClr r="0" g="0" b="0"/>
+        </a:lnRef>
+        <a:fillRef idx="1">
+          <a:scrgbClr r="0" g="0" b="0"/>
+        </a:fillRef>
+        <a:effectRef idx="0">
+          <a:scrgbClr r="0" g="0" b="0"/>
+        </a:effectRef>
+        <a:fontRef idx="minor">
+          <a:schemeClr val="lt1"/>
+        </a:fontRef>
+      </dsp:style>
+    </dsp:sp>
+    <dsp:sp modelId="{3AEF10C0-2332-544B-866B-2DD9DE71EAB2}">
+      <dsp:nvSpPr>
+        <dsp:cNvPr id="0" name=""/>
+        <dsp:cNvSpPr/>
+      </dsp:nvSpPr>
+      <dsp:spPr>
+        <a:xfrm>
+          <a:off x="3101940" y="1784137"/>
+          <a:ext cx="784269" cy="784269"/>
+        </a:xfrm>
+        <a:prstGeom prst="ellipse">
+          <a:avLst/>
+        </a:prstGeom>
+        <a:solidFill>
+          <a:schemeClr val="accent5">
+            <a:hueOff val="0"/>
+            <a:satOff val="0"/>
+            <a:lumOff val="0"/>
+            <a:alphaOff val="0"/>
+          </a:schemeClr>
+        </a:solidFill>
+        <a:ln w="12700" cap="flat" cmpd="sng" algn="ctr">
+          <a:solidFill>
+            <a:schemeClr val="lt1">
+              <a:hueOff val="0"/>
+              <a:satOff val="0"/>
+              <a:lumOff val="0"/>
+              <a:alphaOff val="0"/>
+            </a:schemeClr>
+          </a:solidFill>
+          <a:prstDash val="solid"/>
+          <a:miter lim="800000"/>
+        </a:ln>
+        <a:effectLst/>
+      </dsp:spPr>
+      <dsp:style>
+        <a:lnRef idx="2">
+          <a:scrgbClr r="0" g="0" b="0"/>
+        </a:lnRef>
+        <a:fillRef idx="1">
+          <a:scrgbClr r="0" g="0" b="0"/>
+        </a:fillRef>
+        <a:effectRef idx="0">
+          <a:scrgbClr r="0" g="0" b="0"/>
+        </a:effectRef>
+        <a:fontRef idx="minor">
+          <a:schemeClr val="lt1"/>
+        </a:fontRef>
+      </dsp:style>
+      <dsp:txBody>
+        <a:bodyPr spcFirstLastPara="0" vert="horz" wrap="square" lIns="21590" tIns="21590" rIns="21590" bIns="21590" numCol="1" spcCol="1270" anchor="ctr" anchorCtr="0">
+          <a:noAutofit/>
+        </a:bodyPr>
+        <a:lstStyle/>
+        <a:p>
+          <a:pPr marL="0" lvl="0" indent="0" algn="ctr" defTabSz="755650">
+            <a:lnSpc>
+              <a:spcPct val="90000"/>
+            </a:lnSpc>
+            <a:spcBef>
+              <a:spcPct val="0"/>
+            </a:spcBef>
+            <a:spcAft>
+              <a:spcPct val="35000"/>
+            </a:spcAft>
+            <a:buNone/>
+          </a:pPr>
+          <a:r>
+            <a:rPr lang="en-US" sz="1700" kern="1200"/>
+            <a:t>18.03</a:t>
+          </a:r>
+        </a:p>
+      </dsp:txBody>
+      <dsp:txXfrm>
+        <a:off x="3216794" y="1898991"/>
+        <a:ext cx="554561" cy="554561"/>
+      </dsp:txXfrm>
+    </dsp:sp>
+    <dsp:sp modelId="{5B1A20FB-6FB8-5840-A388-4ED3B333C0BE}">
+      <dsp:nvSpPr>
+        <dsp:cNvPr id="0" name=""/>
+        <dsp:cNvSpPr/>
+      </dsp:nvSpPr>
+      <dsp:spPr>
+        <a:xfrm>
+          <a:off x="3288307" y="1212549"/>
+          <a:ext cx="411535" cy="321873"/>
+        </a:xfrm>
+        <a:prstGeom prst="triangle">
+          <a:avLst/>
+        </a:prstGeom>
+        <a:solidFill>
+          <a:schemeClr val="accent5">
+            <a:tint val="60000"/>
+            <a:hueOff val="0"/>
+            <a:satOff val="0"/>
+            <a:lumOff val="0"/>
+            <a:alphaOff val="0"/>
+          </a:schemeClr>
+        </a:solidFill>
+        <a:ln>
+          <a:noFill/>
+        </a:ln>
+        <a:effectLst/>
+      </dsp:spPr>
+      <dsp:style>
+        <a:lnRef idx="0">
+          <a:scrgbClr r="0" g="0" b="0"/>
+        </a:lnRef>
+        <a:fillRef idx="1">
+          <a:scrgbClr r="0" g="0" b="0"/>
+        </a:fillRef>
+        <a:effectRef idx="0">
+          <a:scrgbClr r="0" g="0" b="0"/>
+        </a:effectRef>
+        <a:fontRef idx="minor">
+          <a:schemeClr val="lt1"/>
+        </a:fontRef>
+      </dsp:style>
+    </dsp:sp>
+    <dsp:sp modelId="{6CCDC606-390C-4C41-B8F1-4FAE3DB27D86}">
+      <dsp:nvSpPr>
+        <dsp:cNvPr id="0" name=""/>
+        <dsp:cNvSpPr/>
+      </dsp:nvSpPr>
+      <dsp:spPr>
+        <a:xfrm>
+          <a:off x="3101940" y="196784"/>
+          <a:ext cx="784269" cy="784269"/>
+        </a:xfrm>
+        <a:prstGeom prst="ellipse">
+          <a:avLst/>
+        </a:prstGeom>
+        <a:solidFill>
+          <a:schemeClr val="accent5">
+            <a:hueOff val="0"/>
+            <a:satOff val="0"/>
+            <a:lumOff val="0"/>
+            <a:alphaOff val="0"/>
+          </a:schemeClr>
+        </a:solidFill>
+        <a:ln w="12700" cap="flat" cmpd="sng" algn="ctr">
+          <a:solidFill>
+            <a:schemeClr val="lt1">
+              <a:hueOff val="0"/>
+              <a:satOff val="0"/>
+              <a:lumOff val="0"/>
+              <a:alphaOff val="0"/>
+            </a:schemeClr>
+          </a:solidFill>
+          <a:prstDash val="solid"/>
+          <a:miter lim="800000"/>
+        </a:ln>
+        <a:effectLst/>
+      </dsp:spPr>
+      <dsp:style>
+        <a:lnRef idx="2">
+          <a:scrgbClr r="0" g="0" b="0"/>
+        </a:lnRef>
+        <a:fillRef idx="1">
+          <a:scrgbClr r="0" g="0" b="0"/>
+        </a:fillRef>
+        <a:effectRef idx="0">
+          <a:scrgbClr r="0" g="0" b="0"/>
+        </a:effectRef>
+        <a:fontRef idx="minor">
+          <a:schemeClr val="lt1"/>
+        </a:fontRef>
+      </dsp:style>
+      <dsp:txBody>
+        <a:bodyPr spcFirstLastPara="0" vert="horz" wrap="square" lIns="21590" tIns="21590" rIns="21590" bIns="21590" numCol="1" spcCol="1270" anchor="ctr" anchorCtr="0">
+          <a:noAutofit/>
+        </a:bodyPr>
+        <a:lstStyle/>
+        <a:p>
+          <a:pPr marL="0" lvl="0" indent="0" algn="ctr" defTabSz="755650">
+            <a:lnSpc>
+              <a:spcPct val="90000"/>
+            </a:lnSpc>
+            <a:spcBef>
+              <a:spcPct val="0"/>
+            </a:spcBef>
+            <a:spcAft>
+              <a:spcPct val="35000"/>
+            </a:spcAft>
+            <a:buNone/>
+          </a:pPr>
+          <a:r>
+            <a:rPr lang="en-US" sz="1700" kern="1200"/>
+            <a:t>6.042</a:t>
+          </a:r>
+        </a:p>
+      </dsp:txBody>
+      <dsp:txXfrm>
+        <a:off x="3216794" y="311638"/>
+        <a:ext cx="554561" cy="554561"/>
+      </dsp:txXfrm>
+    </dsp:sp>
+    <dsp:sp modelId="{A0C9F9B9-61A2-134C-97CD-A95385262755}">
+      <dsp:nvSpPr>
+        <dsp:cNvPr id="0" name=""/>
+        <dsp:cNvSpPr/>
+      </dsp:nvSpPr>
+      <dsp:spPr>
+        <a:xfrm rot="5400000">
+          <a:off x="4179279" y="427982"/>
+          <a:ext cx="411535" cy="321873"/>
+        </a:xfrm>
+        <a:prstGeom prst="triangle">
+          <a:avLst/>
+        </a:prstGeom>
+        <a:solidFill>
+          <a:schemeClr val="accent5">
+            <a:tint val="60000"/>
+            <a:hueOff val="0"/>
+            <a:satOff val="0"/>
+            <a:lumOff val="0"/>
+            <a:alphaOff val="0"/>
+          </a:schemeClr>
+        </a:solidFill>
+        <a:ln>
+          <a:noFill/>
+        </a:ln>
+        <a:effectLst/>
+      </dsp:spPr>
+      <dsp:style>
+        <a:lnRef idx="0">
+          <a:scrgbClr r="0" g="0" b="0"/>
+        </a:lnRef>
+        <a:fillRef idx="1">
+          <a:scrgbClr r="0" g="0" b="0"/>
+        </a:fillRef>
+        <a:effectRef idx="0">
+          <a:scrgbClr r="0" g="0" b="0"/>
+        </a:effectRef>
+        <a:fontRef idx="minor">
+          <a:schemeClr val="lt1"/>
+        </a:fontRef>
+      </dsp:style>
+    </dsp:sp>
+    <dsp:sp modelId="{0F16C035-9730-E241-A000-E19A881E3513}">
+      <dsp:nvSpPr>
+        <dsp:cNvPr id="0" name=""/>
+        <dsp:cNvSpPr/>
+      </dsp:nvSpPr>
+      <dsp:spPr>
+        <a:xfrm>
+          <a:off x="4865665" y="196784"/>
+          <a:ext cx="784269" cy="784269"/>
+        </a:xfrm>
+        <a:prstGeom prst="ellipse">
+          <a:avLst/>
+        </a:prstGeom>
+        <a:solidFill>
+          <a:schemeClr val="accent5">
+            <a:hueOff val="0"/>
+            <a:satOff val="0"/>
+            <a:lumOff val="0"/>
+            <a:alphaOff val="0"/>
+          </a:schemeClr>
+        </a:solidFill>
+        <a:ln w="12700" cap="flat" cmpd="sng" algn="ctr">
+          <a:solidFill>
+            <a:schemeClr val="lt1">
+              <a:hueOff val="0"/>
+              <a:satOff val="0"/>
+              <a:lumOff val="0"/>
+              <a:alphaOff val="0"/>
+            </a:schemeClr>
+          </a:solidFill>
+          <a:prstDash val="solid"/>
+          <a:miter lim="800000"/>
+        </a:ln>
+        <a:effectLst/>
+      </dsp:spPr>
+      <dsp:style>
+        <a:lnRef idx="2">
+          <a:scrgbClr r="0" g="0" b="0"/>
+        </a:lnRef>
+        <a:fillRef idx="1">
+          <a:scrgbClr r="0" g="0" b="0"/>
+        </a:fillRef>
+        <a:effectRef idx="0">
+          <a:scrgbClr r="0" g="0" b="0"/>
+        </a:effectRef>
+        <a:fontRef idx="minor">
+          <a:schemeClr val="lt1"/>
+        </a:fontRef>
+      </dsp:style>
+      <dsp:txBody>
+        <a:bodyPr spcFirstLastPara="0" vert="horz" wrap="square" lIns="21590" tIns="21590" rIns="21590" bIns="21590" numCol="1" spcCol="1270" anchor="ctr" anchorCtr="0">
+          <a:noAutofit/>
+        </a:bodyPr>
+        <a:lstStyle/>
+        <a:p>
+          <a:pPr marL="0" lvl="0" indent="0" algn="ctr" defTabSz="755650">
+            <a:lnSpc>
+              <a:spcPct val="90000"/>
+            </a:lnSpc>
+            <a:spcBef>
+              <a:spcPct val="0"/>
+            </a:spcBef>
+            <a:spcAft>
+              <a:spcPct val="35000"/>
+            </a:spcAft>
+            <a:buNone/>
+          </a:pPr>
+          <a:r>
+            <a:rPr lang="en-US" sz="1700" kern="1200"/>
+            <a:t>8.02</a:t>
+          </a:r>
+        </a:p>
+      </dsp:txBody>
+      <dsp:txXfrm>
+        <a:off x="4980519" y="311638"/>
+        <a:ext cx="554561" cy="554561"/>
+      </dsp:txXfrm>
+    </dsp:sp>
+    <dsp:sp modelId="{E19446D3-9B6C-4347-845C-359C558CDC10}">
+      <dsp:nvSpPr>
+        <dsp:cNvPr id="0" name=""/>
+        <dsp:cNvSpPr/>
+      </dsp:nvSpPr>
+      <dsp:spPr>
+        <a:xfrm rot="10800000">
+          <a:off x="5052032" y="1230768"/>
+          <a:ext cx="411535" cy="321873"/>
+        </a:xfrm>
+        <a:prstGeom prst="triangle">
+          <a:avLst/>
+        </a:prstGeom>
+        <a:solidFill>
+          <a:schemeClr val="accent5">
+            <a:tint val="60000"/>
+            <a:hueOff val="0"/>
+            <a:satOff val="0"/>
+            <a:lumOff val="0"/>
+            <a:alphaOff val="0"/>
+          </a:schemeClr>
+        </a:solidFill>
+        <a:ln>
+          <a:noFill/>
+        </a:ln>
+        <a:effectLst/>
+      </dsp:spPr>
+      <dsp:style>
+        <a:lnRef idx="0">
+          <a:scrgbClr r="0" g="0" b="0"/>
+        </a:lnRef>
+        <a:fillRef idx="1">
+          <a:scrgbClr r="0" g="0" b="0"/>
+        </a:fillRef>
+        <a:effectRef idx="0">
+          <a:scrgbClr r="0" g="0" b="0"/>
+        </a:effectRef>
+        <a:fontRef idx="minor">
+          <a:schemeClr val="lt1"/>
+        </a:fontRef>
+      </dsp:style>
+    </dsp:sp>
+    <dsp:sp modelId="{52E33E3B-FB73-6840-8C6D-B4E10687EF90}">
+      <dsp:nvSpPr>
+        <dsp:cNvPr id="0" name=""/>
+        <dsp:cNvSpPr/>
+      </dsp:nvSpPr>
+      <dsp:spPr>
+        <a:xfrm>
+          <a:off x="4865665" y="1784137"/>
+          <a:ext cx="784269" cy="784269"/>
+        </a:xfrm>
+        <a:prstGeom prst="ellipse">
+          <a:avLst/>
+        </a:prstGeom>
+        <a:solidFill>
+          <a:schemeClr val="accent5">
+            <a:hueOff val="0"/>
+            <a:satOff val="0"/>
+            <a:lumOff val="0"/>
+            <a:alphaOff val="0"/>
+          </a:schemeClr>
+        </a:solidFill>
+        <a:ln w="12700" cap="flat" cmpd="sng" algn="ctr">
+          <a:solidFill>
+            <a:schemeClr val="lt1">
+              <a:hueOff val="0"/>
+              <a:satOff val="0"/>
+              <a:lumOff val="0"/>
+              <a:alphaOff val="0"/>
+            </a:schemeClr>
+          </a:solidFill>
+          <a:prstDash val="solid"/>
+          <a:miter lim="800000"/>
+        </a:ln>
+        <a:effectLst/>
+      </dsp:spPr>
+      <dsp:style>
+        <a:lnRef idx="2">
+          <a:scrgbClr r="0" g="0" b="0"/>
+        </a:lnRef>
+        <a:fillRef idx="1">
+          <a:scrgbClr r="0" g="0" b="0"/>
+        </a:fillRef>
+        <a:effectRef idx="0">
+          <a:scrgbClr r="0" g="0" b="0"/>
+        </a:effectRef>
+        <a:fontRef idx="minor">
+          <a:schemeClr val="lt1"/>
+        </a:fontRef>
+      </dsp:style>
+      <dsp:txBody>
+        <a:bodyPr spcFirstLastPara="0" vert="horz" wrap="square" lIns="21590" tIns="21590" rIns="21590" bIns="21590" numCol="1" spcCol="1270" anchor="ctr" anchorCtr="0">
+          <a:noAutofit/>
+        </a:bodyPr>
+        <a:lstStyle/>
+        <a:p>
+          <a:pPr marL="0" lvl="0" indent="0" algn="ctr" defTabSz="755650">
+            <a:lnSpc>
+              <a:spcPct val="90000"/>
+            </a:lnSpc>
+            <a:spcBef>
+              <a:spcPct val="0"/>
+            </a:spcBef>
+            <a:spcAft>
+              <a:spcPct val="35000"/>
+            </a:spcAft>
+            <a:buNone/>
+          </a:pPr>
+          <a:r>
+            <a:rPr lang="en-US" sz="1700" kern="1200"/>
+            <a:t>6.034</a:t>
+          </a:r>
+        </a:p>
+      </dsp:txBody>
+      <dsp:txXfrm>
+        <a:off x="4980519" y="1898991"/>
+        <a:ext cx="554561" cy="554561"/>
+      </dsp:txXfrm>
+    </dsp:sp>
+    <dsp:sp modelId="{E18A4A3E-392F-B748-ABD5-CEC091F4C598}">
+      <dsp:nvSpPr>
+        <dsp:cNvPr id="0" name=""/>
+        <dsp:cNvSpPr/>
+      </dsp:nvSpPr>
+      <dsp:spPr>
+        <a:xfrm rot="10800000">
+          <a:off x="5052032" y="2818120"/>
+          <a:ext cx="411535" cy="321873"/>
+        </a:xfrm>
+        <a:prstGeom prst="triangle">
+          <a:avLst/>
+        </a:prstGeom>
+        <a:solidFill>
+          <a:schemeClr val="accent5">
+            <a:tint val="60000"/>
+            <a:hueOff val="0"/>
+            <a:satOff val="0"/>
+            <a:lumOff val="0"/>
+            <a:alphaOff val="0"/>
+          </a:schemeClr>
+        </a:solidFill>
+        <a:ln>
+          <a:noFill/>
+        </a:ln>
+        <a:effectLst/>
+      </dsp:spPr>
+      <dsp:style>
+        <a:lnRef idx="0">
+          <a:scrgbClr r="0" g="0" b="0"/>
+        </a:lnRef>
+        <a:fillRef idx="1">
+          <a:scrgbClr r="0" g="0" b="0"/>
+        </a:fillRef>
+        <a:effectRef idx="0">
+          <a:scrgbClr r="0" g="0" b="0"/>
+        </a:effectRef>
+        <a:fontRef idx="minor">
+          <a:schemeClr val="lt1"/>
+        </a:fontRef>
+      </dsp:style>
+    </dsp:sp>
+    <dsp:sp modelId="{788F318C-DE45-DE40-B69B-E5C0AB838765}">
+      <dsp:nvSpPr>
+        <dsp:cNvPr id="0" name=""/>
+        <dsp:cNvSpPr/>
+      </dsp:nvSpPr>
+      <dsp:spPr>
+        <a:xfrm>
+          <a:off x="4865665" y="3371489"/>
+          <a:ext cx="784269" cy="784269"/>
+        </a:xfrm>
+        <a:prstGeom prst="ellipse">
+          <a:avLst/>
+        </a:prstGeom>
+        <a:solidFill>
+          <a:schemeClr val="accent5">
+            <a:hueOff val="0"/>
+            <a:satOff val="0"/>
+            <a:lumOff val="0"/>
+            <a:alphaOff val="0"/>
+          </a:schemeClr>
+        </a:solidFill>
+        <a:ln w="12700" cap="flat" cmpd="sng" algn="ctr">
+          <a:solidFill>
+            <a:schemeClr val="lt1">
+              <a:hueOff val="0"/>
+              <a:satOff val="0"/>
+              <a:lumOff val="0"/>
+              <a:alphaOff val="0"/>
+            </a:schemeClr>
+          </a:solidFill>
+          <a:prstDash val="solid"/>
+          <a:miter lim="800000"/>
+        </a:ln>
+        <a:effectLst/>
+      </dsp:spPr>
+      <dsp:style>
+        <a:lnRef idx="2">
+          <a:scrgbClr r="0" g="0" b="0"/>
+        </a:lnRef>
+        <a:fillRef idx="1">
+          <a:scrgbClr r="0" g="0" b="0"/>
+        </a:fillRef>
+        <a:effectRef idx="0">
+          <a:scrgbClr r="0" g="0" b="0"/>
+        </a:effectRef>
+        <a:fontRef idx="minor">
+          <a:schemeClr val="lt1"/>
+        </a:fontRef>
+      </dsp:style>
+      <dsp:txBody>
+        <a:bodyPr spcFirstLastPara="0" vert="horz" wrap="square" lIns="21590" tIns="21590" rIns="21590" bIns="21590" numCol="1" spcCol="1270" anchor="ctr" anchorCtr="0">
+          <a:noAutofit/>
+        </a:bodyPr>
+        <a:lstStyle/>
+        <a:p>
+          <a:pPr marL="0" lvl="0" indent="0" algn="ctr" defTabSz="755650">
+            <a:lnSpc>
+              <a:spcPct val="90000"/>
+            </a:lnSpc>
+            <a:spcBef>
+              <a:spcPct val="0"/>
+            </a:spcBef>
+            <a:spcAft>
+              <a:spcPct val="35000"/>
+            </a:spcAft>
+            <a:buNone/>
+          </a:pPr>
+          <a:r>
+            <a:rPr lang="en-US" sz="1700" kern="1200"/>
+            <a:t>6.002</a:t>
+          </a:r>
+        </a:p>
+      </dsp:txBody>
+      <dsp:txXfrm>
+        <a:off x="4980519" y="3486343"/>
+        <a:ext cx="554561" cy="554561"/>
+      </dsp:txXfrm>
+    </dsp:sp>
+    <dsp:sp modelId="{43EF2DE2-20DE-8041-BBB1-02955CFF0C8A}">
+      <dsp:nvSpPr>
+        <dsp:cNvPr id="0" name=""/>
+        <dsp:cNvSpPr/>
+      </dsp:nvSpPr>
+      <dsp:spPr>
+        <a:xfrm rot="5400000">
+          <a:off x="5943004" y="3602687"/>
+          <a:ext cx="411535" cy="321873"/>
+        </a:xfrm>
+        <a:prstGeom prst="triangle">
+          <a:avLst/>
+        </a:prstGeom>
+        <a:solidFill>
+          <a:schemeClr val="accent5">
+            <a:tint val="60000"/>
+            <a:hueOff val="0"/>
+            <a:satOff val="0"/>
+            <a:lumOff val="0"/>
+            <a:alphaOff val="0"/>
+          </a:schemeClr>
+        </a:solidFill>
+        <a:ln>
+          <a:noFill/>
+        </a:ln>
+        <a:effectLst/>
+      </dsp:spPr>
+      <dsp:style>
+        <a:lnRef idx="0">
+          <a:scrgbClr r="0" g="0" b="0"/>
+        </a:lnRef>
+        <a:fillRef idx="1">
+          <a:scrgbClr r="0" g="0" b="0"/>
+        </a:fillRef>
+        <a:effectRef idx="0">
+          <a:scrgbClr r="0" g="0" b="0"/>
+        </a:effectRef>
+        <a:fontRef idx="minor">
+          <a:schemeClr val="lt1"/>
+        </a:fontRef>
+      </dsp:style>
+    </dsp:sp>
+    <dsp:sp modelId="{2C81E286-4CBF-2040-81A5-6A68A575DD0D}">
+      <dsp:nvSpPr>
+        <dsp:cNvPr id="0" name=""/>
+        <dsp:cNvSpPr/>
+      </dsp:nvSpPr>
+      <dsp:spPr>
+        <a:xfrm>
+          <a:off x="6629390" y="3371489"/>
+          <a:ext cx="784269" cy="784269"/>
+        </a:xfrm>
+        <a:prstGeom prst="ellipse">
+          <a:avLst/>
+        </a:prstGeom>
+        <a:solidFill>
+          <a:schemeClr val="accent5">
+            <a:hueOff val="0"/>
+            <a:satOff val="0"/>
+            <a:lumOff val="0"/>
+            <a:alphaOff val="0"/>
+          </a:schemeClr>
+        </a:solidFill>
+        <a:ln w="12700" cap="flat" cmpd="sng" algn="ctr">
+          <a:solidFill>
+            <a:schemeClr val="lt1">
+              <a:hueOff val="0"/>
+              <a:satOff val="0"/>
+              <a:lumOff val="0"/>
+              <a:alphaOff val="0"/>
+            </a:schemeClr>
+          </a:solidFill>
+          <a:prstDash val="solid"/>
+          <a:miter lim="800000"/>
+        </a:ln>
+        <a:effectLst/>
+      </dsp:spPr>
+      <dsp:style>
+        <a:lnRef idx="2">
+          <a:scrgbClr r="0" g="0" b="0"/>
+        </a:lnRef>
+        <a:fillRef idx="1">
+          <a:scrgbClr r="0" g="0" b="0"/>
+        </a:fillRef>
+        <a:effectRef idx="0">
+          <a:scrgbClr r="0" g="0" b="0"/>
+        </a:effectRef>
+        <a:fontRef idx="minor">
+          <a:schemeClr val="lt1"/>
+        </a:fontRef>
+      </dsp:style>
+      <dsp:txBody>
+        <a:bodyPr spcFirstLastPara="0" vert="horz" wrap="square" lIns="21590" tIns="21590" rIns="21590" bIns="21590" numCol="1" spcCol="1270" anchor="ctr" anchorCtr="0">
+          <a:noAutofit/>
+        </a:bodyPr>
+        <a:lstStyle/>
+        <a:p>
+          <a:pPr marL="0" lvl="0" indent="0" algn="ctr" defTabSz="755650">
+            <a:lnSpc>
+              <a:spcPct val="90000"/>
+            </a:lnSpc>
+            <a:spcBef>
+              <a:spcPct val="0"/>
+            </a:spcBef>
+            <a:spcAft>
+              <a:spcPct val="35000"/>
+            </a:spcAft>
+            <a:buNone/>
+          </a:pPr>
+          <a:r>
+            <a:rPr lang="en-US" sz="1700" kern="1200"/>
+            <a:t>6.046</a:t>
+          </a:r>
+        </a:p>
+      </dsp:txBody>
+      <dsp:txXfrm>
+        <a:off x="6744244" y="3486343"/>
+        <a:ext cx="554561" cy="554561"/>
+      </dsp:txXfrm>
+    </dsp:sp>
+    <dsp:sp modelId="{D7302AC5-F75C-AA43-B3CA-4F31869794A8}">
+      <dsp:nvSpPr>
+        <dsp:cNvPr id="0" name=""/>
+        <dsp:cNvSpPr/>
+      </dsp:nvSpPr>
+      <dsp:spPr>
+        <a:xfrm>
+          <a:off x="6815756" y="2799901"/>
+          <a:ext cx="411535" cy="321873"/>
+        </a:xfrm>
+        <a:prstGeom prst="triangle">
+          <a:avLst/>
+        </a:prstGeom>
+        <a:solidFill>
+          <a:schemeClr val="accent5">
+            <a:tint val="60000"/>
+            <a:hueOff val="0"/>
+            <a:satOff val="0"/>
+            <a:lumOff val="0"/>
+            <a:alphaOff val="0"/>
+          </a:schemeClr>
+        </a:solidFill>
+        <a:ln>
+          <a:noFill/>
+        </a:ln>
+        <a:effectLst/>
+      </dsp:spPr>
+      <dsp:style>
+        <a:lnRef idx="0">
+          <a:scrgbClr r="0" g="0" b="0"/>
+        </a:lnRef>
+        <a:fillRef idx="1">
+          <a:scrgbClr r="0" g="0" b="0"/>
+        </a:fillRef>
+        <a:effectRef idx="0">
+          <a:scrgbClr r="0" g="0" b="0"/>
+        </a:effectRef>
+        <a:fontRef idx="minor">
+          <a:schemeClr val="lt1"/>
+        </a:fontRef>
+      </dsp:style>
+    </dsp:sp>
+    <dsp:sp modelId="{10BD425F-95ED-F349-9E8D-D84D9624C04C}">
+      <dsp:nvSpPr>
+        <dsp:cNvPr id="0" name=""/>
+        <dsp:cNvSpPr/>
+      </dsp:nvSpPr>
+      <dsp:spPr>
+        <a:xfrm>
+          <a:off x="6629390" y="1784137"/>
+          <a:ext cx="784269" cy="784269"/>
+        </a:xfrm>
+        <a:prstGeom prst="ellipse">
+          <a:avLst/>
+        </a:prstGeom>
+        <a:solidFill>
+          <a:schemeClr val="accent5">
+            <a:hueOff val="0"/>
+            <a:satOff val="0"/>
+            <a:lumOff val="0"/>
+            <a:alphaOff val="0"/>
+          </a:schemeClr>
+        </a:solidFill>
+        <a:ln w="12700" cap="flat" cmpd="sng" algn="ctr">
+          <a:solidFill>
+            <a:schemeClr val="lt1">
+              <a:hueOff val="0"/>
+              <a:satOff val="0"/>
+              <a:lumOff val="0"/>
+              <a:alphaOff val="0"/>
+            </a:schemeClr>
+          </a:solidFill>
+          <a:prstDash val="solid"/>
+          <a:miter lim="800000"/>
+        </a:ln>
+        <a:effectLst/>
+      </dsp:spPr>
+      <dsp:style>
+        <a:lnRef idx="2">
+          <a:scrgbClr r="0" g="0" b="0"/>
+        </a:lnRef>
+        <a:fillRef idx="1">
+          <a:scrgbClr r="0" g="0" b="0"/>
+        </a:fillRef>
+        <a:effectRef idx="0">
+          <a:scrgbClr r="0" g="0" b="0"/>
+        </a:effectRef>
+        <a:fontRef idx="minor">
+          <a:schemeClr val="lt1"/>
+        </a:fontRef>
+      </dsp:style>
+      <dsp:txBody>
+        <a:bodyPr spcFirstLastPara="0" vert="horz" wrap="square" lIns="21590" tIns="21590" rIns="21590" bIns="21590" numCol="1" spcCol="1270" anchor="ctr" anchorCtr="0">
+          <a:noAutofit/>
+        </a:bodyPr>
+        <a:lstStyle/>
+        <a:p>
+          <a:pPr marL="0" lvl="0" indent="0" algn="ctr" defTabSz="755650">
+            <a:lnSpc>
+              <a:spcPct val="90000"/>
+            </a:lnSpc>
+            <a:spcBef>
+              <a:spcPct val="0"/>
+            </a:spcBef>
+            <a:spcAft>
+              <a:spcPct val="35000"/>
+            </a:spcAft>
+            <a:buNone/>
+          </a:pPr>
+          <a:r>
+            <a:rPr lang="en-US" sz="1700" kern="1200"/>
+            <a:t>6.003</a:t>
+          </a:r>
+        </a:p>
+      </dsp:txBody>
+      <dsp:txXfrm>
+        <a:off x="6744244" y="1898991"/>
+        <a:ext cx="554561" cy="554561"/>
+      </dsp:txXfrm>
+    </dsp:sp>
+    <dsp:sp modelId="{DC38B96A-619D-9348-B93F-262947984BFF}">
+      <dsp:nvSpPr>
+        <dsp:cNvPr id="0" name=""/>
+        <dsp:cNvSpPr/>
+      </dsp:nvSpPr>
+      <dsp:spPr>
+        <a:xfrm>
+          <a:off x="6815756" y="1212549"/>
+          <a:ext cx="411535" cy="321873"/>
+        </a:xfrm>
+        <a:prstGeom prst="triangle">
+          <a:avLst/>
+        </a:prstGeom>
+        <a:solidFill>
+          <a:schemeClr val="accent5">
+            <a:tint val="60000"/>
+            <a:hueOff val="0"/>
+            <a:satOff val="0"/>
+            <a:lumOff val="0"/>
+            <a:alphaOff val="0"/>
+          </a:schemeClr>
+        </a:solidFill>
+        <a:ln>
+          <a:noFill/>
+        </a:ln>
+        <a:effectLst/>
+      </dsp:spPr>
+      <dsp:style>
+        <a:lnRef idx="0">
+          <a:scrgbClr r="0" g="0" b="0"/>
+        </a:lnRef>
+        <a:fillRef idx="1">
+          <a:scrgbClr r="0" g="0" b="0"/>
+        </a:fillRef>
+        <a:effectRef idx="0">
+          <a:scrgbClr r="0" g="0" b="0"/>
+        </a:effectRef>
+        <a:fontRef idx="minor">
+          <a:schemeClr val="lt1"/>
+        </a:fontRef>
+      </dsp:style>
+    </dsp:sp>
+    <dsp:sp modelId="{368183E1-E667-5749-A4E8-F24144C826D5}">
+      <dsp:nvSpPr>
+        <dsp:cNvPr id="0" name=""/>
+        <dsp:cNvSpPr/>
+      </dsp:nvSpPr>
+      <dsp:spPr>
+        <a:xfrm>
+          <a:off x="6629390" y="196784"/>
+          <a:ext cx="784269" cy="784269"/>
+        </a:xfrm>
+        <a:prstGeom prst="ellipse">
+          <a:avLst/>
+        </a:prstGeom>
+        <a:solidFill>
+          <a:schemeClr val="accent5">
+            <a:hueOff val="0"/>
+            <a:satOff val="0"/>
+            <a:lumOff val="0"/>
+            <a:alphaOff val="0"/>
+          </a:schemeClr>
+        </a:solidFill>
+        <a:ln w="12700" cap="flat" cmpd="sng" algn="ctr">
+          <a:solidFill>
+            <a:schemeClr val="lt1">
+              <a:hueOff val="0"/>
+              <a:satOff val="0"/>
+              <a:lumOff val="0"/>
+              <a:alphaOff val="0"/>
+            </a:schemeClr>
+          </a:solidFill>
+          <a:prstDash val="solid"/>
+          <a:miter lim="800000"/>
+        </a:ln>
+        <a:effectLst/>
+      </dsp:spPr>
+      <dsp:style>
+        <a:lnRef idx="2">
+          <a:scrgbClr r="0" g="0" b="0"/>
+        </a:lnRef>
+        <a:fillRef idx="1">
+          <a:scrgbClr r="0" g="0" b="0"/>
+        </a:fillRef>
+        <a:effectRef idx="0">
+          <a:scrgbClr r="0" g="0" b="0"/>
+        </a:effectRef>
+        <a:fontRef idx="minor">
+          <a:schemeClr val="lt1"/>
+        </a:fontRef>
+      </dsp:style>
+      <dsp:txBody>
+        <a:bodyPr spcFirstLastPara="0" vert="horz" wrap="square" lIns="21590" tIns="21590" rIns="21590" bIns="21590" numCol="1" spcCol="1270" anchor="ctr" anchorCtr="0">
+          <a:noAutofit/>
+        </a:bodyPr>
+        <a:lstStyle/>
+        <a:p>
+          <a:pPr marL="0" lvl="0" indent="0" algn="ctr" defTabSz="755650">
+            <a:lnSpc>
+              <a:spcPct val="90000"/>
+            </a:lnSpc>
+            <a:spcBef>
+              <a:spcPct val="0"/>
+            </a:spcBef>
+            <a:spcAft>
+              <a:spcPct val="35000"/>
+            </a:spcAft>
+            <a:buNone/>
+          </a:pPr>
+          <a:r>
+            <a:rPr lang="en-US" sz="1700" kern="1200"/>
+            <a:t>6.004</a:t>
+          </a:r>
+        </a:p>
+      </dsp:txBody>
+      <dsp:txXfrm>
+        <a:off x="6744244" y="311638"/>
+        <a:ext cx="554561" cy="554561"/>
+      </dsp:txXfrm>
+    </dsp:sp>
+    <dsp:sp modelId="{C1B47595-8B21-C54B-AA11-5A779003E056}">
+      <dsp:nvSpPr>
+        <dsp:cNvPr id="0" name=""/>
+        <dsp:cNvSpPr/>
+      </dsp:nvSpPr>
+      <dsp:spPr>
+        <a:xfrm rot="5400000">
+          <a:off x="7706729" y="427982"/>
+          <a:ext cx="411535" cy="321873"/>
+        </a:xfrm>
+        <a:prstGeom prst="triangle">
+          <a:avLst/>
+        </a:prstGeom>
+        <a:solidFill>
+          <a:schemeClr val="accent5">
+            <a:tint val="60000"/>
+            <a:hueOff val="0"/>
+            <a:satOff val="0"/>
+            <a:lumOff val="0"/>
+            <a:alphaOff val="0"/>
+          </a:schemeClr>
+        </a:solidFill>
+        <a:ln>
+          <a:noFill/>
+        </a:ln>
+        <a:effectLst/>
+      </dsp:spPr>
+      <dsp:style>
+        <a:lnRef idx="0">
+          <a:scrgbClr r="0" g="0" b="0"/>
+        </a:lnRef>
+        <a:fillRef idx="1">
+          <a:scrgbClr r="0" g="0" b="0"/>
+        </a:fillRef>
+        <a:effectRef idx="0">
+          <a:scrgbClr r="0" g="0" b="0"/>
+        </a:effectRef>
+        <a:fontRef idx="minor">
+          <a:schemeClr val="lt1"/>
+        </a:fontRef>
+      </dsp:style>
+    </dsp:sp>
+    <dsp:sp modelId="{95C29363-8B96-584F-A45C-93A609CE0B41}">
+      <dsp:nvSpPr>
+        <dsp:cNvPr id="0" name=""/>
+        <dsp:cNvSpPr/>
+      </dsp:nvSpPr>
+      <dsp:spPr>
+        <a:xfrm>
+          <a:off x="8393114" y="196784"/>
+          <a:ext cx="784269" cy="784269"/>
+        </a:xfrm>
+        <a:prstGeom prst="ellipse">
+          <a:avLst/>
+        </a:prstGeom>
+        <a:solidFill>
+          <a:schemeClr val="accent5">
+            <a:hueOff val="0"/>
+            <a:satOff val="0"/>
+            <a:lumOff val="0"/>
+            <a:alphaOff val="0"/>
+          </a:schemeClr>
+        </a:solidFill>
+        <a:ln w="12700" cap="flat" cmpd="sng" algn="ctr">
+          <a:solidFill>
+            <a:schemeClr val="lt1">
+              <a:hueOff val="0"/>
+              <a:satOff val="0"/>
+              <a:lumOff val="0"/>
+              <a:alphaOff val="0"/>
+            </a:schemeClr>
+          </a:solidFill>
+          <a:prstDash val="solid"/>
+          <a:miter lim="800000"/>
+        </a:ln>
+        <a:effectLst/>
+      </dsp:spPr>
+      <dsp:style>
+        <a:lnRef idx="2">
+          <a:scrgbClr r="0" g="0" b="0"/>
+        </a:lnRef>
+        <a:fillRef idx="1">
+          <a:scrgbClr r="0" g="0" b="0"/>
+        </a:fillRef>
+        <a:effectRef idx="0">
+          <a:scrgbClr r="0" g="0" b="0"/>
+        </a:effectRef>
+        <a:fontRef idx="minor">
+          <a:schemeClr val="lt1"/>
+        </a:fontRef>
+      </dsp:style>
+      <dsp:txBody>
+        <a:bodyPr spcFirstLastPara="0" vert="horz" wrap="square" lIns="21590" tIns="21590" rIns="21590" bIns="21590" numCol="1" spcCol="1270" anchor="ctr" anchorCtr="0">
+          <a:noAutofit/>
+        </a:bodyPr>
+        <a:lstStyle/>
+        <a:p>
+          <a:pPr marL="0" lvl="0" indent="0" algn="ctr" defTabSz="755650">
+            <a:lnSpc>
+              <a:spcPct val="90000"/>
+            </a:lnSpc>
+            <a:spcBef>
+              <a:spcPct val="0"/>
+            </a:spcBef>
+            <a:spcAft>
+              <a:spcPct val="35000"/>
+            </a:spcAft>
+            <a:buNone/>
+          </a:pPr>
+          <a:r>
+            <a:rPr lang="en-US" sz="1700" kern="1200"/>
+            <a:t>6.840</a:t>
+          </a:r>
+        </a:p>
+      </dsp:txBody>
+      <dsp:txXfrm>
+        <a:off x="8507968" y="311638"/>
+        <a:ext cx="554561" cy="554561"/>
+      </dsp:txXfrm>
+    </dsp:sp>
+    <dsp:sp modelId="{4434C88F-D7A5-C64A-86FC-2221E77AC373}">
+      <dsp:nvSpPr>
+        <dsp:cNvPr id="0" name=""/>
+        <dsp:cNvSpPr/>
+      </dsp:nvSpPr>
+      <dsp:spPr>
+        <a:xfrm rot="10800000">
+          <a:off x="8579481" y="1230768"/>
+          <a:ext cx="411535" cy="321873"/>
+        </a:xfrm>
+        <a:prstGeom prst="triangle">
+          <a:avLst/>
+        </a:prstGeom>
+        <a:solidFill>
+          <a:schemeClr val="accent5">
+            <a:tint val="60000"/>
+            <a:hueOff val="0"/>
+            <a:satOff val="0"/>
+            <a:lumOff val="0"/>
+            <a:alphaOff val="0"/>
+          </a:schemeClr>
+        </a:solidFill>
+        <a:ln>
+          <a:noFill/>
+        </a:ln>
+        <a:effectLst/>
+      </dsp:spPr>
+      <dsp:style>
+        <a:lnRef idx="0">
+          <a:scrgbClr r="0" g="0" b="0"/>
+        </a:lnRef>
+        <a:fillRef idx="1">
+          <a:scrgbClr r="0" g="0" b="0"/>
+        </a:fillRef>
+        <a:effectRef idx="0">
+          <a:scrgbClr r="0" g="0" b="0"/>
+        </a:effectRef>
+        <a:fontRef idx="minor">
+          <a:schemeClr val="lt1"/>
+        </a:fontRef>
+      </dsp:style>
+    </dsp:sp>
+    <dsp:sp modelId="{6DEE8ECE-CE02-134A-8916-723EC664AA81}">
+      <dsp:nvSpPr>
+        <dsp:cNvPr id="0" name=""/>
+        <dsp:cNvSpPr/>
+      </dsp:nvSpPr>
+      <dsp:spPr>
+        <a:xfrm>
+          <a:off x="8393114" y="1784137"/>
+          <a:ext cx="784269" cy="784269"/>
+        </a:xfrm>
+        <a:prstGeom prst="ellipse">
+          <a:avLst/>
+        </a:prstGeom>
+        <a:solidFill>
+          <a:schemeClr val="accent5">
+            <a:hueOff val="0"/>
+            <a:satOff val="0"/>
+            <a:lumOff val="0"/>
+            <a:alphaOff val="0"/>
+          </a:schemeClr>
+        </a:solidFill>
+        <a:ln w="12700" cap="flat" cmpd="sng" algn="ctr">
+          <a:solidFill>
+            <a:schemeClr val="lt1">
+              <a:hueOff val="0"/>
+              <a:satOff val="0"/>
+              <a:lumOff val="0"/>
+              <a:alphaOff val="0"/>
+            </a:schemeClr>
+          </a:solidFill>
+          <a:prstDash val="solid"/>
+          <a:miter lim="800000"/>
+        </a:ln>
+        <a:effectLst/>
+      </dsp:spPr>
+      <dsp:style>
+        <a:lnRef idx="2">
+          <a:scrgbClr r="0" g="0" b="0"/>
+        </a:lnRef>
+        <a:fillRef idx="1">
+          <a:scrgbClr r="0" g="0" b="0"/>
+        </a:fillRef>
+        <a:effectRef idx="0">
+          <a:scrgbClr r="0" g="0" b="0"/>
+        </a:effectRef>
+        <a:fontRef idx="minor">
+          <a:schemeClr val="lt1"/>
+        </a:fontRef>
+      </dsp:style>
+      <dsp:txBody>
+        <a:bodyPr spcFirstLastPara="0" vert="horz" wrap="square" lIns="21590" tIns="21590" rIns="21590" bIns="21590" numCol="1" spcCol="1270" anchor="ctr" anchorCtr="0">
+          <a:noAutofit/>
+        </a:bodyPr>
+        <a:lstStyle/>
+        <a:p>
+          <a:pPr marL="0" lvl="0" indent="0" algn="ctr" defTabSz="755650">
+            <a:lnSpc>
+              <a:spcPct val="90000"/>
+            </a:lnSpc>
+            <a:spcBef>
+              <a:spcPct val="0"/>
+            </a:spcBef>
+            <a:spcAft>
+              <a:spcPct val="35000"/>
+            </a:spcAft>
+            <a:buNone/>
+          </a:pPr>
+          <a:r>
+            <a:rPr lang="en-US" sz="1700" kern="1200"/>
+            <a:t>6.033</a:t>
+          </a:r>
+        </a:p>
+      </dsp:txBody>
+      <dsp:txXfrm>
+        <a:off x="8507968" y="1898991"/>
+        <a:ext cx="554561" cy="554561"/>
+      </dsp:txXfrm>
+    </dsp:sp>
+    <dsp:sp modelId="{3A1C1397-A97D-3641-9494-BFB2A72AAD67}">
+      <dsp:nvSpPr>
+        <dsp:cNvPr id="0" name=""/>
+        <dsp:cNvSpPr/>
+      </dsp:nvSpPr>
+      <dsp:spPr>
+        <a:xfrm rot="10800000">
+          <a:off x="8579481" y="2720234"/>
+          <a:ext cx="411535" cy="321873"/>
+        </a:xfrm>
+        <a:prstGeom prst="triangle">
+          <a:avLst/>
+        </a:prstGeom>
+        <a:solidFill>
+          <a:schemeClr val="accent5">
+            <a:tint val="60000"/>
+            <a:hueOff val="0"/>
+            <a:satOff val="0"/>
+            <a:lumOff val="0"/>
+            <a:alphaOff val="0"/>
+          </a:schemeClr>
+        </a:solidFill>
+        <a:ln>
+          <a:noFill/>
+        </a:ln>
+        <a:effectLst/>
+      </dsp:spPr>
+      <dsp:style>
+        <a:lnRef idx="0">
+          <a:scrgbClr r="0" g="0" b="0"/>
+        </a:lnRef>
+        <a:fillRef idx="1">
+          <a:scrgbClr r="0" g="0" b="0"/>
+        </a:fillRef>
+        <a:effectRef idx="0">
+          <a:scrgbClr r="0" g="0" b="0"/>
+        </a:effectRef>
+        <a:fontRef idx="minor">
+          <a:schemeClr val="lt1"/>
+        </a:fontRef>
+      </dsp:style>
+    </dsp:sp>
+    <dsp:sp modelId="{C152572B-D491-5144-BC68-CCE9FD9519D2}">
+      <dsp:nvSpPr>
+        <dsp:cNvPr id="0" name=""/>
+        <dsp:cNvSpPr/>
+      </dsp:nvSpPr>
+      <dsp:spPr>
+        <a:xfrm>
+          <a:off x="8197341" y="3175716"/>
+          <a:ext cx="1175816" cy="1175816"/>
+        </a:xfrm>
+        <a:prstGeom prst="ellipse">
+          <a:avLst/>
+        </a:prstGeom>
+        <a:solidFill>
+          <a:schemeClr val="accent5">
+            <a:hueOff val="0"/>
+            <a:satOff val="0"/>
+            <a:lumOff val="0"/>
+            <a:alphaOff val="0"/>
+          </a:schemeClr>
+        </a:solidFill>
+        <a:ln w="12700" cap="flat" cmpd="sng" algn="ctr">
+          <a:solidFill>
+            <a:schemeClr val="lt1">
+              <a:hueOff val="0"/>
+              <a:satOff val="0"/>
+              <a:lumOff val="0"/>
+              <a:alphaOff val="0"/>
+            </a:schemeClr>
+          </a:solidFill>
+          <a:prstDash val="solid"/>
+          <a:miter lim="800000"/>
+        </a:ln>
+        <a:effectLst/>
+      </dsp:spPr>
+      <dsp:style>
+        <a:lnRef idx="2">
+          <a:scrgbClr r="0" g="0" b="0"/>
+        </a:lnRef>
+        <a:fillRef idx="1">
+          <a:scrgbClr r="0" g="0" b="0"/>
+        </a:fillRef>
+        <a:effectRef idx="0">
+          <a:scrgbClr r="0" g="0" b="0"/>
+        </a:effectRef>
+        <a:fontRef idx="minor">
+          <a:schemeClr val="lt1"/>
+        </a:fontRef>
+      </dsp:style>
+      <dsp:txBody>
+        <a:bodyPr spcFirstLastPara="0" vert="horz" wrap="square" lIns="33020" tIns="33020" rIns="33020" bIns="33020" numCol="1" spcCol="1270" anchor="ctr" anchorCtr="0">
+          <a:noAutofit/>
+        </a:bodyPr>
+        <a:lstStyle/>
+        <a:p>
+          <a:pPr marL="0" lvl="0" indent="0" algn="ctr" defTabSz="1155700">
+            <a:lnSpc>
+              <a:spcPct val="90000"/>
+            </a:lnSpc>
+            <a:spcBef>
+              <a:spcPct val="0"/>
+            </a:spcBef>
+            <a:spcAft>
+              <a:spcPct val="35000"/>
+            </a:spcAft>
+            <a:buNone/>
+          </a:pPr>
+          <a:r>
+            <a:rPr lang="en-US" sz="2600" kern="1200"/>
+            <a:t>6.857</a:t>
+          </a:r>
+        </a:p>
+      </dsp:txBody>
+      <dsp:txXfrm>
+        <a:off x="8369535" y="3347910"/>
+        <a:ext cx="831428" cy="831428"/>
+      </dsp:txXfrm>
+    </dsp:sp>
+  </dsp:spTree>
+</dsp:drawing>
+</file>
+
+<file path=ppt/diagrams/drawing2.xml><?xml version="1.0" encoding="utf-8"?>
 <dsp:drawing xmlns:dgm="http://schemas.openxmlformats.org/drawingml/2006/diagram" xmlns:dsp="http://schemas.microsoft.com/office/drawing/2008/diagram" xmlns:a="http://schemas.openxmlformats.org/drawingml/2006/main">
   <dsp:spTree>
     <dsp:nvGrpSpPr>
@@ -1523,6 +5002,316 @@
 </file>
 
 <file path=ppt/diagrams/layout1.xml><?xml version="1.0" encoding="utf-8"?>
+<dgm:layoutDef xmlns:dgm="http://schemas.openxmlformats.org/drawingml/2006/diagram" xmlns:a="http://schemas.openxmlformats.org/drawingml/2006/main" uniqueId="urn:microsoft.com/office/officeart/2005/8/layout/bProcess2">
+  <dgm:title val=""/>
+  <dgm:desc val=""/>
+  <dgm:catLst>
+    <dgm:cat type="process" pri="24000"/>
+  </dgm:catLst>
+  <dgm:sampData>
+    <dgm:dataModel>
+      <dgm:ptLst>
+        <dgm:pt modelId="0" type="doc"/>
+        <dgm:pt modelId="1">
+          <dgm:prSet phldr="1"/>
+        </dgm:pt>
+        <dgm:pt modelId="2">
+          <dgm:prSet phldr="1"/>
+        </dgm:pt>
+        <dgm:pt modelId="3">
+          <dgm:prSet phldr="1"/>
+        </dgm:pt>
+        <dgm:pt modelId="4">
+          <dgm:prSet phldr="1"/>
+        </dgm:pt>
+        <dgm:pt modelId="5">
+          <dgm:prSet phldr="1"/>
+        </dgm:pt>
+        <dgm:pt modelId="6">
+          <dgm:prSet phldr="1"/>
+        </dgm:pt>
+        <dgm:pt modelId="7">
+          <dgm:prSet phldr="1"/>
+        </dgm:pt>
+        <dgm:pt modelId="8">
+          <dgm:prSet phldr="1"/>
+        </dgm:pt>
+        <dgm:pt modelId="9">
+          <dgm:prSet phldr="1"/>
+        </dgm:pt>
+      </dgm:ptLst>
+      <dgm:cxnLst>
+        <dgm:cxn modelId="10" srcId="0" destId="1" srcOrd="0" destOrd="0"/>
+        <dgm:cxn modelId="11" srcId="0" destId="2" srcOrd="1" destOrd="0"/>
+        <dgm:cxn modelId="12" srcId="0" destId="3" srcOrd="2" destOrd="0"/>
+        <dgm:cxn modelId="13" srcId="0" destId="4" srcOrd="3" destOrd="0"/>
+        <dgm:cxn modelId="14" srcId="0" destId="5" srcOrd="4" destOrd="0"/>
+        <dgm:cxn modelId="15" srcId="0" destId="6" srcOrd="5" destOrd="0"/>
+        <dgm:cxn modelId="16" srcId="0" destId="7" srcOrd="6" destOrd="0"/>
+        <dgm:cxn modelId="17" srcId="0" destId="8" srcOrd="7" destOrd="0"/>
+        <dgm:cxn modelId="18" srcId="0" destId="9" srcOrd="8" destOrd="0"/>
+      </dgm:cxnLst>
+      <dgm:bg/>
+      <dgm:whole/>
+    </dgm:dataModel>
+  </dgm:sampData>
+  <dgm:styleData>
+    <dgm:dataModel>
+      <dgm:ptLst>
+        <dgm:pt modelId="0" type="doc"/>
+        <dgm:pt modelId="1"/>
+        <dgm:pt modelId="2"/>
+      </dgm:ptLst>
+      <dgm:cxnLst>
+        <dgm:cxn modelId="3" srcId="0" destId="1" srcOrd="0" destOrd="0"/>
+        <dgm:cxn modelId="4" srcId="0" destId="2" srcOrd="1" destOrd="0"/>
+      </dgm:cxnLst>
+      <dgm:bg/>
+      <dgm:whole/>
+    </dgm:dataModel>
+  </dgm:styleData>
+  <dgm:clrData>
+    <dgm:dataModel>
+      <dgm:ptLst>
+        <dgm:pt modelId="0" type="doc"/>
+        <dgm:pt modelId="1"/>
+        <dgm:pt modelId="2"/>
+        <dgm:pt modelId="3"/>
+        <dgm:pt modelId="4"/>
+        <dgm:pt modelId="5"/>
+        <dgm:pt modelId="6"/>
+      </dgm:ptLst>
+      <dgm:cxnLst>
+        <dgm:cxn modelId="7" srcId="0" destId="1" srcOrd="0" destOrd="0"/>
+        <dgm:cxn modelId="8" srcId="0" destId="2" srcOrd="1" destOrd="0"/>
+        <dgm:cxn modelId="9" srcId="0" destId="3" srcOrd="2" destOrd="0"/>
+        <dgm:cxn modelId="10" srcId="0" destId="4" srcOrd="3" destOrd="0"/>
+        <dgm:cxn modelId="11" srcId="0" destId="5" srcOrd="4" destOrd="0"/>
+        <dgm:cxn modelId="12" srcId="0" destId="6" srcOrd="5" destOrd="0"/>
+      </dgm:cxnLst>
+      <dgm:bg/>
+      <dgm:whole/>
+    </dgm:dataModel>
+  </dgm:clrData>
+  <dgm:layoutNode name="diagram">
+    <dgm:varLst>
+      <dgm:dir/>
+      <dgm:resizeHandles/>
+    </dgm:varLst>
+    <dgm:choose name="Name0">
+      <dgm:if name="Name1" func="var" arg="dir" op="equ" val="norm">
+        <dgm:alg type="snake">
+          <dgm:param type="grDir" val="tL"/>
+          <dgm:param type="flowDir" val="col"/>
+          <dgm:param type="contDir" val="revDir"/>
+        </dgm:alg>
+      </dgm:if>
+      <dgm:else name="Name2">
+        <dgm:alg type="snake">
+          <dgm:param type="grDir" val="tR"/>
+          <dgm:param type="flowDir" val="col"/>
+          <dgm:param type="contDir" val="revDir"/>
+        </dgm:alg>
+      </dgm:else>
+    </dgm:choose>
+    <dgm:shape xmlns:r="http://schemas.openxmlformats.org/officeDocument/2006/relationships" r:blip="">
+      <dgm:adjLst/>
+    </dgm:shape>
+    <dgm:presOf/>
+    <dgm:constrLst>
+      <dgm:constr type="w" for="ch" forName="firstNode" refType="w"/>
+      <dgm:constr type="w" for="ch" forName="lastNode" refType="w" refFor="ch" refForName="firstNode" op="equ"/>
+      <dgm:constr type="w" for="ch" forName="middleNode" refType="w" refFor="ch" refForName="firstNode" op="equ"/>
+      <dgm:constr type="h" for="ch" ptType="sibTrans" refType="w" refFor="ch" refForName="middleNode" op="equ" fact="0.35"/>
+      <dgm:constr type="sp" refType="w" refFor="ch" refForName="middleNode" fact="0.5"/>
+      <dgm:constr type="connDist" for="des" ptType="sibTrans" op="equ"/>
+      <dgm:constr type="primFontSz" for="ch" forName="firstNode" val="65"/>
+      <dgm:constr type="primFontSz" for="ch" forName="lastNode" refType="primFontSz" refFor="ch" refForName="firstNode" op="equ"/>
+      <dgm:constr type="primFontSz" for="des" forName="shape" val="65"/>
+      <dgm:constr type="primFontSz" for="des" forName="shape" refType="primFontSz" refFor="ch" refForName="firstNode" op="lte"/>
+      <dgm:constr type="primFontSz" for="des" forName="shape" refType="primFontSz" refFor="ch" refForName="lastNode" op="lte"/>
+    </dgm:constrLst>
+    <dgm:ruleLst/>
+    <dgm:forEach name="Name3" axis="ch" ptType="node">
+      <dgm:choose name="Name4">
+        <dgm:if name="Name5" axis="self" ptType="node" func="pos" op="equ" val="1">
+          <dgm:layoutNode name="firstNode">
+            <dgm:varLst>
+              <dgm:bulletEnabled val="1"/>
+            </dgm:varLst>
+            <dgm:alg type="tx">
+              <dgm:param type="txAnchorVertCh" val="mid"/>
+            </dgm:alg>
+            <dgm:shape xmlns:r="http://schemas.openxmlformats.org/officeDocument/2006/relationships" type="ellipse" r:blip="">
+              <dgm:adjLst/>
+            </dgm:shape>
+            <dgm:presOf axis="desOrSelf" ptType="node"/>
+            <dgm:constrLst>
+              <dgm:constr type="h" refType="w"/>
+              <dgm:constr type="tMarg" refType="primFontSz" fact="0.1"/>
+              <dgm:constr type="bMarg" refType="primFontSz" fact="0.1"/>
+              <dgm:constr type="lMarg" refType="primFontSz" fact="0.1"/>
+              <dgm:constr type="rMarg" refType="primFontSz" fact="0.1"/>
+            </dgm:constrLst>
+            <dgm:ruleLst>
+              <dgm:rule type="primFontSz" val="5" fact="NaN" max="NaN"/>
+            </dgm:ruleLst>
+          </dgm:layoutNode>
+        </dgm:if>
+        <dgm:if name="Name6" axis="self" ptType="node" func="revPos" op="equ" val="1">
+          <dgm:layoutNode name="lastNode">
+            <dgm:varLst>
+              <dgm:bulletEnabled val="1"/>
+            </dgm:varLst>
+            <dgm:alg type="tx">
+              <dgm:param type="txAnchorVertCh" val="mid"/>
+            </dgm:alg>
+            <dgm:shape xmlns:r="http://schemas.openxmlformats.org/officeDocument/2006/relationships" type="ellipse" r:blip="">
+              <dgm:adjLst/>
+            </dgm:shape>
+            <dgm:presOf axis="desOrSelf" ptType="node"/>
+            <dgm:constrLst>
+              <dgm:constr type="h" refType="w"/>
+              <dgm:constr type="tMarg" refType="primFontSz" fact="0.1"/>
+              <dgm:constr type="bMarg" refType="primFontSz" fact="0.1"/>
+              <dgm:constr type="lMarg" refType="primFontSz" fact="0.1"/>
+              <dgm:constr type="rMarg" refType="primFontSz" fact="0.1"/>
+            </dgm:constrLst>
+            <dgm:ruleLst>
+              <dgm:rule type="primFontSz" val="5" fact="NaN" max="NaN"/>
+            </dgm:ruleLst>
+          </dgm:layoutNode>
+        </dgm:if>
+        <dgm:else name="Name7">
+          <dgm:layoutNode name="middleNode">
+            <dgm:alg type="composite"/>
+            <dgm:shape xmlns:r="http://schemas.openxmlformats.org/officeDocument/2006/relationships" r:blip="">
+              <dgm:adjLst/>
+            </dgm:shape>
+            <dgm:presOf/>
+            <dgm:constrLst>
+              <dgm:constr type="h" refType="w"/>
+              <dgm:constr type="w" for="ch" forName="padding" refType="w"/>
+              <dgm:constr type="h" for="ch" forName="padding" refType="h"/>
+              <dgm:constr type="w" for="ch" forName="shape" refType="w" fact="0.667"/>
+              <dgm:constr type="h" for="ch" forName="shape" refType="h" fact="0.667"/>
+              <dgm:constr type="ctrX" for="ch" forName="shape" refType="w" fact="0.5"/>
+              <dgm:constr type="ctrY" for="ch" forName="shape" refType="h" fact="0.5"/>
+            </dgm:constrLst>
+            <dgm:ruleLst/>
+            <dgm:layoutNode name="padding">
+              <dgm:alg type="sp"/>
+              <dgm:shape xmlns:r="http://schemas.openxmlformats.org/officeDocument/2006/relationships" type="ellipse" r:blip="" hideGeom="1">
+                <dgm:adjLst/>
+              </dgm:shape>
+              <dgm:presOf/>
+              <dgm:constrLst/>
+              <dgm:ruleLst/>
+            </dgm:layoutNode>
+            <dgm:layoutNode name="shape">
+              <dgm:varLst>
+                <dgm:bulletEnabled val="1"/>
+              </dgm:varLst>
+              <dgm:alg type="tx">
+                <dgm:param type="txAnchorVertCh" val="mid"/>
+              </dgm:alg>
+              <dgm:shape xmlns:r="http://schemas.openxmlformats.org/officeDocument/2006/relationships" type="ellipse" r:blip="">
+                <dgm:adjLst/>
+              </dgm:shape>
+              <dgm:presOf axis="desOrSelf" ptType="node"/>
+              <dgm:constrLst>
+                <dgm:constr type="h" refType="w"/>
+                <dgm:constr type="tMarg" refType="primFontSz" fact="0.1"/>
+                <dgm:constr type="bMarg" refType="primFontSz" fact="0.1"/>
+                <dgm:constr type="lMarg" refType="primFontSz" fact="0.1"/>
+                <dgm:constr type="rMarg" refType="primFontSz" fact="0.1"/>
+              </dgm:constrLst>
+              <dgm:ruleLst>
+                <dgm:rule type="primFontSz" val="5" fact="NaN" max="NaN"/>
+              </dgm:ruleLst>
+            </dgm:layoutNode>
+          </dgm:layoutNode>
+        </dgm:else>
+      </dgm:choose>
+      <dgm:forEach name="Name8" axis="followSib" ptType="sibTrans" cnt="1">
+        <dgm:layoutNode name="sibTrans">
+          <dgm:choose name="Name9">
+            <dgm:if name="Name10" func="var" arg="dir" op="equ" val="norm">
+              <dgm:choose name="Name11">
+                <dgm:if name="Name12" axis="self" ptType="sibTrans" func="pos" op="equ" val="1">
+                  <dgm:alg type="conn">
+                    <dgm:param type="begPts" val="auto"/>
+                    <dgm:param type="endPts" val="auto"/>
+                    <dgm:param type="srcNode" val="firstNode"/>
+                    <dgm:param type="dstNode" val="shape"/>
+                  </dgm:alg>
+                </dgm:if>
+                <dgm:if name="Name13" axis="self" ptType="sibTrans" func="revPos" op="equ" val="1">
+                  <dgm:alg type="conn">
+                    <dgm:param type="begPts" val="auto"/>
+                    <dgm:param type="endPts" val="auto"/>
+                    <dgm:param type="srcNode" val="shape"/>
+                    <dgm:param type="dstNode" val="lastNode"/>
+                  </dgm:alg>
+                </dgm:if>
+                <dgm:else name="Name14">
+                  <dgm:alg type="conn">
+                    <dgm:param type="begPts" val="auto"/>
+                    <dgm:param type="endPts" val="auto"/>
+                    <dgm:param type="srcNode" val="shape"/>
+                    <dgm:param type="dstNode" val="shape"/>
+                  </dgm:alg>
+                </dgm:else>
+              </dgm:choose>
+            </dgm:if>
+            <dgm:else name="Name15">
+              <dgm:choose name="Name16">
+                <dgm:if name="Name17" axis="self" ptType="sibTrans" func="pos" op="equ" val="1">
+                  <dgm:alg type="conn">
+                    <dgm:param type="begPts" val="auto"/>
+                    <dgm:param type="endPts" val="auto"/>
+                    <dgm:param type="srcNode" val="firstNode"/>
+                    <dgm:param type="dstNode" val="shape"/>
+                  </dgm:alg>
+                </dgm:if>
+                <dgm:if name="Name18" axis="self" ptType="sibTrans" func="revPos" op="equ" val="1">
+                  <dgm:alg type="conn">
+                    <dgm:param type="begPts" val="auto"/>
+                    <dgm:param type="endPts" val="auto"/>
+                    <dgm:param type="srcNode" val="shape"/>
+                    <dgm:param type="dstNode" val="lastNode"/>
+                  </dgm:alg>
+                </dgm:if>
+                <dgm:else name="Name19">
+                  <dgm:alg type="conn">
+                    <dgm:param type="begPts" val="auto"/>
+                    <dgm:param type="endPts" val="auto"/>
+                    <dgm:param type="srcNode" val="shape"/>
+                    <dgm:param type="dstNode" val="shape"/>
+                  </dgm:alg>
+                </dgm:else>
+              </dgm:choose>
+            </dgm:else>
+          </dgm:choose>
+          <dgm:shape xmlns:r="http://schemas.openxmlformats.org/officeDocument/2006/relationships" rot="90" type="triangle" r:blip="">
+            <dgm:adjLst/>
+          </dgm:shape>
+          <dgm:presOf axis="self"/>
+          <dgm:constrLst>
+            <dgm:constr type="w" refType="h"/>
+            <dgm:constr type="connDist"/>
+            <dgm:constr type="begPad" refType="connDist" fact="0.25"/>
+            <dgm:constr type="endPad" refType="connDist" fact="0.22"/>
+          </dgm:constrLst>
+          <dgm:ruleLst/>
+        </dgm:layoutNode>
+      </dgm:forEach>
+    </dgm:forEach>
+  </dgm:layoutNode>
+</dgm:layoutDef>
+</file>
+
+<file path=ppt/diagrams/layout2.xml><?xml version="1.0" encoding="utf-8"?>
 <dgm:layoutDef xmlns:dgm="http://schemas.openxmlformats.org/drawingml/2006/diagram" xmlns:a="http://schemas.openxmlformats.org/drawingml/2006/main" uniqueId="urn:microsoft.com/office/officeart/2005/8/layout/hierarchy1">
   <dgm:title val=""/>
   <dgm:desc val=""/>
@@ -2086,6 +5875,1040 @@
 </file>
 
 <file path=ppt/diagrams/quickStyle1.xml><?xml version="1.0" encoding="utf-8"?>
+<dgm:styleDef xmlns:dgm="http://schemas.openxmlformats.org/drawingml/2006/diagram" xmlns:a="http://schemas.openxmlformats.org/drawingml/2006/main" uniqueId="urn:microsoft.com/office/officeart/2005/8/quickstyle/simple1">
+  <dgm:title val=""/>
+  <dgm:desc val=""/>
+  <dgm:catLst>
+    <dgm:cat type="simple" pri="10100"/>
+  </dgm:catLst>
+  <dgm:scene3d>
+    <a:camera prst="orthographicFront"/>
+    <a:lightRig rig="threePt" dir="t"/>
+  </dgm:scene3d>
+  <dgm:styleLbl name="node0">
+    <dgm:scene3d>
+      <a:camera prst="orthographicFront"/>
+      <a:lightRig rig="threePt" dir="t"/>
+    </dgm:scene3d>
+    <dgm:sp3d/>
+    <dgm:txPr/>
+    <dgm:style>
+      <a:lnRef idx="2">
+        <a:scrgbClr r="0" g="0" b="0"/>
+      </a:lnRef>
+      <a:fillRef idx="1">
+        <a:scrgbClr r="0" g="0" b="0"/>
+      </a:fillRef>
+      <a:effectRef idx="0">
+        <a:scrgbClr r="0" g="0" b="0"/>
+      </a:effectRef>
+      <a:fontRef idx="minor">
+        <a:schemeClr val="lt1"/>
+      </a:fontRef>
+    </dgm:style>
+  </dgm:styleLbl>
+  <dgm:styleLbl name="lnNode1">
+    <dgm:scene3d>
+      <a:camera prst="orthographicFront"/>
+      <a:lightRig rig="threePt" dir="t"/>
+    </dgm:scene3d>
+    <dgm:sp3d/>
+    <dgm:txPr/>
+    <dgm:style>
+      <a:lnRef idx="2">
+        <a:scrgbClr r="0" g="0" b="0"/>
+      </a:lnRef>
+      <a:fillRef idx="1">
+        <a:scrgbClr r="0" g="0" b="0"/>
+      </a:fillRef>
+      <a:effectRef idx="0">
+        <a:scrgbClr r="0" g="0" b="0"/>
+      </a:effectRef>
+      <a:fontRef idx="minor">
+        <a:schemeClr val="lt1"/>
+      </a:fontRef>
+    </dgm:style>
+  </dgm:styleLbl>
+  <dgm:styleLbl name="vennNode1">
+    <dgm:scene3d>
+      <a:camera prst="orthographicFront"/>
+      <a:lightRig rig="threePt" dir="t"/>
+    </dgm:scene3d>
+    <dgm:sp3d/>
+    <dgm:txPr/>
+    <dgm:style>
+      <a:lnRef idx="2">
+        <a:scrgbClr r="0" g="0" b="0"/>
+      </a:lnRef>
+      <a:fillRef idx="1">
+        <a:scrgbClr r="0" g="0" b="0"/>
+      </a:fillRef>
+      <a:effectRef idx="0">
+        <a:scrgbClr r="0" g="0" b="0"/>
+      </a:effectRef>
+      <a:fontRef idx="minor">
+        <a:schemeClr val="tx1"/>
+      </a:fontRef>
+    </dgm:style>
+  </dgm:styleLbl>
+  <dgm:styleLbl name="alignNode1">
+    <dgm:scene3d>
+      <a:camera prst="orthographicFront"/>
+      <a:lightRig rig="threePt" dir="t"/>
+    </dgm:scene3d>
+    <dgm:sp3d/>
+    <dgm:txPr/>
+    <dgm:style>
+      <a:lnRef idx="2">
+        <a:scrgbClr r="0" g="0" b="0"/>
+      </a:lnRef>
+      <a:fillRef idx="1">
+        <a:scrgbClr r="0" g="0" b="0"/>
+      </a:fillRef>
+      <a:effectRef idx="0">
+        <a:scrgbClr r="0" g="0" b="0"/>
+      </a:effectRef>
+      <a:fontRef idx="minor">
+        <a:schemeClr val="lt1"/>
+      </a:fontRef>
+    </dgm:style>
+  </dgm:styleLbl>
+  <dgm:styleLbl name="node1">
+    <dgm:scene3d>
+      <a:camera prst="orthographicFront"/>
+      <a:lightRig rig="threePt" dir="t"/>
+    </dgm:scene3d>
+    <dgm:sp3d/>
+    <dgm:txPr/>
+    <dgm:style>
+      <a:lnRef idx="2">
+        <a:scrgbClr r="0" g="0" b="0"/>
+      </a:lnRef>
+      <a:fillRef idx="1">
+        <a:scrgbClr r="0" g="0" b="0"/>
+      </a:fillRef>
+      <a:effectRef idx="0">
+        <a:scrgbClr r="0" g="0" b="0"/>
+      </a:effectRef>
+      <a:fontRef idx="minor">
+        <a:schemeClr val="lt1"/>
+      </a:fontRef>
+    </dgm:style>
+  </dgm:styleLbl>
+  <dgm:styleLbl name="node2">
+    <dgm:scene3d>
+      <a:camera prst="orthographicFront"/>
+      <a:lightRig rig="threePt" dir="t"/>
+    </dgm:scene3d>
+    <dgm:sp3d/>
+    <dgm:txPr/>
+    <dgm:style>
+      <a:lnRef idx="2">
+        <a:scrgbClr r="0" g="0" b="0"/>
+      </a:lnRef>
+      <a:fillRef idx="1">
+        <a:scrgbClr r="0" g="0" b="0"/>
+      </a:fillRef>
+      <a:effectRef idx="0">
+        <a:scrgbClr r="0" g="0" b="0"/>
+      </a:effectRef>
+      <a:fontRef idx="minor">
+        <a:schemeClr val="lt1"/>
+      </a:fontRef>
+    </dgm:style>
+  </dgm:styleLbl>
+  <dgm:styleLbl name="node3">
+    <dgm:scene3d>
+      <a:camera prst="orthographicFront"/>
+      <a:lightRig rig="threePt" dir="t"/>
+    </dgm:scene3d>
+    <dgm:sp3d/>
+    <dgm:txPr/>
+    <dgm:style>
+      <a:lnRef idx="2">
+        <a:scrgbClr r="0" g="0" b="0"/>
+      </a:lnRef>
+      <a:fillRef idx="1">
+        <a:scrgbClr r="0" g="0" b="0"/>
+      </a:fillRef>
+      <a:effectRef idx="0">
+        <a:scrgbClr r="0" g="0" b="0"/>
+      </a:effectRef>
+      <a:fontRef idx="minor">
+        <a:schemeClr val="lt1"/>
+      </a:fontRef>
+    </dgm:style>
+  </dgm:styleLbl>
+  <dgm:styleLbl name="node4">
+    <dgm:scene3d>
+      <a:camera prst="orthographicFront"/>
+      <a:lightRig rig="threePt" dir="t"/>
+    </dgm:scene3d>
+    <dgm:sp3d/>
+    <dgm:txPr/>
+    <dgm:style>
+      <a:lnRef idx="2">
+        <a:scrgbClr r="0" g="0" b="0"/>
+      </a:lnRef>
+      <a:fillRef idx="1">
+        <a:scrgbClr r="0" g="0" b="0"/>
+      </a:fillRef>
+      <a:effectRef idx="0">
+        <a:scrgbClr r="0" g="0" b="0"/>
+      </a:effectRef>
+      <a:fontRef idx="minor">
+        <a:schemeClr val="lt1"/>
+      </a:fontRef>
+    </dgm:style>
+  </dgm:styleLbl>
+  <dgm:styleLbl name="fgImgPlace1">
+    <dgm:scene3d>
+      <a:camera prst="orthographicFront"/>
+      <a:lightRig rig="threePt" dir="t"/>
+    </dgm:scene3d>
+    <dgm:sp3d/>
+    <dgm:txPr/>
+    <dgm:style>
+      <a:lnRef idx="2">
+        <a:scrgbClr r="0" g="0" b="0"/>
+      </a:lnRef>
+      <a:fillRef idx="1">
+        <a:scrgbClr r="0" g="0" b="0"/>
+      </a:fillRef>
+      <a:effectRef idx="0">
+        <a:scrgbClr r="0" g="0" b="0"/>
+      </a:effectRef>
+      <a:fontRef idx="minor"/>
+    </dgm:style>
+  </dgm:styleLbl>
+  <dgm:styleLbl name="alignImgPlace1">
+    <dgm:scene3d>
+      <a:camera prst="orthographicFront"/>
+      <a:lightRig rig="threePt" dir="t"/>
+    </dgm:scene3d>
+    <dgm:sp3d/>
+    <dgm:txPr/>
+    <dgm:style>
+      <a:lnRef idx="2">
+        <a:scrgbClr r="0" g="0" b="0"/>
+      </a:lnRef>
+      <a:fillRef idx="1">
+        <a:scrgbClr r="0" g="0" b="0"/>
+      </a:fillRef>
+      <a:effectRef idx="0">
+        <a:scrgbClr r="0" g="0" b="0"/>
+      </a:effectRef>
+      <a:fontRef idx="minor"/>
+    </dgm:style>
+  </dgm:styleLbl>
+  <dgm:styleLbl name="bgImgPlace1">
+    <dgm:scene3d>
+      <a:camera prst="orthographicFront"/>
+      <a:lightRig rig="threePt" dir="t"/>
+    </dgm:scene3d>
+    <dgm:sp3d/>
+    <dgm:txPr/>
+    <dgm:style>
+      <a:lnRef idx="2">
+        <a:scrgbClr r="0" g="0" b="0"/>
+      </a:lnRef>
+      <a:fillRef idx="1">
+        <a:scrgbClr r="0" g="0" b="0"/>
+      </a:fillRef>
+      <a:effectRef idx="0">
+        <a:scrgbClr r="0" g="0" b="0"/>
+      </a:effectRef>
+      <a:fontRef idx="minor"/>
+    </dgm:style>
+  </dgm:styleLbl>
+  <dgm:styleLbl name="sibTrans2D1">
+    <dgm:scene3d>
+      <a:camera prst="orthographicFront"/>
+      <a:lightRig rig="threePt" dir="t"/>
+    </dgm:scene3d>
+    <dgm:sp3d/>
+    <dgm:txPr/>
+    <dgm:style>
+      <a:lnRef idx="0">
+        <a:scrgbClr r="0" g="0" b="0"/>
+      </a:lnRef>
+      <a:fillRef idx="1">
+        <a:scrgbClr r="0" g="0" b="0"/>
+      </a:fillRef>
+      <a:effectRef idx="0">
+        <a:scrgbClr r="0" g="0" b="0"/>
+      </a:effectRef>
+      <a:fontRef idx="minor">
+        <a:schemeClr val="lt1"/>
+      </a:fontRef>
+    </dgm:style>
+  </dgm:styleLbl>
+  <dgm:styleLbl name="fgSibTrans2D1">
+    <dgm:scene3d>
+      <a:camera prst="orthographicFront"/>
+      <a:lightRig rig="threePt" dir="t"/>
+    </dgm:scene3d>
+    <dgm:sp3d/>
+    <dgm:txPr/>
+    <dgm:style>
+      <a:lnRef idx="0">
+        <a:scrgbClr r="0" g="0" b="0"/>
+      </a:lnRef>
+      <a:fillRef idx="1">
+        <a:scrgbClr r="0" g="0" b="0"/>
+      </a:fillRef>
+      <a:effectRef idx="0">
+        <a:scrgbClr r="0" g="0" b="0"/>
+      </a:effectRef>
+      <a:fontRef idx="minor">
+        <a:schemeClr val="lt1"/>
+      </a:fontRef>
+    </dgm:style>
+  </dgm:styleLbl>
+  <dgm:styleLbl name="bgSibTrans2D1">
+    <dgm:scene3d>
+      <a:camera prst="orthographicFront"/>
+      <a:lightRig rig="threePt" dir="t"/>
+    </dgm:scene3d>
+    <dgm:sp3d/>
+    <dgm:txPr/>
+    <dgm:style>
+      <a:lnRef idx="0">
+        <a:scrgbClr r="0" g="0" b="0"/>
+      </a:lnRef>
+      <a:fillRef idx="1">
+        <a:scrgbClr r="0" g="0" b="0"/>
+      </a:fillRef>
+      <a:effectRef idx="0">
+        <a:scrgbClr r="0" g="0" b="0"/>
+      </a:effectRef>
+      <a:fontRef idx="minor">
+        <a:schemeClr val="lt1"/>
+      </a:fontRef>
+    </dgm:style>
+  </dgm:styleLbl>
+  <dgm:styleLbl name="sibTrans1D1">
+    <dgm:scene3d>
+      <a:camera prst="orthographicFront"/>
+      <a:lightRig rig="threePt" dir="t"/>
+    </dgm:scene3d>
+    <dgm:sp3d/>
+    <dgm:txPr/>
+    <dgm:style>
+      <a:lnRef idx="1">
+        <a:scrgbClr r="0" g="0" b="0"/>
+      </a:lnRef>
+      <a:fillRef idx="0">
+        <a:scrgbClr r="0" g="0" b="0"/>
+      </a:fillRef>
+      <a:effectRef idx="0">
+        <a:scrgbClr r="0" g="0" b="0"/>
+      </a:effectRef>
+      <a:fontRef idx="minor"/>
+    </dgm:style>
+  </dgm:styleLbl>
+  <dgm:styleLbl name="callout">
+    <dgm:scene3d>
+      <a:camera prst="orthographicFront"/>
+      <a:lightRig rig="threePt" dir="t"/>
+    </dgm:scene3d>
+    <dgm:sp3d/>
+    <dgm:txPr/>
+    <dgm:style>
+      <a:lnRef idx="2">
+        <a:scrgbClr r="0" g="0" b="0"/>
+      </a:lnRef>
+      <a:fillRef idx="1">
+        <a:scrgbClr r="0" g="0" b="0"/>
+      </a:fillRef>
+      <a:effectRef idx="0">
+        <a:scrgbClr r="0" g="0" b="0"/>
+      </a:effectRef>
+      <a:fontRef idx="minor"/>
+    </dgm:style>
+  </dgm:styleLbl>
+  <dgm:styleLbl name="asst0">
+    <dgm:scene3d>
+      <a:camera prst="orthographicFront"/>
+      <a:lightRig rig="threePt" dir="t"/>
+    </dgm:scene3d>
+    <dgm:sp3d/>
+    <dgm:txPr/>
+    <dgm:style>
+      <a:lnRef idx="2">
+        <a:scrgbClr r="0" g="0" b="0"/>
+      </a:lnRef>
+      <a:fillRef idx="1">
+        <a:scrgbClr r="0" g="0" b="0"/>
+      </a:fillRef>
+      <a:effectRef idx="0">
+        <a:scrgbClr r="0" g="0" b="0"/>
+      </a:effectRef>
+      <a:fontRef idx="minor">
+        <a:schemeClr val="lt1"/>
+      </a:fontRef>
+    </dgm:style>
+  </dgm:styleLbl>
+  <dgm:styleLbl name="asst1">
+    <dgm:scene3d>
+      <a:camera prst="orthographicFront"/>
+      <a:lightRig rig="threePt" dir="t"/>
+    </dgm:scene3d>
+    <dgm:sp3d/>
+    <dgm:txPr/>
+    <dgm:style>
+      <a:lnRef idx="2">
+        <a:scrgbClr r="0" g="0" b="0"/>
+      </a:lnRef>
+      <a:fillRef idx="1">
+        <a:scrgbClr r="0" g="0" b="0"/>
+      </a:fillRef>
+      <a:effectRef idx="0">
+        <a:scrgbClr r="0" g="0" b="0"/>
+      </a:effectRef>
+      <a:fontRef idx="minor">
+        <a:schemeClr val="lt1"/>
+      </a:fontRef>
+    </dgm:style>
+  </dgm:styleLbl>
+  <dgm:styleLbl name="asst2">
+    <dgm:scene3d>
+      <a:camera prst="orthographicFront"/>
+      <a:lightRig rig="threePt" dir="t"/>
+    </dgm:scene3d>
+    <dgm:sp3d/>
+    <dgm:txPr/>
+    <dgm:style>
+      <a:lnRef idx="2">
+        <a:scrgbClr r="0" g="0" b="0"/>
+      </a:lnRef>
+      <a:fillRef idx="1">
+        <a:scrgbClr r="0" g="0" b="0"/>
+      </a:fillRef>
+      <a:effectRef idx="0">
+        <a:scrgbClr r="0" g="0" b="0"/>
+      </a:effectRef>
+      <a:fontRef idx="minor">
+        <a:schemeClr val="lt1"/>
+      </a:fontRef>
+    </dgm:style>
+  </dgm:styleLbl>
+  <dgm:styleLbl name="asst3">
+    <dgm:scene3d>
+      <a:camera prst="orthographicFront"/>
+      <a:lightRig rig="threePt" dir="t"/>
+    </dgm:scene3d>
+    <dgm:sp3d/>
+    <dgm:txPr/>
+    <dgm:style>
+      <a:lnRef idx="2">
+        <a:scrgbClr r="0" g="0" b="0"/>
+      </a:lnRef>
+      <a:fillRef idx="1">
+        <a:scrgbClr r="0" g="0" b="0"/>
+      </a:fillRef>
+      <a:effectRef idx="0">
+        <a:scrgbClr r="0" g="0" b="0"/>
+      </a:effectRef>
+      <a:fontRef idx="minor">
+        <a:schemeClr val="lt1"/>
+      </a:fontRef>
+    </dgm:style>
+  </dgm:styleLbl>
+  <dgm:styleLbl name="asst4">
+    <dgm:scene3d>
+      <a:camera prst="orthographicFront"/>
+      <a:lightRig rig="threePt" dir="t"/>
+    </dgm:scene3d>
+    <dgm:sp3d/>
+    <dgm:txPr/>
+    <dgm:style>
+      <a:lnRef idx="2">
+        <a:scrgbClr r="0" g="0" b="0"/>
+      </a:lnRef>
+      <a:fillRef idx="1">
+        <a:scrgbClr r="0" g="0" b="0"/>
+      </a:fillRef>
+      <a:effectRef idx="0">
+        <a:scrgbClr r="0" g="0" b="0"/>
+      </a:effectRef>
+      <a:fontRef idx="minor">
+        <a:schemeClr val="lt1"/>
+      </a:fontRef>
+    </dgm:style>
+  </dgm:styleLbl>
+  <dgm:styleLbl name="parChTrans2D1">
+    <dgm:scene3d>
+      <a:camera prst="orthographicFront"/>
+      <a:lightRig rig="threePt" dir="t"/>
+    </dgm:scene3d>
+    <dgm:sp3d/>
+    <dgm:txPr/>
+    <dgm:style>
+      <a:lnRef idx="2">
+        <a:scrgbClr r="0" g="0" b="0"/>
+      </a:lnRef>
+      <a:fillRef idx="1">
+        <a:scrgbClr r="0" g="0" b="0"/>
+      </a:fillRef>
+      <a:effectRef idx="0">
+        <a:scrgbClr r="0" g="0" b="0"/>
+      </a:effectRef>
+      <a:fontRef idx="minor">
+        <a:schemeClr val="lt1"/>
+      </a:fontRef>
+    </dgm:style>
+  </dgm:styleLbl>
+  <dgm:styleLbl name="parChTrans2D2">
+    <dgm:scene3d>
+      <a:camera prst="orthographicFront"/>
+      <a:lightRig rig="threePt" dir="t"/>
+    </dgm:scene3d>
+    <dgm:sp3d/>
+    <dgm:txPr/>
+    <dgm:style>
+      <a:lnRef idx="2">
+        <a:scrgbClr r="0" g="0" b="0"/>
+      </a:lnRef>
+      <a:fillRef idx="1">
+        <a:scrgbClr r="0" g="0" b="0"/>
+      </a:fillRef>
+      <a:effectRef idx="0">
+        <a:scrgbClr r="0" g="0" b="0"/>
+      </a:effectRef>
+      <a:fontRef idx="minor">
+        <a:schemeClr val="lt1"/>
+      </a:fontRef>
+    </dgm:style>
+  </dgm:styleLbl>
+  <dgm:styleLbl name="parChTrans2D3">
+    <dgm:scene3d>
+      <a:camera prst="orthographicFront"/>
+      <a:lightRig rig="threePt" dir="t"/>
+    </dgm:scene3d>
+    <dgm:sp3d/>
+    <dgm:txPr/>
+    <dgm:style>
+      <a:lnRef idx="2">
+        <a:scrgbClr r="0" g="0" b="0"/>
+      </a:lnRef>
+      <a:fillRef idx="1">
+        <a:scrgbClr r="0" g="0" b="0"/>
+      </a:fillRef>
+      <a:effectRef idx="0">
+        <a:scrgbClr r="0" g="0" b="0"/>
+      </a:effectRef>
+      <a:fontRef idx="minor">
+        <a:schemeClr val="lt1"/>
+      </a:fontRef>
+    </dgm:style>
+  </dgm:styleLbl>
+  <dgm:styleLbl name="parChTrans2D4">
+    <dgm:scene3d>
+      <a:camera prst="orthographicFront"/>
+      <a:lightRig rig="threePt" dir="t"/>
+    </dgm:scene3d>
+    <dgm:sp3d/>
+    <dgm:txPr/>
+    <dgm:style>
+      <a:lnRef idx="2">
+        <a:scrgbClr r="0" g="0" b="0"/>
+      </a:lnRef>
+      <a:fillRef idx="1">
+        <a:scrgbClr r="0" g="0" b="0"/>
+      </a:fillRef>
+      <a:effectRef idx="0">
+        <a:scrgbClr r="0" g="0" b="0"/>
+      </a:effectRef>
+      <a:fontRef idx="minor">
+        <a:schemeClr val="lt1"/>
+      </a:fontRef>
+    </dgm:style>
+  </dgm:styleLbl>
+  <dgm:styleLbl name="parChTrans1D1">
+    <dgm:scene3d>
+      <a:camera prst="orthographicFront"/>
+      <a:lightRig rig="threePt" dir="t"/>
+    </dgm:scene3d>
+    <dgm:sp3d/>
+    <dgm:txPr/>
+    <dgm:style>
+      <a:lnRef idx="2">
+        <a:scrgbClr r="0" g="0" b="0"/>
+      </a:lnRef>
+      <a:fillRef idx="0">
+        <a:scrgbClr r="0" g="0" b="0"/>
+      </a:fillRef>
+      <a:effectRef idx="0">
+        <a:scrgbClr r="0" g="0" b="0"/>
+      </a:effectRef>
+      <a:fontRef idx="minor"/>
+    </dgm:style>
+  </dgm:styleLbl>
+  <dgm:styleLbl name="parChTrans1D2">
+    <dgm:scene3d>
+      <a:camera prst="orthographicFront"/>
+      <a:lightRig rig="threePt" dir="t"/>
+    </dgm:scene3d>
+    <dgm:sp3d/>
+    <dgm:txPr/>
+    <dgm:style>
+      <a:lnRef idx="2">
+        <a:scrgbClr r="0" g="0" b="0"/>
+      </a:lnRef>
+      <a:fillRef idx="0">
+        <a:scrgbClr r="0" g="0" b="0"/>
+      </a:fillRef>
+      <a:effectRef idx="0">
+        <a:scrgbClr r="0" g="0" b="0"/>
+      </a:effectRef>
+      <a:fontRef idx="minor"/>
+    </dgm:style>
+  </dgm:styleLbl>
+  <dgm:styleLbl name="parChTrans1D3">
+    <dgm:scene3d>
+      <a:camera prst="orthographicFront"/>
+      <a:lightRig rig="threePt" dir="t"/>
+    </dgm:scene3d>
+    <dgm:sp3d/>
+    <dgm:txPr/>
+    <dgm:style>
+      <a:lnRef idx="2">
+        <a:scrgbClr r="0" g="0" b="0"/>
+      </a:lnRef>
+      <a:fillRef idx="0">
+        <a:scrgbClr r="0" g="0" b="0"/>
+      </a:fillRef>
+      <a:effectRef idx="0">
+        <a:scrgbClr r="0" g="0" b="0"/>
+      </a:effectRef>
+      <a:fontRef idx="minor"/>
+    </dgm:style>
+  </dgm:styleLbl>
+  <dgm:styleLbl name="parChTrans1D4">
+    <dgm:scene3d>
+      <a:camera prst="orthographicFront"/>
+      <a:lightRig rig="threePt" dir="t"/>
+    </dgm:scene3d>
+    <dgm:sp3d/>
+    <dgm:txPr/>
+    <dgm:style>
+      <a:lnRef idx="2">
+        <a:scrgbClr r="0" g="0" b="0"/>
+      </a:lnRef>
+      <a:fillRef idx="0">
+        <a:scrgbClr r="0" g="0" b="0"/>
+      </a:fillRef>
+      <a:effectRef idx="0">
+        <a:scrgbClr r="0" g="0" b="0"/>
+      </a:effectRef>
+      <a:fontRef idx="minor"/>
+    </dgm:style>
+  </dgm:styleLbl>
+  <dgm:styleLbl name="fgAcc1">
+    <dgm:scene3d>
+      <a:camera prst="orthographicFront"/>
+      <a:lightRig rig="threePt" dir="t"/>
+    </dgm:scene3d>
+    <dgm:sp3d/>
+    <dgm:txPr/>
+    <dgm:style>
+      <a:lnRef idx="2">
+        <a:scrgbClr r="0" g="0" b="0"/>
+      </a:lnRef>
+      <a:fillRef idx="1">
+        <a:scrgbClr r="0" g="0" b="0"/>
+      </a:fillRef>
+      <a:effectRef idx="0">
+        <a:scrgbClr r="0" g="0" b="0"/>
+      </a:effectRef>
+      <a:fontRef idx="minor"/>
+    </dgm:style>
+  </dgm:styleLbl>
+  <dgm:styleLbl name="conFgAcc1">
+    <dgm:scene3d>
+      <a:camera prst="orthographicFront"/>
+      <a:lightRig rig="threePt" dir="t"/>
+    </dgm:scene3d>
+    <dgm:sp3d/>
+    <dgm:txPr/>
+    <dgm:style>
+      <a:lnRef idx="2">
+        <a:scrgbClr r="0" g="0" b="0"/>
+      </a:lnRef>
+      <a:fillRef idx="1">
+        <a:scrgbClr r="0" g="0" b="0"/>
+      </a:fillRef>
+      <a:effectRef idx="0">
+        <a:scrgbClr r="0" g="0" b="0"/>
+      </a:effectRef>
+      <a:fontRef idx="minor"/>
+    </dgm:style>
+  </dgm:styleLbl>
+  <dgm:styleLbl name="alignAcc1">
+    <dgm:scene3d>
+      <a:camera prst="orthographicFront"/>
+      <a:lightRig rig="threePt" dir="t"/>
+    </dgm:scene3d>
+    <dgm:sp3d/>
+    <dgm:txPr/>
+    <dgm:style>
+      <a:lnRef idx="2">
+        <a:scrgbClr r="0" g="0" b="0"/>
+      </a:lnRef>
+      <a:fillRef idx="1">
+        <a:scrgbClr r="0" g="0" b="0"/>
+      </a:fillRef>
+      <a:effectRef idx="0">
+        <a:scrgbClr r="0" g="0" b="0"/>
+      </a:effectRef>
+      <a:fontRef idx="minor"/>
+    </dgm:style>
+  </dgm:styleLbl>
+  <dgm:styleLbl name="trAlignAcc1">
+    <dgm:scene3d>
+      <a:camera prst="orthographicFront"/>
+      <a:lightRig rig="threePt" dir="t"/>
+    </dgm:scene3d>
+    <dgm:sp3d/>
+    <dgm:txPr/>
+    <dgm:style>
+      <a:lnRef idx="1">
+        <a:scrgbClr r="0" g="0" b="0"/>
+      </a:lnRef>
+      <a:fillRef idx="1">
+        <a:scrgbClr r="0" g="0" b="0"/>
+      </a:fillRef>
+      <a:effectRef idx="0">
+        <a:scrgbClr r="0" g="0" b="0"/>
+      </a:effectRef>
+      <a:fontRef idx="minor"/>
+    </dgm:style>
+  </dgm:styleLbl>
+  <dgm:styleLbl name="bgAcc1">
+    <dgm:scene3d>
+      <a:camera prst="orthographicFront"/>
+      <a:lightRig rig="threePt" dir="t"/>
+    </dgm:scene3d>
+    <dgm:sp3d/>
+    <dgm:txPr/>
+    <dgm:style>
+      <a:lnRef idx="2">
+        <a:scrgbClr r="0" g="0" b="0"/>
+      </a:lnRef>
+      <a:fillRef idx="1">
+        <a:scrgbClr r="0" g="0" b="0"/>
+      </a:fillRef>
+      <a:effectRef idx="0">
+        <a:scrgbClr r="0" g="0" b="0"/>
+      </a:effectRef>
+      <a:fontRef idx="minor"/>
+    </dgm:style>
+  </dgm:styleLbl>
+  <dgm:styleLbl name="solidFgAcc1">
+    <dgm:scene3d>
+      <a:camera prst="orthographicFront"/>
+      <a:lightRig rig="threePt" dir="t"/>
+    </dgm:scene3d>
+    <dgm:sp3d/>
+    <dgm:txPr/>
+    <dgm:style>
+      <a:lnRef idx="2">
+        <a:scrgbClr r="0" g="0" b="0"/>
+      </a:lnRef>
+      <a:fillRef idx="1">
+        <a:scrgbClr r="0" g="0" b="0"/>
+      </a:fillRef>
+      <a:effectRef idx="0">
+        <a:scrgbClr r="0" g="0" b="0"/>
+      </a:effectRef>
+      <a:fontRef idx="minor"/>
+    </dgm:style>
+  </dgm:styleLbl>
+  <dgm:styleLbl name="solidAlignAcc1">
+    <dgm:scene3d>
+      <a:camera prst="orthographicFront"/>
+      <a:lightRig rig="threePt" dir="t"/>
+    </dgm:scene3d>
+    <dgm:sp3d/>
+    <dgm:txPr/>
+    <dgm:style>
+      <a:lnRef idx="2">
+        <a:scrgbClr r="0" g="0" b="0"/>
+      </a:lnRef>
+      <a:fillRef idx="1">
+        <a:scrgbClr r="0" g="0" b="0"/>
+      </a:fillRef>
+      <a:effectRef idx="0">
+        <a:scrgbClr r="0" g="0" b="0"/>
+      </a:effectRef>
+      <a:fontRef idx="minor"/>
+    </dgm:style>
+  </dgm:styleLbl>
+  <dgm:styleLbl name="solidBgAcc1">
+    <dgm:scene3d>
+      <a:camera prst="orthographicFront"/>
+      <a:lightRig rig="threePt" dir="t"/>
+    </dgm:scene3d>
+    <dgm:sp3d/>
+    <dgm:txPr/>
+    <dgm:style>
+      <a:lnRef idx="2">
+        <a:scrgbClr r="0" g="0" b="0"/>
+      </a:lnRef>
+      <a:fillRef idx="1">
+        <a:scrgbClr r="0" g="0" b="0"/>
+      </a:fillRef>
+      <a:effectRef idx="0">
+        <a:scrgbClr r="0" g="0" b="0"/>
+      </a:effectRef>
+      <a:fontRef idx="minor"/>
+    </dgm:style>
+  </dgm:styleLbl>
+  <dgm:styleLbl name="fgAccFollowNode1">
+    <dgm:scene3d>
+      <a:camera prst="orthographicFront"/>
+      <a:lightRig rig="threePt" dir="t"/>
+    </dgm:scene3d>
+    <dgm:sp3d/>
+    <dgm:txPr/>
+    <dgm:style>
+      <a:lnRef idx="2">
+        <a:scrgbClr r="0" g="0" b="0"/>
+      </a:lnRef>
+      <a:fillRef idx="1">
+        <a:scrgbClr r="0" g="0" b="0"/>
+      </a:fillRef>
+      <a:effectRef idx="0">
+        <a:scrgbClr r="0" g="0" b="0"/>
+      </a:effectRef>
+      <a:fontRef idx="minor"/>
+    </dgm:style>
+  </dgm:styleLbl>
+  <dgm:styleLbl name="alignAccFollowNode1">
+    <dgm:scene3d>
+      <a:camera prst="orthographicFront"/>
+      <a:lightRig rig="threePt" dir="t"/>
+    </dgm:scene3d>
+    <dgm:sp3d/>
+    <dgm:txPr/>
+    <dgm:style>
+      <a:lnRef idx="2">
+        <a:scrgbClr r="0" g="0" b="0"/>
+      </a:lnRef>
+      <a:fillRef idx="1">
+        <a:scrgbClr r="0" g="0" b="0"/>
+      </a:fillRef>
+      <a:effectRef idx="0">
+        <a:scrgbClr r="0" g="0" b="0"/>
+      </a:effectRef>
+      <a:fontRef idx="minor"/>
+    </dgm:style>
+  </dgm:styleLbl>
+  <dgm:styleLbl name="bgAccFollowNode1">
+    <dgm:scene3d>
+      <a:camera prst="orthographicFront"/>
+      <a:lightRig rig="threePt" dir="t"/>
+    </dgm:scene3d>
+    <dgm:sp3d/>
+    <dgm:txPr/>
+    <dgm:style>
+      <a:lnRef idx="2">
+        <a:scrgbClr r="0" g="0" b="0"/>
+      </a:lnRef>
+      <a:fillRef idx="1">
+        <a:scrgbClr r="0" g="0" b="0"/>
+      </a:fillRef>
+      <a:effectRef idx="0">
+        <a:scrgbClr r="0" g="0" b="0"/>
+      </a:effectRef>
+      <a:fontRef idx="minor"/>
+    </dgm:style>
+  </dgm:styleLbl>
+  <dgm:styleLbl name="fgAcc0">
+    <dgm:scene3d>
+      <a:camera prst="orthographicFront"/>
+      <a:lightRig rig="threePt" dir="t"/>
+    </dgm:scene3d>
+    <dgm:sp3d/>
+    <dgm:txPr/>
+    <dgm:style>
+      <a:lnRef idx="2">
+        <a:scrgbClr r="0" g="0" b="0"/>
+      </a:lnRef>
+      <a:fillRef idx="1">
+        <a:scrgbClr r="0" g="0" b="0"/>
+      </a:fillRef>
+      <a:effectRef idx="0">
+        <a:scrgbClr r="0" g="0" b="0"/>
+      </a:effectRef>
+      <a:fontRef idx="minor"/>
+    </dgm:style>
+  </dgm:styleLbl>
+  <dgm:styleLbl name="fgAcc2">
+    <dgm:scene3d>
+      <a:camera prst="orthographicFront"/>
+      <a:lightRig rig="threePt" dir="t"/>
+    </dgm:scene3d>
+    <dgm:sp3d/>
+    <dgm:txPr/>
+    <dgm:style>
+      <a:lnRef idx="2">
+        <a:scrgbClr r="0" g="0" b="0"/>
+      </a:lnRef>
+      <a:fillRef idx="1">
+        <a:scrgbClr r="0" g="0" b="0"/>
+      </a:fillRef>
+      <a:effectRef idx="0">
+        <a:scrgbClr r="0" g="0" b="0"/>
+      </a:effectRef>
+      <a:fontRef idx="minor"/>
+    </dgm:style>
+  </dgm:styleLbl>
+  <dgm:styleLbl name="fgAcc3">
+    <dgm:scene3d>
+      <a:camera prst="orthographicFront"/>
+      <a:lightRig rig="threePt" dir="t"/>
+    </dgm:scene3d>
+    <dgm:sp3d/>
+    <dgm:txPr/>
+    <dgm:style>
+      <a:lnRef idx="2">
+        <a:scrgbClr r="0" g="0" b="0"/>
+      </a:lnRef>
+      <a:fillRef idx="1">
+        <a:scrgbClr r="0" g="0" b="0"/>
+      </a:fillRef>
+      <a:effectRef idx="0">
+        <a:scrgbClr r="0" g="0" b="0"/>
+      </a:effectRef>
+      <a:fontRef idx="minor"/>
+    </dgm:style>
+  </dgm:styleLbl>
+  <dgm:styleLbl name="fgAcc4">
+    <dgm:scene3d>
+      <a:camera prst="orthographicFront"/>
+      <a:lightRig rig="threePt" dir="t"/>
+    </dgm:scene3d>
+    <dgm:sp3d/>
+    <dgm:txPr/>
+    <dgm:style>
+      <a:lnRef idx="2">
+        <a:scrgbClr r="0" g="0" b="0"/>
+      </a:lnRef>
+      <a:fillRef idx="1">
+        <a:scrgbClr r="0" g="0" b="0"/>
+      </a:fillRef>
+      <a:effectRef idx="0">
+        <a:scrgbClr r="0" g="0" b="0"/>
+      </a:effectRef>
+      <a:fontRef idx="minor"/>
+    </dgm:style>
+  </dgm:styleLbl>
+  <dgm:styleLbl name="bgShp">
+    <dgm:scene3d>
+      <a:camera prst="orthographicFront"/>
+      <a:lightRig rig="threePt" dir="t"/>
+    </dgm:scene3d>
+    <dgm:sp3d/>
+    <dgm:txPr/>
+    <dgm:style>
+      <a:lnRef idx="0">
+        <a:scrgbClr r="0" g="0" b="0"/>
+      </a:lnRef>
+      <a:fillRef idx="1">
+        <a:scrgbClr r="0" g="0" b="0"/>
+      </a:fillRef>
+      <a:effectRef idx="0">
+        <a:scrgbClr r="0" g="0" b="0"/>
+      </a:effectRef>
+      <a:fontRef idx="minor"/>
+    </dgm:style>
+  </dgm:styleLbl>
+  <dgm:styleLbl name="dkBgShp">
+    <dgm:scene3d>
+      <a:camera prst="orthographicFront"/>
+      <a:lightRig rig="threePt" dir="t"/>
+    </dgm:scene3d>
+    <dgm:sp3d/>
+    <dgm:txPr/>
+    <dgm:style>
+      <a:lnRef idx="0">
+        <a:scrgbClr r="0" g="0" b="0"/>
+      </a:lnRef>
+      <a:fillRef idx="1">
+        <a:scrgbClr r="0" g="0" b="0"/>
+      </a:fillRef>
+      <a:effectRef idx="0">
+        <a:scrgbClr r="0" g="0" b="0"/>
+      </a:effectRef>
+      <a:fontRef idx="minor"/>
+    </dgm:style>
+  </dgm:styleLbl>
+  <dgm:styleLbl name="trBgShp">
+    <dgm:scene3d>
+      <a:camera prst="orthographicFront"/>
+      <a:lightRig rig="threePt" dir="t"/>
+    </dgm:scene3d>
+    <dgm:sp3d/>
+    <dgm:txPr/>
+    <dgm:style>
+      <a:lnRef idx="0">
+        <a:scrgbClr r="0" g="0" b="0"/>
+      </a:lnRef>
+      <a:fillRef idx="1">
+        <a:scrgbClr r="0" g="0" b="0"/>
+      </a:fillRef>
+      <a:effectRef idx="0">
+        <a:scrgbClr r="0" g="0" b="0"/>
+      </a:effectRef>
+      <a:fontRef idx="minor"/>
+    </dgm:style>
+  </dgm:styleLbl>
+  <dgm:styleLbl name="fgShp">
+    <dgm:scene3d>
+      <a:camera prst="orthographicFront"/>
+      <a:lightRig rig="threePt" dir="t"/>
+    </dgm:scene3d>
+    <dgm:sp3d/>
+    <dgm:txPr/>
+    <dgm:style>
+      <a:lnRef idx="2">
+        <a:scrgbClr r="0" g="0" b="0"/>
+      </a:lnRef>
+      <a:fillRef idx="1">
+        <a:scrgbClr r="0" g="0" b="0"/>
+      </a:fillRef>
+      <a:effectRef idx="0">
+        <a:scrgbClr r="0" g="0" b="0"/>
+      </a:effectRef>
+      <a:fontRef idx="minor"/>
+    </dgm:style>
+  </dgm:styleLbl>
+  <dgm:styleLbl name="revTx">
+    <dgm:scene3d>
+      <a:camera prst="orthographicFront"/>
+      <a:lightRig rig="threePt" dir="t"/>
+    </dgm:scene3d>
+    <dgm:sp3d/>
+    <dgm:txPr/>
+    <dgm:style>
+      <a:lnRef idx="0">
+        <a:scrgbClr r="0" g="0" b="0"/>
+      </a:lnRef>
+      <a:fillRef idx="0">
+        <a:scrgbClr r="0" g="0" b="0"/>
+      </a:fillRef>
+      <a:effectRef idx="0">
+        <a:scrgbClr r="0" g="0" b="0"/>
+      </a:effectRef>
+      <a:fontRef idx="minor"/>
+    </dgm:style>
+  </dgm:styleLbl>
+</dgm:styleDef>
+</file>
+
+<file path=ppt/diagrams/quickStyle2.xml><?xml version="1.0" encoding="utf-8"?>
 <dgm:styleDef xmlns:dgm="http://schemas.openxmlformats.org/drawingml/2006/diagram" xmlns:a="http://schemas.openxmlformats.org/drawingml/2006/main" uniqueId="urn:microsoft.com/office/officeart/2005/8/quickstyle/simple1">
   <dgm:title val=""/>
   <dgm:desc val=""/>
@@ -7093,6 +11916,2441 @@
     <p:bg>
       <p:bgPr>
         <a:solidFill>
+          <a:schemeClr val="bg1"/>
+        </a:solidFill>
+        <a:effectLst/>
+      </p:bgPr>
+    </p:bg>
+    <p:spTree>
+      <p:nvGrpSpPr>
+        <p:cNvPr id="1" name=""/>
+        <p:cNvGrpSpPr/>
+        <p:nvPr/>
+      </p:nvGrpSpPr>
+      <p:grpSpPr>
+        <a:xfrm>
+          <a:off x="0" y="0"/>
+          <a:ext cx="0" cy="0"/>
+          <a:chOff x="0" y="0"/>
+          <a:chExt cx="0" cy="0"/>
+        </a:xfrm>
+      </p:grpSpPr>
+      <p:sp>
+        <p:nvSpPr>
+          <p:cNvPr id="37" name="Rectangle 36">
+            <a:extLst>
+              <a:ext uri="{FF2B5EF4-FFF2-40B4-BE49-F238E27FC236}">
+                <a16:creationId xmlns:a16="http://schemas.microsoft.com/office/drawing/2014/main" id="{2B566528-1B12-4246-9431-5C2D7D081168}"/>
+              </a:ext>
+              <a:ext uri="{C183D7F6-B498-43B3-948B-1728B52AA6E4}">
+                <adec:decorative xmlns:adec="http://schemas.microsoft.com/office/drawing/2017/decorative" val="1"/>
+              </a:ext>
+            </a:extLst>
+          </p:cNvPr>
+          <p:cNvSpPr>
+            <a:spLocks noGrp="1" noRot="1" noChangeAspect="1" noMove="1" noResize="1" noEditPoints="1" noAdjustHandles="1" noChangeArrowheads="1" noChangeShapeType="1" noTextEdit="1"/>
+          </p:cNvSpPr>
+          <p:nvPr>
+            <p:extLst>
+              <p:ext uri="{386F3935-93C4-4BCD-93E2-E3B085C9AB24}">
+                <p16:designElem xmlns:p16="http://schemas.microsoft.com/office/powerpoint/2015/main" val="1"/>
+              </p:ext>
+            </p:extLst>
+          </p:nvPr>
+        </p:nvSpPr>
+        <p:spPr>
+          <a:xfrm>
+            <a:off x="0" y="0"/>
+            <a:ext cx="12192000" cy="6858000"/>
+          </a:xfrm>
+          <a:prstGeom prst="rect">
+            <a:avLst/>
+          </a:prstGeom>
+          <a:solidFill>
+            <a:schemeClr val="bg1"/>
+          </a:solidFill>
+          <a:ln>
+            <a:noFill/>
+          </a:ln>
+        </p:spPr>
+        <p:style>
+          <a:lnRef idx="2">
+            <a:schemeClr val="accent1">
+              <a:shade val="50000"/>
+            </a:schemeClr>
+          </a:lnRef>
+          <a:fillRef idx="1">
+            <a:schemeClr val="accent1"/>
+          </a:fillRef>
+          <a:effectRef idx="0">
+            <a:schemeClr val="accent1"/>
+          </a:effectRef>
+          <a:fontRef idx="minor">
+            <a:schemeClr val="lt1"/>
+          </a:fontRef>
+        </p:style>
+        <p:txBody>
+          <a:bodyPr rtlCol="0" anchor="ctr"/>
+          <a:lstStyle/>
+          <a:p>
+            <a:pPr algn="ctr"/>
+            <a:endParaRPr lang="en-US" dirty="0"/>
+          </a:p>
+        </p:txBody>
+      </p:sp>
+      <p:sp>
+        <p:nvSpPr>
+          <p:cNvPr id="2" name="Title 1">
+            <a:extLst>
+              <a:ext uri="{FF2B5EF4-FFF2-40B4-BE49-F238E27FC236}">
+                <a16:creationId xmlns:a16="http://schemas.microsoft.com/office/drawing/2014/main" id="{D53D7791-DA0F-0D4C-9DCE-7AFBCAAB68E8}"/>
+              </a:ext>
+            </a:extLst>
+          </p:cNvPr>
+          <p:cNvSpPr>
+            <a:spLocks noGrp="1"/>
+          </p:cNvSpPr>
+          <p:nvPr>
+            <p:ph type="title"/>
+          </p:nvPr>
+        </p:nvSpPr>
+        <p:spPr>
+          <a:xfrm>
+            <a:off x="643467" y="321734"/>
+            <a:ext cx="10905066" cy="1135737"/>
+          </a:xfrm>
+        </p:spPr>
+        <p:txBody>
+          <a:bodyPr>
+            <a:normAutofit/>
+          </a:bodyPr>
+          <a:lstStyle/>
+          <a:p>
+            <a:r>
+              <a:rPr lang="en-US" sz="3600"/>
+              <a:t>Parallel Scheduling</a:t>
+            </a:r>
+          </a:p>
+        </p:txBody>
+      </p:sp>
+      <p:sp>
+        <p:nvSpPr>
+          <p:cNvPr id="3" name="Content Placeholder 2">
+            <a:extLst>
+              <a:ext uri="{FF2B5EF4-FFF2-40B4-BE49-F238E27FC236}">
+                <a16:creationId xmlns:a16="http://schemas.microsoft.com/office/drawing/2014/main" id="{60363C8D-A0FA-2E41-87E3-28A20528437A}"/>
+              </a:ext>
+            </a:extLst>
+          </p:cNvPr>
+          <p:cNvSpPr>
+            <a:spLocks noGrp="1"/>
+          </p:cNvSpPr>
+          <p:nvPr>
+            <p:ph idx="1"/>
+          </p:nvPr>
+        </p:nvSpPr>
+        <p:spPr>
+          <a:xfrm>
+            <a:off x="643469" y="1782981"/>
+            <a:ext cx="4008384" cy="4393982"/>
+          </a:xfrm>
+        </p:spPr>
+        <p:txBody>
+          <a:bodyPr>
+            <a:normAutofit/>
+          </a:bodyPr>
+          <a:lstStyle/>
+          <a:p>
+            <a:pPr marL="0" indent="0">
+              <a:buNone/>
+            </a:pPr>
+            <a:r>
+              <a:rPr lang="en-US" sz="2000"/>
+              <a:t>Problem Description</a:t>
+            </a:r>
+            <a:endParaRPr lang="en-US" sz="2000">
+              <a:sym typeface="Wingdings" pitchFamily="2" charset="2"/>
+            </a:endParaRPr>
+          </a:p>
+          <a:p>
+            <a:endParaRPr lang="en-US" sz="2000">
+              <a:sym typeface="Wingdings" pitchFamily="2" charset="2"/>
+            </a:endParaRPr>
+          </a:p>
+        </p:txBody>
+      </p:sp>
+      <p:grpSp>
+        <p:nvGrpSpPr>
+          <p:cNvPr id="39" name="Group 38">
+            <a:extLst>
+              <a:ext uri="{FF2B5EF4-FFF2-40B4-BE49-F238E27FC236}">
+                <a16:creationId xmlns:a16="http://schemas.microsoft.com/office/drawing/2014/main" id="{5995D10D-E9C9-47DB-AE7E-801FEF38F5C9}"/>
+              </a:ext>
+              <a:ext uri="{C183D7F6-B498-43B3-948B-1728B52AA6E4}">
+                <adec:decorative xmlns:adec="http://schemas.microsoft.com/office/drawing/2017/decorative" val="1"/>
+              </a:ext>
+            </a:extLst>
+          </p:cNvPr>
+          <p:cNvGrpSpPr>
+            <a:grpSpLocks noGrp="1" noUngrp="1" noRot="1" noChangeAspect="1" noMove="1" noResize="1"/>
+          </p:cNvGrpSpPr>
+          <p:nvPr>
+            <p:extLst>
+              <p:ext uri="{386F3935-93C4-4BCD-93E2-E3B085C9AB24}">
+                <p16:designElem xmlns:p16="http://schemas.microsoft.com/office/powerpoint/2015/main" val="1"/>
+              </p:ext>
+            </p:extLst>
+          </p:nvPr>
+        </p:nvGrpSpPr>
+        <p:grpSpPr>
+          <a:xfrm>
+            <a:off x="11219290" y="1"/>
+            <a:ext cx="972709" cy="1935307"/>
+            <a:chOff x="10918968" y="713127"/>
+            <a:chExt cx="1273032" cy="2532832"/>
+          </a:xfrm>
+        </p:grpSpPr>
+        <p:sp>
+          <p:nvSpPr>
+            <p:cNvPr id="40" name="Rectangle 39">
+              <a:extLst>
+                <a:ext uri="{FF2B5EF4-FFF2-40B4-BE49-F238E27FC236}">
+                  <a16:creationId xmlns:a16="http://schemas.microsoft.com/office/drawing/2014/main" id="{CC1A72C6-3DE4-4EC3-9AD5-9E0D40D8CE8A}"/>
+                </a:ext>
+                <a:ext uri="{C183D7F6-B498-43B3-948B-1728B52AA6E4}">
+                  <adec:decorative xmlns:adec="http://schemas.microsoft.com/office/drawing/2017/decorative" val="1"/>
+                </a:ext>
+              </a:extLst>
+            </p:cNvPr>
+            <p:cNvSpPr/>
+            <p:nvPr>
+              <p:extLst>
+                <p:ext uri="{386F3935-93C4-4BCD-93E2-E3B085C9AB24}">
+                  <p16:designElem xmlns:p16="http://schemas.microsoft.com/office/powerpoint/2015/main" val="1"/>
+                </p:ext>
+              </p:extLst>
+            </p:nvPr>
+          </p:nvSpPr>
+          <p:spPr>
+            <a:xfrm rot="2700000">
+              <a:off x="11052629" y="2120024"/>
+              <a:ext cx="645368" cy="645368"/>
+            </a:xfrm>
+            <a:prstGeom prst="rect">
+              <a:avLst/>
+            </a:prstGeom>
+            <a:solidFill>
+              <a:schemeClr val="accent4">
+                <a:alpha val="30000"/>
+              </a:schemeClr>
+            </a:solidFill>
+            <a:ln>
+              <a:noFill/>
+            </a:ln>
+          </p:spPr>
+          <p:style>
+            <a:lnRef idx="2">
+              <a:schemeClr val="accent1">
+                <a:shade val="50000"/>
+              </a:schemeClr>
+            </a:lnRef>
+            <a:fillRef idx="1">
+              <a:schemeClr val="accent1"/>
+            </a:fillRef>
+            <a:effectRef idx="0">
+              <a:schemeClr val="accent1"/>
+            </a:effectRef>
+            <a:fontRef idx="minor">
+              <a:schemeClr val="lt1"/>
+            </a:fontRef>
+          </p:style>
+          <p:txBody>
+            <a:bodyPr rtlCol="0" anchor="ctr"/>
+            <a:lstStyle/>
+            <a:p>
+              <a:pPr algn="ctr"/>
+              <a:endParaRPr lang="en-US"/>
+            </a:p>
+          </p:txBody>
+        </p:sp>
+        <p:sp>
+          <p:nvSpPr>
+            <p:cNvPr id="41" name="Isosceles Triangle 40">
+              <a:extLst>
+                <a:ext uri="{FF2B5EF4-FFF2-40B4-BE49-F238E27FC236}">
+                  <a16:creationId xmlns:a16="http://schemas.microsoft.com/office/drawing/2014/main" id="{0B0DA1F1-C391-4EDF-9FE0-23E86E137765}"/>
+                </a:ext>
+                <a:ext uri="{C183D7F6-B498-43B3-948B-1728B52AA6E4}">
+                  <adec:decorative xmlns:adec="http://schemas.microsoft.com/office/drawing/2017/decorative" val="1"/>
+                </a:ext>
+              </a:extLst>
+            </p:cNvPr>
+            <p:cNvSpPr/>
+            <p:nvPr>
+              <p:extLst>
+                <p:ext uri="{386F3935-93C4-4BCD-93E2-E3B085C9AB24}">
+                  <p16:designElem xmlns:p16="http://schemas.microsoft.com/office/powerpoint/2015/main" val="1"/>
+                </p:ext>
+              </p:extLst>
+            </p:nvPr>
+          </p:nvSpPr>
+          <p:spPr>
+            <a:xfrm rot="16200000">
+              <a:off x="10289068" y="1343027"/>
+              <a:ext cx="2532832" cy="1273032"/>
+            </a:xfrm>
+            <a:prstGeom prst="triangle">
+              <a:avLst>
+                <a:gd name="adj" fmla="val 50000"/>
+              </a:avLst>
+            </a:prstGeom>
+            <a:solidFill>
+              <a:schemeClr val="accent4">
+                <a:alpha val="30000"/>
+              </a:schemeClr>
+            </a:solidFill>
+            <a:ln>
+              <a:noFill/>
+            </a:ln>
+          </p:spPr>
+          <p:style>
+            <a:lnRef idx="2">
+              <a:schemeClr val="accent1">
+                <a:shade val="50000"/>
+              </a:schemeClr>
+            </a:lnRef>
+            <a:fillRef idx="1">
+              <a:schemeClr val="accent1"/>
+            </a:fillRef>
+            <a:effectRef idx="0">
+              <a:schemeClr val="accent1"/>
+            </a:effectRef>
+            <a:fontRef idx="minor">
+              <a:schemeClr val="lt1"/>
+            </a:fontRef>
+          </p:style>
+          <p:txBody>
+            <a:bodyPr rtlCol="0" anchor="ctr"/>
+            <a:lstStyle/>
+            <a:p>
+              <a:pPr algn="ctr"/>
+              <a:endParaRPr lang="en-US" dirty="0"/>
+            </a:p>
+          </p:txBody>
+        </p:sp>
+      </p:grpSp>
+      <p:pic>
+        <p:nvPicPr>
+          <p:cNvPr id="4" name="Picture 3">
+            <a:extLst>
+              <a:ext uri="{FF2B5EF4-FFF2-40B4-BE49-F238E27FC236}">
+                <a16:creationId xmlns:a16="http://schemas.microsoft.com/office/drawing/2014/main" id="{26F462E4-F698-BA47-B6CF-0BA6DD0ACBAB}"/>
+              </a:ext>
+            </a:extLst>
+          </p:cNvPr>
+          <p:cNvPicPr>
+            <a:picLocks noChangeAspect="1"/>
+          </p:cNvPicPr>
+          <p:nvPr/>
+        </p:nvPicPr>
+        <p:blipFill>
+          <a:blip r:embed="rId2"/>
+          <a:stretch>
+            <a:fillRect/>
+          </a:stretch>
+        </p:blipFill>
+        <p:spPr>
+          <a:xfrm>
+            <a:off x="3133587" y="1850001"/>
+            <a:ext cx="8783079" cy="2525135"/>
+          </a:xfrm>
+          <a:prstGeom prst="rect">
+            <a:avLst/>
+          </a:prstGeom>
+        </p:spPr>
+      </p:pic>
+      <p:grpSp>
+        <p:nvGrpSpPr>
+          <p:cNvPr id="43" name="Group 42">
+            <a:extLst>
+              <a:ext uri="{FF2B5EF4-FFF2-40B4-BE49-F238E27FC236}">
+                <a16:creationId xmlns:a16="http://schemas.microsoft.com/office/drawing/2014/main" id="{828A5161-06F1-46CF-8AD7-844680A59E13}"/>
+              </a:ext>
+              <a:ext uri="{C183D7F6-B498-43B3-948B-1728B52AA6E4}">
+                <adec:decorative xmlns:adec="http://schemas.microsoft.com/office/drawing/2017/decorative" val="1"/>
+              </a:ext>
+            </a:extLst>
+          </p:cNvPr>
+          <p:cNvGrpSpPr>
+            <a:grpSpLocks noGrp="1" noUngrp="1" noRot="1" noChangeAspect="1" noMove="1" noResize="1"/>
+          </p:cNvGrpSpPr>
+          <p:nvPr>
+            <p:extLst>
+              <p:ext uri="{386F3935-93C4-4BCD-93E2-E3B085C9AB24}">
+                <p16:designElem xmlns:p16="http://schemas.microsoft.com/office/powerpoint/2015/main" val="1"/>
+              </p:ext>
+            </p:extLst>
+          </p:nvPr>
+        </p:nvGrpSpPr>
+        <p:grpSpPr>
+          <a:xfrm>
+            <a:off x="0" y="4601497"/>
+            <a:ext cx="1014060" cy="2017580"/>
+            <a:chOff x="0" y="4601497"/>
+            <a:chExt cx="1014060" cy="2017580"/>
+          </a:xfrm>
+        </p:grpSpPr>
+        <p:sp>
+          <p:nvSpPr>
+            <p:cNvPr id="44" name="Isosceles Triangle 43">
+              <a:extLst>
+                <a:ext uri="{FF2B5EF4-FFF2-40B4-BE49-F238E27FC236}">
+                  <a16:creationId xmlns:a16="http://schemas.microsoft.com/office/drawing/2014/main" id="{D3F51FEB-38FB-4F6C-9F7B-2F2AFAB65463}"/>
+                </a:ext>
+                <a:ext uri="{C183D7F6-B498-43B3-948B-1728B52AA6E4}">
+                  <adec:decorative xmlns:adec="http://schemas.microsoft.com/office/drawing/2017/decorative" val="1"/>
+                </a:ext>
+              </a:extLst>
+            </p:cNvPr>
+            <p:cNvSpPr/>
+            <p:nvPr>
+              <p:extLst>
+                <p:ext uri="{386F3935-93C4-4BCD-93E2-E3B085C9AB24}">
+                  <p16:designElem xmlns:p16="http://schemas.microsoft.com/office/powerpoint/2015/main" val="1"/>
+                </p:ext>
+              </p:extLst>
+            </p:nvPr>
+          </p:nvSpPr>
+          <p:spPr>
+            <a:xfrm rot="5400000">
+              <a:off x="-501760" y="5103257"/>
+              <a:ext cx="2017580" cy="1014060"/>
+            </a:xfrm>
+            <a:prstGeom prst="triangle">
+              <a:avLst>
+                <a:gd name="adj" fmla="val 50000"/>
+              </a:avLst>
+            </a:prstGeom>
+            <a:solidFill>
+              <a:schemeClr val="accent1">
+                <a:alpha val="30000"/>
+              </a:schemeClr>
+            </a:solidFill>
+            <a:ln>
+              <a:noFill/>
+            </a:ln>
+          </p:spPr>
+          <p:style>
+            <a:lnRef idx="2">
+              <a:schemeClr val="accent1">
+                <a:shade val="50000"/>
+              </a:schemeClr>
+            </a:lnRef>
+            <a:fillRef idx="1">
+              <a:schemeClr val="accent1"/>
+            </a:fillRef>
+            <a:effectRef idx="0">
+              <a:schemeClr val="accent1"/>
+            </a:effectRef>
+            <a:fontRef idx="minor">
+              <a:schemeClr val="lt1"/>
+            </a:fontRef>
+          </p:style>
+          <p:txBody>
+            <a:bodyPr rtlCol="0" anchor="ctr"/>
+            <a:lstStyle/>
+            <a:p>
+              <a:pPr algn="ctr"/>
+              <a:endParaRPr lang="en-US"/>
+            </a:p>
+          </p:txBody>
+        </p:sp>
+        <p:sp>
+          <p:nvSpPr>
+            <p:cNvPr id="45" name="Rectangle 44">
+              <a:extLst>
+                <a:ext uri="{FF2B5EF4-FFF2-40B4-BE49-F238E27FC236}">
+                  <a16:creationId xmlns:a16="http://schemas.microsoft.com/office/drawing/2014/main" id="{1E547BA6-BAE0-43BB-A7CA-60F69CE252F0}"/>
+                </a:ext>
+                <a:ext uri="{C183D7F6-B498-43B3-948B-1728B52AA6E4}">
+                  <adec:decorative xmlns:adec="http://schemas.microsoft.com/office/drawing/2017/decorative" val="1"/>
+                </a:ext>
+              </a:extLst>
+            </p:cNvPr>
+            <p:cNvSpPr/>
+            <p:nvPr>
+              <p:extLst>
+                <p:ext uri="{386F3935-93C4-4BCD-93E2-E3B085C9AB24}">
+                  <p16:designElem xmlns:p16="http://schemas.microsoft.com/office/powerpoint/2015/main" val="1"/>
+                </p:ext>
+              </p:extLst>
+            </p:nvPr>
+          </p:nvSpPr>
+          <p:spPr>
+            <a:xfrm rot="2700000">
+              <a:off x="427916" y="5728708"/>
+              <a:ext cx="485578" cy="485578"/>
+            </a:xfrm>
+            <a:prstGeom prst="rect">
+              <a:avLst/>
+            </a:prstGeom>
+            <a:solidFill>
+              <a:schemeClr val="accent1">
+                <a:alpha val="30000"/>
+              </a:schemeClr>
+            </a:solidFill>
+            <a:ln>
+              <a:noFill/>
+            </a:ln>
+          </p:spPr>
+          <p:style>
+            <a:lnRef idx="2">
+              <a:schemeClr val="accent1">
+                <a:shade val="50000"/>
+              </a:schemeClr>
+            </a:lnRef>
+            <a:fillRef idx="1">
+              <a:schemeClr val="accent1"/>
+            </a:fillRef>
+            <a:effectRef idx="0">
+              <a:schemeClr val="accent1"/>
+            </a:effectRef>
+            <a:fontRef idx="minor">
+              <a:schemeClr val="lt1"/>
+            </a:fontRef>
+          </p:style>
+          <p:txBody>
+            <a:bodyPr rtlCol="0" anchor="ctr"/>
+            <a:lstStyle/>
+            <a:p>
+              <a:pPr algn="ctr"/>
+              <a:endParaRPr lang="en-US"/>
+            </a:p>
+          </p:txBody>
+        </p:sp>
+      </p:grpSp>
+      <p:pic>
+        <p:nvPicPr>
+          <p:cNvPr id="5" name="Picture 4">
+            <a:extLst>
+              <a:ext uri="{FF2B5EF4-FFF2-40B4-BE49-F238E27FC236}">
+                <a16:creationId xmlns:a16="http://schemas.microsoft.com/office/drawing/2014/main" id="{9557F79C-166C-0142-BD3A-5F03CDC4ABCC}"/>
+              </a:ext>
+            </a:extLst>
+          </p:cNvPr>
+          <p:cNvPicPr>
+            <a:picLocks noChangeAspect="1"/>
+          </p:cNvPicPr>
+          <p:nvPr/>
+        </p:nvPicPr>
+        <p:blipFill>
+          <a:blip r:embed="rId3"/>
+          <a:stretch>
+            <a:fillRect/>
+          </a:stretch>
+        </p:blipFill>
+        <p:spPr>
+          <a:xfrm>
+            <a:off x="4398520" y="5290270"/>
+            <a:ext cx="6253212" cy="1328807"/>
+          </a:xfrm>
+          <a:prstGeom prst="rect">
+            <a:avLst/>
+          </a:prstGeom>
+        </p:spPr>
+      </p:pic>
+      <p:sp>
+        <p:nvSpPr>
+          <p:cNvPr id="6" name="TextBox 5">
+            <a:extLst>
+              <a:ext uri="{FF2B5EF4-FFF2-40B4-BE49-F238E27FC236}">
+                <a16:creationId xmlns:a16="http://schemas.microsoft.com/office/drawing/2014/main" id="{0CB0F308-B6CB-3B4D-BB2C-18DE7F371664}"/>
+              </a:ext>
+            </a:extLst>
+          </p:cNvPr>
+          <p:cNvSpPr txBox="1"/>
+          <p:nvPr/>
+        </p:nvSpPr>
+        <p:spPr>
+          <a:xfrm>
+            <a:off x="3133587" y="5610287"/>
+            <a:ext cx="1463040" cy="369332"/>
+          </a:xfrm>
+          <a:prstGeom prst="rect">
+            <a:avLst/>
+          </a:prstGeom>
+          <a:noFill/>
+        </p:spPr>
+        <p:txBody>
+          <a:bodyPr wrap="square" rtlCol="0">
+            <a:spAutoFit/>
+          </a:bodyPr>
+          <a:lstStyle/>
+          <a:p>
+            <a:r>
+              <a:rPr lang="en-US"/>
+              <a:t>Source:</a:t>
+            </a:r>
+          </a:p>
+        </p:txBody>
+      </p:sp>
+    </p:spTree>
+    <p:extLst>
+      <p:ext uri="{BB962C8B-B14F-4D97-AF65-F5344CB8AC3E}">
+        <p14:creationId xmlns:p14="http://schemas.microsoft.com/office/powerpoint/2010/main" val="1769638695"/>
+      </p:ext>
+    </p:extLst>
+  </p:cSld>
+  <p:clrMapOvr>
+    <a:overrideClrMapping bg1="lt1" tx1="dk1" bg2="lt2" tx2="dk2" accent1="accent1" accent2="accent2" accent3="accent3" accent4="accent4" accent5="accent5" accent6="accent6" hlink="hlink" folHlink="folHlink"/>
+  </p:clrMapOvr>
+  <mc:AlternateContent xmlns:mc="http://schemas.openxmlformats.org/markup-compatibility/2006" xmlns:p15="http://schemas.microsoft.com/office/powerpoint/2012/main">
+    <mc:Choice Requires="p15">
+      <p:transition xmlns:p14="http://schemas.microsoft.com/office/powerpoint/2010/main" spd="slow" p14:dur="2000">
+        <p15:prstTrans prst="drape"/>
+      </p:transition>
+    </mc:Choice>
+    <mc:Fallback xmlns="">
+      <p:transition spd="slow">
+        <p:fade/>
+      </p:transition>
+    </mc:Fallback>
+  </mc:AlternateContent>
+</p:sld>
+</file>
+
+<file path=ppt/slides/slide11.xml><?xml version="1.0" encoding="utf-8"?>
+<p:sld xmlns:a="http://schemas.openxmlformats.org/drawingml/2006/main" xmlns:r="http://schemas.openxmlformats.org/officeDocument/2006/relationships" xmlns:p="http://schemas.openxmlformats.org/presentationml/2006/main">
+  <p:cSld>
+    <p:bg>
+      <p:bgPr>
+        <a:solidFill>
+          <a:schemeClr val="bg1"/>
+        </a:solidFill>
+        <a:effectLst/>
+      </p:bgPr>
+    </p:bg>
+    <p:spTree>
+      <p:nvGrpSpPr>
+        <p:cNvPr id="1" name=""/>
+        <p:cNvGrpSpPr/>
+        <p:nvPr/>
+      </p:nvGrpSpPr>
+      <p:grpSpPr>
+        <a:xfrm>
+          <a:off x="0" y="0"/>
+          <a:ext cx="0" cy="0"/>
+          <a:chOff x="0" y="0"/>
+          <a:chExt cx="0" cy="0"/>
+        </a:xfrm>
+      </p:grpSpPr>
+      <p:sp useBgFill="1">
+        <p:nvSpPr>
+          <p:cNvPr id="32" name="Rectangle 31">
+            <a:extLst>
+              <a:ext uri="{FF2B5EF4-FFF2-40B4-BE49-F238E27FC236}">
+                <a16:creationId xmlns:a16="http://schemas.microsoft.com/office/drawing/2014/main" id="{99192C51-B764-4A9B-9587-5EF8B628B8D9}"/>
+              </a:ext>
+              <a:ext uri="{C183D7F6-B498-43B3-948B-1728B52AA6E4}">
+                <adec:decorative xmlns:adec="http://schemas.microsoft.com/office/drawing/2017/decorative" val="1"/>
+              </a:ext>
+            </a:extLst>
+          </p:cNvPr>
+          <p:cNvSpPr>
+            <a:spLocks noGrp="1" noRot="1" noChangeAspect="1" noMove="1" noResize="1" noEditPoints="1" noAdjustHandles="1" noChangeArrowheads="1" noChangeShapeType="1" noTextEdit="1"/>
+          </p:cNvSpPr>
+          <p:nvPr>
+            <p:extLst>
+              <p:ext uri="{386F3935-93C4-4BCD-93E2-E3B085C9AB24}">
+                <p16:designElem xmlns:p16="http://schemas.microsoft.com/office/powerpoint/2015/main" val="1"/>
+              </p:ext>
+            </p:extLst>
+          </p:nvPr>
+        </p:nvSpPr>
+        <p:spPr>
+          <a:xfrm>
+            <a:off x="-1" y="0"/>
+            <a:ext cx="12188952" cy="6858000"/>
+          </a:xfrm>
+          <a:prstGeom prst="rect">
+            <a:avLst/>
+          </a:prstGeom>
+          <a:ln>
+            <a:noFill/>
+          </a:ln>
+        </p:spPr>
+        <p:style>
+          <a:lnRef idx="2">
+            <a:schemeClr val="accent1">
+              <a:shade val="50000"/>
+            </a:schemeClr>
+          </a:lnRef>
+          <a:fillRef idx="1">
+            <a:schemeClr val="accent1"/>
+          </a:fillRef>
+          <a:effectRef idx="0">
+            <a:schemeClr val="accent1"/>
+          </a:effectRef>
+          <a:fontRef idx="minor">
+            <a:schemeClr val="lt1"/>
+          </a:fontRef>
+        </p:style>
+        <p:txBody>
+          <a:bodyPr rtlCol="0" anchor="ctr"/>
+          <a:lstStyle/>
+          <a:p>
+            <a:pPr algn="ctr"/>
+            <a:endParaRPr lang="en-US"/>
+          </a:p>
+        </p:txBody>
+      </p:sp>
+      <p:sp>
+        <p:nvSpPr>
+          <p:cNvPr id="2" name="Title 1">
+            <a:extLst>
+              <a:ext uri="{FF2B5EF4-FFF2-40B4-BE49-F238E27FC236}">
+                <a16:creationId xmlns:a16="http://schemas.microsoft.com/office/drawing/2014/main" id="{AAB1A3B8-6120-8048-8C0C-86F233AC732E}"/>
+              </a:ext>
+            </a:extLst>
+          </p:cNvPr>
+          <p:cNvSpPr>
+            <a:spLocks noGrp="1"/>
+          </p:cNvSpPr>
+          <p:nvPr>
+            <p:ph type="title"/>
+          </p:nvPr>
+        </p:nvSpPr>
+        <p:spPr>
+          <a:xfrm>
+            <a:off x="648929" y="557190"/>
+            <a:ext cx="5181510" cy="1671569"/>
+          </a:xfrm>
+        </p:spPr>
+        <p:txBody>
+          <a:bodyPr>
+            <a:normAutofit/>
+          </a:bodyPr>
+          <a:lstStyle/>
+          <a:p>
+            <a:r>
+              <a:rPr lang="en-US" sz="4000"/>
+              <a:t>Class Schedule with Greedy Strategy</a:t>
+            </a:r>
+          </a:p>
+        </p:txBody>
+      </p:sp>
+      <p:sp>
+        <p:nvSpPr>
+          <p:cNvPr id="9" name="Content Placeholder 8">
+            <a:extLst>
+              <a:ext uri="{FF2B5EF4-FFF2-40B4-BE49-F238E27FC236}">
+                <a16:creationId xmlns:a16="http://schemas.microsoft.com/office/drawing/2014/main" id="{6E04FC49-8868-42A0-A951-D6DD2ED729F6}"/>
+              </a:ext>
+            </a:extLst>
+          </p:cNvPr>
+          <p:cNvSpPr>
+            <a:spLocks noGrp="1"/>
+          </p:cNvSpPr>
+          <p:nvPr>
+            <p:ph idx="1"/>
+          </p:nvPr>
+        </p:nvSpPr>
+        <p:spPr>
+          <a:xfrm>
+            <a:off x="648930" y="2406650"/>
+            <a:ext cx="5181508" cy="3722438"/>
+          </a:xfrm>
+        </p:spPr>
+        <p:txBody>
+          <a:bodyPr>
+            <a:normAutofit/>
+          </a:bodyPr>
+          <a:lstStyle/>
+          <a:p>
+            <a:r>
+              <a:rPr lang="en-US" sz="2000"/>
+              <a:t>{18.02, 6.840, 6.003, 6.004, 6.034}</a:t>
+            </a:r>
+          </a:p>
+          <a:p>
+            <a:r>
+              <a:rPr lang="en-US" sz="2000"/>
+              <a:t>{18.02, 6.840, 6.003, 6.033, 6.034}</a:t>
+            </a:r>
+          </a:p>
+          <a:p>
+            <a:r>
+              <a:rPr lang="en-US" sz="2000"/>
+              <a:t>{18.02, 6.840, 6.003, 6.857, 6.034}</a:t>
+            </a:r>
+          </a:p>
+          <a:p>
+            <a:r>
+              <a:rPr lang="en-US" sz="2000"/>
+              <a:t>{18.02, 6.046, 6.003, 6.004, 6.034}</a:t>
+            </a:r>
+          </a:p>
+          <a:p>
+            <a:r>
+              <a:rPr lang="en-US" sz="2000"/>
+              <a:t>{18.02, 6.046, 6.003, 6.033, 6.034}</a:t>
+            </a:r>
+          </a:p>
+          <a:p>
+            <a:r>
+              <a:rPr lang="en-US" sz="2000"/>
+              <a:t>{18.02, 6.042, 6.003, 6.004, 6.034}</a:t>
+            </a:r>
+          </a:p>
+        </p:txBody>
+      </p:sp>
+      <p:pic>
+        <p:nvPicPr>
+          <p:cNvPr id="5" name="Content Placeholder 4" descr="Diagram&#10;&#10;Description automatically generated">
+            <a:extLst>
+              <a:ext uri="{FF2B5EF4-FFF2-40B4-BE49-F238E27FC236}">
+                <a16:creationId xmlns:a16="http://schemas.microsoft.com/office/drawing/2014/main" id="{F97139A8-E1E9-9646-AED0-D230A05E3A9D}"/>
+              </a:ext>
+            </a:extLst>
+          </p:cNvPr>
+          <p:cNvPicPr>
+            <a:picLocks noChangeAspect="1"/>
+          </p:cNvPicPr>
+          <p:nvPr/>
+        </p:nvPicPr>
+        <p:blipFill rotWithShape="1">
+          <a:blip r:embed="rId2"/>
+          <a:srcRect l="1651"/>
+          <a:stretch/>
+        </p:blipFill>
+        <p:spPr>
+          <a:xfrm>
+            <a:off x="6189155" y="10"/>
+            <a:ext cx="6002844" cy="6857990"/>
+          </a:xfrm>
+          <a:prstGeom prst="rect">
+            <a:avLst/>
+          </a:prstGeom>
+          <a:effectLst/>
+        </p:spPr>
+      </p:pic>
+    </p:spTree>
+    <p:extLst>
+      <p:ext uri="{BB962C8B-B14F-4D97-AF65-F5344CB8AC3E}">
+        <p14:creationId xmlns:p14="http://schemas.microsoft.com/office/powerpoint/2010/main" val="2382711300"/>
+      </p:ext>
+    </p:extLst>
+  </p:cSld>
+  <p:clrMapOvr>
+    <a:masterClrMapping/>
+  </p:clrMapOvr>
+  <mc:AlternateContent xmlns:mc="http://schemas.openxmlformats.org/markup-compatibility/2006" xmlns:p15="http://schemas.microsoft.com/office/powerpoint/2012/main">
+    <mc:Choice Requires="p15">
+      <p:transition xmlns:p14="http://schemas.microsoft.com/office/powerpoint/2010/main" spd="slow" p14:dur="2000">
+        <p15:prstTrans prst="drape"/>
+      </p:transition>
+    </mc:Choice>
+    <mc:Fallback xmlns="">
+      <p:transition spd="slow">
+        <p:fade/>
+      </p:transition>
+    </mc:Fallback>
+  </mc:AlternateContent>
+  <p:timing>
+    <p:tnLst>
+      <p:par>
+        <p:cTn id="1" dur="indefinite" restart="never" nodeType="tmRoot">
+          <p:childTnLst>
+            <p:seq concurrent="1" nextAc="seek">
+              <p:cTn id="2" dur="indefinite" nodeType="mainSeq">
+                <p:childTnLst>
+                  <p:par>
+                    <p:cTn id="3" fill="hold">
+                      <p:stCondLst>
+                        <p:cond delay="indefinite"/>
+                      </p:stCondLst>
+                      <p:childTnLst>
+                        <p:par>
+                          <p:cTn id="4" fill="hold">
+                            <p:stCondLst>
+                              <p:cond delay="0"/>
+                            </p:stCondLst>
+                            <p:childTnLst>
+                              <p:par>
+                                <p:cTn id="5" presetID="2" presetClass="entr" presetSubtype="4" fill="hold" grpId="0" nodeType="clickEffect">
+                                  <p:stCondLst>
+                                    <p:cond delay="0"/>
+                                  </p:stCondLst>
+                                  <p:childTnLst>
+                                    <p:set>
+                                      <p:cBhvr>
+                                        <p:cTn id="6" dur="1" fill="hold">
+                                          <p:stCondLst>
+                                            <p:cond delay="0"/>
+                                          </p:stCondLst>
+                                        </p:cTn>
+                                        <p:tgtEl>
+                                          <p:spTgt spid="9">
+                                            <p:txEl>
+                                              <p:pRg st="0" end="0"/>
+                                            </p:txEl>
+                                          </p:spTgt>
+                                        </p:tgtEl>
+                                        <p:attrNameLst>
+                                          <p:attrName>style.visibility</p:attrName>
+                                        </p:attrNameLst>
+                                      </p:cBhvr>
+                                      <p:to>
+                                        <p:strVal val="visible"/>
+                                      </p:to>
+                                    </p:set>
+                                    <p:anim calcmode="lin" valueType="num">
+                                      <p:cBhvr additive="base">
+                                        <p:cTn id="7" dur="500" fill="hold"/>
+                                        <p:tgtEl>
+                                          <p:spTgt spid="9">
+                                            <p:txEl>
+                                              <p:pRg st="0" end="0"/>
+                                            </p:txEl>
+                                          </p:spTgt>
+                                        </p:tgtEl>
+                                        <p:attrNameLst>
+                                          <p:attrName>ppt_x</p:attrName>
+                                        </p:attrNameLst>
+                                      </p:cBhvr>
+                                      <p:tavLst>
+                                        <p:tav tm="0">
+                                          <p:val>
+                                            <p:strVal val="#ppt_x"/>
+                                          </p:val>
+                                        </p:tav>
+                                        <p:tav tm="100000">
+                                          <p:val>
+                                            <p:strVal val="#ppt_x"/>
+                                          </p:val>
+                                        </p:tav>
+                                      </p:tavLst>
+                                    </p:anim>
+                                    <p:anim calcmode="lin" valueType="num">
+                                      <p:cBhvr additive="base">
+                                        <p:cTn id="8" dur="500" fill="hold"/>
+                                        <p:tgtEl>
+                                          <p:spTgt spid="9">
+                                            <p:txEl>
+                                              <p:pRg st="0" end="0"/>
+                                            </p:txEl>
+                                          </p:spTgt>
+                                        </p:tgtEl>
+                                        <p:attrNameLst>
+                                          <p:attrName>ppt_y</p:attrName>
+                                        </p:attrNameLst>
+                                      </p:cBhvr>
+                                      <p:tavLst>
+                                        <p:tav tm="0">
+                                          <p:val>
+                                            <p:strVal val="1+#ppt_h/2"/>
+                                          </p:val>
+                                        </p:tav>
+                                        <p:tav tm="100000">
+                                          <p:val>
+                                            <p:strVal val="#ppt_y"/>
+                                          </p:val>
+                                        </p:tav>
+                                      </p:tavLst>
+                                    </p:anim>
+                                  </p:childTnLst>
+                                </p:cTn>
+                              </p:par>
+                            </p:childTnLst>
+                          </p:cTn>
+                        </p:par>
+                      </p:childTnLst>
+                    </p:cTn>
+                  </p:par>
+                  <p:par>
+                    <p:cTn id="9" fill="hold">
+                      <p:stCondLst>
+                        <p:cond delay="indefinite"/>
+                      </p:stCondLst>
+                      <p:childTnLst>
+                        <p:par>
+                          <p:cTn id="10" fill="hold">
+                            <p:stCondLst>
+                              <p:cond delay="0"/>
+                            </p:stCondLst>
+                            <p:childTnLst>
+                              <p:par>
+                                <p:cTn id="11" presetID="2" presetClass="entr" presetSubtype="4" fill="hold" grpId="0" nodeType="clickEffect">
+                                  <p:stCondLst>
+                                    <p:cond delay="0"/>
+                                  </p:stCondLst>
+                                  <p:childTnLst>
+                                    <p:set>
+                                      <p:cBhvr>
+                                        <p:cTn id="12" dur="1" fill="hold">
+                                          <p:stCondLst>
+                                            <p:cond delay="0"/>
+                                          </p:stCondLst>
+                                        </p:cTn>
+                                        <p:tgtEl>
+                                          <p:spTgt spid="9">
+                                            <p:txEl>
+                                              <p:pRg st="1" end="1"/>
+                                            </p:txEl>
+                                          </p:spTgt>
+                                        </p:tgtEl>
+                                        <p:attrNameLst>
+                                          <p:attrName>style.visibility</p:attrName>
+                                        </p:attrNameLst>
+                                      </p:cBhvr>
+                                      <p:to>
+                                        <p:strVal val="visible"/>
+                                      </p:to>
+                                    </p:set>
+                                    <p:anim calcmode="lin" valueType="num">
+                                      <p:cBhvr additive="base">
+                                        <p:cTn id="13" dur="500" fill="hold"/>
+                                        <p:tgtEl>
+                                          <p:spTgt spid="9">
+                                            <p:txEl>
+                                              <p:pRg st="1" end="1"/>
+                                            </p:txEl>
+                                          </p:spTgt>
+                                        </p:tgtEl>
+                                        <p:attrNameLst>
+                                          <p:attrName>ppt_x</p:attrName>
+                                        </p:attrNameLst>
+                                      </p:cBhvr>
+                                      <p:tavLst>
+                                        <p:tav tm="0">
+                                          <p:val>
+                                            <p:strVal val="#ppt_x"/>
+                                          </p:val>
+                                        </p:tav>
+                                        <p:tav tm="100000">
+                                          <p:val>
+                                            <p:strVal val="#ppt_x"/>
+                                          </p:val>
+                                        </p:tav>
+                                      </p:tavLst>
+                                    </p:anim>
+                                    <p:anim calcmode="lin" valueType="num">
+                                      <p:cBhvr additive="base">
+                                        <p:cTn id="14" dur="500" fill="hold"/>
+                                        <p:tgtEl>
+                                          <p:spTgt spid="9">
+                                            <p:txEl>
+                                              <p:pRg st="1" end="1"/>
+                                            </p:txEl>
+                                          </p:spTgt>
+                                        </p:tgtEl>
+                                        <p:attrNameLst>
+                                          <p:attrName>ppt_y</p:attrName>
+                                        </p:attrNameLst>
+                                      </p:cBhvr>
+                                      <p:tavLst>
+                                        <p:tav tm="0">
+                                          <p:val>
+                                            <p:strVal val="1+#ppt_h/2"/>
+                                          </p:val>
+                                        </p:tav>
+                                        <p:tav tm="100000">
+                                          <p:val>
+                                            <p:strVal val="#ppt_y"/>
+                                          </p:val>
+                                        </p:tav>
+                                      </p:tavLst>
+                                    </p:anim>
+                                  </p:childTnLst>
+                                </p:cTn>
+                              </p:par>
+                            </p:childTnLst>
+                          </p:cTn>
+                        </p:par>
+                      </p:childTnLst>
+                    </p:cTn>
+                  </p:par>
+                  <p:par>
+                    <p:cTn id="15" fill="hold">
+                      <p:stCondLst>
+                        <p:cond delay="indefinite"/>
+                      </p:stCondLst>
+                      <p:childTnLst>
+                        <p:par>
+                          <p:cTn id="16" fill="hold">
+                            <p:stCondLst>
+                              <p:cond delay="0"/>
+                            </p:stCondLst>
+                            <p:childTnLst>
+                              <p:par>
+                                <p:cTn id="17" presetID="2" presetClass="entr" presetSubtype="4" fill="hold" grpId="0" nodeType="clickEffect">
+                                  <p:stCondLst>
+                                    <p:cond delay="0"/>
+                                  </p:stCondLst>
+                                  <p:childTnLst>
+                                    <p:set>
+                                      <p:cBhvr>
+                                        <p:cTn id="18" dur="1" fill="hold">
+                                          <p:stCondLst>
+                                            <p:cond delay="0"/>
+                                          </p:stCondLst>
+                                        </p:cTn>
+                                        <p:tgtEl>
+                                          <p:spTgt spid="9">
+                                            <p:txEl>
+                                              <p:pRg st="2" end="2"/>
+                                            </p:txEl>
+                                          </p:spTgt>
+                                        </p:tgtEl>
+                                        <p:attrNameLst>
+                                          <p:attrName>style.visibility</p:attrName>
+                                        </p:attrNameLst>
+                                      </p:cBhvr>
+                                      <p:to>
+                                        <p:strVal val="visible"/>
+                                      </p:to>
+                                    </p:set>
+                                    <p:anim calcmode="lin" valueType="num">
+                                      <p:cBhvr additive="base">
+                                        <p:cTn id="19" dur="500" fill="hold"/>
+                                        <p:tgtEl>
+                                          <p:spTgt spid="9">
+                                            <p:txEl>
+                                              <p:pRg st="2" end="2"/>
+                                            </p:txEl>
+                                          </p:spTgt>
+                                        </p:tgtEl>
+                                        <p:attrNameLst>
+                                          <p:attrName>ppt_x</p:attrName>
+                                        </p:attrNameLst>
+                                      </p:cBhvr>
+                                      <p:tavLst>
+                                        <p:tav tm="0">
+                                          <p:val>
+                                            <p:strVal val="#ppt_x"/>
+                                          </p:val>
+                                        </p:tav>
+                                        <p:tav tm="100000">
+                                          <p:val>
+                                            <p:strVal val="#ppt_x"/>
+                                          </p:val>
+                                        </p:tav>
+                                      </p:tavLst>
+                                    </p:anim>
+                                    <p:anim calcmode="lin" valueType="num">
+                                      <p:cBhvr additive="base">
+                                        <p:cTn id="20" dur="500" fill="hold"/>
+                                        <p:tgtEl>
+                                          <p:spTgt spid="9">
+                                            <p:txEl>
+                                              <p:pRg st="2" end="2"/>
+                                            </p:txEl>
+                                          </p:spTgt>
+                                        </p:tgtEl>
+                                        <p:attrNameLst>
+                                          <p:attrName>ppt_y</p:attrName>
+                                        </p:attrNameLst>
+                                      </p:cBhvr>
+                                      <p:tavLst>
+                                        <p:tav tm="0">
+                                          <p:val>
+                                            <p:strVal val="1+#ppt_h/2"/>
+                                          </p:val>
+                                        </p:tav>
+                                        <p:tav tm="100000">
+                                          <p:val>
+                                            <p:strVal val="#ppt_y"/>
+                                          </p:val>
+                                        </p:tav>
+                                      </p:tavLst>
+                                    </p:anim>
+                                  </p:childTnLst>
+                                </p:cTn>
+                              </p:par>
+                            </p:childTnLst>
+                          </p:cTn>
+                        </p:par>
+                      </p:childTnLst>
+                    </p:cTn>
+                  </p:par>
+                  <p:par>
+                    <p:cTn id="21" fill="hold">
+                      <p:stCondLst>
+                        <p:cond delay="indefinite"/>
+                      </p:stCondLst>
+                      <p:childTnLst>
+                        <p:par>
+                          <p:cTn id="22" fill="hold">
+                            <p:stCondLst>
+                              <p:cond delay="0"/>
+                            </p:stCondLst>
+                            <p:childTnLst>
+                              <p:par>
+                                <p:cTn id="23" presetID="2" presetClass="entr" presetSubtype="4" fill="hold" grpId="0" nodeType="clickEffect">
+                                  <p:stCondLst>
+                                    <p:cond delay="0"/>
+                                  </p:stCondLst>
+                                  <p:childTnLst>
+                                    <p:set>
+                                      <p:cBhvr>
+                                        <p:cTn id="24" dur="1" fill="hold">
+                                          <p:stCondLst>
+                                            <p:cond delay="0"/>
+                                          </p:stCondLst>
+                                        </p:cTn>
+                                        <p:tgtEl>
+                                          <p:spTgt spid="9">
+                                            <p:txEl>
+                                              <p:pRg st="3" end="3"/>
+                                            </p:txEl>
+                                          </p:spTgt>
+                                        </p:tgtEl>
+                                        <p:attrNameLst>
+                                          <p:attrName>style.visibility</p:attrName>
+                                        </p:attrNameLst>
+                                      </p:cBhvr>
+                                      <p:to>
+                                        <p:strVal val="visible"/>
+                                      </p:to>
+                                    </p:set>
+                                    <p:anim calcmode="lin" valueType="num">
+                                      <p:cBhvr additive="base">
+                                        <p:cTn id="25" dur="500" fill="hold"/>
+                                        <p:tgtEl>
+                                          <p:spTgt spid="9">
+                                            <p:txEl>
+                                              <p:pRg st="3" end="3"/>
+                                            </p:txEl>
+                                          </p:spTgt>
+                                        </p:tgtEl>
+                                        <p:attrNameLst>
+                                          <p:attrName>ppt_x</p:attrName>
+                                        </p:attrNameLst>
+                                      </p:cBhvr>
+                                      <p:tavLst>
+                                        <p:tav tm="0">
+                                          <p:val>
+                                            <p:strVal val="#ppt_x"/>
+                                          </p:val>
+                                        </p:tav>
+                                        <p:tav tm="100000">
+                                          <p:val>
+                                            <p:strVal val="#ppt_x"/>
+                                          </p:val>
+                                        </p:tav>
+                                      </p:tavLst>
+                                    </p:anim>
+                                    <p:anim calcmode="lin" valueType="num">
+                                      <p:cBhvr additive="base">
+                                        <p:cTn id="26" dur="500" fill="hold"/>
+                                        <p:tgtEl>
+                                          <p:spTgt spid="9">
+                                            <p:txEl>
+                                              <p:pRg st="3" end="3"/>
+                                            </p:txEl>
+                                          </p:spTgt>
+                                        </p:tgtEl>
+                                        <p:attrNameLst>
+                                          <p:attrName>ppt_y</p:attrName>
+                                        </p:attrNameLst>
+                                      </p:cBhvr>
+                                      <p:tavLst>
+                                        <p:tav tm="0">
+                                          <p:val>
+                                            <p:strVal val="1+#ppt_h/2"/>
+                                          </p:val>
+                                        </p:tav>
+                                        <p:tav tm="100000">
+                                          <p:val>
+                                            <p:strVal val="#ppt_y"/>
+                                          </p:val>
+                                        </p:tav>
+                                      </p:tavLst>
+                                    </p:anim>
+                                  </p:childTnLst>
+                                </p:cTn>
+                              </p:par>
+                            </p:childTnLst>
+                          </p:cTn>
+                        </p:par>
+                      </p:childTnLst>
+                    </p:cTn>
+                  </p:par>
+                  <p:par>
+                    <p:cTn id="27" fill="hold">
+                      <p:stCondLst>
+                        <p:cond delay="indefinite"/>
+                      </p:stCondLst>
+                      <p:childTnLst>
+                        <p:par>
+                          <p:cTn id="28" fill="hold">
+                            <p:stCondLst>
+                              <p:cond delay="0"/>
+                            </p:stCondLst>
+                            <p:childTnLst>
+                              <p:par>
+                                <p:cTn id="29" presetID="2" presetClass="entr" presetSubtype="4" fill="hold" grpId="0" nodeType="clickEffect">
+                                  <p:stCondLst>
+                                    <p:cond delay="0"/>
+                                  </p:stCondLst>
+                                  <p:childTnLst>
+                                    <p:set>
+                                      <p:cBhvr>
+                                        <p:cTn id="30" dur="1" fill="hold">
+                                          <p:stCondLst>
+                                            <p:cond delay="0"/>
+                                          </p:stCondLst>
+                                        </p:cTn>
+                                        <p:tgtEl>
+                                          <p:spTgt spid="9">
+                                            <p:txEl>
+                                              <p:pRg st="4" end="4"/>
+                                            </p:txEl>
+                                          </p:spTgt>
+                                        </p:tgtEl>
+                                        <p:attrNameLst>
+                                          <p:attrName>style.visibility</p:attrName>
+                                        </p:attrNameLst>
+                                      </p:cBhvr>
+                                      <p:to>
+                                        <p:strVal val="visible"/>
+                                      </p:to>
+                                    </p:set>
+                                    <p:anim calcmode="lin" valueType="num">
+                                      <p:cBhvr additive="base">
+                                        <p:cTn id="31" dur="500" fill="hold"/>
+                                        <p:tgtEl>
+                                          <p:spTgt spid="9">
+                                            <p:txEl>
+                                              <p:pRg st="4" end="4"/>
+                                            </p:txEl>
+                                          </p:spTgt>
+                                        </p:tgtEl>
+                                        <p:attrNameLst>
+                                          <p:attrName>ppt_x</p:attrName>
+                                        </p:attrNameLst>
+                                      </p:cBhvr>
+                                      <p:tavLst>
+                                        <p:tav tm="0">
+                                          <p:val>
+                                            <p:strVal val="#ppt_x"/>
+                                          </p:val>
+                                        </p:tav>
+                                        <p:tav tm="100000">
+                                          <p:val>
+                                            <p:strVal val="#ppt_x"/>
+                                          </p:val>
+                                        </p:tav>
+                                      </p:tavLst>
+                                    </p:anim>
+                                    <p:anim calcmode="lin" valueType="num">
+                                      <p:cBhvr additive="base">
+                                        <p:cTn id="32" dur="500" fill="hold"/>
+                                        <p:tgtEl>
+                                          <p:spTgt spid="9">
+                                            <p:txEl>
+                                              <p:pRg st="4" end="4"/>
+                                            </p:txEl>
+                                          </p:spTgt>
+                                        </p:tgtEl>
+                                        <p:attrNameLst>
+                                          <p:attrName>ppt_y</p:attrName>
+                                        </p:attrNameLst>
+                                      </p:cBhvr>
+                                      <p:tavLst>
+                                        <p:tav tm="0">
+                                          <p:val>
+                                            <p:strVal val="1+#ppt_h/2"/>
+                                          </p:val>
+                                        </p:tav>
+                                        <p:tav tm="100000">
+                                          <p:val>
+                                            <p:strVal val="#ppt_y"/>
+                                          </p:val>
+                                        </p:tav>
+                                      </p:tavLst>
+                                    </p:anim>
+                                  </p:childTnLst>
+                                </p:cTn>
+                              </p:par>
+                            </p:childTnLst>
+                          </p:cTn>
+                        </p:par>
+                      </p:childTnLst>
+                    </p:cTn>
+                  </p:par>
+                  <p:par>
+                    <p:cTn id="33" fill="hold">
+                      <p:stCondLst>
+                        <p:cond delay="indefinite"/>
+                      </p:stCondLst>
+                      <p:childTnLst>
+                        <p:par>
+                          <p:cTn id="34" fill="hold">
+                            <p:stCondLst>
+                              <p:cond delay="0"/>
+                            </p:stCondLst>
+                            <p:childTnLst>
+                              <p:par>
+                                <p:cTn id="35" presetID="2" presetClass="entr" presetSubtype="4" fill="hold" grpId="0" nodeType="clickEffect">
+                                  <p:stCondLst>
+                                    <p:cond delay="0"/>
+                                  </p:stCondLst>
+                                  <p:childTnLst>
+                                    <p:set>
+                                      <p:cBhvr>
+                                        <p:cTn id="36" dur="1" fill="hold">
+                                          <p:stCondLst>
+                                            <p:cond delay="0"/>
+                                          </p:stCondLst>
+                                        </p:cTn>
+                                        <p:tgtEl>
+                                          <p:spTgt spid="9">
+                                            <p:txEl>
+                                              <p:pRg st="5" end="5"/>
+                                            </p:txEl>
+                                          </p:spTgt>
+                                        </p:tgtEl>
+                                        <p:attrNameLst>
+                                          <p:attrName>style.visibility</p:attrName>
+                                        </p:attrNameLst>
+                                      </p:cBhvr>
+                                      <p:to>
+                                        <p:strVal val="visible"/>
+                                      </p:to>
+                                    </p:set>
+                                    <p:anim calcmode="lin" valueType="num">
+                                      <p:cBhvr additive="base">
+                                        <p:cTn id="37" dur="500" fill="hold"/>
+                                        <p:tgtEl>
+                                          <p:spTgt spid="9">
+                                            <p:txEl>
+                                              <p:pRg st="5" end="5"/>
+                                            </p:txEl>
+                                          </p:spTgt>
+                                        </p:tgtEl>
+                                        <p:attrNameLst>
+                                          <p:attrName>ppt_x</p:attrName>
+                                        </p:attrNameLst>
+                                      </p:cBhvr>
+                                      <p:tavLst>
+                                        <p:tav tm="0">
+                                          <p:val>
+                                            <p:strVal val="#ppt_x"/>
+                                          </p:val>
+                                        </p:tav>
+                                        <p:tav tm="100000">
+                                          <p:val>
+                                            <p:strVal val="#ppt_x"/>
+                                          </p:val>
+                                        </p:tav>
+                                      </p:tavLst>
+                                    </p:anim>
+                                    <p:anim calcmode="lin" valueType="num">
+                                      <p:cBhvr additive="base">
+                                        <p:cTn id="38" dur="500" fill="hold"/>
+                                        <p:tgtEl>
+                                          <p:spTgt spid="9">
+                                            <p:txEl>
+                                              <p:pRg st="5" end="5"/>
+                                            </p:txEl>
+                                          </p:spTgt>
+                                        </p:tgtEl>
+                                        <p:attrNameLst>
+                                          <p:attrName>ppt_y</p:attrName>
+                                        </p:attrNameLst>
+                                      </p:cBhvr>
+                                      <p:tavLst>
+                                        <p:tav tm="0">
+                                          <p:val>
+                                            <p:strVal val="1+#ppt_h/2"/>
+                                          </p:val>
+                                        </p:tav>
+                                        <p:tav tm="100000">
+                                          <p:val>
+                                            <p:strVal val="#ppt_y"/>
+                                          </p:val>
+                                        </p:tav>
+                                      </p:tavLst>
+                                    </p:anim>
+                                  </p:childTnLst>
+                                </p:cTn>
+                              </p:par>
+                            </p:childTnLst>
+                          </p:cTn>
+                        </p:par>
+                      </p:childTnLst>
+                    </p:cTn>
+                  </p:par>
+                </p:childTnLst>
+              </p:cTn>
+              <p:prevCondLst>
+                <p:cond evt="onPrev" delay="0">
+                  <p:tgtEl>
+                    <p:sldTgt/>
+                  </p:tgtEl>
+                </p:cond>
+              </p:prevCondLst>
+              <p:nextCondLst>
+                <p:cond evt="onNext" delay="0">
+                  <p:tgtEl>
+                    <p:sldTgt/>
+                  </p:tgtEl>
+                </p:cond>
+              </p:nextCondLst>
+            </p:seq>
+          </p:childTnLst>
+        </p:cTn>
+      </p:par>
+    </p:tnLst>
+    <p:bldLst>
+      <p:bldP spid="9" grpId="0" build="p"/>
+    </p:bldLst>
+  </p:timing>
+</p:sld>
+</file>
+
+<file path=ppt/slides/slide12.xml><?xml version="1.0" encoding="utf-8"?>
+<p:sld xmlns:a="http://schemas.openxmlformats.org/drawingml/2006/main" xmlns:r="http://schemas.openxmlformats.org/officeDocument/2006/relationships" xmlns:p="http://schemas.openxmlformats.org/presentationml/2006/main">
+  <p:cSld>
+    <p:bg>
+      <p:bgPr>
+        <a:solidFill>
+          <a:schemeClr val="bg1"/>
+        </a:solidFill>
+        <a:effectLst/>
+      </p:bgPr>
+    </p:bg>
+    <p:spTree>
+      <p:nvGrpSpPr>
+        <p:cNvPr id="1" name=""/>
+        <p:cNvGrpSpPr/>
+        <p:nvPr/>
+      </p:nvGrpSpPr>
+      <p:grpSpPr>
+        <a:xfrm>
+          <a:off x="0" y="0"/>
+          <a:ext cx="0" cy="0"/>
+          <a:chOff x="0" y="0"/>
+          <a:chExt cx="0" cy="0"/>
+        </a:xfrm>
+      </p:grpSpPr>
+      <p:sp useBgFill="1">
+        <p:nvSpPr>
+          <p:cNvPr id="10" name="Rectangle 9">
+            <a:extLst>
+              <a:ext uri="{FF2B5EF4-FFF2-40B4-BE49-F238E27FC236}">
+                <a16:creationId xmlns:a16="http://schemas.microsoft.com/office/drawing/2014/main" id="{955A2079-FA98-4876-80F0-72364A7D2EA4}"/>
+              </a:ext>
+              <a:ext uri="{C183D7F6-B498-43B3-948B-1728B52AA6E4}">
+                <adec:decorative xmlns:adec="http://schemas.microsoft.com/office/drawing/2017/decorative" val="1"/>
+              </a:ext>
+            </a:extLst>
+          </p:cNvPr>
+          <p:cNvSpPr>
+            <a:spLocks noGrp="1" noRot="1" noChangeAspect="1" noMove="1" noResize="1" noEditPoints="1" noAdjustHandles="1" noChangeArrowheads="1" noChangeShapeType="1" noTextEdit="1"/>
+          </p:cNvSpPr>
+          <p:nvPr>
+            <p:extLst>
+              <p:ext uri="{386F3935-93C4-4BCD-93E2-E3B085C9AB24}">
+                <p16:designElem xmlns:p16="http://schemas.microsoft.com/office/powerpoint/2015/main" val="1"/>
+              </p:ext>
+            </p:extLst>
+          </p:nvPr>
+        </p:nvSpPr>
+        <p:spPr>
+          <a:xfrm>
+            <a:off x="-1" y="0"/>
+            <a:ext cx="12188952" cy="6858000"/>
+          </a:xfrm>
+          <a:prstGeom prst="rect">
+            <a:avLst/>
+          </a:prstGeom>
+          <a:ln>
+            <a:noFill/>
+          </a:ln>
+        </p:spPr>
+        <p:style>
+          <a:lnRef idx="2">
+            <a:schemeClr val="accent1">
+              <a:shade val="50000"/>
+            </a:schemeClr>
+          </a:lnRef>
+          <a:fillRef idx="1">
+            <a:schemeClr val="accent1"/>
+          </a:fillRef>
+          <a:effectRef idx="0">
+            <a:schemeClr val="accent1"/>
+          </a:effectRef>
+          <a:fontRef idx="minor">
+            <a:schemeClr val="lt1"/>
+          </a:fontRef>
+        </p:style>
+        <p:txBody>
+          <a:bodyPr rtlCol="0" anchor="ctr"/>
+          <a:lstStyle/>
+          <a:p>
+            <a:pPr algn="ctr"/>
+            <a:endParaRPr lang="en-US"/>
+          </a:p>
+        </p:txBody>
+      </p:sp>
+      <p:sp>
+        <p:nvSpPr>
+          <p:cNvPr id="2" name="Title 1">
+            <a:extLst>
+              <a:ext uri="{FF2B5EF4-FFF2-40B4-BE49-F238E27FC236}">
+                <a16:creationId xmlns:a16="http://schemas.microsoft.com/office/drawing/2014/main" id="{7E917722-0E90-344A-8A7E-E1F136089864}"/>
+              </a:ext>
+            </a:extLst>
+          </p:cNvPr>
+          <p:cNvSpPr>
+            <a:spLocks noGrp="1"/>
+          </p:cNvSpPr>
+          <p:nvPr>
+            <p:ph type="title"/>
+          </p:nvPr>
+        </p:nvSpPr>
+        <p:spPr>
+          <a:xfrm>
+            <a:off x="838200" y="557188"/>
+            <a:ext cx="10515600" cy="1133499"/>
+          </a:xfrm>
+        </p:spPr>
+        <p:txBody>
+          <a:bodyPr>
+            <a:normAutofit/>
+          </a:bodyPr>
+          <a:lstStyle/>
+          <a:p>
+            <a:pPr algn="ctr"/>
+            <a:r>
+              <a:rPr lang="en-US" sz="5200"/>
+              <a:t>Class Schedule with 1 Subject per Term</a:t>
+            </a:r>
+          </a:p>
+        </p:txBody>
+      </p:sp>
+      <p:graphicFrame>
+        <p:nvGraphicFramePr>
+          <p:cNvPr id="5" name="Diagram 4">
+            <a:extLst>
+              <a:ext uri="{FF2B5EF4-FFF2-40B4-BE49-F238E27FC236}">
+                <a16:creationId xmlns:a16="http://schemas.microsoft.com/office/drawing/2014/main" id="{89060EE3-34A4-BC48-8C66-EFED0EA37799}"/>
+              </a:ext>
+            </a:extLst>
+          </p:cNvPr>
+          <p:cNvGraphicFramePr/>
+          <p:nvPr>
+            <p:extLst>
+              <p:ext uri="{D42A27DB-BD31-4B8C-83A1-F6EECF244321}">
+                <p14:modId xmlns:p14="http://schemas.microsoft.com/office/powerpoint/2010/main" val="18086331"/>
+              </p:ext>
+            </p:extLst>
+          </p:nvPr>
+        </p:nvGraphicFramePr>
+        <p:xfrm>
+          <a:off x="838200" y="1828800"/>
+          <a:ext cx="10515600" cy="4352544"/>
+        </p:xfrm>
+        <a:graphic>
+          <a:graphicData uri="http://schemas.openxmlformats.org/drawingml/2006/diagram">
+            <dgm:relIds xmlns:dgm="http://schemas.openxmlformats.org/drawingml/2006/diagram" xmlns:r="http://schemas.openxmlformats.org/officeDocument/2006/relationships" r:dm="rId2" r:lo="rId3" r:qs="rId4" r:cs="rId5"/>
+          </a:graphicData>
+        </a:graphic>
+      </p:graphicFrame>
+    </p:spTree>
+    <p:extLst>
+      <p:ext uri="{BB962C8B-B14F-4D97-AF65-F5344CB8AC3E}">
+        <p14:creationId xmlns:p14="http://schemas.microsoft.com/office/powerpoint/2010/main" val="2836241609"/>
+      </p:ext>
+    </p:extLst>
+  </p:cSld>
+  <p:clrMapOvr>
+    <a:masterClrMapping/>
+  </p:clrMapOvr>
+  <mc:AlternateContent xmlns:mc="http://schemas.openxmlformats.org/markup-compatibility/2006" xmlns:p15="http://schemas.microsoft.com/office/powerpoint/2012/main">
+    <mc:Choice Requires="p15">
+      <p:transition xmlns:p14="http://schemas.microsoft.com/office/powerpoint/2010/main" spd="slow" p14:dur="2000">
+        <p15:prstTrans prst="drape"/>
+      </p:transition>
+    </mc:Choice>
+    <mc:Fallback xmlns="">
+      <p:transition spd="slow">
+        <p:fade/>
+      </p:transition>
+    </mc:Fallback>
+  </mc:AlternateContent>
+</p:sld>
+</file>
+
+<file path=ppt/slides/slide13.xml><?xml version="1.0" encoding="utf-8"?>
+<p:sld xmlns:a="http://schemas.openxmlformats.org/drawingml/2006/main" xmlns:r="http://schemas.openxmlformats.org/officeDocument/2006/relationships" xmlns:p="http://schemas.openxmlformats.org/presentationml/2006/main">
+  <p:cSld>
+    <p:bg>
+      <p:bgPr>
+        <a:solidFill>
+          <a:schemeClr val="bg1"/>
+        </a:solidFill>
+        <a:effectLst/>
+      </p:bgPr>
+    </p:bg>
+    <p:spTree>
+      <p:nvGrpSpPr>
+        <p:cNvPr id="1" name=""/>
+        <p:cNvGrpSpPr/>
+        <p:nvPr/>
+      </p:nvGrpSpPr>
+      <p:grpSpPr>
+        <a:xfrm>
+          <a:off x="0" y="0"/>
+          <a:ext cx="0" cy="0"/>
+          <a:chOff x="0" y="0"/>
+          <a:chExt cx="0" cy="0"/>
+        </a:xfrm>
+      </p:grpSpPr>
+      <p:sp>
+        <p:nvSpPr>
+          <p:cNvPr id="27" name="Rectangle 26">
+            <a:extLst>
+              <a:ext uri="{FF2B5EF4-FFF2-40B4-BE49-F238E27FC236}">
+                <a16:creationId xmlns:a16="http://schemas.microsoft.com/office/drawing/2014/main" id="{3F24A09B-713F-43FC-AB6E-B88083968522}"/>
+              </a:ext>
+              <a:ext uri="{C183D7F6-B498-43B3-948B-1728B52AA6E4}">
+                <adec:decorative xmlns:adec="http://schemas.microsoft.com/office/drawing/2017/decorative" val="1"/>
+              </a:ext>
+            </a:extLst>
+          </p:cNvPr>
+          <p:cNvSpPr>
+            <a:spLocks noGrp="1" noRot="1" noChangeAspect="1" noMove="1" noResize="1" noEditPoints="1" noAdjustHandles="1" noChangeArrowheads="1" noChangeShapeType="1" noTextEdit="1"/>
+          </p:cNvSpPr>
+          <p:nvPr>
+            <p:extLst>
+              <p:ext uri="{386F3935-93C4-4BCD-93E2-E3B085C9AB24}">
+                <p16:designElem xmlns:p16="http://schemas.microsoft.com/office/powerpoint/2015/main" val="1"/>
+              </p:ext>
+            </p:extLst>
+          </p:nvPr>
+        </p:nvSpPr>
+        <p:spPr>
+          <a:xfrm>
+            <a:off x="0" y="0"/>
+            <a:ext cx="5468548" cy="6858000"/>
+          </a:xfrm>
+          <a:prstGeom prst="rect">
+            <a:avLst/>
+          </a:prstGeom>
+          <a:solidFill>
+            <a:schemeClr val="accent1"/>
+          </a:solidFill>
+          <a:ln>
+            <a:noFill/>
+          </a:ln>
+        </p:spPr>
+        <p:style>
+          <a:lnRef idx="2">
+            <a:schemeClr val="accent1">
+              <a:shade val="50000"/>
+            </a:schemeClr>
+          </a:lnRef>
+          <a:fillRef idx="1">
+            <a:schemeClr val="accent1"/>
+          </a:fillRef>
+          <a:effectRef idx="0">
+            <a:schemeClr val="accent1"/>
+          </a:effectRef>
+          <a:fontRef idx="minor">
+            <a:schemeClr val="lt1"/>
+          </a:fontRef>
+        </p:style>
+        <p:txBody>
+          <a:bodyPr rtlCol="0" anchor="ctr"/>
+          <a:lstStyle/>
+          <a:p>
+            <a:pPr algn="ctr"/>
+            <a:endParaRPr lang="en-US"/>
+          </a:p>
+        </p:txBody>
+      </p:sp>
+      <p:sp>
+        <p:nvSpPr>
+          <p:cNvPr id="2" name="Title 1">
+            <a:extLst>
+              <a:ext uri="{FF2B5EF4-FFF2-40B4-BE49-F238E27FC236}">
+                <a16:creationId xmlns:a16="http://schemas.microsoft.com/office/drawing/2014/main" id="{7765B2E1-2C7D-9B4F-ADB6-F439415D31FA}"/>
+              </a:ext>
+            </a:extLst>
+          </p:cNvPr>
+          <p:cNvSpPr>
+            <a:spLocks noGrp="1"/>
+          </p:cNvSpPr>
+          <p:nvPr>
+            <p:ph type="title"/>
+          </p:nvPr>
+        </p:nvSpPr>
+        <p:spPr>
+          <a:xfrm>
+            <a:off x="646744" y="640080"/>
+            <a:ext cx="4173905" cy="5577818"/>
+          </a:xfrm>
+        </p:spPr>
+        <p:txBody>
+          <a:bodyPr vert="horz" lIns="91440" tIns="45720" rIns="91440" bIns="45720" rtlCol="0" anchor="ctr">
+            <a:normAutofit/>
+          </a:bodyPr>
+          <a:lstStyle/>
+          <a:p>
+            <a:pPr algn="r"/>
+            <a:r>
+              <a:rPr lang="en-US" sz="5400" kern="1200">
+                <a:solidFill>
+                  <a:srgbClr val="FFFFFF"/>
+                </a:solidFill>
+                <a:latin typeface="+mj-lt"/>
+                <a:ea typeface="+mj-ea"/>
+                <a:cs typeface="+mj-cs"/>
+              </a:rPr>
+              <a:t>Class Schedule with 2 Subjects per Term</a:t>
+            </a:r>
+          </a:p>
+        </p:txBody>
+      </p:sp>
+      <p:cxnSp>
+        <p:nvCxnSpPr>
+          <p:cNvPr id="29" name="Straight Connector 28">
+            <a:extLst>
+              <a:ext uri="{FF2B5EF4-FFF2-40B4-BE49-F238E27FC236}">
+                <a16:creationId xmlns:a16="http://schemas.microsoft.com/office/drawing/2014/main" id="{0B91AB35-C3B4-4B70-B3DD-13D63B7DA23D}"/>
+              </a:ext>
+              <a:ext uri="{C183D7F6-B498-43B3-948B-1728B52AA6E4}">
+                <adec:decorative xmlns:adec="http://schemas.microsoft.com/office/drawing/2017/decorative" val="1"/>
+              </a:ext>
+            </a:extLst>
+          </p:cNvPr>
+          <p:cNvCxnSpPr>
+            <a:cxnSpLocks noGrp="1" noRot="1" noChangeAspect="1" noMove="1" noResize="1" noEditPoints="1" noAdjustHandles="1" noChangeArrowheads="1" noChangeShapeType="1"/>
+          </p:cNvCxnSpPr>
+          <p:nvPr>
+            <p:extLst>
+              <p:ext uri="{386F3935-93C4-4BCD-93E2-E3B085C9AB24}">
+                <p16:designElem xmlns:p16="http://schemas.microsoft.com/office/powerpoint/2015/main" val="1"/>
+              </p:ext>
+            </p:extLst>
+          </p:nvPr>
+        </p:nvCxnSpPr>
+        <p:spPr>
+          <a:xfrm>
+            <a:off x="5133975" y="2423149"/>
+            <a:ext cx="0" cy="2011680"/>
+          </a:xfrm>
+          <a:prstGeom prst="line">
+            <a:avLst/>
+          </a:prstGeom>
+          <a:ln w="19050">
+            <a:solidFill>
+              <a:srgbClr val="FFFFFF">
+                <a:alpha val="80000"/>
+              </a:srgbClr>
+            </a:solidFill>
+          </a:ln>
+        </p:spPr>
+        <p:style>
+          <a:lnRef idx="1">
+            <a:schemeClr val="accent1"/>
+          </a:lnRef>
+          <a:fillRef idx="0">
+            <a:schemeClr val="accent1"/>
+          </a:fillRef>
+          <a:effectRef idx="0">
+            <a:schemeClr val="accent1"/>
+          </a:effectRef>
+          <a:fontRef idx="minor">
+            <a:schemeClr val="tx1"/>
+          </a:fontRef>
+        </p:style>
+      </p:cxnSp>
+      <p:pic>
+        <p:nvPicPr>
+          <p:cNvPr id="7" name="Picture 6" descr="Diagram&#10;&#10;Description automatically generated">
+            <a:extLst>
+              <a:ext uri="{FF2B5EF4-FFF2-40B4-BE49-F238E27FC236}">
+                <a16:creationId xmlns:a16="http://schemas.microsoft.com/office/drawing/2014/main" id="{4BDCD7FF-1A56-C147-98EC-CDA68AA16FBA}"/>
+              </a:ext>
+            </a:extLst>
+          </p:cNvPr>
+          <p:cNvPicPr>
+            <a:picLocks noChangeAspect="1"/>
+          </p:cNvPicPr>
+          <p:nvPr/>
+        </p:nvPicPr>
+        <p:blipFill>
+          <a:blip r:embed="rId2"/>
+          <a:stretch>
+            <a:fillRect/>
+          </a:stretch>
+        </p:blipFill>
+        <p:spPr>
+          <a:xfrm>
+            <a:off x="7514713" y="831"/>
+            <a:ext cx="3222956" cy="6857357"/>
+          </a:xfrm>
+          <a:prstGeom prst="rect">
+            <a:avLst/>
+          </a:prstGeom>
+        </p:spPr>
+      </p:pic>
+    </p:spTree>
+    <p:extLst>
+      <p:ext uri="{BB962C8B-B14F-4D97-AF65-F5344CB8AC3E}">
+        <p14:creationId xmlns:p14="http://schemas.microsoft.com/office/powerpoint/2010/main" val="3799550137"/>
+      </p:ext>
+    </p:extLst>
+  </p:cSld>
+  <p:clrMapOvr>
+    <a:masterClrMapping/>
+  </p:clrMapOvr>
+  <mc:AlternateContent xmlns:mc="http://schemas.openxmlformats.org/markup-compatibility/2006" xmlns:p15="http://schemas.microsoft.com/office/powerpoint/2012/main">
+    <mc:Choice Requires="p15">
+      <p:transition xmlns:p14="http://schemas.microsoft.com/office/powerpoint/2010/main" spd="slow" p14:dur="2000">
+        <p15:prstTrans prst="drape"/>
+      </p:transition>
+    </mc:Choice>
+    <mc:Fallback xmlns="">
+      <p:transition spd="slow">
+        <p:fade/>
+      </p:transition>
+    </mc:Fallback>
+  </mc:AlternateContent>
+</p:sld>
+</file>
+
+<file path=ppt/slides/slide14.xml><?xml version="1.0" encoding="utf-8"?>
+<p:sld xmlns:a="http://schemas.openxmlformats.org/drawingml/2006/main" xmlns:r="http://schemas.openxmlformats.org/officeDocument/2006/relationships" xmlns:p="http://schemas.openxmlformats.org/presentationml/2006/main">
+  <p:cSld>
+    <p:bg>
+      <p:bgPr>
+        <a:solidFill>
+          <a:schemeClr val="bg1"/>
+        </a:solidFill>
+        <a:effectLst/>
+      </p:bgPr>
+    </p:bg>
+    <p:spTree>
+      <p:nvGrpSpPr>
+        <p:cNvPr id="1" name=""/>
+        <p:cNvGrpSpPr/>
+        <p:nvPr/>
+      </p:nvGrpSpPr>
+      <p:grpSpPr>
+        <a:xfrm>
+          <a:off x="0" y="0"/>
+          <a:ext cx="0" cy="0"/>
+          <a:chOff x="0" y="0"/>
+          <a:chExt cx="0" cy="0"/>
+        </a:xfrm>
+      </p:grpSpPr>
+      <p:sp>
+        <p:nvSpPr>
+          <p:cNvPr id="34" name="Rectangle 33">
+            <a:extLst>
+              <a:ext uri="{FF2B5EF4-FFF2-40B4-BE49-F238E27FC236}">
+                <a16:creationId xmlns:a16="http://schemas.microsoft.com/office/drawing/2014/main" id="{3F24A09B-713F-43FC-AB6E-B88083968522}"/>
+              </a:ext>
+              <a:ext uri="{C183D7F6-B498-43B3-948B-1728B52AA6E4}">
+                <adec:decorative xmlns:adec="http://schemas.microsoft.com/office/drawing/2017/decorative" val="1"/>
+              </a:ext>
+            </a:extLst>
+          </p:cNvPr>
+          <p:cNvSpPr>
+            <a:spLocks noGrp="1" noRot="1" noChangeAspect="1" noMove="1" noResize="1" noEditPoints="1" noAdjustHandles="1" noChangeArrowheads="1" noChangeShapeType="1" noTextEdit="1"/>
+          </p:cNvSpPr>
+          <p:nvPr>
+            <p:extLst>
+              <p:ext uri="{386F3935-93C4-4BCD-93E2-E3B085C9AB24}">
+                <p16:designElem xmlns:p16="http://schemas.microsoft.com/office/powerpoint/2015/main" val="1"/>
+              </p:ext>
+            </p:extLst>
+          </p:nvPr>
+        </p:nvSpPr>
+        <p:spPr>
+          <a:xfrm>
+            <a:off x="0" y="0"/>
+            <a:ext cx="5468548" cy="6858000"/>
+          </a:xfrm>
+          <a:prstGeom prst="rect">
+            <a:avLst/>
+          </a:prstGeom>
+          <a:solidFill>
+            <a:schemeClr val="accent1"/>
+          </a:solidFill>
+          <a:ln>
+            <a:noFill/>
+          </a:ln>
+        </p:spPr>
+        <p:style>
+          <a:lnRef idx="2">
+            <a:schemeClr val="accent1">
+              <a:shade val="50000"/>
+            </a:schemeClr>
+          </a:lnRef>
+          <a:fillRef idx="1">
+            <a:schemeClr val="accent1"/>
+          </a:fillRef>
+          <a:effectRef idx="0">
+            <a:schemeClr val="accent1"/>
+          </a:effectRef>
+          <a:fontRef idx="minor">
+            <a:schemeClr val="lt1"/>
+          </a:fontRef>
+        </p:style>
+        <p:txBody>
+          <a:bodyPr rtlCol="0" anchor="ctr"/>
+          <a:lstStyle/>
+          <a:p>
+            <a:pPr algn="ctr"/>
+            <a:endParaRPr lang="en-US"/>
+          </a:p>
+        </p:txBody>
+      </p:sp>
+      <p:sp>
+        <p:nvSpPr>
+          <p:cNvPr id="2" name="Title 1">
+            <a:extLst>
+              <a:ext uri="{FF2B5EF4-FFF2-40B4-BE49-F238E27FC236}">
+                <a16:creationId xmlns:a16="http://schemas.microsoft.com/office/drawing/2014/main" id="{7765B2E1-2C7D-9B4F-ADB6-F439415D31FA}"/>
+              </a:ext>
+            </a:extLst>
+          </p:cNvPr>
+          <p:cNvSpPr>
+            <a:spLocks noGrp="1"/>
+          </p:cNvSpPr>
+          <p:nvPr>
+            <p:ph type="title"/>
+          </p:nvPr>
+        </p:nvSpPr>
+        <p:spPr>
+          <a:xfrm>
+            <a:off x="646744" y="640080"/>
+            <a:ext cx="4173905" cy="5577818"/>
+          </a:xfrm>
+        </p:spPr>
+        <p:txBody>
+          <a:bodyPr vert="horz" lIns="91440" tIns="45720" rIns="91440" bIns="45720" rtlCol="0" anchor="ctr">
+            <a:normAutofit/>
+          </a:bodyPr>
+          <a:lstStyle/>
+          <a:p>
+            <a:pPr algn="r"/>
+            <a:r>
+              <a:rPr lang="en-US" sz="5400" kern="1200">
+                <a:solidFill>
+                  <a:srgbClr val="FFFFFF"/>
+                </a:solidFill>
+                <a:latin typeface="+mj-lt"/>
+                <a:ea typeface="+mj-ea"/>
+                <a:cs typeface="+mj-cs"/>
+              </a:rPr>
+              <a:t>Class Schedule with 3 Subjects per Term</a:t>
+            </a:r>
+          </a:p>
+        </p:txBody>
+      </p:sp>
+      <p:cxnSp>
+        <p:nvCxnSpPr>
+          <p:cNvPr id="36" name="Straight Connector 35">
+            <a:extLst>
+              <a:ext uri="{FF2B5EF4-FFF2-40B4-BE49-F238E27FC236}">
+                <a16:creationId xmlns:a16="http://schemas.microsoft.com/office/drawing/2014/main" id="{0B91AB35-C3B4-4B70-B3DD-13D63B7DA23D}"/>
+              </a:ext>
+              <a:ext uri="{C183D7F6-B498-43B3-948B-1728B52AA6E4}">
+                <adec:decorative xmlns:adec="http://schemas.microsoft.com/office/drawing/2017/decorative" val="1"/>
+              </a:ext>
+            </a:extLst>
+          </p:cNvPr>
+          <p:cNvCxnSpPr>
+            <a:cxnSpLocks noGrp="1" noRot="1" noChangeAspect="1" noMove="1" noResize="1" noEditPoints="1" noAdjustHandles="1" noChangeArrowheads="1" noChangeShapeType="1"/>
+          </p:cNvCxnSpPr>
+          <p:nvPr>
+            <p:extLst>
+              <p:ext uri="{386F3935-93C4-4BCD-93E2-E3B085C9AB24}">
+                <p16:designElem xmlns:p16="http://schemas.microsoft.com/office/powerpoint/2015/main" val="1"/>
+              </p:ext>
+            </p:extLst>
+          </p:nvPr>
+        </p:nvCxnSpPr>
+        <p:spPr>
+          <a:xfrm>
+            <a:off x="5133975" y="2423149"/>
+            <a:ext cx="0" cy="2011680"/>
+          </a:xfrm>
+          <a:prstGeom prst="line">
+            <a:avLst/>
+          </a:prstGeom>
+          <a:ln w="19050">
+            <a:solidFill>
+              <a:srgbClr val="FFFFFF">
+                <a:alpha val="80000"/>
+              </a:srgbClr>
+            </a:solidFill>
+          </a:ln>
+        </p:spPr>
+        <p:style>
+          <a:lnRef idx="1">
+            <a:schemeClr val="accent1"/>
+          </a:lnRef>
+          <a:fillRef idx="0">
+            <a:schemeClr val="accent1"/>
+          </a:fillRef>
+          <a:effectRef idx="0">
+            <a:schemeClr val="accent1"/>
+          </a:effectRef>
+          <a:fontRef idx="minor">
+            <a:schemeClr val="tx1"/>
+          </a:fontRef>
+        </p:style>
+      </p:cxnSp>
+      <p:pic>
+        <p:nvPicPr>
+          <p:cNvPr id="4" name="Picture 3" descr="Diagram&#10;&#10;Description automatically generated">
+            <a:extLst>
+              <a:ext uri="{FF2B5EF4-FFF2-40B4-BE49-F238E27FC236}">
+                <a16:creationId xmlns:a16="http://schemas.microsoft.com/office/drawing/2014/main" id="{03F5B079-EC03-1446-835B-94C64BAA646E}"/>
+              </a:ext>
+            </a:extLst>
+          </p:cNvPr>
+          <p:cNvPicPr>
+            <a:picLocks noChangeAspect="1"/>
+          </p:cNvPicPr>
+          <p:nvPr/>
+        </p:nvPicPr>
+        <p:blipFill>
+          <a:blip r:embed="rId2"/>
+          <a:stretch>
+            <a:fillRect/>
+          </a:stretch>
+        </p:blipFill>
+        <p:spPr>
+          <a:xfrm>
+            <a:off x="6523498" y="1"/>
+            <a:ext cx="5537833" cy="6858000"/>
+          </a:xfrm>
+          <a:prstGeom prst="rect">
+            <a:avLst/>
+          </a:prstGeom>
+        </p:spPr>
+      </p:pic>
+    </p:spTree>
+    <p:extLst>
+      <p:ext uri="{BB962C8B-B14F-4D97-AF65-F5344CB8AC3E}">
+        <p14:creationId xmlns:p14="http://schemas.microsoft.com/office/powerpoint/2010/main" val="239345126"/>
+      </p:ext>
+    </p:extLst>
+  </p:cSld>
+  <p:clrMapOvr>
+    <a:masterClrMapping/>
+  </p:clrMapOvr>
+  <mc:AlternateContent xmlns:mc="http://schemas.openxmlformats.org/markup-compatibility/2006">
+    <mc:Choice xmlns:p15="http://schemas.microsoft.com/office/powerpoint/2012/main" Requires="p15">
+      <p:transition xmlns:p14="http://schemas.microsoft.com/office/powerpoint/2010/main" spd="slow" p14:dur="2000">
+        <p15:prstTrans prst="drape"/>
+      </p:transition>
+    </mc:Choice>
+    <mc:Fallback>
+      <p:transition spd="slow">
+        <p:fade/>
+      </p:transition>
+    </mc:Fallback>
+  </mc:AlternateContent>
+</p:sld>
+</file>
+
+<file path=ppt/slides/slide15.xml><?xml version="1.0" encoding="utf-8"?>
+<p:sld xmlns:a="http://schemas.openxmlformats.org/drawingml/2006/main" xmlns:r="http://schemas.openxmlformats.org/officeDocument/2006/relationships" xmlns:p="http://schemas.openxmlformats.org/presentationml/2006/main">
+  <p:cSld>
+    <p:bg>
+      <p:bgPr>
+        <a:solidFill>
+          <a:schemeClr val="bg1"/>
+        </a:solidFill>
+        <a:effectLst/>
+      </p:bgPr>
+    </p:bg>
+    <p:spTree>
+      <p:nvGrpSpPr>
+        <p:cNvPr id="1" name=""/>
+        <p:cNvGrpSpPr/>
+        <p:nvPr/>
+      </p:nvGrpSpPr>
+      <p:grpSpPr>
+        <a:xfrm>
+          <a:off x="0" y="0"/>
+          <a:ext cx="0" cy="0"/>
+          <a:chOff x="0" y="0"/>
+          <a:chExt cx="0" cy="0"/>
+        </a:xfrm>
+      </p:grpSpPr>
+      <p:sp>
+        <p:nvSpPr>
+          <p:cNvPr id="71" name="Rectangle 70">
+            <a:extLst>
+              <a:ext uri="{FF2B5EF4-FFF2-40B4-BE49-F238E27FC236}">
+                <a16:creationId xmlns:a16="http://schemas.microsoft.com/office/drawing/2014/main" id="{86295E7F-EA66-480B-B001-C8BE7CD61903}"/>
+              </a:ext>
+              <a:ext uri="{C183D7F6-B498-43B3-948B-1728B52AA6E4}">
+                <adec:decorative xmlns:adec="http://schemas.microsoft.com/office/drawing/2017/decorative" val="1"/>
+              </a:ext>
+            </a:extLst>
+          </p:cNvPr>
+          <p:cNvSpPr>
+            <a:spLocks noGrp="1" noRot="1" noChangeAspect="1" noMove="1" noResize="1" noEditPoints="1" noAdjustHandles="1" noChangeArrowheads="1" noChangeShapeType="1" noTextEdit="1"/>
+          </p:cNvSpPr>
+          <p:nvPr>
+            <p:extLst>
+              <p:ext uri="{386F3935-93C4-4BCD-93E2-E3B085C9AB24}">
+                <p16:designElem xmlns:p16="http://schemas.microsoft.com/office/powerpoint/2015/main" val="1"/>
+              </p:ext>
+            </p:extLst>
+          </p:nvPr>
+        </p:nvSpPr>
+        <p:spPr bwMode="ltGray">
+          <a:xfrm>
+            <a:off x="320040" y="4892040"/>
+            <a:ext cx="11548872" cy="1645920"/>
+          </a:xfrm>
+          <a:prstGeom prst="rect">
+            <a:avLst/>
+          </a:prstGeom>
+          <a:solidFill>
+            <a:srgbClr val="262626"/>
+          </a:solidFill>
+          <a:ln w="127000" cap="sq" cmpd="thinThick">
+            <a:noFill/>
+          </a:ln>
+        </p:spPr>
+        <p:style>
+          <a:lnRef idx="2">
+            <a:schemeClr val="accent1">
+              <a:shade val="50000"/>
+            </a:schemeClr>
+          </a:lnRef>
+          <a:fillRef idx="1">
+            <a:schemeClr val="accent1"/>
+          </a:fillRef>
+          <a:effectRef idx="0">
+            <a:schemeClr val="accent1"/>
+          </a:effectRef>
+          <a:fontRef idx="minor">
+            <a:schemeClr val="lt1"/>
+          </a:fontRef>
+        </p:style>
+        <p:txBody>
+          <a:bodyPr rtlCol="0" anchor="ctr"/>
+          <a:lstStyle/>
+          <a:p>
+            <a:pPr marL="0" marR="0" lvl="0" indent="0" algn="ctr" defTabSz="914400" rtl="0" eaLnBrk="1" fontAlgn="auto" latinLnBrk="0" hangingPunct="1">
+              <a:lnSpc>
+                <a:spcPct val="100000"/>
+              </a:lnSpc>
+              <a:spcBef>
+                <a:spcPts val="0"/>
+              </a:spcBef>
+              <a:spcAft>
+                <a:spcPts val="0"/>
+              </a:spcAft>
+              <a:buClrTx/>
+              <a:buSzTx/>
+              <a:buFontTx/>
+              <a:buNone/>
+              <a:tabLst/>
+              <a:defRPr/>
+            </a:pPr>
+            <a:endParaRPr kumimoji="0" lang="en-US" sz="1800" b="0" i="0" u="none" strike="noStrike" kern="1200" cap="none" spc="0" normalizeH="0" baseline="0" noProof="0">
+              <a:ln>
+                <a:noFill/>
+              </a:ln>
+              <a:solidFill>
+                <a:prstClr val="white"/>
+              </a:solidFill>
+              <a:effectLst/>
+              <a:uLnTx/>
+              <a:uFillTx/>
+              <a:latin typeface="Calibri" panose="020F0502020204030204"/>
+              <a:ea typeface="+mn-ea"/>
+              <a:cs typeface="+mn-cs"/>
+            </a:endParaRPr>
+          </a:p>
+        </p:txBody>
+      </p:sp>
+      <p:sp>
+        <p:nvSpPr>
+          <p:cNvPr id="2" name="Title 1">
+            <a:extLst>
+              <a:ext uri="{FF2B5EF4-FFF2-40B4-BE49-F238E27FC236}">
+                <a16:creationId xmlns:a16="http://schemas.microsoft.com/office/drawing/2014/main" id="{83803F64-3D29-0949-9326-325AB2B08C64}"/>
+              </a:ext>
+            </a:extLst>
+          </p:cNvPr>
+          <p:cNvSpPr>
+            <a:spLocks noGrp="1"/>
+          </p:cNvSpPr>
+          <p:nvPr>
+            <p:ph type="title"/>
+          </p:nvPr>
+        </p:nvSpPr>
+        <p:spPr>
+          <a:xfrm>
+            <a:off x="718686" y="5091762"/>
+            <a:ext cx="7484787" cy="1264588"/>
+          </a:xfrm>
+        </p:spPr>
+        <p:txBody>
+          <a:bodyPr vert="horz" lIns="91440" tIns="45720" rIns="91440" bIns="45720" rtlCol="0" anchor="ctr">
+            <a:normAutofit/>
+          </a:bodyPr>
+          <a:lstStyle/>
+          <a:p>
+            <a:pPr algn="r"/>
+            <a:r>
+              <a:rPr lang="en-US" sz="4800">
+                <a:solidFill>
+                  <a:srgbClr val="FFFFFF"/>
+                </a:solidFill>
+              </a:rPr>
+              <a:t>Apache Airflow</a:t>
+            </a:r>
+          </a:p>
+        </p:txBody>
+      </p:sp>
+      <p:pic>
+        <p:nvPicPr>
+          <p:cNvPr id="1026" name="Picture 2">
+            <a:extLst>
+              <a:ext uri="{FF2B5EF4-FFF2-40B4-BE49-F238E27FC236}">
+                <a16:creationId xmlns:a16="http://schemas.microsoft.com/office/drawing/2014/main" id="{96190DD1-BEEE-884F-839F-511D63FF0091}"/>
+              </a:ext>
+            </a:extLst>
+          </p:cNvPr>
+          <p:cNvPicPr>
+            <a:picLocks noChangeAspect="1" noChangeArrowheads="1"/>
+          </p:cNvPicPr>
+          <p:nvPr/>
+        </p:nvPicPr>
+        <p:blipFill rotWithShape="1">
+          <a:blip r:embed="rId2">
+            <a:extLst>
+              <a:ext uri="{28A0092B-C50C-407E-A947-70E740481C1C}">
+                <a14:useLocalDpi xmlns:a14="http://schemas.microsoft.com/office/drawing/2010/main" val="0"/>
+              </a:ext>
+            </a:extLst>
+          </a:blip>
+          <a:srcRect r="1651"/>
+          <a:stretch/>
+        </p:blipFill>
+        <p:spPr bwMode="auto">
+          <a:xfrm>
+            <a:off x="320040" y="320040"/>
+            <a:ext cx="11548872" cy="4462272"/>
+          </a:xfrm>
+          <a:prstGeom prst="rect">
+            <a:avLst/>
+          </a:prstGeom>
+          <a:noFill/>
+          <a:extLst>
+            <a:ext uri="{909E8E84-426E-40DD-AFC4-6F175D3DCCD1}">
+              <a14:hiddenFill xmlns:a14="http://schemas.microsoft.com/office/drawing/2010/main">
+                <a:solidFill>
+                  <a:srgbClr val="FFFFFF"/>
+                </a:solidFill>
+              </a14:hiddenFill>
+            </a:ext>
+          </a:extLst>
+        </p:spPr>
+      </p:pic>
+      <p:cxnSp>
+        <p:nvCxnSpPr>
+          <p:cNvPr id="73" name="Straight Connector 72">
+            <a:extLst>
+              <a:ext uri="{FF2B5EF4-FFF2-40B4-BE49-F238E27FC236}">
+                <a16:creationId xmlns:a16="http://schemas.microsoft.com/office/drawing/2014/main" id="{E126E481-B945-4179-BD79-05E96E9B29E1}"/>
+              </a:ext>
+              <a:ext uri="{C183D7F6-B498-43B3-948B-1728B52AA6E4}">
+                <adec:decorative xmlns:adec="http://schemas.microsoft.com/office/drawing/2017/decorative" val="1"/>
+              </a:ext>
+            </a:extLst>
+          </p:cNvPr>
+          <p:cNvCxnSpPr>
+            <a:cxnSpLocks noGrp="1" noRot="1" noChangeAspect="1" noMove="1" noResize="1" noEditPoints="1" noAdjustHandles="1" noChangeArrowheads="1" noChangeShapeType="1"/>
+          </p:cNvCxnSpPr>
+          <p:nvPr>
+            <p:extLst>
+              <p:ext uri="{386F3935-93C4-4BCD-93E2-E3B085C9AB24}">
+                <p16:designElem xmlns:p16="http://schemas.microsoft.com/office/powerpoint/2015/main" val="1"/>
+              </p:ext>
+            </p:extLst>
+          </p:nvPr>
+        </p:nvCxnSpPr>
+        <p:spPr>
+          <a:xfrm flipV="1">
+            <a:off x="8386843" y="5264106"/>
+            <a:ext cx="0" cy="914400"/>
+          </a:xfrm>
+          <a:prstGeom prst="line">
+            <a:avLst/>
+          </a:prstGeom>
+          <a:ln w="19050">
+            <a:solidFill>
+              <a:srgbClr val="FFFFFF">
+                <a:alpha val="80000"/>
+              </a:srgbClr>
+            </a:solidFill>
+          </a:ln>
+        </p:spPr>
+        <p:style>
+          <a:lnRef idx="1">
+            <a:schemeClr val="accent1"/>
+          </a:lnRef>
+          <a:fillRef idx="0">
+            <a:schemeClr val="accent1"/>
+          </a:fillRef>
+          <a:effectRef idx="0">
+            <a:schemeClr val="accent1"/>
+          </a:effectRef>
+          <a:fontRef idx="minor">
+            <a:schemeClr val="tx1"/>
+          </a:fontRef>
+        </p:style>
+      </p:cxnSp>
+    </p:spTree>
+    <p:extLst>
+      <p:ext uri="{BB962C8B-B14F-4D97-AF65-F5344CB8AC3E}">
+        <p14:creationId xmlns:p14="http://schemas.microsoft.com/office/powerpoint/2010/main" val="2059535111"/>
+      </p:ext>
+    </p:extLst>
+  </p:cSld>
+  <p:clrMapOvr>
+    <a:masterClrMapping/>
+  </p:clrMapOvr>
+  <mc:AlternateContent xmlns:mc="http://schemas.openxmlformats.org/markup-compatibility/2006" xmlns:p15="http://schemas.microsoft.com/office/powerpoint/2012/main">
+    <mc:Choice Requires="p15">
+      <p:transition xmlns:p14="http://schemas.microsoft.com/office/powerpoint/2010/main" spd="slow" p14:dur="2000">
+        <p15:prstTrans prst="drape"/>
+      </p:transition>
+    </mc:Choice>
+    <mc:Fallback xmlns="">
+      <p:transition spd="slow">
+        <p:fade/>
+      </p:transition>
+    </mc:Fallback>
+  </mc:AlternateContent>
+</p:sld>
+</file>
+
+<file path=ppt/slides/slide16.xml><?xml version="1.0" encoding="utf-8"?>
+<p:sld xmlns:a="http://schemas.openxmlformats.org/drawingml/2006/main" xmlns:r="http://schemas.openxmlformats.org/officeDocument/2006/relationships" xmlns:p="http://schemas.openxmlformats.org/presentationml/2006/main">
+  <p:cSld>
+    <p:bg>
+      <p:bgPr>
+        <a:solidFill>
           <a:srgbClr val="FFFFFF"/>
         </a:solidFill>
         <a:effectLst/>
@@ -7334,7 +14592,7 @@
 </p:sld>
 </file>
 
-<file path=ppt/slides/slide11.xml><?xml version="1.0" encoding="utf-8"?>
+<file path=ppt/slides/slide17.xml><?xml version="1.0" encoding="utf-8"?>
 <p:sld xmlns:a="http://schemas.openxmlformats.org/drawingml/2006/main" xmlns:r="http://schemas.openxmlformats.org/officeDocument/2006/relationships" xmlns:p="http://schemas.openxmlformats.org/presentationml/2006/main">
   <p:cSld>
     <p:bg>
@@ -12757,8 +20015,8 @@
           </a:fontRef>
         </p:style>
       </p:cxnSp>
-      <mc:AlternateContent xmlns:mc="http://schemas.openxmlformats.org/markup-compatibility/2006">
-        <mc:Choice xmlns:a14="http://schemas.microsoft.com/office/drawing/2010/main" Requires="a14">
+      <mc:AlternateContent xmlns:mc="http://schemas.openxmlformats.org/markup-compatibility/2006" xmlns:a14="http://schemas.microsoft.com/office/drawing/2010/main">
+        <mc:Choice Requires="a14">
           <p:sp>
             <p:nvSpPr>
               <p:cNvPr id="3" name="Content Placeholder 2">
@@ -13216,7 +20474,7 @@
             </p:txBody>
           </p:sp>
         </mc:Choice>
-        <mc:Fallback>
+        <mc:Fallback xmlns="">
           <p:sp>
             <p:nvSpPr>
               <p:cNvPr id="3" name="Content Placeholder 2">
@@ -14260,13 +21518,13 @@
   <p:clrMapOvr>
     <a:masterClrMapping/>
   </p:clrMapOvr>
-  <mc:AlternateContent xmlns:mc="http://schemas.openxmlformats.org/markup-compatibility/2006">
-    <mc:Choice xmlns:p15="http://schemas.microsoft.com/office/powerpoint/2012/main" Requires="p15">
+  <mc:AlternateContent xmlns:mc="http://schemas.openxmlformats.org/markup-compatibility/2006" xmlns:p15="http://schemas.microsoft.com/office/powerpoint/2012/main">
+    <mc:Choice Requires="p15">
       <p:transition xmlns:p14="http://schemas.microsoft.com/office/powerpoint/2010/main" spd="slow" p14:dur="2000">
         <p15:prstTrans prst="drape"/>
       </p:transition>
     </mc:Choice>
-    <mc:Fallback>
+    <mc:Fallback xmlns="">
       <p:transition spd="slow">
         <p:fade/>
       </p:transition>

--- a/lecture-2/presentation-2.pptx
+++ b/lecture-2/presentation-2.pptx
@@ -5,7 +5,7 @@
     <p:sldMasterId id="2147483764" r:id="rId1"/>
   </p:sldMasterIdLst>
   <p:notesMasterIdLst>
-    <p:notesMasterId r:id="rId19"/>
+    <p:notesMasterId r:id="rId21"/>
   </p:notesMasterIdLst>
   <p:sldIdLst>
     <p:sldId id="256" r:id="rId2"/>
@@ -22,9 +22,11 @@
     <p:sldId id="319" r:id="rId13"/>
     <p:sldId id="320" r:id="rId14"/>
     <p:sldId id="321" r:id="rId15"/>
-    <p:sldId id="322" r:id="rId16"/>
-    <p:sldId id="314" r:id="rId17"/>
-    <p:sldId id="312" r:id="rId18"/>
+    <p:sldId id="323" r:id="rId16"/>
+    <p:sldId id="324" r:id="rId17"/>
+    <p:sldId id="322" r:id="rId18"/>
+    <p:sldId id="314" r:id="rId19"/>
+    <p:sldId id="312" r:id="rId20"/>
   </p:sldIdLst>
   <p:sldSz cx="12192000" cy="6858000"/>
   <p:notesSz cx="6858000" cy="9144000"/>
@@ -1651,7 +1653,7 @@
         <a:lstStyle/>
         <a:p>
           <a:r>
-            <a:rPr lang="en-US"/>
+            <a:rPr lang="en-US" dirty="0"/>
             <a:t>18.01</a:t>
           </a:r>
         </a:p>
@@ -1687,7 +1689,7 @@
         <a:lstStyle/>
         <a:p>
           <a:r>
-            <a:rPr lang="en-US"/>
+            <a:rPr lang="en-US" dirty="0"/>
             <a:t>8.01</a:t>
           </a:r>
         </a:p>
@@ -1723,7 +1725,7 @@
         <a:lstStyle/>
         <a:p>
           <a:r>
-            <a:rPr lang="en-US"/>
+            <a:rPr lang="en-US" dirty="0"/>
             <a:t>6.001</a:t>
           </a:r>
         </a:p>
@@ -1759,7 +1761,7 @@
         <a:lstStyle/>
         <a:p>
           <a:r>
-            <a:rPr lang="en-US"/>
+            <a:rPr lang="en-US" dirty="0"/>
             <a:t>18.02</a:t>
           </a:r>
         </a:p>
@@ -1795,7 +1797,7 @@
         <a:lstStyle/>
         <a:p>
           <a:r>
-            <a:rPr lang="en-US"/>
+            <a:rPr lang="en-US" dirty="0"/>
             <a:t>18.03</a:t>
           </a:r>
         </a:p>
@@ -1831,7 +1833,7 @@
         <a:lstStyle/>
         <a:p>
           <a:r>
-            <a:rPr lang="en-US"/>
+            <a:rPr lang="en-US" dirty="0"/>
             <a:t>6.042</a:t>
           </a:r>
         </a:p>
@@ -1867,7 +1869,7 @@
         <a:lstStyle/>
         <a:p>
           <a:r>
-            <a:rPr lang="en-US"/>
+            <a:rPr lang="en-US" dirty="0"/>
             <a:t>8.02</a:t>
           </a:r>
         </a:p>
@@ -1903,7 +1905,7 @@
         <a:lstStyle/>
         <a:p>
           <a:r>
-            <a:rPr lang="en-US"/>
+            <a:rPr lang="en-US" dirty="0"/>
             <a:t>6.034</a:t>
           </a:r>
         </a:p>
@@ -1939,7 +1941,7 @@
         <a:lstStyle/>
         <a:p>
           <a:r>
-            <a:rPr lang="en-US"/>
+            <a:rPr lang="en-US" dirty="0"/>
             <a:t>6.002</a:t>
           </a:r>
         </a:p>
@@ -1975,7 +1977,7 @@
         <a:lstStyle/>
         <a:p>
           <a:r>
-            <a:rPr lang="en-US"/>
+            <a:rPr lang="en-US" dirty="0"/>
             <a:t>6.046</a:t>
           </a:r>
         </a:p>
@@ -2011,7 +2013,7 @@
         <a:lstStyle/>
         <a:p>
           <a:r>
-            <a:rPr lang="en-US"/>
+            <a:rPr lang="en-US" dirty="0"/>
             <a:t>6.003</a:t>
           </a:r>
         </a:p>
@@ -2047,7 +2049,7 @@
         <a:lstStyle/>
         <a:p>
           <a:r>
-            <a:rPr lang="en-US"/>
+            <a:rPr lang="en-US" dirty="0"/>
             <a:t>6.004</a:t>
           </a:r>
         </a:p>
@@ -2083,7 +2085,7 @@
         <a:lstStyle/>
         <a:p>
           <a:r>
-            <a:rPr lang="en-US"/>
+            <a:rPr lang="en-US" dirty="0"/>
             <a:t>6.840</a:t>
           </a:r>
         </a:p>
@@ -2119,7 +2121,7 @@
         <a:lstStyle/>
         <a:p>
           <a:r>
-            <a:rPr lang="en-US"/>
+            <a:rPr lang="en-US" dirty="0"/>
             <a:t>6.033</a:t>
           </a:r>
         </a:p>
@@ -2155,7 +2157,7 @@
         <a:lstStyle/>
         <a:p>
           <a:r>
-            <a:rPr lang="en-US"/>
+            <a:rPr lang="en-US" dirty="0"/>
             <a:t>6.857</a:t>
           </a:r>
         </a:p>
@@ -12027,7 +12029,7 @@
           <a:lstStyle/>
           <a:p>
             <a:r>
-              <a:rPr lang="en-US" sz="3600"/>
+              <a:rPr lang="en-US" sz="3600" dirty="0"/>
               <a:t>Parallel Scheduling</a:t>
             </a:r>
           </a:p>
@@ -12065,15 +12067,15 @@
               <a:buNone/>
             </a:pPr>
             <a:r>
-              <a:rPr lang="en-US" sz="2000"/>
+              <a:rPr lang="en-US" sz="2000" dirty="0"/>
               <a:t>Problem Description</a:t>
             </a:r>
-            <a:endParaRPr lang="en-US" sz="2000">
+            <a:endParaRPr lang="en-US" sz="2000" dirty="0">
               <a:sym typeface="Wingdings" pitchFamily="2" charset="2"/>
             </a:endParaRPr>
           </a:p>
           <a:p>
-            <a:endParaRPr lang="en-US" sz="2000">
+            <a:endParaRPr lang="en-US" sz="2000" dirty="0">
               <a:sym typeface="Wingdings" pitchFamily="2" charset="2"/>
             </a:endParaRPr>
           </a:p>
@@ -12169,7 +12171,7 @@
             <a:lstStyle/>
             <a:p>
               <a:pPr algn="ctr"/>
-              <a:endParaRPr lang="en-US"/>
+              <a:endParaRPr lang="en-US" dirty="0"/>
             </a:p>
           </p:txBody>
         </p:sp>
@@ -12361,7 +12363,7 @@
             <a:lstStyle/>
             <a:p>
               <a:pPr algn="ctr"/>
-              <a:endParaRPr lang="en-US"/>
+              <a:endParaRPr lang="en-US" dirty="0"/>
             </a:p>
           </p:txBody>
         </p:sp>
@@ -12424,7 +12426,7 @@
             <a:lstStyle/>
             <a:p>
               <a:pPr algn="ctr"/>
-              <a:endParaRPr lang="en-US"/>
+              <a:endParaRPr lang="en-US" dirty="0"/>
             </a:p>
           </p:txBody>
         </p:sp>
@@ -12451,8 +12453,8 @@
         </p:blipFill>
         <p:spPr>
           <a:xfrm>
-            <a:off x="4398520" y="5290270"/>
-            <a:ext cx="6253212" cy="1328807"/>
+            <a:off x="4398519" y="5290270"/>
+            <a:ext cx="7377556" cy="1567730"/>
           </a:xfrm>
           <a:prstGeom prst="rect">
             <a:avLst/>
@@ -12488,7 +12490,7 @@
           <a:lstStyle/>
           <a:p>
             <a:r>
-              <a:rPr lang="en-US"/>
+              <a:rPr lang="en-US" dirty="0"/>
               <a:t>Source:</a:t>
             </a:r>
           </a:p>
@@ -12600,7 +12602,7 @@
           <a:lstStyle/>
           <a:p>
             <a:pPr algn="ctr"/>
-            <a:endParaRPr lang="en-US"/>
+            <a:endParaRPr lang="en-US" dirty="0"/>
           </a:p>
         </p:txBody>
       </p:sp>
@@ -12633,7 +12635,7 @@
           <a:lstStyle/>
           <a:p>
             <a:r>
-              <a:rPr lang="en-US" sz="4000"/>
+              <a:rPr lang="en-US" sz="4000" dirty="0"/>
               <a:t>Class Schedule with Greedy Strategy</a:t>
             </a:r>
           </a:p>
@@ -12668,37 +12670,37 @@
           <a:lstStyle/>
           <a:p>
             <a:r>
-              <a:rPr lang="en-US" sz="2000"/>
+              <a:rPr lang="en-US" sz="2000" dirty="0"/>
               <a:t>{18.02, 6.840, 6.003, 6.004, 6.034}</a:t>
             </a:r>
           </a:p>
           <a:p>
             <a:r>
-              <a:rPr lang="en-US" sz="2000"/>
+              <a:rPr lang="en-US" sz="2000" dirty="0"/>
               <a:t>{18.02, 6.840, 6.003, 6.033, 6.034}</a:t>
             </a:r>
           </a:p>
           <a:p>
             <a:r>
-              <a:rPr lang="en-US" sz="2000"/>
+              <a:rPr lang="en-US" sz="2000" dirty="0"/>
               <a:t>{18.02, 6.840, 6.003, 6.857, 6.034}</a:t>
             </a:r>
           </a:p>
           <a:p>
             <a:r>
-              <a:rPr lang="en-US" sz="2000"/>
+              <a:rPr lang="en-US" sz="2000" dirty="0"/>
               <a:t>{18.02, 6.046, 6.003, 6.004, 6.034}</a:t>
             </a:r>
           </a:p>
           <a:p>
             <a:r>
-              <a:rPr lang="en-US" sz="2000"/>
+              <a:rPr lang="en-US" sz="2000" dirty="0"/>
               <a:t>{18.02, 6.046, 6.003, 6.033, 6.034}</a:t>
             </a:r>
           </a:p>
           <a:p>
             <a:r>
-              <a:rPr lang="en-US" sz="2000"/>
+              <a:rPr lang="en-US" sz="2000" dirty="0"/>
               <a:t>{18.02, 6.042, 6.003, 6.004, 6.034}</a:t>
             </a:r>
           </a:p>
@@ -13491,7 +13493,7 @@
           <a:lstStyle/>
           <a:p>
             <a:pPr algn="ctr"/>
-            <a:endParaRPr lang="en-US"/>
+            <a:endParaRPr lang="en-US" dirty="0"/>
           </a:p>
         </p:txBody>
       </p:sp>
@@ -13525,7 +13527,7 @@
           <a:p>
             <a:pPr algn="ctr"/>
             <a:r>
-              <a:rPr lang="en-US" sz="5200"/>
+              <a:rPr lang="en-US" sz="5200" dirty="0"/>
               <a:t>Class Schedule with 1 Subject per Term</a:t>
             </a:r>
           </a:p>
@@ -13668,7 +13670,7 @@
           <a:lstStyle/>
           <a:p>
             <a:pPr algn="ctr"/>
-            <a:endParaRPr lang="en-US"/>
+            <a:endParaRPr lang="en-US" dirty="0"/>
           </a:p>
         </p:txBody>
       </p:sp>
@@ -13702,7 +13704,7 @@
           <a:p>
             <a:pPr algn="r"/>
             <a:r>
-              <a:rPr lang="en-US" sz="5400" kern="1200">
+              <a:rPr lang="en-US" sz="5400" kern="1200" dirty="0">
                 <a:solidFill>
                   <a:srgbClr val="FFFFFF"/>
                 </a:solidFill>
@@ -13908,7 +13910,7 @@
           <a:lstStyle/>
           <a:p>
             <a:pPr algn="ctr"/>
-            <a:endParaRPr lang="en-US"/>
+            <a:endParaRPr lang="en-US" dirty="0"/>
           </a:p>
         </p:txBody>
       </p:sp>
@@ -13942,7 +13944,7 @@
           <a:p>
             <a:pPr algn="r"/>
             <a:r>
-              <a:rPr lang="en-US" sz="5400" kern="1200">
+              <a:rPr lang="en-US" sz="5400" kern="1200" dirty="0">
                 <a:solidFill>
                   <a:srgbClr val="FFFFFF"/>
                 </a:solidFill>
@@ -14049,13 +14051,13 @@
   <p:clrMapOvr>
     <a:masterClrMapping/>
   </p:clrMapOvr>
-  <mc:AlternateContent xmlns:mc="http://schemas.openxmlformats.org/markup-compatibility/2006">
-    <mc:Choice xmlns:p15="http://schemas.microsoft.com/office/powerpoint/2012/main" Requires="p15">
+  <mc:AlternateContent xmlns:mc="http://schemas.openxmlformats.org/markup-compatibility/2006" xmlns:p15="http://schemas.microsoft.com/office/powerpoint/2012/main">
+    <mc:Choice Requires="p15">
       <p:transition xmlns:p14="http://schemas.microsoft.com/office/powerpoint/2010/main" spd="slow" p14:dur="2000">
         <p15:prstTrans prst="drape"/>
       </p:transition>
     </mc:Choice>
-    <mc:Fallback>
+    <mc:Fallback xmlns="">
       <p:transition spd="slow">
         <p:fade/>
       </p:transition>
@@ -14065,6 +14067,930 @@
 </file>
 
 <file path=ppt/slides/slide15.xml><?xml version="1.0" encoding="utf-8"?>
+<p:sld xmlns:a="http://schemas.openxmlformats.org/drawingml/2006/main" xmlns:r="http://schemas.openxmlformats.org/officeDocument/2006/relationships" xmlns:p="http://schemas.openxmlformats.org/presentationml/2006/main">
+  <p:cSld>
+    <p:spTree>
+      <p:nvGrpSpPr>
+        <p:cNvPr id="1" name=""/>
+        <p:cNvGrpSpPr/>
+        <p:nvPr/>
+      </p:nvGrpSpPr>
+      <p:grpSpPr>
+        <a:xfrm>
+          <a:off x="0" y="0"/>
+          <a:ext cx="0" cy="0"/>
+          <a:chOff x="0" y="0"/>
+          <a:chExt cx="0" cy="0"/>
+        </a:xfrm>
+      </p:grpSpPr>
+      <p:sp>
+        <p:nvSpPr>
+          <p:cNvPr id="2" name="Title 1">
+            <a:extLst>
+              <a:ext uri="{FF2B5EF4-FFF2-40B4-BE49-F238E27FC236}">
+                <a16:creationId xmlns:a16="http://schemas.microsoft.com/office/drawing/2014/main" id="{39C64779-D2B2-5F43-B1EC-19B50230F66C}"/>
+              </a:ext>
+            </a:extLst>
+          </p:cNvPr>
+          <p:cNvSpPr>
+            <a:spLocks noGrp="1"/>
+          </p:cNvSpPr>
+          <p:nvPr>
+            <p:ph type="title"/>
+          </p:nvPr>
+        </p:nvSpPr>
+        <p:spPr>
+          <a:xfrm>
+            <a:off x="0" y="18255"/>
+            <a:ext cx="10515600" cy="1325563"/>
+          </a:xfrm>
+        </p:spPr>
+        <p:txBody>
+          <a:bodyPr/>
+          <a:lstStyle/>
+          <a:p>
+            <a:r>
+              <a:rPr lang="en-US" dirty="0"/>
+              <a:t>Weighted DAGs</a:t>
+            </a:r>
+          </a:p>
+        </p:txBody>
+      </p:sp>
+      <p:sp>
+        <p:nvSpPr>
+          <p:cNvPr id="3" name="Content Placeholder 2">
+            <a:extLst>
+              <a:ext uri="{FF2B5EF4-FFF2-40B4-BE49-F238E27FC236}">
+                <a16:creationId xmlns:a16="http://schemas.microsoft.com/office/drawing/2014/main" id="{E6E1C201-673C-C641-8B8A-D8B5B8495E3F}"/>
+              </a:ext>
+            </a:extLst>
+          </p:cNvPr>
+          <p:cNvSpPr>
+            <a:spLocks noGrp="1"/>
+          </p:cNvSpPr>
+          <p:nvPr>
+            <p:ph idx="1"/>
+          </p:nvPr>
+        </p:nvSpPr>
+        <p:spPr>
+          <a:xfrm>
+            <a:off x="0" y="1033303"/>
+            <a:ext cx="10515600" cy="4351338"/>
+          </a:xfrm>
+        </p:spPr>
+        <p:txBody>
+          <a:bodyPr>
+            <a:normAutofit/>
+          </a:bodyPr>
+          <a:lstStyle/>
+          <a:p>
+            <a:pPr marL="0" indent="0">
+              <a:buNone/>
+            </a:pPr>
+            <a:r>
+              <a:rPr lang="en-US" sz="1800" dirty="0"/>
+              <a:t>                               Problem description</a:t>
+            </a:r>
+          </a:p>
+        </p:txBody>
+      </p:sp>
+      <p:pic>
+        <p:nvPicPr>
+          <p:cNvPr id="4" name="Picture 3">
+            <a:extLst>
+              <a:ext uri="{FF2B5EF4-FFF2-40B4-BE49-F238E27FC236}">
+                <a16:creationId xmlns:a16="http://schemas.microsoft.com/office/drawing/2014/main" id="{FDBB2DFC-C0F7-A44D-9E99-7A8382714CA0}"/>
+              </a:ext>
+            </a:extLst>
+          </p:cNvPr>
+          <p:cNvPicPr>
+            <a:picLocks noChangeAspect="1"/>
+          </p:cNvPicPr>
+          <p:nvPr/>
+        </p:nvPicPr>
+        <p:blipFill>
+          <a:blip r:embed="rId2"/>
+          <a:stretch>
+            <a:fillRect/>
+          </a:stretch>
+        </p:blipFill>
+        <p:spPr>
+          <a:xfrm>
+            <a:off x="4398519" y="5290270"/>
+            <a:ext cx="7291651" cy="1549475"/>
+          </a:xfrm>
+          <a:prstGeom prst="rect">
+            <a:avLst/>
+          </a:prstGeom>
+        </p:spPr>
+      </p:pic>
+      <p:sp>
+        <p:nvSpPr>
+          <p:cNvPr id="5" name="TextBox 4">
+            <a:extLst>
+              <a:ext uri="{FF2B5EF4-FFF2-40B4-BE49-F238E27FC236}">
+                <a16:creationId xmlns:a16="http://schemas.microsoft.com/office/drawing/2014/main" id="{4B32BA07-C45F-864C-829D-311067DADF70}"/>
+              </a:ext>
+            </a:extLst>
+          </p:cNvPr>
+          <p:cNvSpPr txBox="1"/>
+          <p:nvPr/>
+        </p:nvSpPr>
+        <p:spPr>
+          <a:xfrm>
+            <a:off x="3133587" y="5610287"/>
+            <a:ext cx="1463040" cy="369332"/>
+          </a:xfrm>
+          <a:prstGeom prst="rect">
+            <a:avLst/>
+          </a:prstGeom>
+          <a:noFill/>
+        </p:spPr>
+        <p:txBody>
+          <a:bodyPr wrap="square" rtlCol="0">
+            <a:spAutoFit/>
+          </a:bodyPr>
+          <a:lstStyle/>
+          <a:p>
+            <a:r>
+              <a:rPr lang="en-US" dirty="0"/>
+              <a:t>Source:</a:t>
+            </a:r>
+          </a:p>
+        </p:txBody>
+      </p:sp>
+      <p:pic>
+        <p:nvPicPr>
+          <p:cNvPr id="6" name="Picture 5">
+            <a:extLst>
+              <a:ext uri="{FF2B5EF4-FFF2-40B4-BE49-F238E27FC236}">
+                <a16:creationId xmlns:a16="http://schemas.microsoft.com/office/drawing/2014/main" id="{4153B4F8-40B1-8945-A736-F916B6F9888A}"/>
+              </a:ext>
+            </a:extLst>
+          </p:cNvPr>
+          <p:cNvPicPr>
+            <a:picLocks noChangeAspect="1"/>
+          </p:cNvPicPr>
+          <p:nvPr/>
+        </p:nvPicPr>
+        <p:blipFill>
+          <a:blip r:embed="rId3"/>
+          <a:stretch>
+            <a:fillRect/>
+          </a:stretch>
+        </p:blipFill>
+        <p:spPr>
+          <a:xfrm>
+            <a:off x="4165600" y="75411"/>
+            <a:ext cx="8026400" cy="2616200"/>
+          </a:xfrm>
+          <a:prstGeom prst="rect">
+            <a:avLst/>
+          </a:prstGeom>
+        </p:spPr>
+      </p:pic>
+      <p:pic>
+        <p:nvPicPr>
+          <p:cNvPr id="7" name="Picture 6">
+            <a:extLst>
+              <a:ext uri="{FF2B5EF4-FFF2-40B4-BE49-F238E27FC236}">
+                <a16:creationId xmlns:a16="http://schemas.microsoft.com/office/drawing/2014/main" id="{16D09B02-58DF-2048-AADA-CDEAE8F97CA2}"/>
+              </a:ext>
+            </a:extLst>
+          </p:cNvPr>
+          <p:cNvPicPr>
+            <a:picLocks noChangeAspect="1"/>
+          </p:cNvPicPr>
+          <p:nvPr/>
+        </p:nvPicPr>
+        <p:blipFill>
+          <a:blip r:embed="rId4"/>
+          <a:stretch>
+            <a:fillRect/>
+          </a:stretch>
+        </p:blipFill>
+        <p:spPr>
+          <a:xfrm>
+            <a:off x="4165600" y="2821442"/>
+            <a:ext cx="8013700" cy="2336800"/>
+          </a:xfrm>
+          <a:prstGeom prst="rect">
+            <a:avLst/>
+          </a:prstGeom>
+        </p:spPr>
+      </p:pic>
+      <p:pic>
+        <p:nvPicPr>
+          <p:cNvPr id="8" name="Picture 7">
+            <a:extLst>
+              <a:ext uri="{FF2B5EF4-FFF2-40B4-BE49-F238E27FC236}">
+                <a16:creationId xmlns:a16="http://schemas.microsoft.com/office/drawing/2014/main" id="{9D18C182-F213-A04D-8901-DBB4932B1239}"/>
+              </a:ext>
+            </a:extLst>
+          </p:cNvPr>
+          <p:cNvPicPr>
+            <a:picLocks noChangeAspect="1"/>
+          </p:cNvPicPr>
+          <p:nvPr/>
+        </p:nvPicPr>
+        <p:blipFill>
+          <a:blip r:embed="rId5"/>
+          <a:stretch>
+            <a:fillRect/>
+          </a:stretch>
+        </p:blipFill>
+        <p:spPr>
+          <a:xfrm>
+            <a:off x="0" y="1838099"/>
+            <a:ext cx="4154535" cy="3254827"/>
+          </a:xfrm>
+          <a:prstGeom prst="rect">
+            <a:avLst/>
+          </a:prstGeom>
+        </p:spPr>
+      </p:pic>
+    </p:spTree>
+    <p:extLst>
+      <p:ext uri="{BB962C8B-B14F-4D97-AF65-F5344CB8AC3E}">
+        <p14:creationId xmlns:p14="http://schemas.microsoft.com/office/powerpoint/2010/main" val="3900789438"/>
+      </p:ext>
+    </p:extLst>
+  </p:cSld>
+  <p:clrMapOvr>
+    <a:masterClrMapping/>
+  </p:clrMapOvr>
+  <mc:AlternateContent xmlns:mc="http://schemas.openxmlformats.org/markup-compatibility/2006" xmlns:p15="http://schemas.microsoft.com/office/powerpoint/2012/main">
+    <mc:Choice Requires="p15">
+      <p:transition xmlns:p14="http://schemas.microsoft.com/office/powerpoint/2010/main" spd="slow" p14:dur="2000">
+        <p15:prstTrans prst="drape"/>
+      </p:transition>
+    </mc:Choice>
+    <mc:Fallback xmlns="">
+      <p:transition spd="slow">
+        <p:fade/>
+      </p:transition>
+    </mc:Fallback>
+  </mc:AlternateContent>
+</p:sld>
+</file>
+
+<file path=ppt/slides/slide16.xml><?xml version="1.0" encoding="utf-8"?>
+<p:sld xmlns:a="http://schemas.openxmlformats.org/drawingml/2006/main" xmlns:r="http://schemas.openxmlformats.org/officeDocument/2006/relationships" xmlns:p="http://schemas.openxmlformats.org/presentationml/2006/main">
+  <p:cSld>
+    <p:spTree>
+      <p:nvGrpSpPr>
+        <p:cNvPr id="1" name=""/>
+        <p:cNvGrpSpPr/>
+        <p:nvPr/>
+      </p:nvGrpSpPr>
+      <p:grpSpPr>
+        <a:xfrm>
+          <a:off x="0" y="0"/>
+          <a:ext cx="0" cy="0"/>
+          <a:chOff x="0" y="0"/>
+          <a:chExt cx="0" cy="0"/>
+        </a:xfrm>
+      </p:grpSpPr>
+      <p:sp>
+        <p:nvSpPr>
+          <p:cNvPr id="2" name="Title 1">
+            <a:extLst>
+              <a:ext uri="{FF2B5EF4-FFF2-40B4-BE49-F238E27FC236}">
+                <a16:creationId xmlns:a16="http://schemas.microsoft.com/office/drawing/2014/main" id="{07C710AF-2F4F-3D43-B36F-54CD3CD3A041}"/>
+              </a:ext>
+            </a:extLst>
+          </p:cNvPr>
+          <p:cNvSpPr>
+            <a:spLocks noGrp="1"/>
+          </p:cNvSpPr>
+          <p:nvPr>
+            <p:ph type="title"/>
+          </p:nvPr>
+        </p:nvSpPr>
+        <p:spPr>
+          <a:xfrm>
+            <a:off x="0" y="0"/>
+            <a:ext cx="3927764" cy="1325563"/>
+          </a:xfrm>
+        </p:spPr>
+        <p:txBody>
+          <a:bodyPr/>
+          <a:lstStyle/>
+          <a:p>
+            <a:r>
+              <a:rPr lang="en-US" dirty="0"/>
+              <a:t>Scheduling Plans</a:t>
+            </a:r>
+          </a:p>
+        </p:txBody>
+      </p:sp>
+      <p:sp>
+        <p:nvSpPr>
+          <p:cNvPr id="3" name="Content Placeholder 2">
+            <a:extLst>
+              <a:ext uri="{FF2B5EF4-FFF2-40B4-BE49-F238E27FC236}">
+                <a16:creationId xmlns:a16="http://schemas.microsoft.com/office/drawing/2014/main" id="{A4FD1ED8-29EF-5B47-B3B5-7E0835781095}"/>
+              </a:ext>
+            </a:extLst>
+          </p:cNvPr>
+          <p:cNvSpPr>
+            <a:spLocks noGrp="1"/>
+          </p:cNvSpPr>
+          <p:nvPr>
+            <p:ph idx="1"/>
+          </p:nvPr>
+        </p:nvSpPr>
+        <p:spPr/>
+        <p:txBody>
+          <a:bodyPr/>
+          <a:lstStyle/>
+          <a:p>
+            <a:r>
+              <a:rPr lang="en-US" dirty="0"/>
+              <a:t>Sequential execution requires 74 days. One possible order is: devise logo-&gt;seize control-&gt;get shots-&gt;build fleet-&gt;open chains-&gt;</a:t>
+            </a:r>
+            <a:br>
+              <a:rPr lang="en-US" dirty="0"/>
+            </a:br>
+            <a:r>
+              <a:rPr lang="en-US" dirty="0"/>
+              <a:t>train army-&gt;launch fleet-&gt;defeat Microsoft.</a:t>
+            </a:r>
+          </a:p>
+          <a:p>
+            <a:r>
+              <a:rPr lang="en-US" dirty="0"/>
+              <a:t>Estimation based on equal division of work is too optimistic and gives 37 days. This ideal parallelism cannot be achieved here due to interdependencies between tasks of different weights.</a:t>
+            </a:r>
+          </a:p>
+          <a:p>
+            <a:r>
+              <a:rPr lang="en-US" dirty="0"/>
+              <a:t>Estimation based on critical path is also too low and gives 39 days. It cannot be achieved, as blindly following the critical path would result in extra 2 days of idle time.</a:t>
+            </a:r>
+          </a:p>
+          <a:p>
+            <a:r>
+              <a:rPr lang="en-US" dirty="0"/>
+              <a:t>The minimum number of days to finish the project is 40 days.</a:t>
+            </a:r>
+          </a:p>
+        </p:txBody>
+      </p:sp>
+      <p:pic>
+        <p:nvPicPr>
+          <p:cNvPr id="4" name="Picture 3">
+            <a:extLst>
+              <a:ext uri="{FF2B5EF4-FFF2-40B4-BE49-F238E27FC236}">
+                <a16:creationId xmlns:a16="http://schemas.microsoft.com/office/drawing/2014/main" id="{797997D3-2836-EF48-92AC-F7200FCD82A5}"/>
+              </a:ext>
+            </a:extLst>
+          </p:cNvPr>
+          <p:cNvPicPr>
+            <a:picLocks noChangeAspect="1"/>
+          </p:cNvPicPr>
+          <p:nvPr/>
+        </p:nvPicPr>
+        <p:blipFill>
+          <a:blip r:embed="rId2"/>
+          <a:stretch>
+            <a:fillRect/>
+          </a:stretch>
+        </p:blipFill>
+        <p:spPr>
+          <a:xfrm>
+            <a:off x="4140200" y="1588"/>
+            <a:ext cx="8051800" cy="1689100"/>
+          </a:xfrm>
+          <a:prstGeom prst="rect">
+            <a:avLst/>
+          </a:prstGeom>
+        </p:spPr>
+      </p:pic>
+    </p:spTree>
+    <p:extLst>
+      <p:ext uri="{BB962C8B-B14F-4D97-AF65-F5344CB8AC3E}">
+        <p14:creationId xmlns:p14="http://schemas.microsoft.com/office/powerpoint/2010/main" val="1359481260"/>
+      </p:ext>
+    </p:extLst>
+  </p:cSld>
+  <p:clrMapOvr>
+    <a:masterClrMapping/>
+  </p:clrMapOvr>
+  <mc:AlternateContent xmlns:mc="http://schemas.openxmlformats.org/markup-compatibility/2006" xmlns:p15="http://schemas.microsoft.com/office/powerpoint/2012/main">
+    <mc:Choice Requires="p15">
+      <p:transition xmlns:p14="http://schemas.microsoft.com/office/powerpoint/2010/main" spd="slow" p14:dur="2000">
+        <p15:prstTrans prst="drape"/>
+      </p:transition>
+    </mc:Choice>
+    <mc:Fallback xmlns="">
+      <p:transition spd="slow">
+        <p:fade/>
+      </p:transition>
+    </mc:Fallback>
+  </mc:AlternateContent>
+  <p:timing>
+    <p:tnLst>
+      <p:par>
+        <p:cTn id="1" dur="indefinite" restart="never" nodeType="tmRoot">
+          <p:childTnLst>
+            <p:seq concurrent="1" nextAc="seek">
+              <p:cTn id="2" dur="indefinite" nodeType="mainSeq">
+                <p:childTnLst>
+                  <p:par>
+                    <p:cTn id="3" fill="hold">
+                      <p:stCondLst>
+                        <p:cond delay="indefinite"/>
+                      </p:stCondLst>
+                      <p:childTnLst>
+                        <p:par>
+                          <p:cTn id="4" fill="hold">
+                            <p:stCondLst>
+                              <p:cond delay="0"/>
+                            </p:stCondLst>
+                            <p:childTnLst>
+                              <p:par>
+                                <p:cTn id="5" presetID="2" presetClass="entr" presetSubtype="4" fill="hold" grpId="0" nodeType="clickEffect">
+                                  <p:stCondLst>
+                                    <p:cond delay="0"/>
+                                  </p:stCondLst>
+                                  <p:childTnLst>
+                                    <p:set>
+                                      <p:cBhvr>
+                                        <p:cTn id="6" dur="1" fill="hold">
+                                          <p:stCondLst>
+                                            <p:cond delay="0"/>
+                                          </p:stCondLst>
+                                        </p:cTn>
+                                        <p:tgtEl>
+                                          <p:spTgt spid="3">
+                                            <p:txEl>
+                                              <p:pRg st="0" end="0"/>
+                                            </p:txEl>
+                                          </p:spTgt>
+                                        </p:tgtEl>
+                                        <p:attrNameLst>
+                                          <p:attrName>style.visibility</p:attrName>
+                                        </p:attrNameLst>
+                                      </p:cBhvr>
+                                      <p:to>
+                                        <p:strVal val="visible"/>
+                                      </p:to>
+                                    </p:set>
+                                    <p:anim calcmode="lin" valueType="num">
+                                      <p:cBhvr additive="base">
+                                        <p:cTn id="7" dur="500" fill="hold"/>
+                                        <p:tgtEl>
+                                          <p:spTgt spid="3">
+                                            <p:txEl>
+                                              <p:pRg st="0" end="0"/>
+                                            </p:txEl>
+                                          </p:spTgt>
+                                        </p:tgtEl>
+                                        <p:attrNameLst>
+                                          <p:attrName>ppt_x</p:attrName>
+                                        </p:attrNameLst>
+                                      </p:cBhvr>
+                                      <p:tavLst>
+                                        <p:tav tm="0">
+                                          <p:val>
+                                            <p:strVal val="#ppt_x"/>
+                                          </p:val>
+                                        </p:tav>
+                                        <p:tav tm="100000">
+                                          <p:val>
+                                            <p:strVal val="#ppt_x"/>
+                                          </p:val>
+                                        </p:tav>
+                                      </p:tavLst>
+                                    </p:anim>
+                                    <p:anim calcmode="lin" valueType="num">
+                                      <p:cBhvr additive="base">
+                                        <p:cTn id="8" dur="500" fill="hold"/>
+                                        <p:tgtEl>
+                                          <p:spTgt spid="3">
+                                            <p:txEl>
+                                              <p:pRg st="0" end="0"/>
+                                            </p:txEl>
+                                          </p:spTgt>
+                                        </p:tgtEl>
+                                        <p:attrNameLst>
+                                          <p:attrName>ppt_y</p:attrName>
+                                        </p:attrNameLst>
+                                      </p:cBhvr>
+                                      <p:tavLst>
+                                        <p:tav tm="0">
+                                          <p:val>
+                                            <p:strVal val="1+#ppt_h/2"/>
+                                          </p:val>
+                                        </p:tav>
+                                        <p:tav tm="100000">
+                                          <p:val>
+                                            <p:strVal val="#ppt_y"/>
+                                          </p:val>
+                                        </p:tav>
+                                      </p:tavLst>
+                                    </p:anim>
+                                  </p:childTnLst>
+                                </p:cTn>
+                              </p:par>
+                            </p:childTnLst>
+                          </p:cTn>
+                        </p:par>
+                      </p:childTnLst>
+                    </p:cTn>
+                  </p:par>
+                  <p:par>
+                    <p:cTn id="9" fill="hold">
+                      <p:stCondLst>
+                        <p:cond delay="indefinite"/>
+                      </p:stCondLst>
+                      <p:childTnLst>
+                        <p:par>
+                          <p:cTn id="10" fill="hold">
+                            <p:stCondLst>
+                              <p:cond delay="0"/>
+                            </p:stCondLst>
+                            <p:childTnLst>
+                              <p:par>
+                                <p:cTn id="11" presetID="6" presetClass="entr" presetSubtype="16" fill="hold" nodeType="clickEffect">
+                                  <p:stCondLst>
+                                    <p:cond delay="0"/>
+                                  </p:stCondLst>
+                                  <p:childTnLst>
+                                    <p:set>
+                                      <p:cBhvr>
+                                        <p:cTn id="12" dur="1" fill="hold">
+                                          <p:stCondLst>
+                                            <p:cond delay="0"/>
+                                          </p:stCondLst>
+                                        </p:cTn>
+                                        <p:tgtEl>
+                                          <p:spTgt spid="4"/>
+                                        </p:tgtEl>
+                                        <p:attrNameLst>
+                                          <p:attrName>style.visibility</p:attrName>
+                                        </p:attrNameLst>
+                                      </p:cBhvr>
+                                      <p:to>
+                                        <p:strVal val="visible"/>
+                                      </p:to>
+                                    </p:set>
+                                    <p:animEffect transition="in" filter="circle(in)">
+                                      <p:cBhvr>
+                                        <p:cTn id="13" dur="2000"/>
+                                        <p:tgtEl>
+                                          <p:spTgt spid="4"/>
+                                        </p:tgtEl>
+                                      </p:cBhvr>
+                                    </p:animEffect>
+                                  </p:childTnLst>
+                                </p:cTn>
+                              </p:par>
+                            </p:childTnLst>
+                          </p:cTn>
+                        </p:par>
+                      </p:childTnLst>
+                    </p:cTn>
+                  </p:par>
+                  <p:par>
+                    <p:cTn id="14" fill="hold">
+                      <p:stCondLst>
+                        <p:cond delay="indefinite"/>
+                      </p:stCondLst>
+                      <p:childTnLst>
+                        <p:par>
+                          <p:cTn id="15" fill="hold">
+                            <p:stCondLst>
+                              <p:cond delay="0"/>
+                            </p:stCondLst>
+                            <p:childTnLst>
+                              <p:par>
+                                <p:cTn id="16" presetID="2" presetClass="entr" presetSubtype="4" fill="hold" grpId="0" nodeType="clickEffect">
+                                  <p:stCondLst>
+                                    <p:cond delay="0"/>
+                                  </p:stCondLst>
+                                  <p:childTnLst>
+                                    <p:set>
+                                      <p:cBhvr>
+                                        <p:cTn id="17" dur="1" fill="hold">
+                                          <p:stCondLst>
+                                            <p:cond delay="0"/>
+                                          </p:stCondLst>
+                                        </p:cTn>
+                                        <p:tgtEl>
+                                          <p:spTgt spid="3">
+                                            <p:txEl>
+                                              <p:pRg st="1" end="1"/>
+                                            </p:txEl>
+                                          </p:spTgt>
+                                        </p:tgtEl>
+                                        <p:attrNameLst>
+                                          <p:attrName>style.visibility</p:attrName>
+                                        </p:attrNameLst>
+                                      </p:cBhvr>
+                                      <p:to>
+                                        <p:strVal val="visible"/>
+                                      </p:to>
+                                    </p:set>
+                                    <p:anim calcmode="lin" valueType="num">
+                                      <p:cBhvr additive="base">
+                                        <p:cTn id="18" dur="500" fill="hold"/>
+                                        <p:tgtEl>
+                                          <p:spTgt spid="3">
+                                            <p:txEl>
+                                              <p:pRg st="1" end="1"/>
+                                            </p:txEl>
+                                          </p:spTgt>
+                                        </p:tgtEl>
+                                        <p:attrNameLst>
+                                          <p:attrName>ppt_x</p:attrName>
+                                        </p:attrNameLst>
+                                      </p:cBhvr>
+                                      <p:tavLst>
+                                        <p:tav tm="0">
+                                          <p:val>
+                                            <p:strVal val="#ppt_x"/>
+                                          </p:val>
+                                        </p:tav>
+                                        <p:tav tm="100000">
+                                          <p:val>
+                                            <p:strVal val="#ppt_x"/>
+                                          </p:val>
+                                        </p:tav>
+                                      </p:tavLst>
+                                    </p:anim>
+                                    <p:anim calcmode="lin" valueType="num">
+                                      <p:cBhvr additive="base">
+                                        <p:cTn id="19" dur="500" fill="hold"/>
+                                        <p:tgtEl>
+                                          <p:spTgt spid="3">
+                                            <p:txEl>
+                                              <p:pRg st="1" end="1"/>
+                                            </p:txEl>
+                                          </p:spTgt>
+                                        </p:tgtEl>
+                                        <p:attrNameLst>
+                                          <p:attrName>ppt_y</p:attrName>
+                                        </p:attrNameLst>
+                                      </p:cBhvr>
+                                      <p:tavLst>
+                                        <p:tav tm="0">
+                                          <p:val>
+                                            <p:strVal val="1+#ppt_h/2"/>
+                                          </p:val>
+                                        </p:tav>
+                                        <p:tav tm="100000">
+                                          <p:val>
+                                            <p:strVal val="#ppt_y"/>
+                                          </p:val>
+                                        </p:tav>
+                                      </p:tavLst>
+                                    </p:anim>
+                                  </p:childTnLst>
+                                </p:cTn>
+                              </p:par>
+                            </p:childTnLst>
+                          </p:cTn>
+                        </p:par>
+                      </p:childTnLst>
+                    </p:cTn>
+                  </p:par>
+                  <p:par>
+                    <p:cTn id="20" fill="hold">
+                      <p:stCondLst>
+                        <p:cond delay="indefinite"/>
+                      </p:stCondLst>
+                      <p:childTnLst>
+                        <p:par>
+                          <p:cTn id="21" fill="hold">
+                            <p:stCondLst>
+                              <p:cond delay="0"/>
+                            </p:stCondLst>
+                            <p:childTnLst>
+                              <p:par>
+                                <p:cTn id="22" presetID="2" presetClass="entr" presetSubtype="4" fill="hold" grpId="0" nodeType="clickEffect">
+                                  <p:stCondLst>
+                                    <p:cond delay="0"/>
+                                  </p:stCondLst>
+                                  <p:childTnLst>
+                                    <p:set>
+                                      <p:cBhvr>
+                                        <p:cTn id="23" dur="1" fill="hold">
+                                          <p:stCondLst>
+                                            <p:cond delay="0"/>
+                                          </p:stCondLst>
+                                        </p:cTn>
+                                        <p:tgtEl>
+                                          <p:spTgt spid="3">
+                                            <p:txEl>
+                                              <p:pRg st="2" end="2"/>
+                                            </p:txEl>
+                                          </p:spTgt>
+                                        </p:tgtEl>
+                                        <p:attrNameLst>
+                                          <p:attrName>style.visibility</p:attrName>
+                                        </p:attrNameLst>
+                                      </p:cBhvr>
+                                      <p:to>
+                                        <p:strVal val="visible"/>
+                                      </p:to>
+                                    </p:set>
+                                    <p:anim calcmode="lin" valueType="num">
+                                      <p:cBhvr additive="base">
+                                        <p:cTn id="24" dur="500" fill="hold"/>
+                                        <p:tgtEl>
+                                          <p:spTgt spid="3">
+                                            <p:txEl>
+                                              <p:pRg st="2" end="2"/>
+                                            </p:txEl>
+                                          </p:spTgt>
+                                        </p:tgtEl>
+                                        <p:attrNameLst>
+                                          <p:attrName>ppt_x</p:attrName>
+                                        </p:attrNameLst>
+                                      </p:cBhvr>
+                                      <p:tavLst>
+                                        <p:tav tm="0">
+                                          <p:val>
+                                            <p:strVal val="#ppt_x"/>
+                                          </p:val>
+                                        </p:tav>
+                                        <p:tav tm="100000">
+                                          <p:val>
+                                            <p:strVal val="#ppt_x"/>
+                                          </p:val>
+                                        </p:tav>
+                                      </p:tavLst>
+                                    </p:anim>
+                                    <p:anim calcmode="lin" valueType="num">
+                                      <p:cBhvr additive="base">
+                                        <p:cTn id="25" dur="500" fill="hold"/>
+                                        <p:tgtEl>
+                                          <p:spTgt spid="3">
+                                            <p:txEl>
+                                              <p:pRg st="2" end="2"/>
+                                            </p:txEl>
+                                          </p:spTgt>
+                                        </p:tgtEl>
+                                        <p:attrNameLst>
+                                          <p:attrName>ppt_y</p:attrName>
+                                        </p:attrNameLst>
+                                      </p:cBhvr>
+                                      <p:tavLst>
+                                        <p:tav tm="0">
+                                          <p:val>
+                                            <p:strVal val="1+#ppt_h/2"/>
+                                          </p:val>
+                                        </p:tav>
+                                        <p:tav tm="100000">
+                                          <p:val>
+                                            <p:strVal val="#ppt_y"/>
+                                          </p:val>
+                                        </p:tav>
+                                      </p:tavLst>
+                                    </p:anim>
+                                  </p:childTnLst>
+                                </p:cTn>
+                              </p:par>
+                            </p:childTnLst>
+                          </p:cTn>
+                        </p:par>
+                      </p:childTnLst>
+                    </p:cTn>
+                  </p:par>
+                  <p:par>
+                    <p:cTn id="26" fill="hold">
+                      <p:stCondLst>
+                        <p:cond delay="indefinite"/>
+                      </p:stCondLst>
+                      <p:childTnLst>
+                        <p:par>
+                          <p:cTn id="27" fill="hold">
+                            <p:stCondLst>
+                              <p:cond delay="0"/>
+                            </p:stCondLst>
+                            <p:childTnLst>
+                              <p:par>
+                                <p:cTn id="28" presetID="2" presetClass="entr" presetSubtype="4" fill="hold" grpId="0" nodeType="clickEffect">
+                                  <p:stCondLst>
+                                    <p:cond delay="0"/>
+                                  </p:stCondLst>
+                                  <p:childTnLst>
+                                    <p:set>
+                                      <p:cBhvr>
+                                        <p:cTn id="29" dur="1" fill="hold">
+                                          <p:stCondLst>
+                                            <p:cond delay="0"/>
+                                          </p:stCondLst>
+                                        </p:cTn>
+                                        <p:tgtEl>
+                                          <p:spTgt spid="3">
+                                            <p:txEl>
+                                              <p:pRg st="3" end="3"/>
+                                            </p:txEl>
+                                          </p:spTgt>
+                                        </p:tgtEl>
+                                        <p:attrNameLst>
+                                          <p:attrName>style.visibility</p:attrName>
+                                        </p:attrNameLst>
+                                      </p:cBhvr>
+                                      <p:to>
+                                        <p:strVal val="visible"/>
+                                      </p:to>
+                                    </p:set>
+                                    <p:anim calcmode="lin" valueType="num">
+                                      <p:cBhvr additive="base">
+                                        <p:cTn id="30" dur="500" fill="hold"/>
+                                        <p:tgtEl>
+                                          <p:spTgt spid="3">
+                                            <p:txEl>
+                                              <p:pRg st="3" end="3"/>
+                                            </p:txEl>
+                                          </p:spTgt>
+                                        </p:tgtEl>
+                                        <p:attrNameLst>
+                                          <p:attrName>ppt_x</p:attrName>
+                                        </p:attrNameLst>
+                                      </p:cBhvr>
+                                      <p:tavLst>
+                                        <p:tav tm="0">
+                                          <p:val>
+                                            <p:strVal val="#ppt_x"/>
+                                          </p:val>
+                                        </p:tav>
+                                        <p:tav tm="100000">
+                                          <p:val>
+                                            <p:strVal val="#ppt_x"/>
+                                          </p:val>
+                                        </p:tav>
+                                      </p:tavLst>
+                                    </p:anim>
+                                    <p:anim calcmode="lin" valueType="num">
+                                      <p:cBhvr additive="base">
+                                        <p:cTn id="31" dur="500" fill="hold"/>
+                                        <p:tgtEl>
+                                          <p:spTgt spid="3">
+                                            <p:txEl>
+                                              <p:pRg st="3" end="3"/>
+                                            </p:txEl>
+                                          </p:spTgt>
+                                        </p:tgtEl>
+                                        <p:attrNameLst>
+                                          <p:attrName>ppt_y</p:attrName>
+                                        </p:attrNameLst>
+                                      </p:cBhvr>
+                                      <p:tavLst>
+                                        <p:tav tm="0">
+                                          <p:val>
+                                            <p:strVal val="1+#ppt_h/2"/>
+                                          </p:val>
+                                        </p:tav>
+                                        <p:tav tm="100000">
+                                          <p:val>
+                                            <p:strVal val="#ppt_y"/>
+                                          </p:val>
+                                        </p:tav>
+                                      </p:tavLst>
+                                    </p:anim>
+                                  </p:childTnLst>
+                                </p:cTn>
+                              </p:par>
+                            </p:childTnLst>
+                          </p:cTn>
+                        </p:par>
+                      </p:childTnLst>
+                    </p:cTn>
+                  </p:par>
+                </p:childTnLst>
+              </p:cTn>
+              <p:prevCondLst>
+                <p:cond evt="onPrev" delay="0">
+                  <p:tgtEl>
+                    <p:sldTgt/>
+                  </p:tgtEl>
+                </p:cond>
+              </p:prevCondLst>
+              <p:nextCondLst>
+                <p:cond evt="onNext" delay="0">
+                  <p:tgtEl>
+                    <p:sldTgt/>
+                  </p:tgtEl>
+                </p:cond>
+              </p:nextCondLst>
+            </p:seq>
+          </p:childTnLst>
+        </p:cTn>
+      </p:par>
+    </p:tnLst>
+    <p:bldLst>
+      <p:bldP spid="3" grpId="0" uiExpand="1" build="p"/>
+    </p:bldLst>
+  </p:timing>
+</p:sld>
+</file>
+
+<file path=ppt/slides/slide17.xml><?xml version="1.0" encoding="utf-8"?>
 <p:sld xmlns:a="http://schemas.openxmlformats.org/drawingml/2006/main" xmlns:r="http://schemas.openxmlformats.org/officeDocument/2006/relationships" xmlns:p="http://schemas.openxmlformats.org/presentationml/2006/main">
   <p:cSld>
     <p:bg>
@@ -14164,7 +15090,7 @@
               <a:tabLst/>
               <a:defRPr/>
             </a:pPr>
-            <a:endParaRPr kumimoji="0" lang="en-US" sz="1800" b="0" i="0" u="none" strike="noStrike" kern="1200" cap="none" spc="0" normalizeH="0" baseline="0" noProof="0">
+            <a:endParaRPr kumimoji="0" lang="en-US" sz="1800" b="0" i="0" u="none" strike="noStrike" kern="1200" cap="none" spc="0" normalizeH="0" baseline="0" noProof="0" dirty="0">
               <a:ln>
                 <a:noFill/>
               </a:ln>
@@ -14211,7 +15137,7 @@
           <a:p>
             <a:pPr algn="r"/>
             <a:r>
-              <a:rPr lang="en-US" sz="4800">
+              <a:rPr lang="en-US" sz="4800" dirty="0">
                 <a:solidFill>
                   <a:srgbClr val="FFFFFF"/>
                 </a:solidFill>
@@ -14345,7 +15271,7 @@
 </p:sld>
 </file>
 
-<file path=ppt/slides/slide16.xml><?xml version="1.0" encoding="utf-8"?>
+<file path=ppt/slides/slide18.xml><?xml version="1.0" encoding="utf-8"?>
 <p:sld xmlns:a="http://schemas.openxmlformats.org/drawingml/2006/main" xmlns:r="http://schemas.openxmlformats.org/officeDocument/2006/relationships" xmlns:p="http://schemas.openxmlformats.org/presentationml/2006/main">
   <p:cSld>
     <p:bg>
@@ -14592,7 +15518,7 @@
 </p:sld>
 </file>
 
-<file path=ppt/slides/slide17.xml><?xml version="1.0" encoding="utf-8"?>
+<file path=ppt/slides/slide19.xml><?xml version="1.0" encoding="utf-8"?>
 <p:sld xmlns:a="http://schemas.openxmlformats.org/drawingml/2006/main" xmlns:r="http://schemas.openxmlformats.org/officeDocument/2006/relationships" xmlns:p="http://schemas.openxmlformats.org/presentationml/2006/main">
   <p:cSld>
     <p:bg>
@@ -20015,8 +20941,8 @@
           </a:fontRef>
         </p:style>
       </p:cxnSp>
-      <mc:AlternateContent xmlns:mc="http://schemas.openxmlformats.org/markup-compatibility/2006" xmlns:a14="http://schemas.microsoft.com/office/drawing/2010/main">
-        <mc:Choice Requires="a14">
+      <mc:AlternateContent xmlns:mc="http://schemas.openxmlformats.org/markup-compatibility/2006">
+        <mc:Choice xmlns:a14="http://schemas.microsoft.com/office/drawing/2010/main" Requires="a14">
           <p:sp>
             <p:nvSpPr>
               <p:cNvPr id="3" name="Content Placeholder 2">
@@ -20474,7 +21400,7 @@
             </p:txBody>
           </p:sp>
         </mc:Choice>
-        <mc:Fallback xmlns="">
+        <mc:Fallback>
           <p:sp>
             <p:nvSpPr>
               <p:cNvPr id="3" name="Content Placeholder 2">
